--- a/afp_challenge/afp_challenge_deck.pptx
+++ b/afp_challenge/afp_challenge_deck.pptx
@@ -46,8 +46,8 @@
     <p:handoutMasterId r:id="rId42"/>
   </p:handoutMasterIdLst>
   <p:sldIdLst>
-    <p:sldId id="326" r:id="rId37"/>
-    <p:sldId id="322" r:id="rId38"/>
+    <p:sldId id="322" r:id="rId37"/>
+    <p:sldId id="329" r:id="rId38"/>
     <p:sldId id="324" r:id="rId39"/>
     <p:sldId id="328" r:id="rId40"/>
   </p:sldIdLst>
@@ -163,6 +163,9 @@
         </p15:guide>
       </p15:sldGuideLst>
     </p:ext>
+    <p:ext uri="{2D200454-40CA-4A62-9FC3-DE9A4176ACB9}">
+      <p15:notesGuideLst xmlns:p15="http://schemas.microsoft.com/office/powerpoint/2012/main"/>
+    </p:ext>
   </p:extLst>
 </p:presentation>
 </file>
@@ -261,7 +264,7 @@
           <a:p>
             <a:fld id="{B26E8D97-9402-F04C-99E3-D412E7C9F19A}" type="datetimeFigureOut">
               <a:rPr lang="en-US" smtClean="0"/>
-              <a:t>7/21/24</a:t>
+              <a:t>7/22/24</a:t>
             </a:fld>
             <a:endParaRPr lang="en-US"/>
           </a:p>
@@ -443,7 +446,7 @@
             <a:fld id="{B6659933-B74B-4AB3-9099-B51777DD3137}" type="datetimeFigureOut">
               <a:rPr lang="en-US"/>
               <a:pPr/>
-              <a:t>7/21/24</a:t>
+              <a:t>7/22/24</a:t>
             </a:fld>
             <a:endParaRPr lang="en-US" dirty="0"/>
           </a:p>
@@ -765,14 +768,14 @@
             </a:r>
             <a:r>
               <a:rPr lang="en-US" baseline="0" dirty="0"/>
-              <a:t> Half background</a:t>
+              <a:t> Strategy List</a:t>
             </a:r>
             <a:endParaRPr lang="en-US" dirty="0"/>
           </a:p>
           <a:p>
             <a:r>
               <a:rPr lang="en-US" dirty="0"/>
-              <a:t>Category: Sections</a:t>
+              <a:t>Category: Timelines, Images</a:t>
             </a:r>
           </a:p>
           <a:p>
@@ -782,7 +785,7 @@
             </a:r>
             <a:r>
               <a:rPr lang="en-US" baseline="0" dirty="0"/>
-              <a:t> section, title, background, image, picture, half, coffee</a:t>
+              <a:t> timeline, plan, icon, date, bullets, bullet points, list</a:t>
             </a:r>
             <a:endParaRPr lang="en-US" dirty="0"/>
           </a:p>
@@ -815,7 +818,7 @@
     </p:spTree>
     <p:extLst>
       <p:ext uri="{BB962C8B-B14F-4D97-AF65-F5344CB8AC3E}">
-        <p14:creationId xmlns:p14="http://schemas.microsoft.com/office/powerpoint/2010/main" val="2943270336"/>
+        <p14:creationId xmlns:p14="http://schemas.microsoft.com/office/powerpoint/2010/main" val="1800474264"/>
       </p:ext>
     </p:extLst>
   </p:cSld>
@@ -875,14 +878,14 @@
             </a:r>
             <a:r>
               <a:rPr lang="en-US" baseline="0" dirty="0"/>
-              <a:t> Strategy List</a:t>
+              <a:t> Our Idea</a:t>
             </a:r>
             <a:endParaRPr lang="en-US" dirty="0"/>
           </a:p>
           <a:p>
             <a:r>
               <a:rPr lang="en-US" dirty="0"/>
-              <a:t>Category: Timelines, Images</a:t>
+              <a:t>Category: Images</a:t>
             </a:r>
           </a:p>
           <a:p>
@@ -892,7 +895,7 @@
             </a:r>
             <a:r>
               <a:rPr lang="en-US" baseline="0" dirty="0"/>
-              <a:t> timeline, plan, icon, date, bullets, bullet points, list</a:t>
+              <a:t> background, image, picture, people, bulb, bullets, bullet points</a:t>
             </a:r>
             <a:endParaRPr lang="en-US" dirty="0"/>
           </a:p>
@@ -925,7 +928,7 @@
     </p:spTree>
     <p:extLst>
       <p:ext uri="{BB962C8B-B14F-4D97-AF65-F5344CB8AC3E}">
-        <p14:creationId xmlns:p14="http://schemas.microsoft.com/office/powerpoint/2010/main" val="1800474264"/>
+        <p14:creationId xmlns:p14="http://schemas.microsoft.com/office/powerpoint/2010/main" val="2957897921"/>
       </p:ext>
     </p:extLst>
   </p:cSld>
@@ -1200,7 +1203,7 @@
             <a:fld id="{03D76AB6-B36C-4EA7-B467-8C8C409B37E2}" type="datetimeFigureOut">
               <a:rPr lang="en-US"/>
               <a:pPr/>
-              <a:t>7/21/24</a:t>
+              <a:t>7/22/24</a:t>
             </a:fld>
             <a:endParaRPr lang="en-US"/>
           </a:p>
@@ -1374,7 +1377,7 @@
             <a:fld id="{03D76AB6-B36C-4EA7-B467-8C8C409B37E2}" type="datetimeFigureOut">
               <a:rPr lang="en-US"/>
               <a:pPr/>
-              <a:t>7/21/24</a:t>
+              <a:t>7/22/24</a:t>
             </a:fld>
             <a:endParaRPr lang="en-US"/>
           </a:p>
@@ -1536,7 +1539,7 @@
             <a:fld id="{03D76AB6-B36C-4EA7-B467-8C8C409B37E2}" type="datetimeFigureOut">
               <a:rPr lang="en-US"/>
               <a:pPr/>
-              <a:t>7/21/24</a:t>
+              <a:t>7/22/24</a:t>
             </a:fld>
             <a:endParaRPr lang="en-US"/>
           </a:p>
@@ -1835,7 +1838,7 @@
             <a:fld id="{03D76AB6-B36C-4EA7-B467-8C8C409B37E2}" type="datetimeFigureOut">
               <a:rPr lang="en-US"/>
               <a:pPr/>
-              <a:t>7/21/24</a:t>
+              <a:t>7/22/24</a:t>
             </a:fld>
             <a:endParaRPr lang="en-US"/>
           </a:p>
@@ -2085,7 +2088,7 @@
             <a:fld id="{03D76AB6-B36C-4EA7-B467-8C8C409B37E2}" type="datetimeFigureOut">
               <a:rPr lang="en-US"/>
               <a:pPr/>
-              <a:t>7/21/24</a:t>
+              <a:t>7/22/24</a:t>
             </a:fld>
             <a:endParaRPr lang="en-US"/>
           </a:p>
@@ -2259,7 +2262,7 @@
             <a:fld id="{03D76AB6-B36C-4EA7-B467-8C8C409B37E2}" type="datetimeFigureOut">
               <a:rPr lang="en-US"/>
               <a:pPr/>
-              <a:t>7/21/24</a:t>
+              <a:t>7/22/24</a:t>
             </a:fld>
             <a:endParaRPr lang="en-US"/>
           </a:p>
@@ -2463,7 +2466,7 @@
             <a:fld id="{03D76AB6-B36C-4EA7-B467-8C8C409B37E2}" type="datetimeFigureOut">
               <a:rPr lang="en-US"/>
               <a:pPr/>
-              <a:t>7/21/24</a:t>
+              <a:t>7/22/24</a:t>
             </a:fld>
             <a:endParaRPr lang="en-US"/>
           </a:p>
@@ -2692,7 +2695,7 @@
             <a:fld id="{03D76AB6-B36C-4EA7-B467-8C8C409B37E2}" type="datetimeFigureOut">
               <a:rPr lang="en-US"/>
               <a:pPr/>
-              <a:t>7/21/24</a:t>
+              <a:t>7/22/24</a:t>
             </a:fld>
             <a:endParaRPr lang="en-US"/>
           </a:p>
@@ -2866,7 +2869,7 @@
             <a:fld id="{03D76AB6-B36C-4EA7-B467-8C8C409B37E2}" type="datetimeFigureOut">
               <a:rPr lang="en-US"/>
               <a:pPr/>
-              <a:t>7/21/24</a:t>
+              <a:t>7/22/24</a:t>
             </a:fld>
             <a:endParaRPr lang="en-US"/>
           </a:p>
@@ -3040,7 +3043,7 @@
             <a:fld id="{03D76AB6-B36C-4EA7-B467-8C8C409B37E2}" type="datetimeFigureOut">
               <a:rPr lang="en-US"/>
               <a:pPr/>
-              <a:t>7/21/24</a:t>
+              <a:t>7/22/24</a:t>
             </a:fld>
             <a:endParaRPr lang="en-US"/>
           </a:p>
@@ -3255,7 +3258,7 @@
             <a:fld id="{03D76AB6-B36C-4EA7-B467-8C8C409B37E2}" type="datetimeFigureOut">
               <a:rPr lang="en-US"/>
               <a:pPr/>
-              <a:t>7/21/24</a:t>
+              <a:t>7/22/24</a:t>
             </a:fld>
             <a:endParaRPr lang="en-US"/>
           </a:p>
@@ -3555,7 +3558,7 @@
             <a:fld id="{03D76AB6-B36C-4EA7-B467-8C8C409B37E2}" type="datetimeFigureOut">
               <a:rPr lang="en-US"/>
               <a:pPr/>
-              <a:t>7/21/24</a:t>
+              <a:t>7/22/24</a:t>
             </a:fld>
             <a:endParaRPr lang="en-US"/>
           </a:p>
@@ -3837,7 +3840,7 @@
             <a:fld id="{03D76AB6-B36C-4EA7-B467-8C8C409B37E2}" type="datetimeFigureOut">
               <a:rPr lang="en-US"/>
               <a:pPr/>
-              <a:t>7/21/24</a:t>
+              <a:t>7/22/24</a:t>
             </a:fld>
             <a:endParaRPr lang="en-US"/>
           </a:p>
@@ -4116,7 +4119,7 @@
             <a:fld id="{03D76AB6-B36C-4EA7-B467-8C8C409B37E2}" type="datetimeFigureOut">
               <a:rPr lang="en-US"/>
               <a:pPr/>
-              <a:t>7/21/24</a:t>
+              <a:t>7/22/24</a:t>
             </a:fld>
             <a:endParaRPr lang="en-US"/>
           </a:p>
@@ -4416,7 +4419,7 @@
             <a:fld id="{03D76AB6-B36C-4EA7-B467-8C8C409B37E2}" type="datetimeFigureOut">
               <a:rPr lang="en-US"/>
               <a:pPr/>
-              <a:t>7/21/24</a:t>
+              <a:t>7/22/24</a:t>
             </a:fld>
             <a:endParaRPr lang="en-US"/>
           </a:p>
@@ -4753,7 +4756,7 @@
             <a:fld id="{03D76AB6-B36C-4EA7-B467-8C8C409B37E2}" type="datetimeFigureOut">
               <a:rPr lang="en-US"/>
               <a:pPr/>
-              <a:t>7/21/24</a:t>
+              <a:t>7/22/24</a:t>
             </a:fld>
             <a:endParaRPr lang="en-US"/>
           </a:p>
@@ -4927,7 +4930,7 @@
             <a:fld id="{03D76AB6-B36C-4EA7-B467-8C8C409B37E2}" type="datetimeFigureOut">
               <a:rPr lang="en-US"/>
               <a:pPr/>
-              <a:t>7/21/24</a:t>
+              <a:t>7/22/24</a:t>
             </a:fld>
             <a:endParaRPr lang="en-US"/>
           </a:p>
@@ -5101,7 +5104,7 @@
             <a:fld id="{03D76AB6-B36C-4EA7-B467-8C8C409B37E2}" type="datetimeFigureOut">
               <a:rPr lang="en-US"/>
               <a:pPr/>
-              <a:t>7/21/24</a:t>
+              <a:t>7/22/24</a:t>
             </a:fld>
             <a:endParaRPr lang="en-US"/>
           </a:p>
@@ -5674,7 +5677,7 @@
             <a:fld id="{03D76AB6-B36C-4EA7-B467-8C8C409B37E2}" type="datetimeFigureOut">
               <a:rPr lang="en-US"/>
               <a:pPr/>
-              <a:t>7/21/24</a:t>
+              <a:t>7/22/24</a:t>
             </a:fld>
             <a:endParaRPr lang="en-US"/>
           </a:p>
@@ -5848,7 +5851,7 @@
             <a:fld id="{03D76AB6-B36C-4EA7-B467-8C8C409B37E2}" type="datetimeFigureOut">
               <a:rPr lang="en-US"/>
               <a:pPr/>
-              <a:t>7/21/24</a:t>
+              <a:t>7/22/24</a:t>
             </a:fld>
             <a:endParaRPr lang="en-US"/>
           </a:p>
@@ -6030,7 +6033,7 @@
             <a:fld id="{03D76AB6-B36C-4EA7-B467-8C8C409B37E2}" type="datetimeFigureOut">
               <a:rPr lang="en-US"/>
               <a:pPr/>
-              <a:t>7/21/24</a:t>
+              <a:t>7/22/24</a:t>
             </a:fld>
             <a:endParaRPr lang="en-US"/>
           </a:p>
@@ -6139,7 +6142,7 @@
             <a:fld id="{03D76AB6-B36C-4EA7-B467-8C8C409B37E2}" type="datetimeFigureOut">
               <a:rPr lang="en-US"/>
               <a:pPr/>
-              <a:t>7/21/24</a:t>
+              <a:t>7/22/24</a:t>
             </a:fld>
             <a:endParaRPr lang="en-US"/>
           </a:p>
@@ -6309,7 +6312,7 @@
             <a:fld id="{03D76AB6-B36C-4EA7-B467-8C8C409B37E2}" type="datetimeFigureOut">
               <a:rPr lang="en-US"/>
               <a:pPr/>
-              <a:t>7/21/24</a:t>
+              <a:t>7/22/24</a:t>
             </a:fld>
             <a:endParaRPr lang="en-US"/>
           </a:p>
@@ -6654,7 +6657,7 @@
             <a:fld id="{03D76AB6-B36C-4EA7-B467-8C8C409B37E2}" type="datetimeFigureOut">
               <a:rPr lang="en-US"/>
               <a:pPr/>
-              <a:t>7/21/24</a:t>
+              <a:t>7/22/24</a:t>
             </a:fld>
             <a:endParaRPr lang="en-US"/>
           </a:p>
@@ -6763,7 +6766,7 @@
             <a:fld id="{03D76AB6-B36C-4EA7-B467-8C8C409B37E2}" type="datetimeFigureOut">
               <a:rPr lang="en-US"/>
               <a:pPr/>
-              <a:t>7/21/24</a:t>
+              <a:t>7/22/24</a:t>
             </a:fld>
             <a:endParaRPr lang="en-US"/>
           </a:p>
@@ -6937,7 +6940,7 @@
             <a:fld id="{03D76AB6-B36C-4EA7-B467-8C8C409B37E2}" type="datetimeFigureOut">
               <a:rPr lang="en-US"/>
               <a:pPr/>
-              <a:t>7/21/24</a:t>
+              <a:t>7/22/24</a:t>
             </a:fld>
             <a:endParaRPr lang="en-US"/>
           </a:p>
@@ -7111,7 +7114,7 @@
             <a:fld id="{03D76AB6-B36C-4EA7-B467-8C8C409B37E2}" type="datetimeFigureOut">
               <a:rPr lang="en-US"/>
               <a:pPr/>
-              <a:t>7/21/24</a:t>
+              <a:t>7/22/24</a:t>
             </a:fld>
             <a:endParaRPr lang="en-US"/>
           </a:p>
@@ -7285,7 +7288,7 @@
             <a:fld id="{03D76AB6-B36C-4EA7-B467-8C8C409B37E2}" type="datetimeFigureOut">
               <a:rPr lang="en-US"/>
               <a:pPr/>
-              <a:t>7/21/24</a:t>
+              <a:t>7/22/24</a:t>
             </a:fld>
             <a:endParaRPr lang="en-US"/>
           </a:p>
@@ -7500,7 +7503,7 @@
             <a:fld id="{03D76AB6-B36C-4EA7-B467-8C8C409B37E2}" type="datetimeFigureOut">
               <a:rPr lang="en-US"/>
               <a:pPr/>
-              <a:t>7/21/24</a:t>
+              <a:t>7/22/24</a:t>
             </a:fld>
             <a:endParaRPr lang="en-US"/>
           </a:p>
@@ -7777,7 +7780,7 @@
             <a:fld id="{03D76AB6-B36C-4EA7-B467-8C8C409B37E2}" type="datetimeFigureOut">
               <a:rPr lang="en-US"/>
               <a:pPr/>
-              <a:t>7/21/24</a:t>
+              <a:t>7/22/24</a:t>
             </a:fld>
             <a:endParaRPr lang="en-US"/>
           </a:p>
@@ -7953,7 +7956,7 @@
             <a:fld id="{03D76AB6-B36C-4EA7-B467-8C8C409B37E2}" type="datetimeFigureOut">
               <a:rPr lang="en-US"/>
               <a:pPr/>
-              <a:t>7/21/24</a:t>
+              <a:t>7/22/24</a:t>
             </a:fld>
             <a:endParaRPr lang="en-US"/>
           </a:p>
@@ -8223,7 +8226,7 @@
             <a:fld id="{03D76AB6-B36C-4EA7-B467-8C8C409B37E2}" type="datetimeFigureOut">
               <a:rPr lang="en-US"/>
               <a:pPr/>
-              <a:t>7/21/24</a:t>
+              <a:t>7/22/24</a:t>
             </a:fld>
             <a:endParaRPr lang="en-US"/>
           </a:p>
@@ -8560,7 +8563,7 @@
             <a:fld id="{03D76AB6-B36C-4EA7-B467-8C8C409B37E2}" type="datetimeFigureOut">
               <a:rPr lang="en-US"/>
               <a:pPr/>
-              <a:t>7/21/24</a:t>
+              <a:t>7/22/24</a:t>
             </a:fld>
             <a:endParaRPr lang="en-US"/>
           </a:p>
@@ -8734,7 +8737,7 @@
             <a:fld id="{03D76AB6-B36C-4EA7-B467-8C8C409B37E2}" type="datetimeFigureOut">
               <a:rPr lang="en-US"/>
               <a:pPr/>
-              <a:t>7/21/24</a:t>
+              <a:t>7/22/24</a:t>
             </a:fld>
             <a:endParaRPr lang="en-US"/>
           </a:p>
@@ -8916,7 +8919,7 @@
             <a:fld id="{03D76AB6-B36C-4EA7-B467-8C8C409B37E2}" type="datetimeFigureOut">
               <a:rPr lang="en-US"/>
               <a:pPr/>
-              <a:t>7/21/24</a:t>
+              <a:t>7/22/24</a:t>
             </a:fld>
             <a:endParaRPr lang="en-US"/>
           </a:p>
@@ -9090,7 +9093,7 @@
             <a:fld id="{03D76AB6-B36C-4EA7-B467-8C8C409B37E2}" type="datetimeFigureOut">
               <a:rPr lang="en-US"/>
               <a:pPr/>
-              <a:t>7/21/24</a:t>
+              <a:t>7/22/24</a:t>
             </a:fld>
             <a:endParaRPr lang="en-US"/>
           </a:p>
@@ -9264,7 +9267,7 @@
             <a:fld id="{03D76AB6-B36C-4EA7-B467-8C8C409B37E2}" type="datetimeFigureOut">
               <a:rPr lang="en-US"/>
               <a:pPr/>
-              <a:t>7/21/24</a:t>
+              <a:t>7/22/24</a:t>
             </a:fld>
             <a:endParaRPr lang="en-US"/>
           </a:p>
@@ -9438,7 +9441,7 @@
             <a:fld id="{03D76AB6-B36C-4EA7-B467-8C8C409B37E2}" type="datetimeFigureOut">
               <a:rPr lang="en-US"/>
               <a:pPr/>
-              <a:t>7/21/24</a:t>
+              <a:t>7/22/24</a:t>
             </a:fld>
             <a:endParaRPr lang="en-US"/>
           </a:p>
@@ -9705,7 +9708,7 @@
             <a:fld id="{03D76AB6-B36C-4EA7-B467-8C8C409B37E2}" type="datetimeFigureOut">
               <a:rPr lang="en-US"/>
               <a:pPr/>
-              <a:t>7/21/24</a:t>
+              <a:t>7/22/24</a:t>
             </a:fld>
             <a:endParaRPr lang="en-US"/>
           </a:p>
@@ -10363,7 +10366,7 @@
             <a:fld id="{03D76AB6-B36C-4EA7-B467-8C8C409B37E2}" type="datetimeFigureOut">
               <a:rPr lang="en-US"/>
               <a:pPr/>
-              <a:t>7/21/24</a:t>
+              <a:t>7/22/24</a:t>
             </a:fld>
             <a:endParaRPr lang="en-US"/>
           </a:p>
@@ -11019,7 +11022,7 @@
             <a:fld id="{03D76AB6-B36C-4EA7-B467-8C8C409B37E2}" type="datetimeFigureOut">
               <a:rPr lang="en-US"/>
               <a:pPr/>
-              <a:t>7/21/24</a:t>
+              <a:t>7/22/24</a:t>
             </a:fld>
             <a:endParaRPr lang="en-US"/>
           </a:p>
@@ -11675,7 +11678,7 @@
             <a:fld id="{03D76AB6-B36C-4EA7-B467-8C8C409B37E2}" type="datetimeFigureOut">
               <a:rPr lang="en-US"/>
               <a:pPr/>
-              <a:t>7/21/24</a:t>
+              <a:t>7/22/24</a:t>
             </a:fld>
             <a:endParaRPr lang="en-US"/>
           </a:p>
@@ -12331,7 +12334,7 @@
             <a:fld id="{03D76AB6-B36C-4EA7-B467-8C8C409B37E2}" type="datetimeFigureOut">
               <a:rPr lang="en-US"/>
               <a:pPr/>
-              <a:t>7/21/24</a:t>
+              <a:t>7/22/24</a:t>
             </a:fld>
             <a:endParaRPr lang="en-US"/>
           </a:p>
@@ -12987,7 +12990,7 @@
             <a:fld id="{03D76AB6-B36C-4EA7-B467-8C8C409B37E2}" type="datetimeFigureOut">
               <a:rPr lang="en-US"/>
               <a:pPr/>
-              <a:t>7/21/24</a:t>
+              <a:t>7/22/24</a:t>
             </a:fld>
             <a:endParaRPr lang="en-US"/>
           </a:p>
@@ -13643,7 +13646,7 @@
             <a:fld id="{03D76AB6-B36C-4EA7-B467-8C8C409B37E2}" type="datetimeFigureOut">
               <a:rPr lang="en-US"/>
               <a:pPr/>
-              <a:t>7/21/24</a:t>
+              <a:t>7/22/24</a:t>
             </a:fld>
             <a:endParaRPr lang="en-US"/>
           </a:p>
@@ -14299,7 +14302,7 @@
             <a:fld id="{03D76AB6-B36C-4EA7-B467-8C8C409B37E2}" type="datetimeFigureOut">
               <a:rPr lang="en-US"/>
               <a:pPr/>
-              <a:t>7/21/24</a:t>
+              <a:t>7/22/24</a:t>
             </a:fld>
             <a:endParaRPr lang="en-US"/>
           </a:p>
@@ -14955,7 +14958,7 @@
             <a:fld id="{03D76AB6-B36C-4EA7-B467-8C8C409B37E2}" type="datetimeFigureOut">
               <a:rPr lang="en-US"/>
               <a:pPr/>
-              <a:t>7/21/24</a:t>
+              <a:t>7/22/24</a:t>
             </a:fld>
             <a:endParaRPr lang="en-US"/>
           </a:p>
@@ -15611,7 +15614,7 @@
             <a:fld id="{03D76AB6-B36C-4EA7-B467-8C8C409B37E2}" type="datetimeFigureOut">
               <a:rPr lang="en-US"/>
               <a:pPr/>
-              <a:t>7/21/24</a:t>
+              <a:t>7/22/24</a:t>
             </a:fld>
             <a:endParaRPr lang="en-US"/>
           </a:p>
@@ -16267,7 +16270,7 @@
             <a:fld id="{03D76AB6-B36C-4EA7-B467-8C8C409B37E2}" type="datetimeFigureOut">
               <a:rPr lang="en-US"/>
               <a:pPr/>
-              <a:t>7/21/24</a:t>
+              <a:t>7/22/24</a:t>
             </a:fld>
             <a:endParaRPr lang="en-US"/>
           </a:p>
@@ -16923,7 +16926,7 @@
             <a:fld id="{03D76AB6-B36C-4EA7-B467-8C8C409B37E2}" type="datetimeFigureOut">
               <a:rPr lang="en-US"/>
               <a:pPr/>
-              <a:t>7/21/24</a:t>
+              <a:t>7/22/24</a:t>
             </a:fld>
             <a:endParaRPr lang="en-US"/>
           </a:p>
@@ -17579,7 +17582,7 @@
             <a:fld id="{03D76AB6-B36C-4EA7-B467-8C8C409B37E2}" type="datetimeFigureOut">
               <a:rPr lang="en-US"/>
               <a:pPr/>
-              <a:t>7/21/24</a:t>
+              <a:t>7/22/24</a:t>
             </a:fld>
             <a:endParaRPr lang="en-US"/>
           </a:p>
@@ -18235,7 +18238,7 @@
             <a:fld id="{03D76AB6-B36C-4EA7-B467-8C8C409B37E2}" type="datetimeFigureOut">
               <a:rPr lang="en-US"/>
               <a:pPr/>
-              <a:t>7/21/24</a:t>
+              <a:t>7/22/24</a:t>
             </a:fld>
             <a:endParaRPr lang="en-US"/>
           </a:p>
@@ -18891,7 +18894,7 @@
             <a:fld id="{03D76AB6-B36C-4EA7-B467-8C8C409B37E2}" type="datetimeFigureOut">
               <a:rPr lang="en-US"/>
               <a:pPr/>
-              <a:t>7/21/24</a:t>
+              <a:t>7/22/24</a:t>
             </a:fld>
             <a:endParaRPr lang="en-US"/>
           </a:p>
@@ -19547,7 +19550,7 @@
             <a:fld id="{03D76AB6-B36C-4EA7-B467-8C8C409B37E2}" type="datetimeFigureOut">
               <a:rPr lang="en-US"/>
               <a:pPr/>
-              <a:t>7/21/24</a:t>
+              <a:t>7/22/24</a:t>
             </a:fld>
             <a:endParaRPr lang="en-US"/>
           </a:p>
@@ -20203,7 +20206,7 @@
             <a:fld id="{03D76AB6-B36C-4EA7-B467-8C8C409B37E2}" type="datetimeFigureOut">
               <a:rPr lang="en-US"/>
               <a:pPr/>
-              <a:t>7/21/24</a:t>
+              <a:t>7/22/24</a:t>
             </a:fld>
             <a:endParaRPr lang="en-US"/>
           </a:p>
@@ -20859,7 +20862,7 @@
             <a:fld id="{03D76AB6-B36C-4EA7-B467-8C8C409B37E2}" type="datetimeFigureOut">
               <a:rPr lang="en-US"/>
               <a:pPr/>
-              <a:t>7/21/24</a:t>
+              <a:t>7/22/24</a:t>
             </a:fld>
             <a:endParaRPr lang="en-US"/>
           </a:p>
@@ -21515,7 +21518,7 @@
             <a:fld id="{03D76AB6-B36C-4EA7-B467-8C8C409B37E2}" type="datetimeFigureOut">
               <a:rPr lang="en-US"/>
               <a:pPr/>
-              <a:t>7/21/24</a:t>
+              <a:t>7/22/24</a:t>
             </a:fld>
             <a:endParaRPr lang="en-US"/>
           </a:p>
@@ -22171,7 +22174,7 @@
             <a:fld id="{03D76AB6-B36C-4EA7-B467-8C8C409B37E2}" type="datetimeFigureOut">
               <a:rPr lang="en-US"/>
               <a:pPr/>
-              <a:t>7/21/24</a:t>
+              <a:t>7/22/24</a:t>
             </a:fld>
             <a:endParaRPr lang="en-US"/>
           </a:p>
@@ -22827,7 +22830,7 @@
             <a:fld id="{03D76AB6-B36C-4EA7-B467-8C8C409B37E2}" type="datetimeFigureOut">
               <a:rPr lang="en-US"/>
               <a:pPr/>
-              <a:t>7/21/24</a:t>
+              <a:t>7/22/24</a:t>
             </a:fld>
             <a:endParaRPr lang="en-US"/>
           </a:p>
@@ -23483,7 +23486,7 @@
             <a:fld id="{03D76AB6-B36C-4EA7-B467-8C8C409B37E2}" type="datetimeFigureOut">
               <a:rPr lang="en-US"/>
               <a:pPr/>
-              <a:t>7/21/24</a:t>
+              <a:t>7/22/24</a:t>
             </a:fld>
             <a:endParaRPr lang="en-US"/>
           </a:p>
@@ -24139,7 +24142,7 @@
             <a:fld id="{03D76AB6-B36C-4EA7-B467-8C8C409B37E2}" type="datetimeFigureOut">
               <a:rPr lang="en-US"/>
               <a:pPr/>
-              <a:t>7/21/24</a:t>
+              <a:t>7/22/24</a:t>
             </a:fld>
             <a:endParaRPr lang="en-US"/>
           </a:p>
@@ -24795,7 +24798,7 @@
             <a:fld id="{03D76AB6-B36C-4EA7-B467-8C8C409B37E2}" type="datetimeFigureOut">
               <a:rPr lang="en-US"/>
               <a:pPr/>
-              <a:t>7/21/24</a:t>
+              <a:t>7/22/24</a:t>
             </a:fld>
             <a:endParaRPr lang="en-US"/>
           </a:p>
@@ -25451,7 +25454,7 @@
             <a:fld id="{03D76AB6-B36C-4EA7-B467-8C8C409B37E2}" type="datetimeFigureOut">
               <a:rPr lang="en-US"/>
               <a:pPr/>
-              <a:t>7/21/24</a:t>
+              <a:t>7/22/24</a:t>
             </a:fld>
             <a:endParaRPr lang="en-US"/>
           </a:p>
@@ -26107,7 +26110,7 @@
             <a:fld id="{03D76AB6-B36C-4EA7-B467-8C8C409B37E2}" type="datetimeFigureOut">
               <a:rPr lang="en-US"/>
               <a:pPr/>
-              <a:t>7/21/24</a:t>
+              <a:t>7/22/24</a:t>
             </a:fld>
             <a:endParaRPr lang="en-US"/>
           </a:p>
@@ -26763,7 +26766,7 @@
             <a:fld id="{03D76AB6-B36C-4EA7-B467-8C8C409B37E2}" type="datetimeFigureOut">
               <a:rPr lang="en-US"/>
               <a:pPr/>
-              <a:t>7/21/24</a:t>
+              <a:t>7/22/24</a:t>
             </a:fld>
             <a:endParaRPr lang="en-US"/>
           </a:p>
@@ -27419,7 +27422,7 @@
             <a:fld id="{03D76AB6-B36C-4EA7-B467-8C8C409B37E2}" type="datetimeFigureOut">
               <a:rPr lang="en-US"/>
               <a:pPr/>
-              <a:t>7/21/24</a:t>
+              <a:t>7/22/24</a:t>
             </a:fld>
             <a:endParaRPr lang="en-US"/>
           </a:p>
@@ -28075,7 +28078,7 @@
             <a:fld id="{03D76AB6-B36C-4EA7-B467-8C8C409B37E2}" type="datetimeFigureOut">
               <a:rPr lang="en-US"/>
               <a:pPr/>
-              <a:t>7/21/24</a:t>
+              <a:t>7/22/24</a:t>
             </a:fld>
             <a:endParaRPr lang="en-US"/>
           </a:p>
@@ -28731,7 +28734,7 @@
             <a:fld id="{03D76AB6-B36C-4EA7-B467-8C8C409B37E2}" type="datetimeFigureOut">
               <a:rPr lang="en-US"/>
               <a:pPr/>
-              <a:t>7/21/24</a:t>
+              <a:t>7/22/24</a:t>
             </a:fld>
             <a:endParaRPr lang="en-US"/>
           </a:p>
@@ -29387,7 +29390,7 @@
             <a:fld id="{03D76AB6-B36C-4EA7-B467-8C8C409B37E2}" type="datetimeFigureOut">
               <a:rPr lang="en-US"/>
               <a:pPr/>
-              <a:t>7/21/24</a:t>
+              <a:t>7/22/24</a:t>
             </a:fld>
             <a:endParaRPr lang="en-US"/>
           </a:p>
@@ -30043,7 +30046,7 @@
             <a:fld id="{03D76AB6-B36C-4EA7-B467-8C8C409B37E2}" type="datetimeFigureOut">
               <a:rPr lang="en-US"/>
               <a:pPr/>
-              <a:t>7/21/24</a:t>
+              <a:t>7/22/24</a:t>
             </a:fld>
             <a:endParaRPr lang="en-US"/>
           </a:p>
@@ -30699,7 +30702,7 @@
             <a:fld id="{03D76AB6-B36C-4EA7-B467-8C8C409B37E2}" type="datetimeFigureOut">
               <a:rPr lang="en-US"/>
               <a:pPr/>
-              <a:t>7/21/24</a:t>
+              <a:t>7/22/24</a:t>
             </a:fld>
             <a:endParaRPr lang="en-US"/>
           </a:p>
@@ -31385,7 +31388,7 @@
             <a:fld id="{03D76AB6-B36C-4EA7-B467-8C8C409B37E2}" type="datetimeFigureOut">
               <a:rPr lang="en-US"/>
               <a:pPr/>
-              <a:t>7/21/24</a:t>
+              <a:t>7/22/24</a:t>
             </a:fld>
             <a:endParaRPr lang="en-US"/>
           </a:p>
@@ -32071,7 +32074,7 @@
             <a:fld id="{03D76AB6-B36C-4EA7-B467-8C8C409B37E2}" type="datetimeFigureOut">
               <a:rPr lang="en-US"/>
               <a:pPr/>
-              <a:t>7/21/24</a:t>
+              <a:t>7/22/24</a:t>
             </a:fld>
             <a:endParaRPr lang="en-US"/>
           </a:p>
@@ -32727,7 +32730,7 @@
             <a:fld id="{03D76AB6-B36C-4EA7-B467-8C8C409B37E2}" type="datetimeFigureOut">
               <a:rPr lang="en-US"/>
               <a:pPr/>
-              <a:t>7/21/24</a:t>
+              <a:t>7/22/24</a:t>
             </a:fld>
             <a:endParaRPr lang="en-US"/>
           </a:p>
@@ -33154,227 +33157,6 @@
       </p:grpSpPr>
       <p:sp>
         <p:nvSpPr>
-          <p:cNvPr id="2" name="Picture Placeholder 1"/>
-          <p:cNvSpPr>
-            <a:spLocks noGrp="1"/>
-          </p:cNvSpPr>
-          <p:nvPr>
-            <p:ph type="pic" sz="quarter" idx="11"/>
-          </p:nvPr>
-        </p:nvSpPr>
-        <p:spPr/>
-      </p:sp>
-      <p:sp>
-        <p:nvSpPr>
-          <p:cNvPr id="4" name="Slide Number Placeholder 3"/>
-          <p:cNvSpPr>
-            <a:spLocks noGrp="1"/>
-          </p:cNvSpPr>
-          <p:nvPr>
-            <p:ph type="sldNum" sz="quarter" idx="10"/>
-          </p:nvPr>
-        </p:nvSpPr>
-        <p:spPr/>
-        <p:txBody>
-          <a:bodyPr/>
-          <a:lstStyle/>
-          <a:p>
-            <a:fld id="{4E6DB2D9-BBD8-435B-B34A-9B8472CE273E}" type="slidenum">
-              <a:rPr lang="en-US"/>
-              <a:pPr/>
-              <a:t>1</a:t>
-            </a:fld>
-            <a:endParaRPr lang="en-US" dirty="0"/>
-          </a:p>
-        </p:txBody>
-      </p:sp>
-      <p:sp>
-        <p:nvSpPr>
-          <p:cNvPr id="6" name="Title 5"/>
-          <p:cNvSpPr>
-            <a:spLocks noGrp="1"/>
-          </p:cNvSpPr>
-          <p:nvPr>
-            <p:ph type="title"/>
-          </p:nvPr>
-        </p:nvSpPr>
-        <p:spPr>
-          <a:xfrm>
-            <a:off x="526816" y="1126867"/>
-            <a:ext cx="5245825" cy="6309420"/>
-          </a:xfrm>
-        </p:spPr>
-        <p:txBody>
-          <a:bodyPr/>
-          <a:lstStyle/>
-          <a:p>
-            <a:r>
-              <a:rPr lang="en-US" dirty="0"/>
-              <a:t>Central Operations Forum</a:t>
-            </a:r>
-            <a:br>
-              <a:rPr lang="en-US" dirty="0"/>
-            </a:br>
-            <a:br>
-              <a:rPr lang="en-US" dirty="0"/>
-            </a:br>
-            <a:r>
-              <a:rPr lang="en-US" sz="4400" b="1" dirty="0">
-                <a:solidFill>
-                  <a:schemeClr val="accent1"/>
-                </a:solidFill>
-              </a:rPr>
-              <a:t>Customer Experience</a:t>
-            </a:r>
-            <a:br>
-              <a:rPr lang="en-US" sz="4400" b="1" dirty="0">
-                <a:solidFill>
-                  <a:schemeClr val="accent1"/>
-                </a:solidFill>
-              </a:rPr>
-            </a:br>
-            <a:br>
-              <a:rPr lang="en-US" dirty="0"/>
-            </a:br>
-            <a:r>
-              <a:rPr lang="en-US" sz="4000" b="1" dirty="0"/>
-              <a:t>March 1, 2017</a:t>
-            </a:r>
-            <a:br>
-              <a:rPr lang="en-US" b="1" dirty="0">
-                <a:solidFill>
-                  <a:schemeClr val="accent1"/>
-                </a:solidFill>
-              </a:rPr>
-            </a:br>
-            <a:br>
-              <a:rPr lang="en-US" b="1" dirty="0">
-                <a:solidFill>
-                  <a:schemeClr val="accent1"/>
-                </a:solidFill>
-              </a:rPr>
-            </a:br>
-            <a:endParaRPr lang="en-US" b="1" dirty="0">
-              <a:solidFill>
-                <a:schemeClr val="accent1"/>
-              </a:solidFill>
-            </a:endParaRPr>
-          </a:p>
-        </p:txBody>
-      </p:sp>
-      <p:sp>
-        <p:nvSpPr>
-          <p:cNvPr id="12" name="Text Placeholder 11">
-            <a:extLst>
-              <a:ext uri="{FF2B5EF4-FFF2-40B4-BE49-F238E27FC236}">
-                <a16:creationId xmlns:a16="http://schemas.microsoft.com/office/drawing/2014/main" id="{33437BEB-7CA3-4FF8-8585-17BB40CB7DEA}"/>
-              </a:ext>
-            </a:extLst>
-          </p:cNvPr>
-          <p:cNvSpPr>
-            <a:spLocks noGrp="1"/>
-          </p:cNvSpPr>
-          <p:nvPr>
-            <p:ph type="body" sz="quarter" idx="15"/>
-          </p:nvPr>
-        </p:nvSpPr>
-        <p:spPr/>
-        <p:txBody>
-          <a:bodyPr>
-            <a:normAutofit fontScale="25000" lnSpcReduction="20000"/>
-          </a:bodyPr>
-          <a:lstStyle/>
-          <a:p>
-            <a:endParaRPr lang="en-US"/>
-          </a:p>
-        </p:txBody>
-      </p:sp>
-      <p:pic>
-        <p:nvPicPr>
-          <p:cNvPr id="1026" name="Picture 2"/>
-          <p:cNvPicPr>
-            <a:picLocks noChangeAspect="1" noChangeArrowheads="1"/>
-          </p:cNvPicPr>
-          <p:nvPr/>
-        </p:nvPicPr>
-        <p:blipFill>
-          <a:blip r:embed="rId3">
-            <a:extLst>
-              <a:ext uri="{28A0092B-C50C-407E-A947-70E740481C1C}">
-                <a14:useLocalDpi xmlns:a14="http://schemas.microsoft.com/office/drawing/2010/main" val="0"/>
-              </a:ext>
-            </a:extLst>
-          </a:blip>
-          <a:srcRect/>
-          <a:stretch>
-            <a:fillRect/>
-          </a:stretch>
-        </p:blipFill>
-        <p:spPr bwMode="auto">
-          <a:xfrm>
-            <a:off x="6367463" y="-1"/>
-            <a:ext cx="5895975" cy="6924675"/>
-          </a:xfrm>
-          <a:prstGeom prst="rect">
-            <a:avLst/>
-          </a:prstGeom>
-          <a:noFill/>
-          <a:ln>
-            <a:noFill/>
-          </a:ln>
-          <a:extLst>
-            <a:ext uri="{909E8E84-426E-40DD-AFC4-6F175D3DCCD1}">
-              <a14:hiddenFill xmlns:a14="http://schemas.microsoft.com/office/drawing/2010/main">
-                <a:solidFill>
-                  <a:schemeClr val="accent1"/>
-                </a:solidFill>
-              </a14:hiddenFill>
-            </a:ext>
-            <a:ext uri="{91240B29-F687-4F45-9708-019B960494DF}">
-              <a14:hiddenLine xmlns:a14="http://schemas.microsoft.com/office/drawing/2010/main" w="9525">
-                <a:solidFill>
-                  <a:schemeClr val="tx1"/>
-                </a:solidFill>
-                <a:miter lim="800000"/>
-                <a:headEnd/>
-                <a:tailEnd/>
-              </a14:hiddenLine>
-            </a:ext>
-          </a:extLst>
-        </p:spPr>
-      </p:pic>
-    </p:spTree>
-    <p:extLst>
-      <p:ext uri="{BB962C8B-B14F-4D97-AF65-F5344CB8AC3E}">
-        <p14:creationId xmlns:p14="http://schemas.microsoft.com/office/powerpoint/2010/main" val="336597157"/>
-      </p:ext>
-    </p:extLst>
-  </p:cSld>
-  <p:clrMapOvr>
-    <a:masterClrMapping/>
-  </p:clrMapOvr>
-</p:sld>
-</file>
-
-<file path=ppt/slides/slide2.xml><?xml version="1.0" encoding="utf-8"?>
-<p:sld xmlns:a="http://schemas.openxmlformats.org/drawingml/2006/main" xmlns:r="http://schemas.openxmlformats.org/officeDocument/2006/relationships" xmlns:p="http://schemas.openxmlformats.org/presentationml/2006/main">
-  <p:cSld>
-    <p:spTree>
-      <p:nvGrpSpPr>
-        <p:cNvPr id="1" name=""/>
-        <p:cNvGrpSpPr/>
-        <p:nvPr/>
-      </p:nvGrpSpPr>
-      <p:grpSpPr>
-        <a:xfrm>
-          <a:off x="0" y="0"/>
-          <a:ext cx="0" cy="0"/>
-          <a:chOff x="0" y="0"/>
-          <a:chExt cx="0" cy="0"/>
-        </a:xfrm>
-      </p:grpSpPr>
-      <p:sp>
-        <p:nvSpPr>
           <p:cNvPr id="2" name="Title 1"/>
           <p:cNvSpPr>
             <a:spLocks noGrp="1"/>
@@ -33444,7 +33226,7 @@
             <a:fld id="{4E6DB2D9-BBD8-435B-B34A-9B8472CE273E}" type="slidenum">
               <a:rPr lang="en-US"/>
               <a:pPr/>
-              <a:t>2</a:t>
+              <a:t>1</a:t>
             </a:fld>
             <a:endParaRPr lang="en-US" dirty="0"/>
           </a:p>
@@ -33498,12 +33280,14 @@
             <a:avLst/>
           </a:prstGeom>
           <a:solidFill>
-            <a:schemeClr val="accent1">
-              <a:alpha val="75000"/>
-            </a:schemeClr>
+            <a:srgbClr val="04244C">
+              <a:alpha val="74902"/>
+            </a:srgbClr>
           </a:solidFill>
           <a:ln>
-            <a:noFill/>
+            <a:solidFill>
+              <a:schemeClr val="accent1"/>
+            </a:solidFill>
           </a:ln>
         </p:spPr>
         <p:style>
@@ -33576,8 +33360,8 @@
         </p:nvSpPr>
         <p:spPr>
           <a:xfrm>
-            <a:off x="7074895" y="2772177"/>
-            <a:ext cx="1953996" cy="307777"/>
+            <a:off x="7377671" y="2772177"/>
+            <a:ext cx="1348446" cy="307777"/>
           </a:xfrm>
           <a:prstGeom prst="rect">
             <a:avLst/>
@@ -33597,7 +33381,7 @@
                   <a:srgbClr val="FFFFFF"/>
                 </a:solidFill>
               </a:rPr>
-              <a:t>Lorem ipsum dolor sit</a:t>
+              <a:t>2024 Revenue</a:t>
             </a:r>
           </a:p>
         </p:txBody>
@@ -33647,8 +33431,8 @@
         </p:nvSpPr>
         <p:spPr>
           <a:xfrm>
-            <a:off x="9834929" y="2772177"/>
-            <a:ext cx="1322799" cy="307777"/>
+            <a:off x="9468648" y="2772177"/>
+            <a:ext cx="2055371" cy="307777"/>
           </a:xfrm>
           <a:prstGeom prst="rect">
             <a:avLst/>
@@ -33668,21 +33452,8 @@
                   <a:srgbClr val="FFFFFF"/>
                 </a:solidFill>
               </a:rPr>
-              <a:t>Dolor sit </a:t>
-            </a:r>
-            <a:r>
-              <a:rPr lang="en-US" sz="1400" dirty="0" err="1">
-                <a:solidFill>
-                  <a:srgbClr val="FFFFFF"/>
-                </a:solidFill>
-              </a:rPr>
-              <a:t>amet</a:t>
-            </a:r>
-            <a:endParaRPr lang="en-US" sz="1400" dirty="0">
-              <a:solidFill>
-                <a:srgbClr val="FFFFFF"/>
-              </a:solidFill>
-            </a:endParaRPr>
+              <a:t>2024 Planned Revenue</a:t>
+            </a:r>
           </a:p>
         </p:txBody>
       </p:sp>
@@ -33731,8 +33502,8 @@
         </p:nvSpPr>
         <p:spPr>
           <a:xfrm>
-            <a:off x="7603565" y="4328254"/>
-            <a:ext cx="841898" cy="307777"/>
+            <a:off x="7171563" y="4328254"/>
+            <a:ext cx="1705916" cy="307777"/>
           </a:xfrm>
           <a:prstGeom prst="rect">
             <a:avLst/>
@@ -33752,21 +33523,8 @@
                   <a:srgbClr val="FFFFFF"/>
                 </a:solidFill>
               </a:rPr>
-              <a:t>Sit </a:t>
-            </a:r>
-            <a:r>
-              <a:rPr lang="en-US" sz="1400" dirty="0" err="1">
-                <a:solidFill>
-                  <a:srgbClr val="FFFFFF"/>
-                </a:solidFill>
-              </a:rPr>
-              <a:t>amet</a:t>
-            </a:r>
-            <a:endParaRPr lang="en-US" sz="1400" dirty="0">
-              <a:solidFill>
-                <a:srgbClr val="FFFFFF"/>
-              </a:solidFill>
-            </a:endParaRPr>
+              <a:t>2024 Gross Margin</a:t>
+            </a:r>
           </a:p>
         </p:txBody>
       </p:sp>
@@ -33815,8 +33573,8 @@
         </p:nvSpPr>
         <p:spPr>
           <a:xfrm>
-            <a:off x="9491948" y="4328254"/>
-            <a:ext cx="1953996" cy="307777"/>
+            <a:off x="9680111" y="4328254"/>
+            <a:ext cx="1577676" cy="307777"/>
           </a:xfrm>
           <a:prstGeom prst="rect">
             <a:avLst/>
@@ -33836,7 +33594,7 @@
                   <a:srgbClr val="FFFFFF"/>
                 </a:solidFill>
               </a:rPr>
-              <a:t>Lorem ipsum dolor sit</a:t>
+              <a:t>2024 Gross Profit</a:t>
             </a:r>
           </a:p>
         </p:txBody>
@@ -33922,7 +33680,7 @@
         <p:spPr>
           <a:xfrm>
             <a:off x="545080" y="1592328"/>
-            <a:ext cx="1426994" cy="307777"/>
+            <a:ext cx="1000595" cy="307777"/>
           </a:xfrm>
           <a:prstGeom prst="rect">
             <a:avLst/>
@@ -33941,46 +33699,16 @@
               </a:spcAft>
             </a:pPr>
             <a:r>
-              <a:rPr lang="en-US" sz="1400" b="1" dirty="0" err="1">
+              <a:rPr lang="en-US" sz="1400" b="1" dirty="0">
                 <a:solidFill>
-                  <a:schemeClr val="accent1"/>
+                  <a:srgbClr val="04244C"/>
                 </a:solidFill>
                 <a:latin typeface="Arial" panose="020B0706030804020204" pitchFamily="34" charset="0"/>
                 <a:ea typeface="Arial" panose="020B0706030804020204" pitchFamily="34" charset="0"/>
                 <a:cs typeface="Arial" panose="020B0706030804020204" pitchFamily="34" charset="0"/>
               </a:rPr>
-              <a:t>Adipiscing</a:t>
-            </a:r>
-            <a:r>
-              <a:rPr lang="en-US" sz="1400" b="1" dirty="0">
-                <a:solidFill>
-                  <a:schemeClr val="accent1"/>
-                </a:solidFill>
-                <a:latin typeface="Arial" panose="020B0706030804020204" pitchFamily="34" charset="0"/>
-                <a:ea typeface="Arial" panose="020B0706030804020204" pitchFamily="34" charset="0"/>
-                <a:cs typeface="Arial" panose="020B0706030804020204" pitchFamily="34" charset="0"/>
-              </a:rPr>
-              <a:t> </a:t>
-            </a:r>
-            <a:r>
-              <a:rPr lang="en-US" sz="1400" b="1" dirty="0" err="1">
-                <a:solidFill>
-                  <a:schemeClr val="accent1"/>
-                </a:solidFill>
-                <a:latin typeface="Arial" panose="020B0706030804020204" pitchFamily="34" charset="0"/>
-                <a:ea typeface="Arial" panose="020B0706030804020204" pitchFamily="34" charset="0"/>
-                <a:cs typeface="Arial" panose="020B0706030804020204" pitchFamily="34" charset="0"/>
-              </a:rPr>
-              <a:t>Elit</a:t>
-            </a:r>
-            <a:endParaRPr lang="en-US" sz="1400" b="1" dirty="0">
-              <a:solidFill>
-                <a:schemeClr val="accent1"/>
-              </a:solidFill>
-              <a:latin typeface="Arial" panose="020B0706030804020204" pitchFamily="34" charset="0"/>
-              <a:ea typeface="Arial" panose="020B0706030804020204" pitchFamily="34" charset="0"/>
-              <a:cs typeface="Arial" panose="020B0706030804020204" pitchFamily="34" charset="0"/>
-            </a:endParaRPr>
+              <a:t>Company</a:t>
+            </a:r>
           </a:p>
         </p:txBody>
       </p:sp>
@@ -34014,7 +33742,7 @@
                 <a:spcPts val="200"/>
               </a:spcAft>
               <a:buClr>
-                <a:schemeClr val="accent1"/>
+                <a:srgbClr val="04244C"/>
               </a:buClr>
               <a:buSzPct val="120000"/>
               <a:buFont typeface="Arial" panose="020B0604020202020204" pitchFamily="34" charset="0"/>
@@ -34055,7 +33783,7 @@
                 <a:spcPts val="200"/>
               </a:spcAft>
               <a:buClr>
-                <a:schemeClr val="accent1"/>
+                <a:srgbClr val="04244C"/>
               </a:buClr>
               <a:buSzPct val="120000"/>
               <a:buFont typeface="Arial" panose="020B0604020202020204" pitchFamily="34" charset="0"/>
@@ -34091,14 +33819,14 @@
       </p:sp>
       <p:sp>
         <p:nvSpPr>
-          <p:cNvPr id="24" name="TextBox 23"/>
+          <p:cNvPr id="27" name="TextBox 26"/>
           <p:cNvSpPr txBox="1"/>
           <p:nvPr/>
         </p:nvSpPr>
         <p:spPr>
           <a:xfrm>
-            <a:off x="3393586" y="1958988"/>
-            <a:ext cx="1908151" cy="1210588"/>
+            <a:off x="545080" y="2686658"/>
+            <a:ext cx="1740669" cy="307777"/>
           </a:xfrm>
           <a:prstGeom prst="rect">
             <a:avLst/>
@@ -34111,307 +33839,21 @@
           </a:bodyPr>
           <a:lstStyle/>
           <a:p>
-            <a:pPr marL="180975" indent="-180975">
-              <a:lnSpc>
-                <a:spcPct val="110000"/>
-              </a:lnSpc>
-              <a:spcAft>
-                <a:spcPts val="200"/>
-              </a:spcAft>
-              <a:buClr>
-                <a:schemeClr val="accent1"/>
-              </a:buClr>
-              <a:buSzPct val="120000"/>
-              <a:buFont typeface="Arial" panose="020B0604020202020204" pitchFamily="34" charset="0"/>
-              <a:buChar char="•"/>
-            </a:pPr>
-            <a:r>
-              <a:rPr lang="en-US" sz="1200" dirty="0" err="1">
-                <a:ea typeface="Arial" panose="020B0706030804020204" pitchFamily="34" charset="0"/>
-                <a:cs typeface="Arial" panose="020B0706030804020204" pitchFamily="34" charset="0"/>
-              </a:rPr>
-              <a:t>Laoreet</a:t>
-            </a:r>
-            <a:r>
-              <a:rPr lang="en-US" sz="1200" dirty="0">
-                <a:ea typeface="Arial" panose="020B0706030804020204" pitchFamily="34" charset="0"/>
-                <a:cs typeface="Arial" panose="020B0706030804020204" pitchFamily="34" charset="0"/>
-              </a:rPr>
-              <a:t> </a:t>
-            </a:r>
-            <a:r>
-              <a:rPr lang="en-US" sz="1200" dirty="0" err="1">
-                <a:ea typeface="Arial" panose="020B0706030804020204" pitchFamily="34" charset="0"/>
-                <a:cs typeface="Arial" panose="020B0706030804020204" pitchFamily="34" charset="0"/>
-              </a:rPr>
-              <a:t>Dolore</a:t>
-            </a:r>
-            <a:r>
-              <a:rPr lang="en-US" sz="1200" dirty="0">
-                <a:ea typeface="Arial" panose="020B0706030804020204" pitchFamily="34" charset="0"/>
-                <a:cs typeface="Arial" panose="020B0706030804020204" pitchFamily="34" charset="0"/>
-              </a:rPr>
-              <a:t> Magna</a:t>
-            </a:r>
-          </a:p>
-          <a:p>
-            <a:pPr marL="180975" indent="-180975">
-              <a:lnSpc>
-                <a:spcPct val="110000"/>
-              </a:lnSpc>
-              <a:spcAft>
-                <a:spcPts val="200"/>
-              </a:spcAft>
-              <a:buClr>
-                <a:schemeClr val="accent1"/>
-              </a:buClr>
-              <a:buSzPct val="120000"/>
-              <a:buFont typeface="Arial" panose="020B0604020202020204" pitchFamily="34" charset="0"/>
-              <a:buChar char="•"/>
-            </a:pPr>
-            <a:r>
-              <a:rPr lang="en-US" sz="1200" dirty="0" err="1">
-                <a:ea typeface="Arial" panose="020B0706030804020204" pitchFamily="34" charset="0"/>
-                <a:cs typeface="Arial" panose="020B0706030804020204" pitchFamily="34" charset="0"/>
-              </a:rPr>
-              <a:t>Nonummy</a:t>
-            </a:r>
-            <a:r>
-              <a:rPr lang="en-US" sz="1200" dirty="0">
-                <a:ea typeface="Arial" panose="020B0706030804020204" pitchFamily="34" charset="0"/>
-                <a:cs typeface="Arial" panose="020B0706030804020204" pitchFamily="34" charset="0"/>
-              </a:rPr>
-              <a:t> </a:t>
-            </a:r>
-            <a:r>
-              <a:rPr lang="en-US" sz="1200" dirty="0" err="1">
-                <a:ea typeface="Arial" panose="020B0706030804020204" pitchFamily="34" charset="0"/>
-                <a:cs typeface="Arial" panose="020B0706030804020204" pitchFamily="34" charset="0"/>
-              </a:rPr>
-              <a:t>Nibht</a:t>
-            </a:r>
-            <a:endParaRPr lang="en-US" sz="1200" dirty="0">
-              <a:ea typeface="Arial" panose="020B0706030804020204" pitchFamily="34" charset="0"/>
-              <a:cs typeface="Arial" panose="020B0706030804020204" pitchFamily="34" charset="0"/>
-            </a:endParaRPr>
-          </a:p>
-          <a:p>
-            <a:pPr marL="180975" indent="-180975">
-              <a:lnSpc>
-                <a:spcPct val="110000"/>
-              </a:lnSpc>
-              <a:spcAft>
-                <a:spcPts val="200"/>
-              </a:spcAft>
-              <a:buClr>
-                <a:schemeClr val="accent1"/>
-              </a:buClr>
-              <a:buSzPct val="120000"/>
-              <a:buFont typeface="Arial" panose="020B0604020202020204" pitchFamily="34" charset="0"/>
-              <a:buChar char="•"/>
-            </a:pPr>
-            <a:r>
-              <a:rPr lang="en-US" sz="1200" b="1" dirty="0">
-                <a:latin typeface="Arial" panose="020B0706030804020204" pitchFamily="34" charset="0"/>
-                <a:ea typeface="Arial" panose="020B0706030804020204" pitchFamily="34" charset="0"/>
-                <a:cs typeface="Arial" panose="020B0706030804020204" pitchFamily="34" charset="0"/>
-              </a:rPr>
-              <a:t>Dolor</a:t>
-            </a:r>
-          </a:p>
-          <a:p>
-            <a:pPr marL="180975" indent="-180975">
-              <a:lnSpc>
-                <a:spcPct val="110000"/>
-              </a:lnSpc>
-              <a:spcAft>
-                <a:spcPts val="200"/>
-              </a:spcAft>
-              <a:buClr>
-                <a:schemeClr val="accent1"/>
-              </a:buClr>
-              <a:buSzPct val="120000"/>
-              <a:buFont typeface="Arial" panose="020B0604020202020204" pitchFamily="34" charset="0"/>
-              <a:buChar char="•"/>
-            </a:pPr>
-            <a:r>
-              <a:rPr lang="en-US" sz="1200" b="1" dirty="0" err="1">
-                <a:latin typeface="Arial" panose="020B0706030804020204" pitchFamily="34" charset="0"/>
-                <a:ea typeface="Arial" panose="020B0706030804020204" pitchFamily="34" charset="0"/>
-                <a:cs typeface="Arial" panose="020B0706030804020204" pitchFamily="34" charset="0"/>
-              </a:rPr>
-              <a:t>Adipiscing</a:t>
-            </a:r>
-            <a:r>
-              <a:rPr lang="en-US" sz="1200" b="1" dirty="0">
-                <a:latin typeface="Arial" panose="020B0706030804020204" pitchFamily="34" charset="0"/>
-                <a:ea typeface="Arial" panose="020B0706030804020204" pitchFamily="34" charset="0"/>
-                <a:cs typeface="Arial" panose="020B0706030804020204" pitchFamily="34" charset="0"/>
-              </a:rPr>
-              <a:t> </a:t>
-            </a:r>
-            <a:r>
-              <a:rPr lang="en-US" sz="1200" b="1" dirty="0" err="1">
-                <a:latin typeface="Arial" panose="020B0706030804020204" pitchFamily="34" charset="0"/>
-                <a:ea typeface="Arial" panose="020B0706030804020204" pitchFamily="34" charset="0"/>
-                <a:cs typeface="Arial" panose="020B0706030804020204" pitchFamily="34" charset="0"/>
-              </a:rPr>
-              <a:t>Elit</a:t>
-            </a:r>
-            <a:endParaRPr lang="en-US" sz="1200" b="1" dirty="0">
-              <a:latin typeface="Arial" panose="020B0706030804020204" pitchFamily="34" charset="0"/>
-              <a:ea typeface="Arial" panose="020B0706030804020204" pitchFamily="34" charset="0"/>
-              <a:cs typeface="Arial" panose="020B0706030804020204" pitchFamily="34" charset="0"/>
-            </a:endParaRPr>
-          </a:p>
-          <a:p>
-            <a:pPr marL="180975" indent="-180975">
-              <a:lnSpc>
-                <a:spcPct val="110000"/>
-              </a:lnSpc>
-              <a:spcAft>
-                <a:spcPts val="200"/>
-              </a:spcAft>
-              <a:buClr>
-                <a:schemeClr val="accent1"/>
-              </a:buClr>
-              <a:buSzPct val="120000"/>
-              <a:buFont typeface="Arial" panose="020B0604020202020204" pitchFamily="34" charset="0"/>
-              <a:buChar char="•"/>
-            </a:pPr>
-            <a:r>
-              <a:rPr lang="en-US" sz="1200" dirty="0" err="1">
-                <a:ea typeface="Arial" panose="020B0706030804020204" pitchFamily="34" charset="0"/>
-                <a:cs typeface="Arial" panose="020B0706030804020204" pitchFamily="34" charset="0"/>
-              </a:rPr>
-              <a:t>Consectetuer</a:t>
-            </a:r>
-            <a:endParaRPr lang="en-US" sz="1200" dirty="0">
-              <a:ea typeface="Arial" panose="020B0706030804020204" pitchFamily="34" charset="0"/>
-              <a:cs typeface="Arial" panose="020B0706030804020204" pitchFamily="34" charset="0"/>
-            </a:endParaRPr>
-          </a:p>
-        </p:txBody>
-      </p:sp>
-      <p:sp>
-        <p:nvSpPr>
-          <p:cNvPr id="26" name="TextBox 25"/>
-          <p:cNvSpPr txBox="1"/>
-          <p:nvPr/>
-        </p:nvSpPr>
-        <p:spPr>
-          <a:xfrm>
-            <a:off x="3393586" y="1592328"/>
-            <a:ext cx="1342034" cy="307777"/>
-          </a:xfrm>
-          <a:prstGeom prst="rect">
-            <a:avLst/>
-          </a:prstGeom>
-          <a:noFill/>
-        </p:spPr>
-        <p:txBody>
-          <a:bodyPr wrap="none" rtlCol="0">
-            <a:spAutoFit/>
-          </a:bodyPr>
-          <a:lstStyle/>
-          <a:p>
             <a:pPr>
               <a:spcAft>
                 <a:spcPts val="1200"/>
               </a:spcAft>
             </a:pPr>
             <a:r>
-              <a:rPr lang="en-US" sz="1400" b="1" dirty="0" err="1">
+              <a:rPr lang="en-US" sz="1400" b="1" dirty="0">
                 <a:solidFill>
-                  <a:schemeClr val="accent1"/>
+                  <a:srgbClr val="04244C"/>
                 </a:solidFill>
                 <a:latin typeface="Arial" panose="020B0706030804020204" pitchFamily="34" charset="0"/>
                 <a:ea typeface="Arial" panose="020B0706030804020204" pitchFamily="34" charset="0"/>
                 <a:cs typeface="Arial" panose="020B0706030804020204" pitchFamily="34" charset="0"/>
               </a:rPr>
-              <a:t>Consectetuer</a:t>
-            </a:r>
-            <a:endParaRPr lang="en-US" sz="1400" b="1" dirty="0">
-              <a:solidFill>
-                <a:schemeClr val="accent1"/>
-              </a:solidFill>
-              <a:latin typeface="Arial" panose="020B0706030804020204" pitchFamily="34" charset="0"/>
-              <a:ea typeface="Arial" panose="020B0706030804020204" pitchFamily="34" charset="0"/>
-              <a:cs typeface="Arial" panose="020B0706030804020204" pitchFamily="34" charset="0"/>
-            </a:endParaRPr>
-          </a:p>
-        </p:txBody>
-      </p:sp>
-      <p:sp>
-        <p:nvSpPr>
-          <p:cNvPr id="27" name="TextBox 26"/>
-          <p:cNvSpPr txBox="1"/>
-          <p:nvPr/>
-        </p:nvSpPr>
-        <p:spPr>
-          <a:xfrm>
-            <a:off x="545080" y="2686658"/>
-            <a:ext cx="2100190" cy="307777"/>
-          </a:xfrm>
-          <a:prstGeom prst="rect">
-            <a:avLst/>
-          </a:prstGeom>
-          <a:noFill/>
-        </p:spPr>
-        <p:txBody>
-          <a:bodyPr wrap="none" rtlCol="0">
-            <a:spAutoFit/>
-          </a:bodyPr>
-          <a:lstStyle/>
-          <a:p>
-            <a:pPr>
-              <a:spcAft>
-                <a:spcPts val="1200"/>
-              </a:spcAft>
-            </a:pPr>
-            <a:r>
-              <a:rPr lang="en-US" sz="1400" b="1" dirty="0" err="1">
-                <a:solidFill>
-                  <a:schemeClr val="accent1"/>
-                </a:solidFill>
-                <a:latin typeface="Arial" panose="020B0706030804020204" pitchFamily="34" charset="0"/>
-                <a:ea typeface="Arial" panose="020B0706030804020204" pitchFamily="34" charset="0"/>
-                <a:cs typeface="Arial" panose="020B0706030804020204" pitchFamily="34" charset="0"/>
-              </a:rPr>
-              <a:t>Laoreet</a:t>
-            </a:r>
-            <a:r>
-              <a:rPr lang="en-US" sz="1400" b="1" dirty="0">
-                <a:solidFill>
-                  <a:schemeClr val="accent1"/>
-                </a:solidFill>
-                <a:latin typeface="Arial" panose="020B0706030804020204" pitchFamily="34" charset="0"/>
-                <a:ea typeface="Arial" panose="020B0706030804020204" pitchFamily="34" charset="0"/>
-                <a:cs typeface="Arial" panose="020B0706030804020204" pitchFamily="34" charset="0"/>
-              </a:rPr>
-              <a:t> </a:t>
-            </a:r>
-            <a:r>
-              <a:rPr lang="en-US" sz="1400" b="1" dirty="0" err="1">
-                <a:solidFill>
-                  <a:schemeClr val="accent1"/>
-                </a:solidFill>
-                <a:latin typeface="Arial" panose="020B0706030804020204" pitchFamily="34" charset="0"/>
-                <a:ea typeface="Arial" panose="020B0706030804020204" pitchFamily="34" charset="0"/>
-                <a:cs typeface="Arial" panose="020B0706030804020204" pitchFamily="34" charset="0"/>
-              </a:rPr>
-              <a:t>Dolore</a:t>
-            </a:r>
-            <a:r>
-              <a:rPr lang="en-US" sz="1400" b="1" dirty="0">
-                <a:solidFill>
-                  <a:schemeClr val="accent1"/>
-                </a:solidFill>
-                <a:latin typeface="Arial" panose="020B0706030804020204" pitchFamily="34" charset="0"/>
-                <a:ea typeface="Arial" panose="020B0706030804020204" pitchFamily="34" charset="0"/>
-                <a:cs typeface="Arial" panose="020B0706030804020204" pitchFamily="34" charset="0"/>
-              </a:rPr>
-              <a:t> Magna</a:t>
+              <a:t>Top Product Lines</a:t>
             </a:r>
           </a:p>
         </p:txBody>
@@ -34446,7 +33888,7 @@
                 <a:spcPts val="200"/>
               </a:spcAft>
               <a:buClr>
-                <a:schemeClr val="accent1"/>
+                <a:srgbClr val="04244C"/>
               </a:buClr>
               <a:buSzPct val="120000"/>
               <a:buFont typeface="Arial" panose="020B0604020202020204" pitchFamily="34" charset="0"/>
@@ -34491,7 +33933,7 @@
                 <a:spcPts val="200"/>
               </a:spcAft>
               <a:buClr>
-                <a:schemeClr val="accent1"/>
+                <a:srgbClr val="04244C"/>
               </a:buClr>
               <a:buSzPct val="120000"/>
               <a:buFont typeface="Arial" panose="020B0604020202020204" pitchFamily="34" charset="0"/>
@@ -34514,7 +33956,7 @@
                 <a:spcPts val="200"/>
               </a:spcAft>
               <a:buClr>
-                <a:schemeClr val="accent1"/>
+                <a:srgbClr val="04244C"/>
               </a:buClr>
               <a:buSzPct val="120000"/>
               <a:buFont typeface="Arial" panose="020B0604020202020204" pitchFamily="34" charset="0"/>
@@ -34556,8 +33998,8 @@
         </p:nvSpPr>
         <p:spPr>
           <a:xfrm>
-            <a:off x="3393586" y="3400297"/>
-            <a:ext cx="1789272" cy="307777"/>
+            <a:off x="3393586" y="2729557"/>
+            <a:ext cx="1323889" cy="307777"/>
           </a:xfrm>
           <a:prstGeom prst="rect">
             <a:avLst/>
@@ -34576,46 +34018,16 @@
               </a:spcAft>
             </a:pPr>
             <a:r>
-              <a:rPr lang="en-US" sz="1400" b="1" dirty="0" err="1">
+              <a:rPr lang="en-US" sz="1400" b="1" dirty="0">
                 <a:solidFill>
-                  <a:schemeClr val="accent1"/>
+                  <a:srgbClr val="04244C"/>
                 </a:solidFill>
                 <a:latin typeface="Arial" panose="020B0706030804020204" pitchFamily="34" charset="0"/>
                 <a:ea typeface="Arial" panose="020B0706030804020204" pitchFamily="34" charset="0"/>
                 <a:cs typeface="Arial" panose="020B0706030804020204" pitchFamily="34" charset="0"/>
               </a:rPr>
-              <a:t>Euismod</a:t>
-            </a:r>
-            <a:r>
-              <a:rPr lang="en-US" sz="1400" b="1" dirty="0">
-                <a:solidFill>
-                  <a:schemeClr val="accent1"/>
-                </a:solidFill>
-                <a:latin typeface="Arial" panose="020B0706030804020204" pitchFamily="34" charset="0"/>
-                <a:ea typeface="Arial" panose="020B0706030804020204" pitchFamily="34" charset="0"/>
-                <a:cs typeface="Arial" panose="020B0706030804020204" pitchFamily="34" charset="0"/>
-              </a:rPr>
-              <a:t> </a:t>
-            </a:r>
-            <a:r>
-              <a:rPr lang="en-US" sz="1400" b="1" dirty="0" err="1">
-                <a:solidFill>
-                  <a:schemeClr val="accent1"/>
-                </a:solidFill>
-                <a:latin typeface="Arial" panose="020B0706030804020204" pitchFamily="34" charset="0"/>
-                <a:ea typeface="Arial" panose="020B0706030804020204" pitchFamily="34" charset="0"/>
-                <a:cs typeface="Arial" panose="020B0706030804020204" pitchFamily="34" charset="0"/>
-              </a:rPr>
-              <a:t>Tincidunt</a:t>
-            </a:r>
-            <a:endParaRPr lang="en-US" sz="1400" b="1" dirty="0">
-              <a:solidFill>
-                <a:schemeClr val="accent1"/>
-              </a:solidFill>
-              <a:latin typeface="Arial" panose="020B0706030804020204" pitchFamily="34" charset="0"/>
-              <a:ea typeface="Arial" panose="020B0706030804020204" pitchFamily="34" charset="0"/>
-              <a:cs typeface="Arial" panose="020B0706030804020204" pitchFamily="34" charset="0"/>
-            </a:endParaRPr>
+              <a:t>Top Products</a:t>
+            </a:r>
           </a:p>
         </p:txBody>
       </p:sp>
@@ -34627,7 +34039,7 @@
         </p:nvSpPr>
         <p:spPr>
           <a:xfrm>
-            <a:off x="3393586" y="3764020"/>
+            <a:off x="3393586" y="3093280"/>
             <a:ext cx="1649811" cy="753027"/>
           </a:xfrm>
           <a:prstGeom prst="rect">
@@ -34649,7 +34061,7 @@
                 <a:spcPts val="200"/>
               </a:spcAft>
               <a:buClr>
-                <a:schemeClr val="accent1"/>
+                <a:srgbClr val="04244C"/>
               </a:buClr>
               <a:buSzPct val="120000"/>
               <a:buFont typeface="Arial" panose="020B0604020202020204" pitchFamily="34" charset="0"/>
@@ -34690,7 +34102,7 @@
                 <a:spcPts val="200"/>
               </a:spcAft>
               <a:buClr>
-                <a:schemeClr val="accent1"/>
+                <a:srgbClr val="04244C"/>
               </a:buClr>
               <a:buSzPct val="120000"/>
               <a:buFont typeface="Arial" panose="020B0604020202020204" pitchFamily="34" charset="0"/>
@@ -34720,7 +34132,7 @@
                 <a:spcPts val="200"/>
               </a:spcAft>
               <a:buClr>
-                <a:schemeClr val="accent1"/>
+                <a:srgbClr val="04244C"/>
               </a:buClr>
               <a:buSzPct val="120000"/>
               <a:buFont typeface="Arial" panose="020B0604020202020204" pitchFamily="34" charset="0"/>
@@ -34766,8 +34178,8 @@
         </p:nvSpPr>
         <p:spPr>
           <a:xfrm>
-            <a:off x="545080" y="4000971"/>
-            <a:ext cx="1101584" cy="307777"/>
+            <a:off x="495094" y="4507583"/>
+            <a:ext cx="1777025" cy="307777"/>
           </a:xfrm>
           <a:prstGeom prst="rect">
             <a:avLst/>
@@ -34786,24 +34198,16 @@
               </a:spcAft>
             </a:pPr>
             <a:r>
-              <a:rPr lang="en-US" sz="1400" b="1" dirty="0" err="1">
+              <a:rPr lang="en-US" sz="1400" b="1" dirty="0">
                 <a:solidFill>
-                  <a:schemeClr val="accent1"/>
+                  <a:srgbClr val="04244C"/>
                 </a:solidFill>
                 <a:latin typeface="Arial" panose="020B0706030804020204" pitchFamily="34" charset="0"/>
                 <a:ea typeface="Arial" panose="020B0706030804020204" pitchFamily="34" charset="0"/>
                 <a:cs typeface="Arial" panose="020B0706030804020204" pitchFamily="34" charset="0"/>
               </a:rPr>
-              <a:t>Nonummy</a:t>
-            </a:r>
-            <a:endParaRPr lang="en-US" sz="1400" b="1" dirty="0">
-              <a:solidFill>
-                <a:schemeClr val="accent1"/>
-              </a:solidFill>
-              <a:latin typeface="Arial" panose="020B0706030804020204" pitchFamily="34" charset="0"/>
-              <a:ea typeface="Arial" panose="020B0706030804020204" pitchFamily="34" charset="0"/>
-              <a:cs typeface="Arial" panose="020B0706030804020204" pitchFamily="34" charset="0"/>
-            </a:endParaRPr>
+              <a:t>Top Product Types</a:t>
+            </a:r>
           </a:p>
         </p:txBody>
       </p:sp>
@@ -34815,7 +34219,7 @@
         </p:nvSpPr>
         <p:spPr>
           <a:xfrm>
-            <a:off x="545080" y="4364694"/>
+            <a:off x="495094" y="4871306"/>
             <a:ext cx="1908151" cy="1210588"/>
           </a:xfrm>
           <a:prstGeom prst="rect">
@@ -34837,7 +34241,7 @@
                 <a:spcPts val="200"/>
               </a:spcAft>
               <a:buClr>
-                <a:schemeClr val="accent1"/>
+                <a:srgbClr val="04244C"/>
               </a:buClr>
               <a:buSzPct val="120000"/>
               <a:buFont typeface="Arial" panose="020B0604020202020204" pitchFamily="34" charset="0"/>
@@ -34881,7 +34285,7 @@
                 <a:spcPts val="200"/>
               </a:spcAft>
               <a:buClr>
-                <a:schemeClr val="accent1"/>
+                <a:srgbClr val="04244C"/>
               </a:buClr>
               <a:buSzPct val="120000"/>
               <a:buFont typeface="Arial" panose="020B0604020202020204" pitchFamily="34" charset="0"/>
@@ -34922,7 +34326,7 @@
                 <a:spcPts val="200"/>
               </a:spcAft>
               <a:buClr>
-                <a:schemeClr val="accent1"/>
+                <a:srgbClr val="04244C"/>
               </a:buClr>
               <a:buSzPct val="120000"/>
               <a:buFont typeface="Arial" panose="020B0604020202020204" pitchFamily="34" charset="0"/>
@@ -34967,7 +34371,7 @@
                 <a:spcPts val="200"/>
               </a:spcAft>
               <a:buClr>
-                <a:schemeClr val="accent1"/>
+                <a:srgbClr val="04244C"/>
               </a:buClr>
               <a:buSzPct val="120000"/>
               <a:buFont typeface="Arial" panose="020B0604020202020204" pitchFamily="34" charset="0"/>
@@ -35012,7 +34416,7 @@
                 <a:spcPts val="200"/>
               </a:spcAft>
               <a:buClr>
-                <a:schemeClr val="accent1"/>
+                <a:srgbClr val="04244C"/>
               </a:buClr>
               <a:buSzPct val="120000"/>
               <a:buFont typeface="Arial" panose="020B0604020202020204" pitchFamily="34" charset="0"/>
@@ -35036,26 +34440,193 @@
       </p:sp>
       <p:sp>
         <p:nvSpPr>
-          <p:cNvPr id="4" name="Text Placeholder 3">
+          <p:cNvPr id="3" name="TextBox 2">
             <a:extLst>
               <a:ext uri="{FF2B5EF4-FFF2-40B4-BE49-F238E27FC236}">
-                <a16:creationId xmlns:a16="http://schemas.microsoft.com/office/drawing/2014/main" id="{DB15A0AA-4960-2278-861F-9A38CA410F25}"/>
+                <a16:creationId xmlns:a16="http://schemas.microsoft.com/office/drawing/2014/main" id="{7AEA686A-47BD-428A-EFDB-782269A28149}"/>
               </a:ext>
             </a:extLst>
           </p:cNvPr>
-          <p:cNvSpPr>
-            <a:spLocks noGrp="1"/>
-          </p:cNvSpPr>
-          <p:nvPr>
-            <p:ph type="body" sz="quarter" idx="14"/>
-          </p:nvPr>
+          <p:cNvSpPr txBox="1"/>
+          <p:nvPr/>
         </p:nvSpPr>
-        <p:spPr/>
+        <p:spPr>
+          <a:xfrm>
+            <a:off x="3393586" y="4675631"/>
+            <a:ext cx="1814920" cy="307777"/>
+          </a:xfrm>
+          <a:prstGeom prst="rect">
+            <a:avLst/>
+          </a:prstGeom>
+          <a:noFill/>
+        </p:spPr>
         <p:txBody>
-          <a:bodyPr/>
+          <a:bodyPr wrap="none" rtlCol="0">
+            <a:spAutoFit/>
+          </a:bodyPr>
           <a:lstStyle/>
           <a:p>
-            <a:endParaRPr lang="en-US"/>
+            <a:pPr>
+              <a:spcAft>
+                <a:spcPts val="1200"/>
+              </a:spcAft>
+            </a:pPr>
+            <a:r>
+              <a:rPr lang="en-US" sz="1400" b="1" dirty="0">
+                <a:solidFill>
+                  <a:srgbClr val="04244C"/>
+                </a:solidFill>
+                <a:latin typeface="Arial" panose="020B0706030804020204" pitchFamily="34" charset="0"/>
+                <a:ea typeface="Arial" panose="020B0706030804020204" pitchFamily="34" charset="0"/>
+                <a:cs typeface="Arial" panose="020B0706030804020204" pitchFamily="34" charset="0"/>
+              </a:rPr>
+              <a:t>Main Order Method</a:t>
+            </a:r>
+          </a:p>
+        </p:txBody>
+      </p:sp>
+      <p:sp>
+        <p:nvSpPr>
+          <p:cNvPr id="7" name="TextBox 6">
+            <a:extLst>
+              <a:ext uri="{FF2B5EF4-FFF2-40B4-BE49-F238E27FC236}">
+                <a16:creationId xmlns:a16="http://schemas.microsoft.com/office/drawing/2014/main" id="{09ACA179-11C9-242A-4A65-A68F2EFBEB7F}"/>
+              </a:ext>
+            </a:extLst>
+          </p:cNvPr>
+          <p:cNvSpPr txBox="1"/>
+          <p:nvPr/>
+        </p:nvSpPr>
+        <p:spPr>
+          <a:xfrm>
+            <a:off x="3393586" y="5039354"/>
+            <a:ext cx="1649811" cy="753027"/>
+          </a:xfrm>
+          <a:prstGeom prst="rect">
+            <a:avLst/>
+          </a:prstGeom>
+          <a:noFill/>
+        </p:spPr>
+        <p:txBody>
+          <a:bodyPr wrap="none" rtlCol="0">
+            <a:spAutoFit/>
+          </a:bodyPr>
+          <a:lstStyle/>
+          <a:p>
+            <a:pPr marL="180975" indent="-180975">
+              <a:lnSpc>
+                <a:spcPct val="110000"/>
+              </a:lnSpc>
+              <a:spcAft>
+                <a:spcPts val="200"/>
+              </a:spcAft>
+              <a:buClr>
+                <a:srgbClr val="04244C"/>
+              </a:buClr>
+              <a:buSzPct val="120000"/>
+              <a:buFont typeface="Arial" panose="020B0604020202020204" pitchFamily="34" charset="0"/>
+              <a:buChar char="•"/>
+            </a:pPr>
+            <a:r>
+              <a:rPr lang="en-US" sz="1200" dirty="0" err="1">
+                <a:ea typeface="Arial" panose="020B0706030804020204" pitchFamily="34" charset="0"/>
+                <a:cs typeface="Arial" panose="020B0706030804020204" pitchFamily="34" charset="0"/>
+              </a:rPr>
+              <a:t>Euismod</a:t>
+            </a:r>
+            <a:r>
+              <a:rPr lang="en-US" sz="1200" dirty="0">
+                <a:ea typeface="Arial" panose="020B0706030804020204" pitchFamily="34" charset="0"/>
+                <a:cs typeface="Arial" panose="020B0706030804020204" pitchFamily="34" charset="0"/>
+              </a:rPr>
+              <a:t> </a:t>
+            </a:r>
+            <a:r>
+              <a:rPr lang="en-US" sz="1200" dirty="0" err="1">
+                <a:ea typeface="Arial" panose="020B0706030804020204" pitchFamily="34" charset="0"/>
+                <a:cs typeface="Arial" panose="020B0706030804020204" pitchFamily="34" charset="0"/>
+              </a:rPr>
+              <a:t>Tincidunt</a:t>
+            </a:r>
+            <a:endParaRPr lang="en-US" sz="1200" dirty="0">
+              <a:ea typeface="Arial" panose="020B0706030804020204" pitchFamily="34" charset="0"/>
+              <a:cs typeface="Arial" panose="020B0706030804020204" pitchFamily="34" charset="0"/>
+            </a:endParaRPr>
+          </a:p>
+          <a:p>
+            <a:pPr marL="180975" indent="-180975">
+              <a:lnSpc>
+                <a:spcPct val="110000"/>
+              </a:lnSpc>
+              <a:spcAft>
+                <a:spcPts val="200"/>
+              </a:spcAft>
+              <a:buClr>
+                <a:srgbClr val="04244C"/>
+              </a:buClr>
+              <a:buSzPct val="120000"/>
+              <a:buFont typeface="Arial" panose="020B0604020202020204" pitchFamily="34" charset="0"/>
+              <a:buChar char="•"/>
+            </a:pPr>
+            <a:r>
+              <a:rPr lang="en-US" sz="1200" dirty="0" err="1">
+                <a:ea typeface="Arial" panose="020B0706030804020204" pitchFamily="34" charset="0"/>
+                <a:cs typeface="Arial" panose="020B0706030804020204" pitchFamily="34" charset="0"/>
+              </a:rPr>
+              <a:t>Consectetuer</a:t>
+            </a:r>
+            <a:r>
+              <a:rPr lang="en-US" sz="1200" dirty="0">
+                <a:ea typeface="Arial" panose="020B0706030804020204" pitchFamily="34" charset="0"/>
+                <a:cs typeface="Arial" panose="020B0706030804020204" pitchFamily="34" charset="0"/>
+              </a:rPr>
+              <a:t> </a:t>
+            </a:r>
+          </a:p>
+          <a:p>
+            <a:pPr marL="180975" indent="-180975">
+              <a:lnSpc>
+                <a:spcPct val="110000"/>
+              </a:lnSpc>
+              <a:spcAft>
+                <a:spcPts val="200"/>
+              </a:spcAft>
+              <a:buClr>
+                <a:srgbClr val="04244C"/>
+              </a:buClr>
+              <a:buSzPct val="120000"/>
+              <a:buFont typeface="Arial" panose="020B0604020202020204" pitchFamily="34" charset="0"/>
+              <a:buChar char="•"/>
+            </a:pPr>
+            <a:r>
+              <a:rPr lang="en-US" sz="1200" b="1" dirty="0" err="1">
+                <a:latin typeface="Arial" panose="020B0706030804020204" pitchFamily="34" charset="0"/>
+                <a:ea typeface="Arial" panose="020B0706030804020204" pitchFamily="34" charset="0"/>
+                <a:cs typeface="Arial" panose="020B0706030804020204" pitchFamily="34" charset="0"/>
+              </a:rPr>
+              <a:t>Nonummy</a:t>
+            </a:r>
+            <a:r>
+              <a:rPr lang="en-US" sz="1200" b="1" dirty="0">
+                <a:latin typeface="Arial" panose="020B0706030804020204" pitchFamily="34" charset="0"/>
+                <a:ea typeface="Arial" panose="020B0706030804020204" pitchFamily="34" charset="0"/>
+                <a:cs typeface="Arial" panose="020B0706030804020204" pitchFamily="34" charset="0"/>
+              </a:rPr>
+              <a:t> </a:t>
+            </a:r>
+            <a:r>
+              <a:rPr lang="en-US" sz="1200" b="1" dirty="0" err="1">
+                <a:latin typeface="Arial" panose="020B0706030804020204" pitchFamily="34" charset="0"/>
+                <a:ea typeface="Arial" panose="020B0706030804020204" pitchFamily="34" charset="0"/>
+                <a:cs typeface="Arial" panose="020B0706030804020204" pitchFamily="34" charset="0"/>
+              </a:rPr>
+              <a:t>Nibh</a:t>
+            </a:r>
+            <a:endParaRPr lang="en-US" sz="1200" b="1" dirty="0">
+              <a:latin typeface="Arial" panose="020B0706030804020204" pitchFamily="34" charset="0"/>
+              <a:ea typeface="Arial" panose="020B0706030804020204" pitchFamily="34" charset="0"/>
+              <a:cs typeface="Arial" panose="020B0706030804020204" pitchFamily="34" charset="0"/>
+            </a:endParaRPr>
           </a:p>
         </p:txBody>
       </p:sp>
@@ -35072,7 +34643,7 @@
 </p:sld>
 </file>
 
-<file path=ppt/slides/slide3.xml><?xml version="1.0" encoding="utf-8"?>
+<file path=ppt/slides/slide2.xml><?xml version="1.0" encoding="utf-8"?>
 <p:sld xmlns:a="http://schemas.openxmlformats.org/drawingml/2006/main" xmlns:r="http://schemas.openxmlformats.org/officeDocument/2006/relationships" xmlns:p="http://schemas.openxmlformats.org/presentationml/2006/main">
   <p:cSld>
     <p:spTree>
@@ -35134,7 +34705,7 @@
             <a:fld id="{4E6DB2D9-BBD8-435B-B34A-9B8472CE273E}" type="slidenum">
               <a:rPr lang="en-US"/>
               <a:pPr/>
-              <a:t>3</a:t>
+              <a:t>2</a:t>
             </a:fld>
             <a:endParaRPr lang="en-US" dirty="0"/>
           </a:p>
@@ -35175,13 +34746,18 @@
         </p:nvSpPr>
         <p:spPr>
           <a:xfrm>
-            <a:off x="522219" y="3427200"/>
-            <a:ext cx="5459481" cy="2118850"/>
+            <a:off x="4961973" y="1152420"/>
+            <a:ext cx="2024454" cy="2751074"/>
           </a:xfrm>
           <a:prstGeom prst="rect">
             <a:avLst/>
           </a:prstGeom>
           <a:noFill/>
+          <a:ln>
+            <a:solidFill>
+              <a:srgbClr val="04244C"/>
+            </a:solidFill>
+          </a:ln>
         </p:spPr>
         <p:txBody>
           <a:bodyPr wrap="square" rtlCol="0">
@@ -35197,66 +34773,66 @@
                 <a:spcPts val="1200"/>
               </a:spcAft>
               <a:buClr>
-                <a:schemeClr val="accent1"/>
+                <a:srgbClr val="04244C"/>
               </a:buClr>
               <a:buSzPct val="170000"/>
               <a:buFont typeface="Arial" panose="020B0604020202020204" pitchFamily="34" charset="0"/>
               <a:buChar char="•"/>
             </a:pPr>
             <a:r>
-              <a:rPr lang="en-US" sz="1500" dirty="0"/>
+              <a:rPr lang="en-US" sz="1000" dirty="0"/>
               <a:t>Our idea is to create, </a:t>
             </a:r>
             <a:r>
-              <a:rPr lang="en-US" sz="1500" dirty="0" err="1"/>
+              <a:rPr lang="en-US" sz="1000" dirty="0" err="1"/>
               <a:t>consectetuer</a:t>
             </a:r>
             <a:r>
-              <a:rPr lang="en-US" sz="1500" dirty="0"/>
+              <a:rPr lang="en-US" sz="1000" dirty="0"/>
               <a:t> </a:t>
             </a:r>
             <a:r>
-              <a:rPr lang="en-US" sz="1500" dirty="0" err="1"/>
+              <a:rPr lang="en-US" sz="1000" dirty="0" err="1"/>
               <a:t>adipiscing</a:t>
             </a:r>
             <a:r>
-              <a:rPr lang="en-US" sz="1500" dirty="0"/>
+              <a:rPr lang="en-US" sz="1000" dirty="0"/>
               <a:t> </a:t>
             </a:r>
             <a:r>
-              <a:rPr lang="en-US" sz="1500" dirty="0" err="1"/>
+              <a:rPr lang="en-US" sz="1000" dirty="0" err="1"/>
               <a:t>elit</a:t>
             </a:r>
             <a:r>
-              <a:rPr lang="en-US" sz="1500" dirty="0"/>
+              <a:rPr lang="en-US" sz="1000" dirty="0"/>
               <a:t>, </a:t>
             </a:r>
             <a:r>
-              <a:rPr lang="en-US" sz="1500" dirty="0" err="1"/>
+              <a:rPr lang="en-US" sz="1000" dirty="0" err="1"/>
               <a:t>sed</a:t>
             </a:r>
             <a:r>
-              <a:rPr lang="en-US" sz="1500" dirty="0"/>
+              <a:rPr lang="en-US" sz="1000" dirty="0"/>
               <a:t> </a:t>
             </a:r>
             <a:r>
-              <a:rPr lang="en-US" sz="1500" dirty="0" err="1"/>
+              <a:rPr lang="en-US" sz="1000" dirty="0" err="1"/>
               <a:t>diam</a:t>
             </a:r>
             <a:r>
-              <a:rPr lang="en-US" sz="1500" dirty="0"/>
+              <a:rPr lang="en-US" sz="1000" dirty="0"/>
               <a:t> </a:t>
             </a:r>
             <a:r>
-              <a:rPr lang="en-US" sz="1500" dirty="0" err="1"/>
+              <a:rPr lang="en-US" sz="1000" dirty="0" err="1"/>
               <a:t>nonummy</a:t>
             </a:r>
             <a:r>
-              <a:rPr lang="en-US" sz="1500" dirty="0"/>
+              <a:rPr lang="en-US" sz="1000" dirty="0"/>
               <a:t> </a:t>
             </a:r>
             <a:r>
-              <a:rPr lang="en-US" sz="1500" b="1" dirty="0" err="1">
+              <a:rPr lang="en-US" sz="1000" b="1" dirty="0" err="1">
                 <a:solidFill>
                   <a:schemeClr val="accent1"/>
                 </a:solidFill>
@@ -35267,7 +34843,7 @@
               <a:t>nibh</a:t>
             </a:r>
             <a:r>
-              <a:rPr lang="en-US" sz="1500" b="1" dirty="0">
+              <a:rPr lang="en-US" sz="1000" b="1" dirty="0">
                 <a:solidFill>
                   <a:schemeClr val="accent1"/>
                 </a:solidFill>
@@ -35278,7 +34854,7 @@
               <a:t> </a:t>
             </a:r>
             <a:r>
-              <a:rPr lang="en-US" sz="1500" b="1" dirty="0" err="1">
+              <a:rPr lang="en-US" sz="1000" b="1" dirty="0" err="1">
                 <a:solidFill>
                   <a:schemeClr val="accent1"/>
                 </a:solidFill>
@@ -35289,7 +34865,7 @@
               <a:t>euismod</a:t>
             </a:r>
             <a:r>
-              <a:rPr lang="en-US" sz="1500" b="1" dirty="0">
+              <a:rPr lang="en-US" sz="1000" b="1" dirty="0">
                 <a:solidFill>
                   <a:schemeClr val="accent1"/>
                 </a:solidFill>
@@ -35300,7 +34876,7 @@
               <a:t> </a:t>
             </a:r>
             <a:r>
-              <a:rPr lang="en-US" sz="1500" b="1" dirty="0" err="1">
+              <a:rPr lang="en-US" sz="1000" b="1" dirty="0" err="1">
                 <a:solidFill>
                   <a:schemeClr val="accent1"/>
                 </a:solidFill>
@@ -35311,7 +34887,7 @@
               <a:t>tincidunt</a:t>
             </a:r>
             <a:r>
-              <a:rPr lang="en-US" sz="1500" b="1" dirty="0">
+              <a:rPr lang="en-US" sz="1000" b="1" dirty="0">
                 <a:solidFill>
                   <a:schemeClr val="accent1"/>
                 </a:solidFill>
@@ -35322,7 +34898,7 @@
               <a:t> </a:t>
             </a:r>
             <a:r>
-              <a:rPr lang="en-US" sz="1500" b="1" dirty="0" err="1">
+              <a:rPr lang="en-US" sz="1000" b="1" dirty="0" err="1">
                 <a:solidFill>
                   <a:schemeClr val="accent1"/>
                 </a:solidFill>
@@ -35333,7 +34909,7 @@
               <a:t>ut</a:t>
             </a:r>
             <a:r>
-              <a:rPr lang="en-US" sz="1500" b="1" dirty="0">
+              <a:rPr lang="en-US" sz="1000" b="1" dirty="0">
                 <a:solidFill>
                   <a:schemeClr val="accent1"/>
                 </a:solidFill>
@@ -35344,7 +34920,7 @@
               <a:t> </a:t>
             </a:r>
             <a:r>
-              <a:rPr lang="en-US" sz="1500" b="1" dirty="0" err="1">
+              <a:rPr lang="en-US" sz="1000" b="1" dirty="0" err="1">
                 <a:solidFill>
                   <a:schemeClr val="accent1"/>
                 </a:solidFill>
@@ -35355,7 +34931,7 @@
               <a:t>laoreet</a:t>
             </a:r>
             <a:r>
-              <a:rPr lang="en-US" sz="1500" b="1" dirty="0">
+              <a:rPr lang="en-US" sz="1000" b="1" dirty="0">
                 <a:solidFill>
                   <a:schemeClr val="accent1"/>
                 </a:solidFill>
@@ -35366,99 +34942,99 @@
               <a:t> </a:t>
             </a:r>
             <a:r>
-              <a:rPr lang="en-US" sz="1500" dirty="0" err="1"/>
+              <a:rPr lang="en-US" sz="1000" dirty="0" err="1"/>
               <a:t>dolore</a:t>
             </a:r>
             <a:r>
-              <a:rPr lang="en-US" sz="1500" dirty="0"/>
+              <a:rPr lang="en-US" sz="1000" dirty="0"/>
               <a:t> magna </a:t>
             </a:r>
             <a:r>
-              <a:rPr lang="en-US" sz="1500" dirty="0" err="1"/>
+              <a:rPr lang="en-US" sz="1000" dirty="0" err="1"/>
               <a:t>aliquam</a:t>
             </a:r>
             <a:r>
-              <a:rPr lang="en-US" sz="1500" dirty="0"/>
+              <a:rPr lang="en-US" sz="1000" dirty="0"/>
               <a:t> </a:t>
             </a:r>
             <a:r>
-              <a:rPr lang="en-US" sz="1500" dirty="0" err="1"/>
+              <a:rPr lang="en-US" sz="1000" dirty="0" err="1"/>
               <a:t>erat</a:t>
             </a:r>
             <a:r>
-              <a:rPr lang="en-US" sz="1500" dirty="0"/>
+              <a:rPr lang="en-US" sz="1000" dirty="0"/>
               <a:t> </a:t>
             </a:r>
             <a:r>
-              <a:rPr lang="en-US" sz="1500" dirty="0" err="1"/>
+              <a:rPr lang="en-US" sz="1000" dirty="0" err="1"/>
               <a:t>volutpat</a:t>
             </a:r>
             <a:r>
-              <a:rPr lang="en-US" sz="1500" dirty="0"/>
+              <a:rPr lang="en-US" sz="1000" dirty="0"/>
               <a:t>. </a:t>
             </a:r>
             <a:r>
-              <a:rPr lang="en-US" sz="1500" dirty="0" err="1"/>
+              <a:rPr lang="en-US" sz="1000" dirty="0" err="1"/>
               <a:t>Ut</a:t>
             </a:r>
             <a:r>
-              <a:rPr lang="en-US" sz="1500" dirty="0"/>
+              <a:rPr lang="en-US" sz="1000" dirty="0"/>
               <a:t> </a:t>
             </a:r>
             <a:r>
-              <a:rPr lang="en-US" sz="1500" dirty="0" err="1"/>
+              <a:rPr lang="en-US" sz="1000" dirty="0" err="1"/>
               <a:t>wisi</a:t>
             </a:r>
             <a:r>
-              <a:rPr lang="en-US" sz="1500" dirty="0"/>
+              <a:rPr lang="en-US" sz="1000" dirty="0"/>
               <a:t> </a:t>
             </a:r>
             <a:r>
-              <a:rPr lang="en-US" sz="1500" dirty="0" err="1"/>
+              <a:rPr lang="en-US" sz="1000" dirty="0" err="1"/>
               <a:t>enim</a:t>
             </a:r>
             <a:r>
-              <a:rPr lang="en-US" sz="1500" dirty="0"/>
+              <a:rPr lang="en-US" sz="1000" dirty="0"/>
               <a:t> ad minim </a:t>
             </a:r>
             <a:r>
-              <a:rPr lang="en-US" sz="1500" dirty="0" err="1"/>
+              <a:rPr lang="en-US" sz="1000" dirty="0" err="1"/>
               <a:t>veniam</a:t>
             </a:r>
             <a:r>
-              <a:rPr lang="en-US" sz="1500" dirty="0"/>
+              <a:rPr lang="en-US" sz="1000" dirty="0"/>
               <a:t>, </a:t>
             </a:r>
             <a:r>
-              <a:rPr lang="en-US" sz="1500" dirty="0" err="1"/>
+              <a:rPr lang="en-US" sz="1000" dirty="0" err="1"/>
               <a:t>quis</a:t>
             </a:r>
             <a:r>
-              <a:rPr lang="en-US" sz="1500" dirty="0"/>
+              <a:rPr lang="en-US" sz="1000" dirty="0"/>
               <a:t> </a:t>
             </a:r>
             <a:r>
-              <a:rPr lang="en-US" sz="1500" dirty="0" err="1"/>
+              <a:rPr lang="en-US" sz="1000" dirty="0" err="1"/>
               <a:t>nostrud</a:t>
             </a:r>
             <a:r>
-              <a:rPr lang="en-US" sz="1500" dirty="0"/>
+              <a:rPr lang="en-US" sz="1000" dirty="0"/>
               <a:t> </a:t>
             </a:r>
             <a:r>
-              <a:rPr lang="en-US" sz="1500" dirty="0" err="1"/>
+              <a:rPr lang="en-US" sz="1000" dirty="0" err="1"/>
               <a:t>exerci</a:t>
             </a:r>
             <a:r>
-              <a:rPr lang="en-US" sz="1500" dirty="0"/>
+              <a:rPr lang="en-US" sz="1000" dirty="0"/>
               <a:t> </a:t>
             </a:r>
             <a:r>
-              <a:rPr lang="en-US" sz="1500" dirty="0" err="1"/>
+              <a:rPr lang="en-US" sz="1000" dirty="0" err="1"/>
               <a:t>tation</a:t>
             </a:r>
             <a:r>
-              <a:rPr lang="en-US" sz="1500" dirty="0"/>
+              <a:rPr lang="en-US" sz="1000" dirty="0"/>
               <a:t>.</a:t>
             </a:r>
           </a:p>
@@ -35471,42 +35047,42 @@
                 <a:spcPts val="1200"/>
               </a:spcAft>
               <a:buClr>
-                <a:schemeClr val="accent1"/>
+                <a:srgbClr val="04244C"/>
               </a:buClr>
               <a:buSzPct val="170000"/>
               <a:buFont typeface="Arial" panose="020B0604020202020204" pitchFamily="34" charset="0"/>
               <a:buChar char="•"/>
             </a:pPr>
             <a:r>
-              <a:rPr lang="en-US" sz="1500" dirty="0"/>
+              <a:rPr lang="en-US" sz="1000" dirty="0"/>
               <a:t>There is a multiple reasons for this, </a:t>
             </a:r>
             <a:r>
-              <a:rPr lang="en-US" sz="1500" dirty="0" err="1"/>
+              <a:rPr lang="en-US" sz="1000" dirty="0" err="1"/>
               <a:t>euismod</a:t>
             </a:r>
             <a:r>
-              <a:rPr lang="en-US" sz="1500" dirty="0"/>
+              <a:rPr lang="en-US" sz="1000" dirty="0"/>
               <a:t> </a:t>
             </a:r>
             <a:r>
-              <a:rPr lang="en-US" sz="1500" dirty="0" err="1"/>
+              <a:rPr lang="en-US" sz="1000" dirty="0" err="1"/>
               <a:t>tincidunt</a:t>
             </a:r>
             <a:r>
-              <a:rPr lang="en-US" sz="1500" dirty="0"/>
+              <a:rPr lang="en-US" sz="1000" dirty="0"/>
               <a:t> </a:t>
             </a:r>
             <a:r>
-              <a:rPr lang="en-US" sz="1500" dirty="0" err="1"/>
+              <a:rPr lang="en-US" sz="1000" dirty="0" err="1"/>
               <a:t>ut</a:t>
             </a:r>
             <a:r>
-              <a:rPr lang="en-US" sz="1500" dirty="0"/>
+              <a:rPr lang="en-US" sz="1000" dirty="0"/>
               <a:t> </a:t>
             </a:r>
             <a:r>
-              <a:rPr lang="en-US" sz="1500" b="1" dirty="0" err="1">
+              <a:rPr lang="en-US" sz="1000" b="1" dirty="0" err="1">
                 <a:solidFill>
                   <a:schemeClr val="accent1"/>
                 </a:solidFill>
@@ -35517,7 +35093,7 @@
               <a:t>laoreet</a:t>
             </a:r>
             <a:r>
-              <a:rPr lang="en-US" sz="1500" b="1" dirty="0">
+              <a:rPr lang="en-US" sz="1000" b="1" dirty="0">
                 <a:solidFill>
                   <a:schemeClr val="accent1"/>
                 </a:solidFill>
@@ -35528,7 +35104,7 @@
               <a:t> </a:t>
             </a:r>
             <a:r>
-              <a:rPr lang="en-US" sz="1500" b="1" dirty="0" err="1">
+              <a:rPr lang="en-US" sz="1000" b="1" dirty="0" err="1">
                 <a:solidFill>
                   <a:schemeClr val="accent1"/>
                 </a:solidFill>
@@ -35539,7 +35115,7 @@
               <a:t>dolore</a:t>
             </a:r>
             <a:r>
-              <a:rPr lang="en-US" sz="1500" b="1" dirty="0">
+              <a:rPr lang="en-US" sz="1000" b="1" dirty="0">
                 <a:solidFill>
                   <a:schemeClr val="accent1"/>
                 </a:solidFill>
@@ -35550,185 +35126,63 @@
               <a:t> magna </a:t>
             </a:r>
             <a:r>
-              <a:rPr lang="en-US" sz="1500" dirty="0" err="1"/>
+              <a:rPr lang="en-US" sz="1000" dirty="0" err="1"/>
               <a:t>aliquam</a:t>
             </a:r>
             <a:r>
-              <a:rPr lang="en-US" sz="1500" dirty="0"/>
+              <a:rPr lang="en-US" sz="1000" dirty="0"/>
               <a:t> </a:t>
             </a:r>
             <a:r>
-              <a:rPr lang="en-US" sz="1500" dirty="0" err="1"/>
+              <a:rPr lang="en-US" sz="1000" dirty="0" err="1"/>
               <a:t>erat</a:t>
             </a:r>
             <a:r>
-              <a:rPr lang="en-US" sz="1500" dirty="0"/>
+              <a:rPr lang="en-US" sz="1000" dirty="0"/>
               <a:t> </a:t>
             </a:r>
             <a:r>
-              <a:rPr lang="en-US" sz="1500" dirty="0" err="1"/>
+              <a:rPr lang="en-US" sz="1000" dirty="0" err="1"/>
               <a:t>volutpat</a:t>
             </a:r>
             <a:r>
-              <a:rPr lang="en-US" sz="1500" dirty="0"/>
+              <a:rPr lang="en-US" sz="1000" dirty="0"/>
               <a:t>. </a:t>
             </a:r>
             <a:r>
-              <a:rPr lang="en-US" sz="1500" dirty="0" err="1"/>
+              <a:rPr lang="en-US" sz="1000" dirty="0" err="1"/>
               <a:t>Ut</a:t>
             </a:r>
             <a:r>
-              <a:rPr lang="en-US" sz="1500" dirty="0"/>
+              <a:rPr lang="en-US" sz="1000" dirty="0"/>
               <a:t> </a:t>
             </a:r>
             <a:r>
-              <a:rPr lang="en-US" sz="1500" dirty="0" err="1"/>
+              <a:rPr lang="en-US" sz="1000" dirty="0" err="1"/>
               <a:t>wisi</a:t>
             </a:r>
             <a:r>
-              <a:rPr lang="en-US" sz="1500" dirty="0"/>
+              <a:rPr lang="en-US" sz="1000" dirty="0"/>
               <a:t> </a:t>
             </a:r>
             <a:br>
-              <a:rPr lang="en-US" sz="1500" dirty="0"/>
+              <a:rPr lang="en-US" sz="1000" dirty="0"/>
             </a:br>
             <a:r>
-              <a:rPr lang="en-US" sz="1500" dirty="0" err="1"/>
+              <a:rPr lang="en-US" sz="1000" dirty="0" err="1"/>
               <a:t>enim</a:t>
             </a:r>
             <a:r>
-              <a:rPr lang="en-US" sz="1500" dirty="0"/>
+              <a:rPr lang="en-US" sz="1000" dirty="0"/>
               <a:t> ad minim </a:t>
             </a:r>
             <a:r>
-              <a:rPr lang="en-US" sz="1500" dirty="0" err="1"/>
+              <a:rPr lang="en-US" sz="1000" dirty="0" err="1"/>
               <a:t>veniam</a:t>
             </a:r>
             <a:r>
-              <a:rPr lang="en-US" sz="1500" dirty="0"/>
+              <a:rPr lang="en-US" sz="1000" dirty="0"/>
               <a:t>.</a:t>
-            </a:r>
-          </a:p>
-        </p:txBody>
-      </p:sp>
-      <p:sp>
-        <p:nvSpPr>
-          <p:cNvPr id="38" name="TextBox 37"/>
-          <p:cNvSpPr txBox="1"/>
-          <p:nvPr/>
-        </p:nvSpPr>
-        <p:spPr>
-          <a:xfrm>
-            <a:off x="537459" y="2523600"/>
-            <a:ext cx="5444241" cy="602473"/>
-          </a:xfrm>
-          <a:prstGeom prst="rect">
-            <a:avLst/>
-          </a:prstGeom>
-          <a:noFill/>
-        </p:spPr>
-        <p:txBody>
-          <a:bodyPr wrap="square" rtlCol="0">
-            <a:spAutoFit/>
-          </a:bodyPr>
-          <a:lstStyle/>
-          <a:p>
-            <a:pPr>
-              <a:lnSpc>
-                <a:spcPct val="114000"/>
-              </a:lnSpc>
-            </a:pPr>
-            <a:r>
-              <a:rPr lang="en-US" sz="1500" dirty="0"/>
-              <a:t>Lorem ipsum dolor sit </a:t>
-            </a:r>
-            <a:r>
-              <a:rPr lang="en-US" sz="1500" dirty="0" err="1"/>
-              <a:t>amet</a:t>
-            </a:r>
-            <a:r>
-              <a:rPr lang="en-US" sz="1500" dirty="0"/>
-              <a:t>, </a:t>
-            </a:r>
-            <a:r>
-              <a:rPr lang="en-US" sz="1500" dirty="0" err="1"/>
-              <a:t>consectetuer</a:t>
-            </a:r>
-            <a:r>
-              <a:rPr lang="en-US" sz="1500" dirty="0"/>
-              <a:t> </a:t>
-            </a:r>
-            <a:r>
-              <a:rPr lang="en-US" sz="1500" dirty="0" err="1"/>
-              <a:t>adipiscing</a:t>
-            </a:r>
-            <a:r>
-              <a:rPr lang="en-US" sz="1500" dirty="0"/>
-              <a:t> </a:t>
-            </a:r>
-            <a:r>
-              <a:rPr lang="en-US" sz="1500" dirty="0" err="1"/>
-              <a:t>elit</a:t>
-            </a:r>
-            <a:r>
-              <a:rPr lang="en-US" sz="1500" dirty="0"/>
-              <a:t>, </a:t>
-            </a:r>
-            <a:r>
-              <a:rPr lang="en-US" sz="1500" dirty="0" err="1"/>
-              <a:t>sed</a:t>
-            </a:r>
-            <a:r>
-              <a:rPr lang="en-US" sz="1500" dirty="0"/>
-              <a:t> </a:t>
-            </a:r>
-            <a:r>
-              <a:rPr lang="en-US" sz="1500" dirty="0" err="1"/>
-              <a:t>diam</a:t>
-            </a:r>
-            <a:r>
-              <a:rPr lang="en-US" sz="1500" dirty="0"/>
-              <a:t> </a:t>
-            </a:r>
-            <a:r>
-              <a:rPr lang="en-US" sz="1500" dirty="0" err="1"/>
-              <a:t>nonummy</a:t>
-            </a:r>
-            <a:r>
-              <a:rPr lang="en-US" sz="1500" dirty="0"/>
-              <a:t> </a:t>
-            </a:r>
-            <a:r>
-              <a:rPr lang="en-US" sz="1500" dirty="0" err="1"/>
-              <a:t>nibh</a:t>
-            </a:r>
-            <a:r>
-              <a:rPr lang="en-US" sz="1500" dirty="0"/>
-              <a:t> </a:t>
-            </a:r>
-            <a:r>
-              <a:rPr lang="en-US" sz="1500" dirty="0" err="1"/>
-              <a:t>euismod</a:t>
-            </a:r>
-            <a:r>
-              <a:rPr lang="en-US" sz="1500" dirty="0"/>
-              <a:t> </a:t>
-            </a:r>
-            <a:r>
-              <a:rPr lang="en-US" sz="1500" dirty="0" err="1"/>
-              <a:t>laoreet</a:t>
-            </a:r>
-            <a:r>
-              <a:rPr lang="en-US" sz="1500" dirty="0"/>
-              <a:t> </a:t>
-            </a:r>
-            <a:r>
-              <a:rPr lang="en-US" sz="1500" dirty="0" err="1"/>
-              <a:t>dolore</a:t>
-            </a:r>
-            <a:r>
-              <a:rPr lang="en-US" sz="1500" dirty="0"/>
-              <a:t> magna.</a:t>
             </a:r>
           </a:p>
         </p:txBody>
@@ -36777,6 +36231,2184 @@
           </a:p>
         </p:txBody>
       </p:sp>
+      <p:sp>
+        <p:nvSpPr>
+          <p:cNvPr id="3" name="TextBox 2">
+            <a:extLst>
+              <a:ext uri="{FF2B5EF4-FFF2-40B4-BE49-F238E27FC236}">
+                <a16:creationId xmlns:a16="http://schemas.microsoft.com/office/drawing/2014/main" id="{1A797DA3-7E4F-A2FB-0020-0C67DB024138}"/>
+              </a:ext>
+            </a:extLst>
+          </p:cNvPr>
+          <p:cNvSpPr txBox="1"/>
+          <p:nvPr/>
+        </p:nvSpPr>
+        <p:spPr>
+          <a:xfrm>
+            <a:off x="4961973" y="3940288"/>
+            <a:ext cx="2024454" cy="2751074"/>
+          </a:xfrm>
+          <a:prstGeom prst="rect">
+            <a:avLst/>
+          </a:prstGeom>
+          <a:noFill/>
+          <a:ln>
+            <a:solidFill>
+              <a:srgbClr val="04244C"/>
+            </a:solidFill>
+          </a:ln>
+        </p:spPr>
+        <p:txBody>
+          <a:bodyPr wrap="square" rtlCol="0">
+            <a:spAutoFit/>
+          </a:bodyPr>
+          <a:lstStyle/>
+          <a:p>
+            <a:pPr marL="285750" indent="-285750">
+              <a:lnSpc>
+                <a:spcPct val="117000"/>
+              </a:lnSpc>
+              <a:spcAft>
+                <a:spcPts val="1200"/>
+              </a:spcAft>
+              <a:buClr>
+                <a:srgbClr val="04244C"/>
+              </a:buClr>
+              <a:buSzPct val="170000"/>
+              <a:buFont typeface="Arial" panose="020B0604020202020204" pitchFamily="34" charset="0"/>
+              <a:buChar char="•"/>
+            </a:pPr>
+            <a:r>
+              <a:rPr lang="en-US" sz="1000" dirty="0"/>
+              <a:t>Our idea is to create, </a:t>
+            </a:r>
+            <a:r>
+              <a:rPr lang="en-US" sz="1000" dirty="0" err="1"/>
+              <a:t>consectetuer</a:t>
+            </a:r>
+            <a:r>
+              <a:rPr lang="en-US" sz="1000" dirty="0"/>
+              <a:t> </a:t>
+            </a:r>
+            <a:r>
+              <a:rPr lang="en-US" sz="1000" dirty="0" err="1"/>
+              <a:t>adipiscing</a:t>
+            </a:r>
+            <a:r>
+              <a:rPr lang="en-US" sz="1000" dirty="0"/>
+              <a:t> </a:t>
+            </a:r>
+            <a:r>
+              <a:rPr lang="en-US" sz="1000" dirty="0" err="1"/>
+              <a:t>elit</a:t>
+            </a:r>
+            <a:r>
+              <a:rPr lang="en-US" sz="1000" dirty="0"/>
+              <a:t>, </a:t>
+            </a:r>
+            <a:r>
+              <a:rPr lang="en-US" sz="1000" dirty="0" err="1"/>
+              <a:t>sed</a:t>
+            </a:r>
+            <a:r>
+              <a:rPr lang="en-US" sz="1000" dirty="0"/>
+              <a:t> </a:t>
+            </a:r>
+            <a:r>
+              <a:rPr lang="en-US" sz="1000" dirty="0" err="1"/>
+              <a:t>diam</a:t>
+            </a:r>
+            <a:r>
+              <a:rPr lang="en-US" sz="1000" dirty="0"/>
+              <a:t> </a:t>
+            </a:r>
+            <a:r>
+              <a:rPr lang="en-US" sz="1000" dirty="0" err="1"/>
+              <a:t>nonummy</a:t>
+            </a:r>
+            <a:r>
+              <a:rPr lang="en-US" sz="1000" dirty="0"/>
+              <a:t> </a:t>
+            </a:r>
+            <a:r>
+              <a:rPr lang="en-US" sz="1000" b="1" dirty="0" err="1">
+                <a:solidFill>
+                  <a:schemeClr val="accent1"/>
+                </a:solidFill>
+                <a:latin typeface="Arial" panose="020B0706030804020204" pitchFamily="34" charset="0"/>
+                <a:ea typeface="Arial" panose="020B0706030804020204" pitchFamily="34" charset="0"/>
+                <a:cs typeface="Arial" panose="020B0706030804020204" pitchFamily="34" charset="0"/>
+              </a:rPr>
+              <a:t>nibh</a:t>
+            </a:r>
+            <a:r>
+              <a:rPr lang="en-US" sz="1000" b="1" dirty="0">
+                <a:solidFill>
+                  <a:schemeClr val="accent1"/>
+                </a:solidFill>
+                <a:latin typeface="Arial" panose="020B0706030804020204" pitchFamily="34" charset="0"/>
+                <a:ea typeface="Arial" panose="020B0706030804020204" pitchFamily="34" charset="0"/>
+                <a:cs typeface="Arial" panose="020B0706030804020204" pitchFamily="34" charset="0"/>
+              </a:rPr>
+              <a:t> </a:t>
+            </a:r>
+            <a:r>
+              <a:rPr lang="en-US" sz="1000" b="1" dirty="0" err="1">
+                <a:solidFill>
+                  <a:schemeClr val="accent1"/>
+                </a:solidFill>
+                <a:latin typeface="Arial" panose="020B0706030804020204" pitchFamily="34" charset="0"/>
+                <a:ea typeface="Arial" panose="020B0706030804020204" pitchFamily="34" charset="0"/>
+                <a:cs typeface="Arial" panose="020B0706030804020204" pitchFamily="34" charset="0"/>
+              </a:rPr>
+              <a:t>euismod</a:t>
+            </a:r>
+            <a:r>
+              <a:rPr lang="en-US" sz="1000" b="1" dirty="0">
+                <a:solidFill>
+                  <a:schemeClr val="accent1"/>
+                </a:solidFill>
+                <a:latin typeface="Arial" panose="020B0706030804020204" pitchFamily="34" charset="0"/>
+                <a:ea typeface="Arial" panose="020B0706030804020204" pitchFamily="34" charset="0"/>
+                <a:cs typeface="Arial" panose="020B0706030804020204" pitchFamily="34" charset="0"/>
+              </a:rPr>
+              <a:t> </a:t>
+            </a:r>
+            <a:r>
+              <a:rPr lang="en-US" sz="1000" b="1" dirty="0" err="1">
+                <a:solidFill>
+                  <a:schemeClr val="accent1"/>
+                </a:solidFill>
+                <a:latin typeface="Arial" panose="020B0706030804020204" pitchFamily="34" charset="0"/>
+                <a:ea typeface="Arial" panose="020B0706030804020204" pitchFamily="34" charset="0"/>
+                <a:cs typeface="Arial" panose="020B0706030804020204" pitchFamily="34" charset="0"/>
+              </a:rPr>
+              <a:t>tincidunt</a:t>
+            </a:r>
+            <a:r>
+              <a:rPr lang="en-US" sz="1000" b="1" dirty="0">
+                <a:solidFill>
+                  <a:schemeClr val="accent1"/>
+                </a:solidFill>
+                <a:latin typeface="Arial" panose="020B0706030804020204" pitchFamily="34" charset="0"/>
+                <a:ea typeface="Arial" panose="020B0706030804020204" pitchFamily="34" charset="0"/>
+                <a:cs typeface="Arial" panose="020B0706030804020204" pitchFamily="34" charset="0"/>
+              </a:rPr>
+              <a:t> </a:t>
+            </a:r>
+            <a:r>
+              <a:rPr lang="en-US" sz="1000" b="1" dirty="0" err="1">
+                <a:solidFill>
+                  <a:schemeClr val="accent1"/>
+                </a:solidFill>
+                <a:latin typeface="Arial" panose="020B0706030804020204" pitchFamily="34" charset="0"/>
+                <a:ea typeface="Arial" panose="020B0706030804020204" pitchFamily="34" charset="0"/>
+                <a:cs typeface="Arial" panose="020B0706030804020204" pitchFamily="34" charset="0"/>
+              </a:rPr>
+              <a:t>ut</a:t>
+            </a:r>
+            <a:r>
+              <a:rPr lang="en-US" sz="1000" b="1" dirty="0">
+                <a:solidFill>
+                  <a:schemeClr val="accent1"/>
+                </a:solidFill>
+                <a:latin typeface="Arial" panose="020B0706030804020204" pitchFamily="34" charset="0"/>
+                <a:ea typeface="Arial" panose="020B0706030804020204" pitchFamily="34" charset="0"/>
+                <a:cs typeface="Arial" panose="020B0706030804020204" pitchFamily="34" charset="0"/>
+              </a:rPr>
+              <a:t> </a:t>
+            </a:r>
+            <a:r>
+              <a:rPr lang="en-US" sz="1000" b="1" dirty="0" err="1">
+                <a:solidFill>
+                  <a:schemeClr val="accent1"/>
+                </a:solidFill>
+                <a:latin typeface="Arial" panose="020B0706030804020204" pitchFamily="34" charset="0"/>
+                <a:ea typeface="Arial" panose="020B0706030804020204" pitchFamily="34" charset="0"/>
+                <a:cs typeface="Arial" panose="020B0706030804020204" pitchFamily="34" charset="0"/>
+              </a:rPr>
+              <a:t>laoreet</a:t>
+            </a:r>
+            <a:r>
+              <a:rPr lang="en-US" sz="1000" b="1" dirty="0">
+                <a:solidFill>
+                  <a:schemeClr val="accent1"/>
+                </a:solidFill>
+                <a:latin typeface="Arial" panose="020B0706030804020204" pitchFamily="34" charset="0"/>
+                <a:ea typeface="Arial" panose="020B0706030804020204" pitchFamily="34" charset="0"/>
+                <a:cs typeface="Arial" panose="020B0706030804020204" pitchFamily="34" charset="0"/>
+              </a:rPr>
+              <a:t> </a:t>
+            </a:r>
+            <a:r>
+              <a:rPr lang="en-US" sz="1000" dirty="0" err="1"/>
+              <a:t>dolore</a:t>
+            </a:r>
+            <a:r>
+              <a:rPr lang="en-US" sz="1000" dirty="0"/>
+              <a:t> magna </a:t>
+            </a:r>
+            <a:r>
+              <a:rPr lang="en-US" sz="1000" dirty="0" err="1"/>
+              <a:t>aliquam</a:t>
+            </a:r>
+            <a:r>
+              <a:rPr lang="en-US" sz="1000" dirty="0"/>
+              <a:t> </a:t>
+            </a:r>
+            <a:r>
+              <a:rPr lang="en-US" sz="1000" dirty="0" err="1"/>
+              <a:t>erat</a:t>
+            </a:r>
+            <a:r>
+              <a:rPr lang="en-US" sz="1000" dirty="0"/>
+              <a:t> </a:t>
+            </a:r>
+            <a:r>
+              <a:rPr lang="en-US" sz="1000" dirty="0" err="1"/>
+              <a:t>volutpat</a:t>
+            </a:r>
+            <a:r>
+              <a:rPr lang="en-US" sz="1000" dirty="0"/>
+              <a:t>. </a:t>
+            </a:r>
+            <a:r>
+              <a:rPr lang="en-US" sz="1000" dirty="0" err="1"/>
+              <a:t>Ut</a:t>
+            </a:r>
+            <a:r>
+              <a:rPr lang="en-US" sz="1000" dirty="0"/>
+              <a:t> </a:t>
+            </a:r>
+            <a:r>
+              <a:rPr lang="en-US" sz="1000" dirty="0" err="1"/>
+              <a:t>wisi</a:t>
+            </a:r>
+            <a:r>
+              <a:rPr lang="en-US" sz="1000" dirty="0"/>
+              <a:t> </a:t>
+            </a:r>
+            <a:r>
+              <a:rPr lang="en-US" sz="1000" dirty="0" err="1"/>
+              <a:t>enim</a:t>
+            </a:r>
+            <a:r>
+              <a:rPr lang="en-US" sz="1000" dirty="0"/>
+              <a:t> ad minim </a:t>
+            </a:r>
+            <a:r>
+              <a:rPr lang="en-US" sz="1000" dirty="0" err="1"/>
+              <a:t>veniam</a:t>
+            </a:r>
+            <a:r>
+              <a:rPr lang="en-US" sz="1000" dirty="0"/>
+              <a:t>, </a:t>
+            </a:r>
+            <a:r>
+              <a:rPr lang="en-US" sz="1000" dirty="0" err="1"/>
+              <a:t>quis</a:t>
+            </a:r>
+            <a:r>
+              <a:rPr lang="en-US" sz="1000" dirty="0"/>
+              <a:t> </a:t>
+            </a:r>
+            <a:r>
+              <a:rPr lang="en-US" sz="1000" dirty="0" err="1"/>
+              <a:t>nostrud</a:t>
+            </a:r>
+            <a:r>
+              <a:rPr lang="en-US" sz="1000" dirty="0"/>
+              <a:t> </a:t>
+            </a:r>
+            <a:r>
+              <a:rPr lang="en-US" sz="1000" dirty="0" err="1"/>
+              <a:t>exerci</a:t>
+            </a:r>
+            <a:r>
+              <a:rPr lang="en-US" sz="1000" dirty="0"/>
+              <a:t> </a:t>
+            </a:r>
+            <a:r>
+              <a:rPr lang="en-US" sz="1000" dirty="0" err="1"/>
+              <a:t>tation</a:t>
+            </a:r>
+            <a:r>
+              <a:rPr lang="en-US" sz="1000" dirty="0"/>
+              <a:t>.</a:t>
+            </a:r>
+          </a:p>
+          <a:p>
+            <a:pPr marL="285750" indent="-285750">
+              <a:lnSpc>
+                <a:spcPct val="117000"/>
+              </a:lnSpc>
+              <a:spcAft>
+                <a:spcPts val="1200"/>
+              </a:spcAft>
+              <a:buClr>
+                <a:srgbClr val="04244C"/>
+              </a:buClr>
+              <a:buSzPct val="170000"/>
+              <a:buFont typeface="Arial" panose="020B0604020202020204" pitchFamily="34" charset="0"/>
+              <a:buChar char="•"/>
+            </a:pPr>
+            <a:r>
+              <a:rPr lang="en-US" sz="1000" dirty="0"/>
+              <a:t>There is a multiple reasons for this, </a:t>
+            </a:r>
+            <a:r>
+              <a:rPr lang="en-US" sz="1000" dirty="0" err="1"/>
+              <a:t>euismod</a:t>
+            </a:r>
+            <a:r>
+              <a:rPr lang="en-US" sz="1000" dirty="0"/>
+              <a:t> </a:t>
+            </a:r>
+            <a:r>
+              <a:rPr lang="en-US" sz="1000" dirty="0" err="1"/>
+              <a:t>tincidunt</a:t>
+            </a:r>
+            <a:r>
+              <a:rPr lang="en-US" sz="1000" dirty="0"/>
+              <a:t> </a:t>
+            </a:r>
+            <a:r>
+              <a:rPr lang="en-US" sz="1000" dirty="0" err="1"/>
+              <a:t>ut</a:t>
+            </a:r>
+            <a:r>
+              <a:rPr lang="en-US" sz="1000" dirty="0"/>
+              <a:t> </a:t>
+            </a:r>
+            <a:r>
+              <a:rPr lang="en-US" sz="1000" b="1" dirty="0" err="1">
+                <a:solidFill>
+                  <a:schemeClr val="accent1"/>
+                </a:solidFill>
+                <a:latin typeface="Arial" panose="020B0706030804020204" pitchFamily="34" charset="0"/>
+                <a:ea typeface="Arial" panose="020B0706030804020204" pitchFamily="34" charset="0"/>
+                <a:cs typeface="Arial" panose="020B0706030804020204" pitchFamily="34" charset="0"/>
+              </a:rPr>
+              <a:t>laoreet</a:t>
+            </a:r>
+            <a:r>
+              <a:rPr lang="en-US" sz="1000" b="1" dirty="0">
+                <a:solidFill>
+                  <a:schemeClr val="accent1"/>
+                </a:solidFill>
+                <a:latin typeface="Arial" panose="020B0706030804020204" pitchFamily="34" charset="0"/>
+                <a:ea typeface="Arial" panose="020B0706030804020204" pitchFamily="34" charset="0"/>
+                <a:cs typeface="Arial" panose="020B0706030804020204" pitchFamily="34" charset="0"/>
+              </a:rPr>
+              <a:t> </a:t>
+            </a:r>
+            <a:r>
+              <a:rPr lang="en-US" sz="1000" b="1" dirty="0" err="1">
+                <a:solidFill>
+                  <a:schemeClr val="accent1"/>
+                </a:solidFill>
+                <a:latin typeface="Arial" panose="020B0706030804020204" pitchFamily="34" charset="0"/>
+                <a:ea typeface="Arial" panose="020B0706030804020204" pitchFamily="34" charset="0"/>
+                <a:cs typeface="Arial" panose="020B0706030804020204" pitchFamily="34" charset="0"/>
+              </a:rPr>
+              <a:t>dolore</a:t>
+            </a:r>
+            <a:r>
+              <a:rPr lang="en-US" sz="1000" b="1" dirty="0">
+                <a:solidFill>
+                  <a:schemeClr val="accent1"/>
+                </a:solidFill>
+                <a:latin typeface="Arial" panose="020B0706030804020204" pitchFamily="34" charset="0"/>
+                <a:ea typeface="Arial" panose="020B0706030804020204" pitchFamily="34" charset="0"/>
+                <a:cs typeface="Arial" panose="020B0706030804020204" pitchFamily="34" charset="0"/>
+              </a:rPr>
+              <a:t> magna </a:t>
+            </a:r>
+            <a:r>
+              <a:rPr lang="en-US" sz="1000" dirty="0" err="1"/>
+              <a:t>aliquam</a:t>
+            </a:r>
+            <a:r>
+              <a:rPr lang="en-US" sz="1000" dirty="0"/>
+              <a:t> </a:t>
+            </a:r>
+            <a:r>
+              <a:rPr lang="en-US" sz="1000" dirty="0" err="1"/>
+              <a:t>erat</a:t>
+            </a:r>
+            <a:r>
+              <a:rPr lang="en-US" sz="1000" dirty="0"/>
+              <a:t> </a:t>
+            </a:r>
+            <a:r>
+              <a:rPr lang="en-US" sz="1000" dirty="0" err="1"/>
+              <a:t>volutpat</a:t>
+            </a:r>
+            <a:r>
+              <a:rPr lang="en-US" sz="1000" dirty="0"/>
+              <a:t>. </a:t>
+            </a:r>
+            <a:r>
+              <a:rPr lang="en-US" sz="1000" dirty="0" err="1"/>
+              <a:t>Ut</a:t>
+            </a:r>
+            <a:r>
+              <a:rPr lang="en-US" sz="1000" dirty="0"/>
+              <a:t> </a:t>
+            </a:r>
+            <a:r>
+              <a:rPr lang="en-US" sz="1000" dirty="0" err="1"/>
+              <a:t>wisi</a:t>
+            </a:r>
+            <a:r>
+              <a:rPr lang="en-US" sz="1000" dirty="0"/>
+              <a:t> </a:t>
+            </a:r>
+            <a:br>
+              <a:rPr lang="en-US" sz="1000" dirty="0"/>
+            </a:br>
+            <a:r>
+              <a:rPr lang="en-US" sz="1000" dirty="0" err="1"/>
+              <a:t>enim</a:t>
+            </a:r>
+            <a:r>
+              <a:rPr lang="en-US" sz="1000" dirty="0"/>
+              <a:t> ad minim </a:t>
+            </a:r>
+            <a:r>
+              <a:rPr lang="en-US" sz="1000" dirty="0" err="1"/>
+              <a:t>veniam</a:t>
+            </a:r>
+            <a:r>
+              <a:rPr lang="en-US" sz="1000" dirty="0"/>
+              <a:t>.</a:t>
+            </a:r>
+          </a:p>
+        </p:txBody>
+      </p:sp>
+    </p:spTree>
+    <p:extLst>
+      <p:ext uri="{BB962C8B-B14F-4D97-AF65-F5344CB8AC3E}">
+        <p14:creationId xmlns:p14="http://schemas.microsoft.com/office/powerpoint/2010/main" val="720251132"/>
+      </p:ext>
+    </p:extLst>
+  </p:cSld>
+  <p:clrMapOvr>
+    <a:masterClrMapping/>
+  </p:clrMapOvr>
+</p:sld>
+</file>
+
+<file path=ppt/slides/slide3.xml><?xml version="1.0" encoding="utf-8"?>
+<p:sld xmlns:a="http://schemas.openxmlformats.org/drawingml/2006/main" xmlns:r="http://schemas.openxmlformats.org/officeDocument/2006/relationships" xmlns:p="http://schemas.openxmlformats.org/presentationml/2006/main">
+  <p:cSld>
+    <p:spTree>
+      <p:nvGrpSpPr>
+        <p:cNvPr id="1" name=""/>
+        <p:cNvGrpSpPr/>
+        <p:nvPr/>
+      </p:nvGrpSpPr>
+      <p:grpSpPr>
+        <a:xfrm>
+          <a:off x="0" y="0"/>
+          <a:ext cx="0" cy="0"/>
+          <a:chOff x="0" y="0"/>
+          <a:chExt cx="0" cy="0"/>
+        </a:xfrm>
+      </p:grpSpPr>
+      <p:sp>
+        <p:nvSpPr>
+          <p:cNvPr id="2" name="Title 1"/>
+          <p:cNvSpPr>
+            <a:spLocks noGrp="1"/>
+          </p:cNvSpPr>
+          <p:nvPr>
+            <p:ph type="title"/>
+          </p:nvPr>
+        </p:nvSpPr>
+        <p:spPr>
+          <a:xfrm>
+            <a:off x="537460" y="515462"/>
+            <a:ext cx="5248800" cy="600164"/>
+          </a:xfrm>
+        </p:spPr>
+        <p:txBody>
+          <a:bodyPr/>
+          <a:lstStyle/>
+          <a:p>
+            <a:r>
+              <a:rPr lang="en-US" noProof="0" dirty="0"/>
+              <a:t>Insights</a:t>
+            </a:r>
+          </a:p>
+        </p:txBody>
+      </p:sp>
+      <p:sp>
+        <p:nvSpPr>
+          <p:cNvPr id="5" name="Slide Number Placeholder 4"/>
+          <p:cNvSpPr>
+            <a:spLocks noGrp="1"/>
+          </p:cNvSpPr>
+          <p:nvPr>
+            <p:ph type="sldNum" sz="quarter" idx="17"/>
+          </p:nvPr>
+        </p:nvSpPr>
+        <p:spPr/>
+        <p:txBody>
+          <a:bodyPr/>
+          <a:lstStyle/>
+          <a:p>
+            <a:fld id="{4E6DB2D9-BBD8-435B-B34A-9B8472CE273E}" type="slidenum">
+              <a:rPr lang="en-US"/>
+              <a:pPr/>
+              <a:t>3</a:t>
+            </a:fld>
+            <a:endParaRPr lang="en-US" dirty="0"/>
+          </a:p>
+        </p:txBody>
+      </p:sp>
+      <p:sp>
+        <p:nvSpPr>
+          <p:cNvPr id="13" name="Text Placeholder 12">
+            <a:extLst>
+              <a:ext uri="{FF2B5EF4-FFF2-40B4-BE49-F238E27FC236}">
+                <a16:creationId xmlns:a16="http://schemas.microsoft.com/office/drawing/2014/main" id="{1FA5FBE3-2036-4A85-B197-F45B48791AB8}"/>
+              </a:ext>
+            </a:extLst>
+          </p:cNvPr>
+          <p:cNvSpPr>
+            <a:spLocks noGrp="1"/>
+          </p:cNvSpPr>
+          <p:nvPr>
+            <p:ph type="body" sz="quarter" idx="18"/>
+          </p:nvPr>
+        </p:nvSpPr>
+        <p:spPr/>
+        <p:txBody>
+          <a:bodyPr>
+            <a:normAutofit fontScale="25000" lnSpcReduction="20000"/>
+          </a:bodyPr>
+          <a:lstStyle/>
+          <a:p>
+            <a:endParaRPr lang="en-US"/>
+          </a:p>
+        </p:txBody>
+      </p:sp>
+      <p:sp>
+        <p:nvSpPr>
+          <p:cNvPr id="35" name="TextBox 34"/>
+          <p:cNvSpPr txBox="1"/>
+          <p:nvPr/>
+        </p:nvSpPr>
+        <p:spPr>
+          <a:xfrm>
+            <a:off x="522219" y="3427200"/>
+            <a:ext cx="5459481" cy="2118850"/>
+          </a:xfrm>
+          <a:prstGeom prst="rect">
+            <a:avLst/>
+          </a:prstGeom>
+          <a:noFill/>
+          <a:ln>
+            <a:solidFill>
+              <a:srgbClr val="04244C"/>
+            </a:solidFill>
+          </a:ln>
+        </p:spPr>
+        <p:txBody>
+          <a:bodyPr wrap="square" rtlCol="0">
+            <a:spAutoFit/>
+          </a:bodyPr>
+          <a:lstStyle/>
+          <a:p>
+            <a:pPr marL="285750" indent="-285750">
+              <a:lnSpc>
+                <a:spcPct val="117000"/>
+              </a:lnSpc>
+              <a:spcAft>
+                <a:spcPts val="1200"/>
+              </a:spcAft>
+              <a:buClr>
+                <a:srgbClr val="04244C"/>
+              </a:buClr>
+              <a:buSzPct val="170000"/>
+              <a:buFont typeface="Arial" panose="020B0604020202020204" pitchFamily="34" charset="0"/>
+              <a:buChar char="•"/>
+            </a:pPr>
+            <a:r>
+              <a:rPr lang="en-US" sz="1500" dirty="0"/>
+              <a:t>Our idea is to create, </a:t>
+            </a:r>
+            <a:r>
+              <a:rPr lang="en-US" sz="1500" dirty="0" err="1"/>
+              <a:t>consectetuer</a:t>
+            </a:r>
+            <a:r>
+              <a:rPr lang="en-US" sz="1500" dirty="0"/>
+              <a:t> </a:t>
+            </a:r>
+            <a:r>
+              <a:rPr lang="en-US" sz="1500" dirty="0" err="1"/>
+              <a:t>adipiscing</a:t>
+            </a:r>
+            <a:r>
+              <a:rPr lang="en-US" sz="1500" dirty="0"/>
+              <a:t> </a:t>
+            </a:r>
+            <a:r>
+              <a:rPr lang="en-US" sz="1500" dirty="0" err="1"/>
+              <a:t>elit</a:t>
+            </a:r>
+            <a:r>
+              <a:rPr lang="en-US" sz="1500" dirty="0"/>
+              <a:t>, </a:t>
+            </a:r>
+            <a:r>
+              <a:rPr lang="en-US" sz="1500" dirty="0" err="1"/>
+              <a:t>sed</a:t>
+            </a:r>
+            <a:r>
+              <a:rPr lang="en-US" sz="1500" dirty="0"/>
+              <a:t> </a:t>
+            </a:r>
+            <a:r>
+              <a:rPr lang="en-US" sz="1500" dirty="0" err="1"/>
+              <a:t>diam</a:t>
+            </a:r>
+            <a:r>
+              <a:rPr lang="en-US" sz="1500" dirty="0"/>
+              <a:t> </a:t>
+            </a:r>
+            <a:r>
+              <a:rPr lang="en-US" sz="1500" dirty="0" err="1"/>
+              <a:t>nonummy</a:t>
+            </a:r>
+            <a:r>
+              <a:rPr lang="en-US" sz="1500" dirty="0"/>
+              <a:t> </a:t>
+            </a:r>
+            <a:r>
+              <a:rPr lang="en-US" sz="1500" b="1" dirty="0" err="1">
+                <a:solidFill>
+                  <a:schemeClr val="accent1"/>
+                </a:solidFill>
+                <a:latin typeface="Arial" panose="020B0706030804020204" pitchFamily="34" charset="0"/>
+                <a:ea typeface="Arial" panose="020B0706030804020204" pitchFamily="34" charset="0"/>
+                <a:cs typeface="Arial" panose="020B0706030804020204" pitchFamily="34" charset="0"/>
+              </a:rPr>
+              <a:t>nibh</a:t>
+            </a:r>
+            <a:r>
+              <a:rPr lang="en-US" sz="1500" b="1" dirty="0">
+                <a:solidFill>
+                  <a:schemeClr val="accent1"/>
+                </a:solidFill>
+                <a:latin typeface="Arial" panose="020B0706030804020204" pitchFamily="34" charset="0"/>
+                <a:ea typeface="Arial" panose="020B0706030804020204" pitchFamily="34" charset="0"/>
+                <a:cs typeface="Arial" panose="020B0706030804020204" pitchFamily="34" charset="0"/>
+              </a:rPr>
+              <a:t> </a:t>
+            </a:r>
+            <a:r>
+              <a:rPr lang="en-US" sz="1500" b="1" dirty="0" err="1">
+                <a:solidFill>
+                  <a:schemeClr val="accent1"/>
+                </a:solidFill>
+                <a:latin typeface="Arial" panose="020B0706030804020204" pitchFamily="34" charset="0"/>
+                <a:ea typeface="Arial" panose="020B0706030804020204" pitchFamily="34" charset="0"/>
+                <a:cs typeface="Arial" panose="020B0706030804020204" pitchFamily="34" charset="0"/>
+              </a:rPr>
+              <a:t>euismod</a:t>
+            </a:r>
+            <a:r>
+              <a:rPr lang="en-US" sz="1500" b="1" dirty="0">
+                <a:solidFill>
+                  <a:schemeClr val="accent1"/>
+                </a:solidFill>
+                <a:latin typeface="Arial" panose="020B0706030804020204" pitchFamily="34" charset="0"/>
+                <a:ea typeface="Arial" panose="020B0706030804020204" pitchFamily="34" charset="0"/>
+                <a:cs typeface="Arial" panose="020B0706030804020204" pitchFamily="34" charset="0"/>
+              </a:rPr>
+              <a:t> </a:t>
+            </a:r>
+            <a:r>
+              <a:rPr lang="en-US" sz="1500" b="1" dirty="0" err="1">
+                <a:solidFill>
+                  <a:schemeClr val="accent1"/>
+                </a:solidFill>
+                <a:latin typeface="Arial" panose="020B0706030804020204" pitchFamily="34" charset="0"/>
+                <a:ea typeface="Arial" panose="020B0706030804020204" pitchFamily="34" charset="0"/>
+                <a:cs typeface="Arial" panose="020B0706030804020204" pitchFamily="34" charset="0"/>
+              </a:rPr>
+              <a:t>tincidunt</a:t>
+            </a:r>
+            <a:r>
+              <a:rPr lang="en-US" sz="1500" b="1" dirty="0">
+                <a:solidFill>
+                  <a:schemeClr val="accent1"/>
+                </a:solidFill>
+                <a:latin typeface="Arial" panose="020B0706030804020204" pitchFamily="34" charset="0"/>
+                <a:ea typeface="Arial" panose="020B0706030804020204" pitchFamily="34" charset="0"/>
+                <a:cs typeface="Arial" panose="020B0706030804020204" pitchFamily="34" charset="0"/>
+              </a:rPr>
+              <a:t> </a:t>
+            </a:r>
+            <a:r>
+              <a:rPr lang="en-US" sz="1500" b="1" dirty="0" err="1">
+                <a:solidFill>
+                  <a:schemeClr val="accent1"/>
+                </a:solidFill>
+                <a:latin typeface="Arial" panose="020B0706030804020204" pitchFamily="34" charset="0"/>
+                <a:ea typeface="Arial" panose="020B0706030804020204" pitchFamily="34" charset="0"/>
+                <a:cs typeface="Arial" panose="020B0706030804020204" pitchFamily="34" charset="0"/>
+              </a:rPr>
+              <a:t>ut</a:t>
+            </a:r>
+            <a:r>
+              <a:rPr lang="en-US" sz="1500" b="1" dirty="0">
+                <a:solidFill>
+                  <a:schemeClr val="accent1"/>
+                </a:solidFill>
+                <a:latin typeface="Arial" panose="020B0706030804020204" pitchFamily="34" charset="0"/>
+                <a:ea typeface="Arial" panose="020B0706030804020204" pitchFamily="34" charset="0"/>
+                <a:cs typeface="Arial" panose="020B0706030804020204" pitchFamily="34" charset="0"/>
+              </a:rPr>
+              <a:t> </a:t>
+            </a:r>
+            <a:r>
+              <a:rPr lang="en-US" sz="1500" b="1" dirty="0" err="1">
+                <a:solidFill>
+                  <a:schemeClr val="accent1"/>
+                </a:solidFill>
+                <a:latin typeface="Arial" panose="020B0706030804020204" pitchFamily="34" charset="0"/>
+                <a:ea typeface="Arial" panose="020B0706030804020204" pitchFamily="34" charset="0"/>
+                <a:cs typeface="Arial" panose="020B0706030804020204" pitchFamily="34" charset="0"/>
+              </a:rPr>
+              <a:t>laoreet</a:t>
+            </a:r>
+            <a:r>
+              <a:rPr lang="en-US" sz="1500" b="1" dirty="0">
+                <a:solidFill>
+                  <a:schemeClr val="accent1"/>
+                </a:solidFill>
+                <a:latin typeface="Arial" panose="020B0706030804020204" pitchFamily="34" charset="0"/>
+                <a:ea typeface="Arial" panose="020B0706030804020204" pitchFamily="34" charset="0"/>
+                <a:cs typeface="Arial" panose="020B0706030804020204" pitchFamily="34" charset="0"/>
+              </a:rPr>
+              <a:t> </a:t>
+            </a:r>
+            <a:r>
+              <a:rPr lang="en-US" sz="1500" dirty="0" err="1"/>
+              <a:t>dolore</a:t>
+            </a:r>
+            <a:r>
+              <a:rPr lang="en-US" sz="1500" dirty="0"/>
+              <a:t> magna </a:t>
+            </a:r>
+            <a:r>
+              <a:rPr lang="en-US" sz="1500" dirty="0" err="1"/>
+              <a:t>aliquam</a:t>
+            </a:r>
+            <a:r>
+              <a:rPr lang="en-US" sz="1500" dirty="0"/>
+              <a:t> </a:t>
+            </a:r>
+            <a:r>
+              <a:rPr lang="en-US" sz="1500" dirty="0" err="1"/>
+              <a:t>erat</a:t>
+            </a:r>
+            <a:r>
+              <a:rPr lang="en-US" sz="1500" dirty="0"/>
+              <a:t> </a:t>
+            </a:r>
+            <a:r>
+              <a:rPr lang="en-US" sz="1500" dirty="0" err="1"/>
+              <a:t>volutpat</a:t>
+            </a:r>
+            <a:r>
+              <a:rPr lang="en-US" sz="1500" dirty="0"/>
+              <a:t>. </a:t>
+            </a:r>
+            <a:r>
+              <a:rPr lang="en-US" sz="1500" dirty="0" err="1"/>
+              <a:t>Ut</a:t>
+            </a:r>
+            <a:r>
+              <a:rPr lang="en-US" sz="1500" dirty="0"/>
+              <a:t> </a:t>
+            </a:r>
+            <a:r>
+              <a:rPr lang="en-US" sz="1500" dirty="0" err="1"/>
+              <a:t>wisi</a:t>
+            </a:r>
+            <a:r>
+              <a:rPr lang="en-US" sz="1500" dirty="0"/>
+              <a:t> </a:t>
+            </a:r>
+            <a:r>
+              <a:rPr lang="en-US" sz="1500" dirty="0" err="1"/>
+              <a:t>enim</a:t>
+            </a:r>
+            <a:r>
+              <a:rPr lang="en-US" sz="1500" dirty="0"/>
+              <a:t> ad minim </a:t>
+            </a:r>
+            <a:r>
+              <a:rPr lang="en-US" sz="1500" dirty="0" err="1"/>
+              <a:t>veniam</a:t>
+            </a:r>
+            <a:r>
+              <a:rPr lang="en-US" sz="1500" dirty="0"/>
+              <a:t>, </a:t>
+            </a:r>
+            <a:r>
+              <a:rPr lang="en-US" sz="1500" dirty="0" err="1"/>
+              <a:t>quis</a:t>
+            </a:r>
+            <a:r>
+              <a:rPr lang="en-US" sz="1500" dirty="0"/>
+              <a:t> </a:t>
+            </a:r>
+            <a:r>
+              <a:rPr lang="en-US" sz="1500" dirty="0" err="1"/>
+              <a:t>nostrud</a:t>
+            </a:r>
+            <a:r>
+              <a:rPr lang="en-US" sz="1500" dirty="0"/>
+              <a:t> </a:t>
+            </a:r>
+            <a:r>
+              <a:rPr lang="en-US" sz="1500" dirty="0" err="1"/>
+              <a:t>exerci</a:t>
+            </a:r>
+            <a:r>
+              <a:rPr lang="en-US" sz="1500" dirty="0"/>
+              <a:t> </a:t>
+            </a:r>
+            <a:r>
+              <a:rPr lang="en-US" sz="1500" dirty="0" err="1"/>
+              <a:t>tation</a:t>
+            </a:r>
+            <a:r>
+              <a:rPr lang="en-US" sz="1500" dirty="0"/>
+              <a:t>.</a:t>
+            </a:r>
+          </a:p>
+          <a:p>
+            <a:pPr marL="285750" indent="-285750">
+              <a:lnSpc>
+                <a:spcPct val="117000"/>
+              </a:lnSpc>
+              <a:spcAft>
+                <a:spcPts val="1200"/>
+              </a:spcAft>
+              <a:buClr>
+                <a:srgbClr val="04244C"/>
+              </a:buClr>
+              <a:buSzPct val="170000"/>
+              <a:buFont typeface="Arial" panose="020B0604020202020204" pitchFamily="34" charset="0"/>
+              <a:buChar char="•"/>
+            </a:pPr>
+            <a:r>
+              <a:rPr lang="en-US" sz="1500" dirty="0"/>
+              <a:t>There is a multiple reasons for this, </a:t>
+            </a:r>
+            <a:r>
+              <a:rPr lang="en-US" sz="1500" dirty="0" err="1"/>
+              <a:t>euismod</a:t>
+            </a:r>
+            <a:r>
+              <a:rPr lang="en-US" sz="1500" dirty="0"/>
+              <a:t> </a:t>
+            </a:r>
+            <a:r>
+              <a:rPr lang="en-US" sz="1500" dirty="0" err="1"/>
+              <a:t>tincidunt</a:t>
+            </a:r>
+            <a:r>
+              <a:rPr lang="en-US" sz="1500" dirty="0"/>
+              <a:t> </a:t>
+            </a:r>
+            <a:r>
+              <a:rPr lang="en-US" sz="1500" dirty="0" err="1"/>
+              <a:t>ut</a:t>
+            </a:r>
+            <a:r>
+              <a:rPr lang="en-US" sz="1500" dirty="0"/>
+              <a:t> </a:t>
+            </a:r>
+            <a:r>
+              <a:rPr lang="en-US" sz="1500" b="1" dirty="0" err="1">
+                <a:solidFill>
+                  <a:schemeClr val="accent1"/>
+                </a:solidFill>
+                <a:latin typeface="Arial" panose="020B0706030804020204" pitchFamily="34" charset="0"/>
+                <a:ea typeface="Arial" panose="020B0706030804020204" pitchFamily="34" charset="0"/>
+                <a:cs typeface="Arial" panose="020B0706030804020204" pitchFamily="34" charset="0"/>
+              </a:rPr>
+              <a:t>laoreet</a:t>
+            </a:r>
+            <a:r>
+              <a:rPr lang="en-US" sz="1500" b="1" dirty="0">
+                <a:solidFill>
+                  <a:schemeClr val="accent1"/>
+                </a:solidFill>
+                <a:latin typeface="Arial" panose="020B0706030804020204" pitchFamily="34" charset="0"/>
+                <a:ea typeface="Arial" panose="020B0706030804020204" pitchFamily="34" charset="0"/>
+                <a:cs typeface="Arial" panose="020B0706030804020204" pitchFamily="34" charset="0"/>
+              </a:rPr>
+              <a:t> </a:t>
+            </a:r>
+            <a:r>
+              <a:rPr lang="en-US" sz="1500" b="1" dirty="0" err="1">
+                <a:solidFill>
+                  <a:schemeClr val="accent1"/>
+                </a:solidFill>
+                <a:latin typeface="Arial" panose="020B0706030804020204" pitchFamily="34" charset="0"/>
+                <a:ea typeface="Arial" panose="020B0706030804020204" pitchFamily="34" charset="0"/>
+                <a:cs typeface="Arial" panose="020B0706030804020204" pitchFamily="34" charset="0"/>
+              </a:rPr>
+              <a:t>dolore</a:t>
+            </a:r>
+            <a:r>
+              <a:rPr lang="en-US" sz="1500" b="1" dirty="0">
+                <a:solidFill>
+                  <a:schemeClr val="accent1"/>
+                </a:solidFill>
+                <a:latin typeface="Arial" panose="020B0706030804020204" pitchFamily="34" charset="0"/>
+                <a:ea typeface="Arial" panose="020B0706030804020204" pitchFamily="34" charset="0"/>
+                <a:cs typeface="Arial" panose="020B0706030804020204" pitchFamily="34" charset="0"/>
+              </a:rPr>
+              <a:t> magna </a:t>
+            </a:r>
+            <a:r>
+              <a:rPr lang="en-US" sz="1500" dirty="0" err="1"/>
+              <a:t>aliquam</a:t>
+            </a:r>
+            <a:r>
+              <a:rPr lang="en-US" sz="1500" dirty="0"/>
+              <a:t> </a:t>
+            </a:r>
+            <a:r>
+              <a:rPr lang="en-US" sz="1500" dirty="0" err="1"/>
+              <a:t>erat</a:t>
+            </a:r>
+            <a:r>
+              <a:rPr lang="en-US" sz="1500" dirty="0"/>
+              <a:t> </a:t>
+            </a:r>
+            <a:r>
+              <a:rPr lang="en-US" sz="1500" dirty="0" err="1"/>
+              <a:t>volutpat</a:t>
+            </a:r>
+            <a:r>
+              <a:rPr lang="en-US" sz="1500" dirty="0"/>
+              <a:t>. </a:t>
+            </a:r>
+            <a:r>
+              <a:rPr lang="en-US" sz="1500" dirty="0" err="1"/>
+              <a:t>Ut</a:t>
+            </a:r>
+            <a:r>
+              <a:rPr lang="en-US" sz="1500" dirty="0"/>
+              <a:t> </a:t>
+            </a:r>
+            <a:r>
+              <a:rPr lang="en-US" sz="1500" dirty="0" err="1"/>
+              <a:t>wisi</a:t>
+            </a:r>
+            <a:r>
+              <a:rPr lang="en-US" sz="1500" dirty="0"/>
+              <a:t> </a:t>
+            </a:r>
+            <a:br>
+              <a:rPr lang="en-US" sz="1500" dirty="0"/>
+            </a:br>
+            <a:r>
+              <a:rPr lang="en-US" sz="1500" dirty="0" err="1"/>
+              <a:t>enim</a:t>
+            </a:r>
+            <a:r>
+              <a:rPr lang="en-US" sz="1500" dirty="0"/>
+              <a:t> ad minim </a:t>
+            </a:r>
+            <a:r>
+              <a:rPr lang="en-US" sz="1500" dirty="0" err="1"/>
+              <a:t>veniam</a:t>
+            </a:r>
+            <a:r>
+              <a:rPr lang="en-US" sz="1500" dirty="0"/>
+              <a:t>.</a:t>
+            </a:r>
+          </a:p>
+        </p:txBody>
+      </p:sp>
+      <p:sp>
+        <p:nvSpPr>
+          <p:cNvPr id="38" name="TextBox 37"/>
+          <p:cNvSpPr txBox="1"/>
+          <p:nvPr/>
+        </p:nvSpPr>
+        <p:spPr>
+          <a:xfrm>
+            <a:off x="537459" y="2523600"/>
+            <a:ext cx="5444241" cy="602473"/>
+          </a:xfrm>
+          <a:prstGeom prst="rect">
+            <a:avLst/>
+          </a:prstGeom>
+          <a:noFill/>
+        </p:spPr>
+        <p:txBody>
+          <a:bodyPr wrap="square" rtlCol="0">
+            <a:spAutoFit/>
+          </a:bodyPr>
+          <a:lstStyle/>
+          <a:p>
+            <a:pPr>
+              <a:lnSpc>
+                <a:spcPct val="114000"/>
+              </a:lnSpc>
+            </a:pPr>
+            <a:r>
+              <a:rPr lang="en-US" sz="1500" dirty="0"/>
+              <a:t>Lorem ipsum dolor sit </a:t>
+            </a:r>
+            <a:r>
+              <a:rPr lang="en-US" sz="1500" dirty="0" err="1"/>
+              <a:t>amet</a:t>
+            </a:r>
+            <a:r>
+              <a:rPr lang="en-US" sz="1500" dirty="0"/>
+              <a:t>, </a:t>
+            </a:r>
+            <a:r>
+              <a:rPr lang="en-US" sz="1500" dirty="0" err="1"/>
+              <a:t>consectetuer</a:t>
+            </a:r>
+            <a:r>
+              <a:rPr lang="en-US" sz="1500" dirty="0"/>
+              <a:t> </a:t>
+            </a:r>
+            <a:r>
+              <a:rPr lang="en-US" sz="1500" dirty="0" err="1"/>
+              <a:t>adipiscing</a:t>
+            </a:r>
+            <a:r>
+              <a:rPr lang="en-US" sz="1500" dirty="0"/>
+              <a:t> </a:t>
+            </a:r>
+            <a:r>
+              <a:rPr lang="en-US" sz="1500" dirty="0" err="1"/>
+              <a:t>elit</a:t>
+            </a:r>
+            <a:r>
+              <a:rPr lang="en-US" sz="1500" dirty="0"/>
+              <a:t>, </a:t>
+            </a:r>
+            <a:r>
+              <a:rPr lang="en-US" sz="1500" dirty="0" err="1"/>
+              <a:t>sed</a:t>
+            </a:r>
+            <a:r>
+              <a:rPr lang="en-US" sz="1500" dirty="0"/>
+              <a:t> </a:t>
+            </a:r>
+            <a:r>
+              <a:rPr lang="en-US" sz="1500" dirty="0" err="1"/>
+              <a:t>diam</a:t>
+            </a:r>
+            <a:r>
+              <a:rPr lang="en-US" sz="1500" dirty="0"/>
+              <a:t> </a:t>
+            </a:r>
+            <a:r>
+              <a:rPr lang="en-US" sz="1500" dirty="0" err="1"/>
+              <a:t>nonummy</a:t>
+            </a:r>
+            <a:r>
+              <a:rPr lang="en-US" sz="1500" dirty="0"/>
+              <a:t> </a:t>
+            </a:r>
+            <a:r>
+              <a:rPr lang="en-US" sz="1500" dirty="0" err="1"/>
+              <a:t>nibh</a:t>
+            </a:r>
+            <a:r>
+              <a:rPr lang="en-US" sz="1500" dirty="0"/>
+              <a:t> </a:t>
+            </a:r>
+            <a:r>
+              <a:rPr lang="en-US" sz="1500" dirty="0" err="1"/>
+              <a:t>euismod</a:t>
+            </a:r>
+            <a:r>
+              <a:rPr lang="en-US" sz="1500" dirty="0"/>
+              <a:t> </a:t>
+            </a:r>
+            <a:r>
+              <a:rPr lang="en-US" sz="1500" dirty="0" err="1"/>
+              <a:t>laoreet</a:t>
+            </a:r>
+            <a:r>
+              <a:rPr lang="en-US" sz="1500" dirty="0"/>
+              <a:t> </a:t>
+            </a:r>
+            <a:r>
+              <a:rPr lang="en-US" sz="1500" dirty="0" err="1"/>
+              <a:t>dolore</a:t>
+            </a:r>
+            <a:r>
+              <a:rPr lang="en-US" sz="1500" dirty="0"/>
+              <a:t> magna.</a:t>
+            </a:r>
+          </a:p>
+        </p:txBody>
+      </p:sp>
+      <p:sp>
+        <p:nvSpPr>
+          <p:cNvPr id="51" name="Freeform 5"/>
+          <p:cNvSpPr>
+            <a:spLocks noChangeAspect="1" noEditPoints="1"/>
+          </p:cNvSpPr>
+          <p:nvPr/>
+        </p:nvSpPr>
+        <p:spPr bwMode="auto">
+          <a:xfrm>
+            <a:off x="7131965" y="1036947"/>
+            <a:ext cx="4270246" cy="4811404"/>
+          </a:xfrm>
+          <a:custGeom>
+            <a:avLst/>
+            <a:gdLst>
+              <a:gd name="T0" fmla="*/ 765 w 2705"/>
+              <a:gd name="T1" fmla="*/ 1714 h 3049"/>
+              <a:gd name="T2" fmla="*/ 816 w 2705"/>
+              <a:gd name="T3" fmla="*/ 1776 h 3049"/>
+              <a:gd name="T4" fmla="*/ 1042 w 2705"/>
+              <a:gd name="T5" fmla="*/ 2346 h 3049"/>
+              <a:gd name="T6" fmla="*/ 1174 w 2705"/>
+              <a:gd name="T7" fmla="*/ 2855 h 3049"/>
+              <a:gd name="T8" fmla="*/ 1562 w 2705"/>
+              <a:gd name="T9" fmla="*/ 2837 h 3049"/>
+              <a:gd name="T10" fmla="*/ 1668 w 2705"/>
+              <a:gd name="T11" fmla="*/ 2647 h 3049"/>
+              <a:gd name="T12" fmla="*/ 1664 w 2705"/>
+              <a:gd name="T13" fmla="*/ 2339 h 3049"/>
+              <a:gd name="T14" fmla="*/ 1933 w 2705"/>
+              <a:gd name="T15" fmla="*/ 1725 h 3049"/>
+              <a:gd name="T16" fmla="*/ 1353 w 2705"/>
+              <a:gd name="T17" fmla="*/ 568 h 3049"/>
+              <a:gd name="T18" fmla="*/ 1265 w 2705"/>
+              <a:gd name="T19" fmla="*/ 2855 h 3049"/>
+              <a:gd name="T20" fmla="*/ 1471 w 2705"/>
+              <a:gd name="T21" fmla="*/ 2855 h 3049"/>
+              <a:gd name="T22" fmla="*/ 1322 w 2705"/>
+              <a:gd name="T23" fmla="*/ 2647 h 3049"/>
+              <a:gd name="T24" fmla="*/ 1486 w 2705"/>
+              <a:gd name="T25" fmla="*/ 2763 h 3049"/>
+              <a:gd name="T26" fmla="*/ 1133 w 2705"/>
+              <a:gd name="T27" fmla="*/ 2543 h 3049"/>
+              <a:gd name="T28" fmla="*/ 1342 w 2705"/>
+              <a:gd name="T29" fmla="*/ 2452 h 3049"/>
+              <a:gd name="T30" fmla="*/ 1573 w 2705"/>
+              <a:gd name="T31" fmla="*/ 2391 h 3049"/>
+              <a:gd name="T32" fmla="*/ 1859 w 2705"/>
+              <a:gd name="T33" fmla="*/ 1670 h 3049"/>
+              <a:gd name="T34" fmla="*/ 1821 w 2705"/>
+              <a:gd name="T35" fmla="*/ 1716 h 3049"/>
+              <a:gd name="T36" fmla="*/ 1132 w 2705"/>
+              <a:gd name="T37" fmla="*/ 2300 h 3049"/>
+              <a:gd name="T38" fmla="*/ 848 w 2705"/>
+              <a:gd name="T39" fmla="*/ 1673 h 3049"/>
+              <a:gd name="T40" fmla="*/ 844 w 2705"/>
+              <a:gd name="T41" fmla="*/ 1667 h 3049"/>
+              <a:gd name="T42" fmla="*/ 1985 w 2705"/>
+              <a:gd name="T43" fmla="*/ 1292 h 3049"/>
+              <a:gd name="T44" fmla="*/ 1398 w 2705"/>
+              <a:gd name="T45" fmla="*/ 414 h 3049"/>
+              <a:gd name="T46" fmla="*/ 1307 w 2705"/>
+              <a:gd name="T47" fmla="*/ 46 h 3049"/>
+              <a:gd name="T48" fmla="*/ 459 w 2705"/>
+              <a:gd name="T49" fmla="*/ 1353 h 3049"/>
+              <a:gd name="T50" fmla="*/ 0 w 2705"/>
+              <a:gd name="T51" fmla="*/ 1353 h 3049"/>
+              <a:gd name="T52" fmla="*/ 459 w 2705"/>
+              <a:gd name="T53" fmla="*/ 1353 h 3049"/>
+              <a:gd name="T54" fmla="*/ 2247 w 2705"/>
+              <a:gd name="T55" fmla="*/ 1353 h 3049"/>
+              <a:gd name="T56" fmla="*/ 2705 w 2705"/>
+              <a:gd name="T57" fmla="*/ 1353 h 3049"/>
+              <a:gd name="T58" fmla="*/ 2049 w 2705"/>
+              <a:gd name="T59" fmla="*/ 721 h 3049"/>
+              <a:gd name="T60" fmla="*/ 2245 w 2705"/>
+              <a:gd name="T61" fmla="*/ 397 h 3049"/>
+              <a:gd name="T62" fmla="*/ 2017 w 2705"/>
+              <a:gd name="T63" fmla="*/ 734 h 3049"/>
+              <a:gd name="T64" fmla="*/ 721 w 2705"/>
+              <a:gd name="T65" fmla="*/ 721 h 3049"/>
+              <a:gd name="T66" fmla="*/ 396 w 2705"/>
+              <a:gd name="T67" fmla="*/ 397 h 3049"/>
+              <a:gd name="T68" fmla="*/ 1716 w 2705"/>
+              <a:gd name="T69" fmla="*/ 536 h 3049"/>
+              <a:gd name="T70" fmla="*/ 1926 w 2705"/>
+              <a:gd name="T71" fmla="*/ 178 h 3049"/>
+              <a:gd name="T72" fmla="*/ 1693 w 2705"/>
+              <a:gd name="T73" fmla="*/ 476 h 3049"/>
+              <a:gd name="T74" fmla="*/ 177 w 2705"/>
+              <a:gd name="T75" fmla="*/ 780 h 3049"/>
+              <a:gd name="T76" fmla="*/ 476 w 2705"/>
+              <a:gd name="T77" fmla="*/ 1012 h 3049"/>
+              <a:gd name="T78" fmla="*/ 513 w 2705"/>
+              <a:gd name="T79" fmla="*/ 929 h 3049"/>
+              <a:gd name="T80" fmla="*/ 2169 w 2705"/>
+              <a:gd name="T81" fmla="*/ 1717 h 3049"/>
+              <a:gd name="T82" fmla="*/ 2547 w 2705"/>
+              <a:gd name="T83" fmla="*/ 1930 h 3049"/>
+              <a:gd name="T84" fmla="*/ 447 w 2705"/>
+              <a:gd name="T85" fmla="*/ 1652 h 3049"/>
+              <a:gd name="T86" fmla="*/ 132 w 2705"/>
+              <a:gd name="T87" fmla="*/ 1867 h 3049"/>
+              <a:gd name="T88" fmla="*/ 506 w 2705"/>
+              <a:gd name="T89" fmla="*/ 1678 h 3049"/>
+              <a:gd name="T90" fmla="*/ 2230 w 2705"/>
+              <a:gd name="T91" fmla="*/ 1062 h 3049"/>
+              <a:gd name="T92" fmla="*/ 2615 w 2705"/>
+              <a:gd name="T93" fmla="*/ 869 h 3049"/>
+              <a:gd name="T94" fmla="*/ 2187 w 2705"/>
+              <a:gd name="T95" fmla="*/ 1033 h 3049"/>
+              <a:gd name="T96" fmla="*/ 1032 w 2705"/>
+              <a:gd name="T97" fmla="*/ 518 h 3049"/>
+              <a:gd name="T98" fmla="*/ 868 w 2705"/>
+              <a:gd name="T99" fmla="*/ 90 h 3049"/>
+            </a:gdLst>
+            <a:ahLst/>
+            <a:cxnLst>
+              <a:cxn ang="0">
+                <a:pos x="T0" y="T1"/>
+              </a:cxn>
+              <a:cxn ang="0">
+                <a:pos x="T2" y="T3"/>
+              </a:cxn>
+              <a:cxn ang="0">
+                <a:pos x="T4" y="T5"/>
+              </a:cxn>
+              <a:cxn ang="0">
+                <a:pos x="T6" y="T7"/>
+              </a:cxn>
+              <a:cxn ang="0">
+                <a:pos x="T8" y="T9"/>
+              </a:cxn>
+              <a:cxn ang="0">
+                <a:pos x="T10" y="T11"/>
+              </a:cxn>
+              <a:cxn ang="0">
+                <a:pos x="T12" y="T13"/>
+              </a:cxn>
+              <a:cxn ang="0">
+                <a:pos x="T14" y="T15"/>
+              </a:cxn>
+              <a:cxn ang="0">
+                <a:pos x="T16" y="T17"/>
+              </a:cxn>
+              <a:cxn ang="0">
+                <a:pos x="T18" y="T19"/>
+              </a:cxn>
+              <a:cxn ang="0">
+                <a:pos x="T20" y="T21"/>
+              </a:cxn>
+              <a:cxn ang="0">
+                <a:pos x="T22" y="T23"/>
+              </a:cxn>
+              <a:cxn ang="0">
+                <a:pos x="T24" y="T25"/>
+              </a:cxn>
+              <a:cxn ang="0">
+                <a:pos x="T26" y="T27"/>
+              </a:cxn>
+              <a:cxn ang="0">
+                <a:pos x="T28" y="T29"/>
+              </a:cxn>
+              <a:cxn ang="0">
+                <a:pos x="T30" y="T31"/>
+              </a:cxn>
+              <a:cxn ang="0">
+                <a:pos x="T32" y="T33"/>
+              </a:cxn>
+              <a:cxn ang="0">
+                <a:pos x="T34" y="T35"/>
+              </a:cxn>
+              <a:cxn ang="0">
+                <a:pos x="T36" y="T37"/>
+              </a:cxn>
+              <a:cxn ang="0">
+                <a:pos x="T38" y="T39"/>
+              </a:cxn>
+              <a:cxn ang="0">
+                <a:pos x="T40" y="T41"/>
+              </a:cxn>
+              <a:cxn ang="0">
+                <a:pos x="T42" y="T43"/>
+              </a:cxn>
+              <a:cxn ang="0">
+                <a:pos x="T44" y="T45"/>
+              </a:cxn>
+              <a:cxn ang="0">
+                <a:pos x="T46" y="T47"/>
+              </a:cxn>
+              <a:cxn ang="0">
+                <a:pos x="T48" y="T49"/>
+              </a:cxn>
+              <a:cxn ang="0">
+                <a:pos x="T50" y="T51"/>
+              </a:cxn>
+              <a:cxn ang="0">
+                <a:pos x="T52" y="T53"/>
+              </a:cxn>
+              <a:cxn ang="0">
+                <a:pos x="T54" y="T55"/>
+              </a:cxn>
+              <a:cxn ang="0">
+                <a:pos x="T56" y="T57"/>
+              </a:cxn>
+              <a:cxn ang="0">
+                <a:pos x="T58" y="T59"/>
+              </a:cxn>
+              <a:cxn ang="0">
+                <a:pos x="T60" y="T61"/>
+              </a:cxn>
+              <a:cxn ang="0">
+                <a:pos x="T62" y="T63"/>
+              </a:cxn>
+              <a:cxn ang="0">
+                <a:pos x="T64" y="T65"/>
+              </a:cxn>
+              <a:cxn ang="0">
+                <a:pos x="T66" y="T67"/>
+              </a:cxn>
+              <a:cxn ang="0">
+                <a:pos x="T68" y="T69"/>
+              </a:cxn>
+              <a:cxn ang="0">
+                <a:pos x="T70" y="T71"/>
+              </a:cxn>
+              <a:cxn ang="0">
+                <a:pos x="T72" y="T73"/>
+              </a:cxn>
+              <a:cxn ang="0">
+                <a:pos x="T74" y="T75"/>
+              </a:cxn>
+              <a:cxn ang="0">
+                <a:pos x="T76" y="T77"/>
+              </a:cxn>
+              <a:cxn ang="0">
+                <a:pos x="T78" y="T79"/>
+              </a:cxn>
+              <a:cxn ang="0">
+                <a:pos x="T80" y="T81"/>
+              </a:cxn>
+              <a:cxn ang="0">
+                <a:pos x="T82" y="T83"/>
+              </a:cxn>
+              <a:cxn ang="0">
+                <a:pos x="T84" y="T85"/>
+              </a:cxn>
+              <a:cxn ang="0">
+                <a:pos x="T86" y="T87"/>
+              </a:cxn>
+              <a:cxn ang="0">
+                <a:pos x="T88" y="T89"/>
+              </a:cxn>
+              <a:cxn ang="0">
+                <a:pos x="T90" y="T91"/>
+              </a:cxn>
+              <a:cxn ang="0">
+                <a:pos x="T92" y="T93"/>
+              </a:cxn>
+              <a:cxn ang="0">
+                <a:pos x="T94" y="T95"/>
+              </a:cxn>
+              <a:cxn ang="0">
+                <a:pos x="T96" y="T97"/>
+              </a:cxn>
+              <a:cxn ang="0">
+                <a:pos x="T98" y="T99"/>
+              </a:cxn>
+            </a:cxnLst>
+            <a:rect l="0" t="0" r="r" b="b"/>
+            <a:pathLst>
+              <a:path w="2705" h="3049">
+                <a:moveTo>
+                  <a:pt x="1353" y="568"/>
+                </a:moveTo>
+                <a:cubicBezTo>
+                  <a:pt x="953" y="568"/>
+                  <a:pt x="629" y="893"/>
+                  <a:pt x="629" y="1292"/>
+                </a:cubicBezTo>
+                <a:cubicBezTo>
+                  <a:pt x="629" y="1444"/>
+                  <a:pt x="676" y="1590"/>
+                  <a:pt x="765" y="1714"/>
+                </a:cubicBezTo>
+                <a:cubicBezTo>
+                  <a:pt x="767" y="1718"/>
+                  <a:pt x="770" y="1722"/>
+                  <a:pt x="773" y="1725"/>
+                </a:cubicBezTo>
+                <a:cubicBezTo>
+                  <a:pt x="777" y="1729"/>
+                  <a:pt x="777" y="1729"/>
+                  <a:pt x="777" y="1729"/>
+                </a:cubicBezTo>
+                <a:cubicBezTo>
+                  <a:pt x="789" y="1745"/>
+                  <a:pt x="802" y="1761"/>
+                  <a:pt x="816" y="1776"/>
+                </a:cubicBezTo>
+                <a:cubicBezTo>
+                  <a:pt x="886" y="1866"/>
+                  <a:pt x="1045" y="2098"/>
+                  <a:pt x="1042" y="2345"/>
+                </a:cubicBezTo>
+                <a:cubicBezTo>
+                  <a:pt x="1042" y="2345"/>
+                  <a:pt x="1042" y="2345"/>
+                  <a:pt x="1042" y="2345"/>
+                </a:cubicBezTo>
+                <a:cubicBezTo>
+                  <a:pt x="1042" y="2346"/>
+                  <a:pt x="1042" y="2346"/>
+                  <a:pt x="1042" y="2346"/>
+                </a:cubicBezTo>
+                <a:cubicBezTo>
+                  <a:pt x="1042" y="2675"/>
+                  <a:pt x="1042" y="2675"/>
+                  <a:pt x="1042" y="2675"/>
+                </a:cubicBezTo>
+                <a:cubicBezTo>
+                  <a:pt x="1042" y="2758"/>
+                  <a:pt x="1098" y="2827"/>
+                  <a:pt x="1174" y="2848"/>
+                </a:cubicBezTo>
+                <a:cubicBezTo>
+                  <a:pt x="1174" y="2855"/>
+                  <a:pt x="1174" y="2855"/>
+                  <a:pt x="1174" y="2855"/>
+                </a:cubicBezTo>
+                <a:cubicBezTo>
+                  <a:pt x="1174" y="2962"/>
+                  <a:pt x="1261" y="3049"/>
+                  <a:pt x="1368" y="3049"/>
+                </a:cubicBezTo>
+                <a:cubicBezTo>
+                  <a:pt x="1475" y="3049"/>
+                  <a:pt x="1562" y="2962"/>
+                  <a:pt x="1562" y="2855"/>
+                </a:cubicBezTo>
+                <a:cubicBezTo>
+                  <a:pt x="1562" y="2837"/>
+                  <a:pt x="1562" y="2837"/>
+                  <a:pt x="1562" y="2837"/>
+                </a:cubicBezTo>
+                <a:cubicBezTo>
+                  <a:pt x="1622" y="2808"/>
+                  <a:pt x="1665" y="2747"/>
+                  <a:pt x="1665" y="2675"/>
+                </a:cubicBezTo>
+                <a:cubicBezTo>
+                  <a:pt x="1665" y="2664"/>
+                  <a:pt x="1665" y="2664"/>
+                  <a:pt x="1665" y="2664"/>
+                </a:cubicBezTo>
+                <a:cubicBezTo>
+                  <a:pt x="1667" y="2659"/>
+                  <a:pt x="1668" y="2653"/>
+                  <a:pt x="1668" y="2647"/>
+                </a:cubicBezTo>
+                <a:cubicBezTo>
+                  <a:pt x="1668" y="2641"/>
+                  <a:pt x="1667" y="2635"/>
+                  <a:pt x="1665" y="2630"/>
+                </a:cubicBezTo>
+                <a:cubicBezTo>
+                  <a:pt x="1665" y="2346"/>
+                  <a:pt x="1665" y="2346"/>
+                  <a:pt x="1665" y="2346"/>
+                </a:cubicBezTo>
+                <a:cubicBezTo>
+                  <a:pt x="1665" y="2343"/>
+                  <a:pt x="1664" y="2341"/>
+                  <a:pt x="1664" y="2339"/>
+                </a:cubicBezTo>
+                <a:cubicBezTo>
+                  <a:pt x="1663" y="2094"/>
+                  <a:pt x="1820" y="1865"/>
+                  <a:pt x="1890" y="1776"/>
+                </a:cubicBezTo>
+                <a:cubicBezTo>
+                  <a:pt x="1903" y="1761"/>
+                  <a:pt x="1916" y="1746"/>
+                  <a:pt x="1929" y="1729"/>
+                </a:cubicBezTo>
+                <a:cubicBezTo>
+                  <a:pt x="1933" y="1725"/>
+                  <a:pt x="1933" y="1725"/>
+                  <a:pt x="1933" y="1725"/>
+                </a:cubicBezTo>
+                <a:cubicBezTo>
+                  <a:pt x="1935" y="1722"/>
+                  <a:pt x="1938" y="1718"/>
+                  <a:pt x="1940" y="1714"/>
+                </a:cubicBezTo>
+                <a:cubicBezTo>
+                  <a:pt x="2029" y="1590"/>
+                  <a:pt x="2077" y="1444"/>
+                  <a:pt x="2077" y="1292"/>
+                </a:cubicBezTo>
+                <a:cubicBezTo>
+                  <a:pt x="2077" y="893"/>
+                  <a:pt x="1752" y="568"/>
+                  <a:pt x="1353" y="568"/>
+                </a:cubicBezTo>
+                <a:close/>
+                <a:moveTo>
+                  <a:pt x="1471" y="2855"/>
+                </a:moveTo>
+                <a:cubicBezTo>
+                  <a:pt x="1471" y="2912"/>
+                  <a:pt x="1425" y="2958"/>
+                  <a:pt x="1368" y="2958"/>
+                </a:cubicBezTo>
+                <a:cubicBezTo>
+                  <a:pt x="1311" y="2958"/>
+                  <a:pt x="1265" y="2912"/>
+                  <a:pt x="1265" y="2855"/>
+                </a:cubicBezTo>
+                <a:cubicBezTo>
+                  <a:pt x="1265" y="2854"/>
+                  <a:pt x="1265" y="2854"/>
+                  <a:pt x="1265" y="2854"/>
+                </a:cubicBezTo>
+                <a:cubicBezTo>
+                  <a:pt x="1471" y="2854"/>
+                  <a:pt x="1471" y="2854"/>
+                  <a:pt x="1471" y="2854"/>
+                </a:cubicBezTo>
+                <a:lnTo>
+                  <a:pt x="1471" y="2855"/>
+                </a:lnTo>
+                <a:close/>
+                <a:moveTo>
+                  <a:pt x="1573" y="2602"/>
+                </a:moveTo>
+                <a:cubicBezTo>
+                  <a:pt x="1368" y="2602"/>
+                  <a:pt x="1368" y="2602"/>
+                  <a:pt x="1368" y="2602"/>
+                </a:cubicBezTo>
+                <a:cubicBezTo>
+                  <a:pt x="1343" y="2602"/>
+                  <a:pt x="1322" y="2622"/>
+                  <a:pt x="1322" y="2647"/>
+                </a:cubicBezTo>
+                <a:cubicBezTo>
+                  <a:pt x="1322" y="2672"/>
+                  <a:pt x="1343" y="2693"/>
+                  <a:pt x="1368" y="2693"/>
+                </a:cubicBezTo>
+                <a:cubicBezTo>
+                  <a:pt x="1572" y="2693"/>
+                  <a:pt x="1572" y="2693"/>
+                  <a:pt x="1572" y="2693"/>
+                </a:cubicBezTo>
+                <a:cubicBezTo>
+                  <a:pt x="1564" y="2732"/>
+                  <a:pt x="1529" y="2763"/>
+                  <a:pt x="1486" y="2763"/>
+                </a:cubicBezTo>
+                <a:cubicBezTo>
+                  <a:pt x="1220" y="2763"/>
+                  <a:pt x="1220" y="2763"/>
+                  <a:pt x="1220" y="2763"/>
+                </a:cubicBezTo>
+                <a:cubicBezTo>
+                  <a:pt x="1172" y="2763"/>
+                  <a:pt x="1133" y="2723"/>
+                  <a:pt x="1133" y="2675"/>
+                </a:cubicBezTo>
+                <a:cubicBezTo>
+                  <a:pt x="1133" y="2543"/>
+                  <a:pt x="1133" y="2543"/>
+                  <a:pt x="1133" y="2543"/>
+                </a:cubicBezTo>
+                <a:cubicBezTo>
+                  <a:pt x="1342" y="2543"/>
+                  <a:pt x="1342" y="2543"/>
+                  <a:pt x="1342" y="2543"/>
+                </a:cubicBezTo>
+                <a:cubicBezTo>
+                  <a:pt x="1367" y="2543"/>
+                  <a:pt x="1387" y="2522"/>
+                  <a:pt x="1387" y="2497"/>
+                </a:cubicBezTo>
+                <a:cubicBezTo>
+                  <a:pt x="1387" y="2472"/>
+                  <a:pt x="1367" y="2452"/>
+                  <a:pt x="1342" y="2452"/>
+                </a:cubicBezTo>
+                <a:cubicBezTo>
+                  <a:pt x="1133" y="2452"/>
+                  <a:pt x="1133" y="2452"/>
+                  <a:pt x="1133" y="2452"/>
+                </a:cubicBezTo>
+                <a:cubicBezTo>
+                  <a:pt x="1133" y="2391"/>
+                  <a:pt x="1133" y="2391"/>
+                  <a:pt x="1133" y="2391"/>
+                </a:cubicBezTo>
+                <a:cubicBezTo>
+                  <a:pt x="1573" y="2391"/>
+                  <a:pt x="1573" y="2391"/>
+                  <a:pt x="1573" y="2391"/>
+                </a:cubicBezTo>
+                <a:lnTo>
+                  <a:pt x="1573" y="2602"/>
+                </a:lnTo>
+                <a:close/>
+                <a:moveTo>
+                  <a:pt x="1861" y="1667"/>
+                </a:moveTo>
+                <a:cubicBezTo>
+                  <a:pt x="1861" y="1668"/>
+                  <a:pt x="1860" y="1669"/>
+                  <a:pt x="1859" y="1670"/>
+                </a:cubicBezTo>
+                <a:cubicBezTo>
+                  <a:pt x="1859" y="1670"/>
+                  <a:pt x="1859" y="1670"/>
+                  <a:pt x="1859" y="1670"/>
+                </a:cubicBezTo>
+                <a:cubicBezTo>
+                  <a:pt x="1859" y="1671"/>
+                  <a:pt x="1858" y="1672"/>
+                  <a:pt x="1857" y="1673"/>
+                </a:cubicBezTo>
+                <a:cubicBezTo>
+                  <a:pt x="1846" y="1688"/>
+                  <a:pt x="1834" y="1702"/>
+                  <a:pt x="1821" y="1716"/>
+                </a:cubicBezTo>
+                <a:cubicBezTo>
+                  <a:pt x="1820" y="1717"/>
+                  <a:pt x="1820" y="1718"/>
+                  <a:pt x="1819" y="1719"/>
+                </a:cubicBezTo>
+                <a:cubicBezTo>
+                  <a:pt x="1731" y="1832"/>
+                  <a:pt x="1587" y="2052"/>
+                  <a:pt x="1574" y="2300"/>
+                </a:cubicBezTo>
+                <a:cubicBezTo>
+                  <a:pt x="1132" y="2300"/>
+                  <a:pt x="1132" y="2300"/>
+                  <a:pt x="1132" y="2300"/>
+                </a:cubicBezTo>
+                <a:cubicBezTo>
+                  <a:pt x="1119" y="2052"/>
+                  <a:pt x="975" y="1832"/>
+                  <a:pt x="886" y="1719"/>
+                </a:cubicBezTo>
+                <a:cubicBezTo>
+                  <a:pt x="886" y="1718"/>
+                  <a:pt x="885" y="1717"/>
+                  <a:pt x="884" y="1716"/>
+                </a:cubicBezTo>
+                <a:cubicBezTo>
+                  <a:pt x="871" y="1702"/>
+                  <a:pt x="859" y="1688"/>
+                  <a:pt x="848" y="1673"/>
+                </a:cubicBezTo>
+                <a:cubicBezTo>
+                  <a:pt x="848" y="1672"/>
+                  <a:pt x="847" y="1671"/>
+                  <a:pt x="846" y="1670"/>
+                </a:cubicBezTo>
+                <a:cubicBezTo>
+                  <a:pt x="846" y="1670"/>
+                  <a:pt x="846" y="1670"/>
+                  <a:pt x="846" y="1670"/>
+                </a:cubicBezTo>
+                <a:cubicBezTo>
+                  <a:pt x="845" y="1669"/>
+                  <a:pt x="845" y="1668"/>
+                  <a:pt x="844" y="1667"/>
+                </a:cubicBezTo>
+                <a:cubicBezTo>
+                  <a:pt x="763" y="1557"/>
+                  <a:pt x="720" y="1428"/>
+                  <a:pt x="720" y="1292"/>
+                </a:cubicBezTo>
+                <a:cubicBezTo>
+                  <a:pt x="720" y="943"/>
+                  <a:pt x="1004" y="659"/>
+                  <a:pt x="1353" y="659"/>
+                </a:cubicBezTo>
+                <a:cubicBezTo>
+                  <a:pt x="1702" y="659"/>
+                  <a:pt x="1985" y="943"/>
+                  <a:pt x="1985" y="1292"/>
+                </a:cubicBezTo>
+                <a:cubicBezTo>
+                  <a:pt x="1985" y="1428"/>
+                  <a:pt x="1943" y="1557"/>
+                  <a:pt x="1861" y="1667"/>
+                </a:cubicBezTo>
+                <a:close/>
+                <a:moveTo>
+                  <a:pt x="1353" y="459"/>
+                </a:moveTo>
+                <a:cubicBezTo>
+                  <a:pt x="1378" y="459"/>
+                  <a:pt x="1398" y="439"/>
+                  <a:pt x="1398" y="414"/>
+                </a:cubicBezTo>
+                <a:cubicBezTo>
+                  <a:pt x="1398" y="46"/>
+                  <a:pt x="1398" y="46"/>
+                  <a:pt x="1398" y="46"/>
+                </a:cubicBezTo>
+                <a:cubicBezTo>
+                  <a:pt x="1398" y="21"/>
+                  <a:pt x="1378" y="0"/>
+                  <a:pt x="1353" y="0"/>
+                </a:cubicBezTo>
+                <a:cubicBezTo>
+                  <a:pt x="1328" y="0"/>
+                  <a:pt x="1307" y="21"/>
+                  <a:pt x="1307" y="46"/>
+                </a:cubicBezTo>
+                <a:cubicBezTo>
+                  <a:pt x="1307" y="414"/>
+                  <a:pt x="1307" y="414"/>
+                  <a:pt x="1307" y="414"/>
+                </a:cubicBezTo>
+                <a:cubicBezTo>
+                  <a:pt x="1307" y="439"/>
+                  <a:pt x="1328" y="459"/>
+                  <a:pt x="1353" y="459"/>
+                </a:cubicBezTo>
+                <a:close/>
+                <a:moveTo>
+                  <a:pt x="459" y="1353"/>
+                </a:moveTo>
+                <a:cubicBezTo>
+                  <a:pt x="459" y="1328"/>
+                  <a:pt x="438" y="1307"/>
+                  <a:pt x="413" y="1307"/>
+                </a:cubicBezTo>
+                <a:cubicBezTo>
+                  <a:pt x="46" y="1307"/>
+                  <a:pt x="46" y="1307"/>
+                  <a:pt x="46" y="1307"/>
+                </a:cubicBezTo>
+                <a:cubicBezTo>
+                  <a:pt x="21" y="1307"/>
+                  <a:pt x="0" y="1328"/>
+                  <a:pt x="0" y="1353"/>
+                </a:cubicBezTo>
+                <a:cubicBezTo>
+                  <a:pt x="0" y="1378"/>
+                  <a:pt x="21" y="1399"/>
+                  <a:pt x="46" y="1399"/>
+                </a:cubicBezTo>
+                <a:cubicBezTo>
+                  <a:pt x="413" y="1399"/>
+                  <a:pt x="413" y="1399"/>
+                  <a:pt x="413" y="1399"/>
+                </a:cubicBezTo>
+                <a:cubicBezTo>
+                  <a:pt x="438" y="1399"/>
+                  <a:pt x="459" y="1378"/>
+                  <a:pt x="459" y="1353"/>
+                </a:cubicBezTo>
+                <a:close/>
+                <a:moveTo>
+                  <a:pt x="2660" y="1307"/>
+                </a:moveTo>
+                <a:cubicBezTo>
+                  <a:pt x="2292" y="1307"/>
+                  <a:pt x="2292" y="1307"/>
+                  <a:pt x="2292" y="1307"/>
+                </a:cubicBezTo>
+                <a:cubicBezTo>
+                  <a:pt x="2267" y="1307"/>
+                  <a:pt x="2247" y="1328"/>
+                  <a:pt x="2247" y="1353"/>
+                </a:cubicBezTo>
+                <a:cubicBezTo>
+                  <a:pt x="2247" y="1378"/>
+                  <a:pt x="2267" y="1399"/>
+                  <a:pt x="2292" y="1399"/>
+                </a:cubicBezTo>
+                <a:cubicBezTo>
+                  <a:pt x="2660" y="1399"/>
+                  <a:pt x="2660" y="1399"/>
+                  <a:pt x="2660" y="1399"/>
+                </a:cubicBezTo>
+                <a:cubicBezTo>
+                  <a:pt x="2685" y="1399"/>
+                  <a:pt x="2705" y="1378"/>
+                  <a:pt x="2705" y="1353"/>
+                </a:cubicBezTo>
+                <a:cubicBezTo>
+                  <a:pt x="2705" y="1328"/>
+                  <a:pt x="2685" y="1307"/>
+                  <a:pt x="2660" y="1307"/>
+                </a:cubicBezTo>
+                <a:close/>
+                <a:moveTo>
+                  <a:pt x="2017" y="734"/>
+                </a:moveTo>
+                <a:cubicBezTo>
+                  <a:pt x="2029" y="734"/>
+                  <a:pt x="2040" y="730"/>
+                  <a:pt x="2049" y="721"/>
+                </a:cubicBezTo>
+                <a:cubicBezTo>
+                  <a:pt x="2309" y="461"/>
+                  <a:pt x="2309" y="461"/>
+                  <a:pt x="2309" y="461"/>
+                </a:cubicBezTo>
+                <a:cubicBezTo>
+                  <a:pt x="2327" y="443"/>
+                  <a:pt x="2327" y="414"/>
+                  <a:pt x="2309" y="397"/>
+                </a:cubicBezTo>
+                <a:cubicBezTo>
+                  <a:pt x="2291" y="379"/>
+                  <a:pt x="2262" y="379"/>
+                  <a:pt x="2245" y="397"/>
+                </a:cubicBezTo>
+                <a:cubicBezTo>
+                  <a:pt x="1985" y="656"/>
+                  <a:pt x="1985" y="656"/>
+                  <a:pt x="1985" y="656"/>
+                </a:cubicBezTo>
+                <a:cubicBezTo>
+                  <a:pt x="1967" y="674"/>
+                  <a:pt x="1967" y="703"/>
+                  <a:pt x="1985" y="721"/>
+                </a:cubicBezTo>
+                <a:cubicBezTo>
+                  <a:pt x="1994" y="730"/>
+                  <a:pt x="2005" y="734"/>
+                  <a:pt x="2017" y="734"/>
+                </a:cubicBezTo>
+                <a:close/>
+                <a:moveTo>
+                  <a:pt x="656" y="721"/>
+                </a:moveTo>
+                <a:cubicBezTo>
+                  <a:pt x="665" y="730"/>
+                  <a:pt x="677" y="734"/>
+                  <a:pt x="688" y="734"/>
+                </a:cubicBezTo>
+                <a:cubicBezTo>
+                  <a:pt x="700" y="734"/>
+                  <a:pt x="712" y="730"/>
+                  <a:pt x="721" y="721"/>
+                </a:cubicBezTo>
+                <a:cubicBezTo>
+                  <a:pt x="738" y="703"/>
+                  <a:pt x="738" y="674"/>
+                  <a:pt x="721" y="656"/>
+                </a:cubicBezTo>
+                <a:cubicBezTo>
+                  <a:pt x="461" y="397"/>
+                  <a:pt x="461" y="397"/>
+                  <a:pt x="461" y="397"/>
+                </a:cubicBezTo>
+                <a:cubicBezTo>
+                  <a:pt x="443" y="379"/>
+                  <a:pt x="414" y="379"/>
+                  <a:pt x="396" y="397"/>
+                </a:cubicBezTo>
+                <a:cubicBezTo>
+                  <a:pt x="379" y="414"/>
+                  <a:pt x="379" y="443"/>
+                  <a:pt x="396" y="461"/>
+                </a:cubicBezTo>
+                <a:lnTo>
+                  <a:pt x="656" y="721"/>
+                </a:lnTo>
+                <a:close/>
+                <a:moveTo>
+                  <a:pt x="1716" y="536"/>
+                </a:moveTo>
+                <a:cubicBezTo>
+                  <a:pt x="1722" y="539"/>
+                  <a:pt x="1729" y="540"/>
+                  <a:pt x="1735" y="540"/>
+                </a:cubicBezTo>
+                <a:cubicBezTo>
+                  <a:pt x="1752" y="540"/>
+                  <a:pt x="1769" y="530"/>
+                  <a:pt x="1777" y="513"/>
+                </a:cubicBezTo>
+                <a:cubicBezTo>
+                  <a:pt x="1926" y="178"/>
+                  <a:pt x="1926" y="178"/>
+                  <a:pt x="1926" y="178"/>
+                </a:cubicBezTo>
+                <a:cubicBezTo>
+                  <a:pt x="1936" y="155"/>
+                  <a:pt x="1926" y="128"/>
+                  <a:pt x="1903" y="118"/>
+                </a:cubicBezTo>
+                <a:cubicBezTo>
+                  <a:pt x="1880" y="107"/>
+                  <a:pt x="1853" y="118"/>
+                  <a:pt x="1843" y="141"/>
+                </a:cubicBezTo>
+                <a:cubicBezTo>
+                  <a:pt x="1693" y="476"/>
+                  <a:pt x="1693" y="476"/>
+                  <a:pt x="1693" y="476"/>
+                </a:cubicBezTo>
+                <a:cubicBezTo>
+                  <a:pt x="1683" y="499"/>
+                  <a:pt x="1693" y="526"/>
+                  <a:pt x="1716" y="536"/>
+                </a:cubicBezTo>
+                <a:close/>
+                <a:moveTo>
+                  <a:pt x="513" y="929"/>
+                </a:moveTo>
+                <a:cubicBezTo>
+                  <a:pt x="177" y="780"/>
+                  <a:pt x="177" y="780"/>
+                  <a:pt x="177" y="780"/>
+                </a:cubicBezTo>
+                <a:cubicBezTo>
+                  <a:pt x="154" y="769"/>
+                  <a:pt x="127" y="780"/>
+                  <a:pt x="117" y="803"/>
+                </a:cubicBezTo>
+                <a:cubicBezTo>
+                  <a:pt x="107" y="826"/>
+                  <a:pt x="117" y="853"/>
+                  <a:pt x="140" y="863"/>
+                </a:cubicBezTo>
+                <a:cubicBezTo>
+                  <a:pt x="476" y="1012"/>
+                  <a:pt x="476" y="1012"/>
+                  <a:pt x="476" y="1012"/>
+                </a:cubicBezTo>
+                <a:cubicBezTo>
+                  <a:pt x="482" y="1015"/>
+                  <a:pt x="488" y="1016"/>
+                  <a:pt x="494" y="1016"/>
+                </a:cubicBezTo>
+                <a:cubicBezTo>
+                  <a:pt x="512" y="1016"/>
+                  <a:pt x="528" y="1006"/>
+                  <a:pt x="536" y="989"/>
+                </a:cubicBezTo>
+                <a:cubicBezTo>
+                  <a:pt x="546" y="966"/>
+                  <a:pt x="536" y="939"/>
+                  <a:pt x="513" y="929"/>
+                </a:cubicBezTo>
+                <a:close/>
+                <a:moveTo>
+                  <a:pt x="2565" y="1843"/>
+                </a:moveTo>
+                <a:cubicBezTo>
+                  <a:pt x="2229" y="1694"/>
+                  <a:pt x="2229" y="1694"/>
+                  <a:pt x="2229" y="1694"/>
+                </a:cubicBezTo>
+                <a:cubicBezTo>
+                  <a:pt x="2206" y="1683"/>
+                  <a:pt x="2179" y="1694"/>
+                  <a:pt x="2169" y="1717"/>
+                </a:cubicBezTo>
+                <a:cubicBezTo>
+                  <a:pt x="2159" y="1740"/>
+                  <a:pt x="2169" y="1767"/>
+                  <a:pt x="2192" y="1777"/>
+                </a:cubicBezTo>
+                <a:cubicBezTo>
+                  <a:pt x="2528" y="1926"/>
+                  <a:pt x="2528" y="1926"/>
+                  <a:pt x="2528" y="1926"/>
+                </a:cubicBezTo>
+                <a:cubicBezTo>
+                  <a:pt x="2534" y="1929"/>
+                  <a:pt x="2540" y="1930"/>
+                  <a:pt x="2547" y="1930"/>
+                </a:cubicBezTo>
+                <a:cubicBezTo>
+                  <a:pt x="2564" y="1930"/>
+                  <a:pt x="2581" y="1920"/>
+                  <a:pt x="2588" y="1903"/>
+                </a:cubicBezTo>
+                <a:cubicBezTo>
+                  <a:pt x="2598" y="1880"/>
+                  <a:pt x="2588" y="1853"/>
+                  <a:pt x="2565" y="1843"/>
+                </a:cubicBezTo>
+                <a:close/>
+                <a:moveTo>
+                  <a:pt x="447" y="1652"/>
+                </a:moveTo>
+                <a:cubicBezTo>
+                  <a:pt x="116" y="1779"/>
+                  <a:pt x="116" y="1779"/>
+                  <a:pt x="116" y="1779"/>
+                </a:cubicBezTo>
+                <a:cubicBezTo>
+                  <a:pt x="93" y="1788"/>
+                  <a:pt x="81" y="1814"/>
+                  <a:pt x="90" y="1837"/>
+                </a:cubicBezTo>
+                <a:cubicBezTo>
+                  <a:pt x="97" y="1856"/>
+                  <a:pt x="114" y="1867"/>
+                  <a:pt x="132" y="1867"/>
+                </a:cubicBezTo>
+                <a:cubicBezTo>
+                  <a:pt x="138" y="1867"/>
+                  <a:pt x="143" y="1866"/>
+                  <a:pt x="149" y="1864"/>
+                </a:cubicBezTo>
+                <a:cubicBezTo>
+                  <a:pt x="480" y="1737"/>
+                  <a:pt x="480" y="1737"/>
+                  <a:pt x="480" y="1737"/>
+                </a:cubicBezTo>
+                <a:cubicBezTo>
+                  <a:pt x="503" y="1728"/>
+                  <a:pt x="515" y="1701"/>
+                  <a:pt x="506" y="1678"/>
+                </a:cubicBezTo>
+                <a:cubicBezTo>
+                  <a:pt x="497" y="1654"/>
+                  <a:pt x="470" y="1643"/>
+                  <a:pt x="447" y="1652"/>
+                </a:cubicBezTo>
+                <a:close/>
+                <a:moveTo>
+                  <a:pt x="2187" y="1033"/>
+                </a:moveTo>
+                <a:cubicBezTo>
+                  <a:pt x="2194" y="1051"/>
+                  <a:pt x="2212" y="1062"/>
+                  <a:pt x="2230" y="1062"/>
+                </a:cubicBezTo>
+                <a:cubicBezTo>
+                  <a:pt x="2235" y="1062"/>
+                  <a:pt x="2241" y="1061"/>
+                  <a:pt x="2246" y="1059"/>
+                </a:cubicBezTo>
+                <a:cubicBezTo>
+                  <a:pt x="2589" y="927"/>
+                  <a:pt x="2589" y="927"/>
+                  <a:pt x="2589" y="927"/>
+                </a:cubicBezTo>
+                <a:cubicBezTo>
+                  <a:pt x="2613" y="918"/>
+                  <a:pt x="2624" y="892"/>
+                  <a:pt x="2615" y="869"/>
+                </a:cubicBezTo>
+                <a:cubicBezTo>
+                  <a:pt x="2606" y="845"/>
+                  <a:pt x="2580" y="833"/>
+                  <a:pt x="2557" y="842"/>
+                </a:cubicBezTo>
+                <a:cubicBezTo>
+                  <a:pt x="2214" y="974"/>
+                  <a:pt x="2214" y="974"/>
+                  <a:pt x="2214" y="974"/>
+                </a:cubicBezTo>
+                <a:cubicBezTo>
+                  <a:pt x="2190" y="983"/>
+                  <a:pt x="2178" y="1009"/>
+                  <a:pt x="2187" y="1033"/>
+                </a:cubicBezTo>
+                <a:close/>
+                <a:moveTo>
+                  <a:pt x="974" y="492"/>
+                </a:moveTo>
+                <a:cubicBezTo>
+                  <a:pt x="980" y="510"/>
+                  <a:pt x="998" y="521"/>
+                  <a:pt x="1016" y="521"/>
+                </a:cubicBezTo>
+                <a:cubicBezTo>
+                  <a:pt x="1022" y="521"/>
+                  <a:pt x="1027" y="520"/>
+                  <a:pt x="1032" y="518"/>
+                </a:cubicBezTo>
+                <a:cubicBezTo>
+                  <a:pt x="1056" y="509"/>
+                  <a:pt x="1068" y="483"/>
+                  <a:pt x="1059" y="459"/>
+                </a:cubicBezTo>
+                <a:cubicBezTo>
+                  <a:pt x="927" y="116"/>
+                  <a:pt x="927" y="116"/>
+                  <a:pt x="927" y="116"/>
+                </a:cubicBezTo>
+                <a:cubicBezTo>
+                  <a:pt x="918" y="93"/>
+                  <a:pt x="892" y="81"/>
+                  <a:pt x="868" y="90"/>
+                </a:cubicBezTo>
+                <a:cubicBezTo>
+                  <a:pt x="845" y="99"/>
+                  <a:pt x="833" y="126"/>
+                  <a:pt x="842" y="149"/>
+                </a:cubicBezTo>
+                <a:lnTo>
+                  <a:pt x="974" y="492"/>
+                </a:lnTo>
+                <a:close/>
+              </a:path>
+            </a:pathLst>
+          </a:custGeom>
+          <a:solidFill>
+            <a:srgbClr val="FFFFFF"/>
+          </a:solidFill>
+          <a:ln>
+            <a:noFill/>
+          </a:ln>
+          <a:extLst>
+            <a:ext uri="{91240B29-F687-4F45-9708-019B960494DF}">
+              <a14:hiddenLine xmlns:a14="http://schemas.microsoft.com/office/drawing/2010/main" w="9525">
+                <a:solidFill>
+                  <a:srgbClr val="000000"/>
+                </a:solidFill>
+                <a:round/>
+                <a:headEnd/>
+                <a:tailEnd/>
+              </a14:hiddenLine>
+            </a:ext>
+          </a:extLst>
+        </p:spPr>
+        <p:txBody>
+          <a:bodyPr vert="horz" wrap="square" lIns="91440" tIns="45720" rIns="91440" bIns="45720" numCol="1" anchor="t" anchorCtr="0" compatLnSpc="1">
+            <a:prstTxWarp prst="textNoShape">
+              <a:avLst/>
+            </a:prstTxWarp>
+          </a:bodyPr>
+          <a:lstStyle/>
+          <a:p>
+            <a:endParaRPr lang="en-US"/>
+          </a:p>
+        </p:txBody>
+      </p:sp>
     </p:spTree>
     <p:extLst>
       <p:ext uri="{BB962C8B-B14F-4D97-AF65-F5344CB8AC3E}">
@@ -36927,134 +38559,6 @@
       </p:sp>
       <p:sp>
         <p:nvSpPr>
-          <p:cNvPr id="8" name="TextBox 7">
-            <a:extLst>
-              <a:ext uri="{FF2B5EF4-FFF2-40B4-BE49-F238E27FC236}">
-                <a16:creationId xmlns:a16="http://schemas.microsoft.com/office/drawing/2014/main" id="{FBBAEB28-C926-79AD-DA8F-4B5466621C29}"/>
-              </a:ext>
-            </a:extLst>
-          </p:cNvPr>
-          <p:cNvSpPr txBox="1"/>
-          <p:nvPr/>
-        </p:nvSpPr>
-        <p:spPr>
-          <a:xfrm>
-            <a:off x="537459" y="2524826"/>
-            <a:ext cx="5444241" cy="618631"/>
-          </a:xfrm>
-          <a:prstGeom prst="rect">
-            <a:avLst/>
-          </a:prstGeom>
-          <a:noFill/>
-        </p:spPr>
-        <p:txBody>
-          <a:bodyPr wrap="square" rtlCol="0">
-            <a:spAutoFit/>
-          </a:bodyPr>
-          <a:lstStyle/>
-          <a:p>
-            <a:pPr>
-              <a:lnSpc>
-                <a:spcPct val="114000"/>
-              </a:lnSpc>
-            </a:pPr>
-            <a:r>
-              <a:rPr lang="en-US" sz="1500" dirty="0"/>
-              <a:t>Lorem ipsum dolor sit </a:t>
-            </a:r>
-            <a:r>
-              <a:rPr lang="en-US" sz="1500" dirty="0" err="1"/>
-              <a:t>amet</a:t>
-            </a:r>
-            <a:r>
-              <a:rPr lang="en-US" sz="1500" dirty="0"/>
-              <a:t>, </a:t>
-            </a:r>
-            <a:r>
-              <a:rPr lang="en-US" sz="1500" dirty="0" err="1"/>
-              <a:t>consectetuer</a:t>
-            </a:r>
-            <a:r>
-              <a:rPr lang="en-US" sz="1500" dirty="0"/>
-              <a:t> </a:t>
-            </a:r>
-            <a:r>
-              <a:rPr lang="en-US" sz="1500" dirty="0" err="1"/>
-              <a:t>adipiscing</a:t>
-            </a:r>
-            <a:r>
-              <a:rPr lang="en-US" sz="1500" dirty="0"/>
-              <a:t> </a:t>
-            </a:r>
-            <a:r>
-              <a:rPr lang="en-US" sz="1500" dirty="0" err="1"/>
-              <a:t>elit</a:t>
-            </a:r>
-            <a:r>
-              <a:rPr lang="en-US" sz="1500" dirty="0"/>
-              <a:t>, </a:t>
-            </a:r>
-            <a:r>
-              <a:rPr lang="en-US" sz="1500" dirty="0" err="1"/>
-              <a:t>sed</a:t>
-            </a:r>
-            <a:r>
-              <a:rPr lang="en-US" sz="1500" dirty="0"/>
-              <a:t> </a:t>
-            </a:r>
-            <a:r>
-              <a:rPr lang="en-US" sz="1500" dirty="0" err="1"/>
-              <a:t>diam</a:t>
-            </a:r>
-            <a:r>
-              <a:rPr lang="en-US" sz="1500" dirty="0"/>
-              <a:t> </a:t>
-            </a:r>
-            <a:r>
-              <a:rPr lang="en-US" sz="1500" dirty="0" err="1"/>
-              <a:t>nonummy</a:t>
-            </a:r>
-            <a:r>
-              <a:rPr lang="en-US" sz="1500" dirty="0"/>
-              <a:t> </a:t>
-            </a:r>
-            <a:r>
-              <a:rPr lang="en-US" sz="1500" dirty="0" err="1"/>
-              <a:t>nibh</a:t>
-            </a:r>
-            <a:r>
-              <a:rPr lang="en-US" sz="1500" dirty="0"/>
-              <a:t> </a:t>
-            </a:r>
-            <a:r>
-              <a:rPr lang="en-US" sz="1500" dirty="0" err="1"/>
-              <a:t>euismod</a:t>
-            </a:r>
-            <a:r>
-              <a:rPr lang="en-US" sz="1500" dirty="0"/>
-              <a:t> </a:t>
-            </a:r>
-            <a:r>
-              <a:rPr lang="en-US" sz="1500" dirty="0" err="1"/>
-              <a:t>laoreet</a:t>
-            </a:r>
-            <a:r>
-              <a:rPr lang="en-US" sz="1500" dirty="0"/>
-              <a:t> </a:t>
-            </a:r>
-            <a:r>
-              <a:rPr lang="en-US" sz="1500" dirty="0" err="1"/>
-              <a:t>dolore</a:t>
-            </a:r>
-            <a:r>
-              <a:rPr lang="en-US" sz="1500" dirty="0"/>
-              <a:t> magna.</a:t>
-            </a:r>
-          </a:p>
-        </p:txBody>
-      </p:sp>
-      <p:sp>
-        <p:nvSpPr>
           <p:cNvPr id="9" name="TextBox 8">
             <a:extLst>
               <a:ext uri="{FF2B5EF4-FFF2-40B4-BE49-F238E27FC236}">
@@ -37067,7 +38571,7 @@
         </p:nvSpPr>
         <p:spPr>
           <a:xfrm>
-            <a:off x="522219" y="3428196"/>
+            <a:off x="514719" y="2540241"/>
             <a:ext cx="5459481" cy="2722797"/>
           </a:xfrm>
           <a:prstGeom prst="rect">
@@ -37089,19 +38593,461 @@
                 <a:spcPts val="1200"/>
               </a:spcAft>
               <a:buClr>
-                <a:schemeClr val="accent1"/>
+                <a:srgbClr val="04244C"/>
               </a:buClr>
               <a:buSzPct val="170000"/>
               <a:buFont typeface="Arial" panose="020B0604020202020204" pitchFamily="34" charset="0"/>
               <a:buChar char="•"/>
             </a:pPr>
             <a:r>
+              <a:rPr lang="en-US" sz="1500" dirty="0">
+                <a:solidFill>
+                  <a:sysClr val="windowText" lastClr="000000"/>
+                </a:solidFill>
+              </a:rPr>
+              <a:t>Lorem ipsum dolor sit </a:t>
+            </a:r>
+            <a:r>
+              <a:rPr lang="en-US" sz="1500" dirty="0" err="1">
+                <a:solidFill>
+                  <a:sysClr val="windowText" lastClr="000000"/>
+                </a:solidFill>
+              </a:rPr>
+              <a:t>amet</a:t>
+            </a:r>
+            <a:r>
+              <a:rPr lang="en-US" sz="1500" dirty="0">
+                <a:solidFill>
+                  <a:sysClr val="windowText" lastClr="000000"/>
+                </a:solidFill>
+              </a:rPr>
+              <a:t>, </a:t>
+            </a:r>
+            <a:r>
+              <a:rPr lang="en-US" sz="1500" dirty="0" err="1">
+                <a:solidFill>
+                  <a:sysClr val="windowText" lastClr="000000"/>
+                </a:solidFill>
+              </a:rPr>
+              <a:t>consectetuer</a:t>
+            </a:r>
+            <a:r>
+              <a:rPr lang="en-US" sz="1500" dirty="0">
+                <a:solidFill>
+                  <a:sysClr val="windowText" lastClr="000000"/>
+                </a:solidFill>
+              </a:rPr>
+              <a:t> </a:t>
+            </a:r>
+            <a:r>
+              <a:rPr lang="en-US" sz="1500" dirty="0" err="1">
+                <a:solidFill>
+                  <a:sysClr val="windowText" lastClr="000000"/>
+                </a:solidFill>
+              </a:rPr>
+              <a:t>adipiscing</a:t>
+            </a:r>
+            <a:r>
+              <a:rPr lang="en-US" sz="1500" dirty="0">
+                <a:solidFill>
+                  <a:sysClr val="windowText" lastClr="000000"/>
+                </a:solidFill>
+              </a:rPr>
+              <a:t> </a:t>
+            </a:r>
+            <a:r>
+              <a:rPr lang="en-US" sz="1500" dirty="0" err="1">
+                <a:solidFill>
+                  <a:sysClr val="windowText" lastClr="000000"/>
+                </a:solidFill>
+              </a:rPr>
+              <a:t>elit</a:t>
+            </a:r>
+            <a:r>
+              <a:rPr lang="en-US" sz="1500" dirty="0">
+                <a:solidFill>
+                  <a:sysClr val="windowText" lastClr="000000"/>
+                </a:solidFill>
+              </a:rPr>
+              <a:t>, </a:t>
+            </a:r>
+            <a:r>
+              <a:rPr lang="en-US" sz="1500" dirty="0" err="1">
+                <a:solidFill>
+                  <a:sysClr val="windowText" lastClr="000000"/>
+                </a:solidFill>
+              </a:rPr>
+              <a:t>sed</a:t>
+            </a:r>
+            <a:r>
+              <a:rPr lang="en-US" sz="1500" dirty="0">
+                <a:solidFill>
+                  <a:sysClr val="windowText" lastClr="000000"/>
+                </a:solidFill>
+              </a:rPr>
+              <a:t> </a:t>
+            </a:r>
+            <a:r>
+              <a:rPr lang="en-US" sz="1500" dirty="0" err="1">
+                <a:solidFill>
+                  <a:sysClr val="windowText" lastClr="000000"/>
+                </a:solidFill>
+              </a:rPr>
+              <a:t>diam</a:t>
+            </a:r>
+            <a:r>
+              <a:rPr lang="en-US" sz="1500" dirty="0">
+                <a:solidFill>
+                  <a:sysClr val="windowText" lastClr="000000"/>
+                </a:solidFill>
+              </a:rPr>
+              <a:t> </a:t>
+            </a:r>
+            <a:r>
+              <a:rPr lang="en-US" sz="1500" dirty="0" err="1">
+                <a:solidFill>
+                  <a:sysClr val="windowText" lastClr="000000"/>
+                </a:solidFill>
+              </a:rPr>
+              <a:t>nonummy</a:t>
+            </a:r>
+            <a:r>
+              <a:rPr lang="en-US" sz="1500" dirty="0">
+                <a:solidFill>
+                  <a:sysClr val="windowText" lastClr="000000"/>
+                </a:solidFill>
+              </a:rPr>
+              <a:t> </a:t>
+            </a:r>
+            <a:r>
+              <a:rPr lang="en-US" sz="1500" b="1" dirty="0" err="1">
+                <a:solidFill>
+                  <a:sysClr val="windowText" lastClr="000000"/>
+                </a:solidFill>
+                <a:latin typeface="Arial" panose="020B0706030804020204" pitchFamily="34" charset="0"/>
+                <a:ea typeface="Arial" panose="020B0706030804020204" pitchFamily="34" charset="0"/>
+                <a:cs typeface="Arial" panose="020B0706030804020204" pitchFamily="34" charset="0"/>
+              </a:rPr>
+              <a:t>nibh</a:t>
+            </a:r>
+            <a:r>
+              <a:rPr lang="en-US" sz="1500" b="1" dirty="0">
+                <a:solidFill>
+                  <a:sysClr val="windowText" lastClr="000000"/>
+                </a:solidFill>
+                <a:latin typeface="Arial" panose="020B0706030804020204" pitchFamily="34" charset="0"/>
+                <a:ea typeface="Arial" panose="020B0706030804020204" pitchFamily="34" charset="0"/>
+                <a:cs typeface="Arial" panose="020B0706030804020204" pitchFamily="34" charset="0"/>
+              </a:rPr>
+              <a:t> </a:t>
+            </a:r>
+            <a:r>
+              <a:rPr lang="en-US" sz="1500" b="1" dirty="0" err="1">
+                <a:solidFill>
+                  <a:sysClr val="windowText" lastClr="000000"/>
+                </a:solidFill>
+                <a:latin typeface="Arial" panose="020B0706030804020204" pitchFamily="34" charset="0"/>
+                <a:ea typeface="Arial" panose="020B0706030804020204" pitchFamily="34" charset="0"/>
+                <a:cs typeface="Arial" panose="020B0706030804020204" pitchFamily="34" charset="0"/>
+              </a:rPr>
+              <a:t>euismod</a:t>
+            </a:r>
+            <a:r>
+              <a:rPr lang="en-US" sz="1500" b="1" dirty="0">
+                <a:solidFill>
+                  <a:sysClr val="windowText" lastClr="000000"/>
+                </a:solidFill>
+                <a:latin typeface="Arial" panose="020B0706030804020204" pitchFamily="34" charset="0"/>
+                <a:ea typeface="Arial" panose="020B0706030804020204" pitchFamily="34" charset="0"/>
+                <a:cs typeface="Arial" panose="020B0706030804020204" pitchFamily="34" charset="0"/>
+              </a:rPr>
+              <a:t> </a:t>
+            </a:r>
+            <a:r>
+              <a:rPr lang="en-US" sz="1500" b="1" dirty="0" err="1">
+                <a:solidFill>
+                  <a:sysClr val="windowText" lastClr="000000"/>
+                </a:solidFill>
+                <a:latin typeface="Arial" panose="020B0706030804020204" pitchFamily="34" charset="0"/>
+                <a:ea typeface="Arial" panose="020B0706030804020204" pitchFamily="34" charset="0"/>
+                <a:cs typeface="Arial" panose="020B0706030804020204" pitchFamily="34" charset="0"/>
+              </a:rPr>
+              <a:t>tincidunt</a:t>
+            </a:r>
+            <a:r>
+              <a:rPr lang="en-US" sz="1500" b="1" dirty="0">
+                <a:solidFill>
+                  <a:sysClr val="windowText" lastClr="000000"/>
+                </a:solidFill>
+                <a:latin typeface="Arial" panose="020B0706030804020204" pitchFamily="34" charset="0"/>
+                <a:ea typeface="Arial" panose="020B0706030804020204" pitchFamily="34" charset="0"/>
+                <a:cs typeface="Arial" panose="020B0706030804020204" pitchFamily="34" charset="0"/>
+              </a:rPr>
+              <a:t> </a:t>
+            </a:r>
+            <a:r>
+              <a:rPr lang="en-US" sz="1500" b="1" dirty="0" err="1">
+                <a:solidFill>
+                  <a:sysClr val="windowText" lastClr="000000"/>
+                </a:solidFill>
+                <a:latin typeface="Arial" panose="020B0706030804020204" pitchFamily="34" charset="0"/>
+                <a:ea typeface="Arial" panose="020B0706030804020204" pitchFamily="34" charset="0"/>
+                <a:cs typeface="Arial" panose="020B0706030804020204" pitchFamily="34" charset="0"/>
+              </a:rPr>
+              <a:t>ut</a:t>
+            </a:r>
+            <a:r>
+              <a:rPr lang="en-US" sz="1500" b="1" dirty="0">
+                <a:solidFill>
+                  <a:sysClr val="windowText" lastClr="000000"/>
+                </a:solidFill>
+                <a:latin typeface="Arial" panose="020B0706030804020204" pitchFamily="34" charset="0"/>
+                <a:ea typeface="Arial" panose="020B0706030804020204" pitchFamily="34" charset="0"/>
+                <a:cs typeface="Arial" panose="020B0706030804020204" pitchFamily="34" charset="0"/>
+              </a:rPr>
+              <a:t> </a:t>
+            </a:r>
+            <a:r>
+              <a:rPr lang="en-US" sz="1500" b="1" dirty="0" err="1">
+                <a:solidFill>
+                  <a:sysClr val="windowText" lastClr="000000"/>
+                </a:solidFill>
+                <a:latin typeface="Arial" panose="020B0706030804020204" pitchFamily="34" charset="0"/>
+                <a:ea typeface="Arial" panose="020B0706030804020204" pitchFamily="34" charset="0"/>
+                <a:cs typeface="Arial" panose="020B0706030804020204" pitchFamily="34" charset="0"/>
+              </a:rPr>
+              <a:t>laoreet</a:t>
+            </a:r>
+            <a:r>
+              <a:rPr lang="en-US" sz="1500" b="1" dirty="0">
+                <a:solidFill>
+                  <a:sysClr val="windowText" lastClr="000000"/>
+                </a:solidFill>
+                <a:latin typeface="Arial" panose="020B0706030804020204" pitchFamily="34" charset="0"/>
+                <a:ea typeface="Arial" panose="020B0706030804020204" pitchFamily="34" charset="0"/>
+                <a:cs typeface="Arial" panose="020B0706030804020204" pitchFamily="34" charset="0"/>
+              </a:rPr>
+              <a:t> </a:t>
+            </a:r>
+            <a:r>
+              <a:rPr lang="en-US" sz="1500" dirty="0" err="1">
+                <a:solidFill>
+                  <a:sysClr val="windowText" lastClr="000000"/>
+                </a:solidFill>
+              </a:rPr>
+              <a:t>dolore</a:t>
+            </a:r>
+            <a:r>
+              <a:rPr lang="en-US" sz="1500" dirty="0">
+                <a:solidFill>
+                  <a:sysClr val="windowText" lastClr="000000"/>
+                </a:solidFill>
+              </a:rPr>
+              <a:t> magna </a:t>
+            </a:r>
+            <a:r>
+              <a:rPr lang="en-US" sz="1500" dirty="0" err="1">
+                <a:solidFill>
+                  <a:sysClr val="windowText" lastClr="000000"/>
+                </a:solidFill>
+              </a:rPr>
+              <a:t>aliquam</a:t>
+            </a:r>
+            <a:r>
+              <a:rPr lang="en-US" sz="1500" dirty="0">
+                <a:solidFill>
+                  <a:sysClr val="windowText" lastClr="000000"/>
+                </a:solidFill>
+              </a:rPr>
+              <a:t> </a:t>
+            </a:r>
+            <a:r>
+              <a:rPr lang="en-US" sz="1500" dirty="0" err="1">
+                <a:solidFill>
+                  <a:sysClr val="windowText" lastClr="000000"/>
+                </a:solidFill>
+              </a:rPr>
+              <a:t>erat</a:t>
+            </a:r>
+            <a:r>
+              <a:rPr lang="en-US" sz="1500" dirty="0">
+                <a:solidFill>
+                  <a:sysClr val="windowText" lastClr="000000"/>
+                </a:solidFill>
+              </a:rPr>
+              <a:t> </a:t>
+            </a:r>
+            <a:r>
+              <a:rPr lang="en-US" sz="1500" dirty="0" err="1">
+                <a:solidFill>
+                  <a:sysClr val="windowText" lastClr="000000"/>
+                </a:solidFill>
+              </a:rPr>
+              <a:t>volutpat</a:t>
+            </a:r>
+            <a:r>
+              <a:rPr lang="en-US" sz="1500" dirty="0">
+                <a:solidFill>
+                  <a:sysClr val="windowText" lastClr="000000"/>
+                </a:solidFill>
+              </a:rPr>
+              <a:t>. </a:t>
+            </a:r>
+            <a:r>
+              <a:rPr lang="en-US" sz="1500" dirty="0" err="1">
+                <a:solidFill>
+                  <a:sysClr val="windowText" lastClr="000000"/>
+                </a:solidFill>
+              </a:rPr>
+              <a:t>Ut</a:t>
+            </a:r>
+            <a:r>
+              <a:rPr lang="en-US" sz="1500" dirty="0">
+                <a:solidFill>
+                  <a:sysClr val="windowText" lastClr="000000"/>
+                </a:solidFill>
+              </a:rPr>
+              <a:t> </a:t>
+            </a:r>
+            <a:r>
+              <a:rPr lang="en-US" sz="1500" dirty="0" err="1">
+                <a:solidFill>
+                  <a:sysClr val="windowText" lastClr="000000"/>
+                </a:solidFill>
+              </a:rPr>
+              <a:t>wisi</a:t>
+            </a:r>
+            <a:r>
+              <a:rPr lang="en-US" sz="1500" dirty="0">
+                <a:solidFill>
+                  <a:sysClr val="windowText" lastClr="000000"/>
+                </a:solidFill>
+              </a:rPr>
+              <a:t> </a:t>
+            </a:r>
+            <a:r>
+              <a:rPr lang="en-US" sz="1500" dirty="0" err="1">
+                <a:solidFill>
+                  <a:sysClr val="windowText" lastClr="000000"/>
+                </a:solidFill>
+              </a:rPr>
+              <a:t>enim</a:t>
+            </a:r>
+            <a:r>
+              <a:rPr lang="en-US" sz="1500" dirty="0">
+                <a:solidFill>
+                  <a:sysClr val="windowText" lastClr="000000"/>
+                </a:solidFill>
+              </a:rPr>
+              <a:t> ad minim </a:t>
+            </a:r>
+            <a:r>
+              <a:rPr lang="en-US" sz="1500" dirty="0" err="1">
+                <a:solidFill>
+                  <a:sysClr val="windowText" lastClr="000000"/>
+                </a:solidFill>
+              </a:rPr>
+              <a:t>veniam</a:t>
+            </a:r>
+            <a:r>
+              <a:rPr lang="en-US" sz="1500" dirty="0">
+                <a:solidFill>
+                  <a:sysClr val="windowText" lastClr="000000"/>
+                </a:solidFill>
+              </a:rPr>
+              <a:t>, </a:t>
+            </a:r>
+            <a:r>
+              <a:rPr lang="en-US" sz="1500" dirty="0" err="1">
+                <a:solidFill>
+                  <a:sysClr val="windowText" lastClr="000000"/>
+                </a:solidFill>
+              </a:rPr>
+              <a:t>quis</a:t>
+            </a:r>
+            <a:r>
+              <a:rPr lang="en-US" sz="1500" dirty="0">
+                <a:solidFill>
+                  <a:sysClr val="windowText" lastClr="000000"/>
+                </a:solidFill>
+              </a:rPr>
+              <a:t> </a:t>
+            </a:r>
+            <a:r>
+              <a:rPr lang="en-US" sz="1500" dirty="0" err="1">
+                <a:solidFill>
+                  <a:sysClr val="windowText" lastClr="000000"/>
+                </a:solidFill>
+              </a:rPr>
+              <a:t>nostrud</a:t>
+            </a:r>
+            <a:r>
+              <a:rPr lang="en-US" sz="1500" dirty="0">
+                <a:solidFill>
+                  <a:sysClr val="windowText" lastClr="000000"/>
+                </a:solidFill>
+              </a:rPr>
+              <a:t> </a:t>
+            </a:r>
+            <a:r>
+              <a:rPr lang="en-US" sz="1500" dirty="0" err="1">
+                <a:solidFill>
+                  <a:sysClr val="windowText" lastClr="000000"/>
+                </a:solidFill>
+              </a:rPr>
+              <a:t>exerci</a:t>
+            </a:r>
+            <a:r>
+              <a:rPr lang="en-US" sz="1500" dirty="0">
+                <a:solidFill>
+                  <a:sysClr val="windowText" lastClr="000000"/>
+                </a:solidFill>
+              </a:rPr>
+              <a:t> </a:t>
+            </a:r>
+            <a:r>
+              <a:rPr lang="en-US" sz="1500" dirty="0" err="1">
+                <a:solidFill>
+                  <a:sysClr val="windowText" lastClr="000000"/>
+                </a:solidFill>
+              </a:rPr>
+              <a:t>tation</a:t>
+            </a:r>
+            <a:r>
+              <a:rPr lang="en-US" sz="1500" dirty="0">
+                <a:solidFill>
+                  <a:sysClr val="windowText" lastClr="000000"/>
+                </a:solidFill>
+              </a:rPr>
+              <a:t>.</a:t>
+            </a:r>
+          </a:p>
+          <a:p>
+            <a:pPr marL="285750" indent="-285750">
+              <a:lnSpc>
+                <a:spcPct val="117000"/>
+              </a:lnSpc>
+              <a:spcAft>
+                <a:spcPts val="1200"/>
+              </a:spcAft>
+              <a:buClr>
+                <a:srgbClr val="04244C"/>
+              </a:buClr>
+              <a:buSzPct val="170000"/>
+              <a:buFont typeface="Arial" panose="020B0604020202020204" pitchFamily="34" charset="0"/>
+              <a:buChar char="•"/>
+            </a:pPr>
+            <a:r>
+              <a:rPr lang="en-US" sz="1500" dirty="0" err="1"/>
+              <a:t>Adipiscing</a:t>
+            </a:r>
+            <a:r>
               <a:rPr lang="en-US" sz="1500" dirty="0"/>
-              <a:t>Lorem ipsum dolor sit </a:t>
+              <a:t> </a:t>
             </a:r>
             <a:r>
               <a:rPr lang="en-US" sz="1500" dirty="0" err="1"/>
-              <a:t>amet</a:t>
+              <a:t>elit</a:t>
             </a:r>
             <a:r>
               <a:rPr lang="en-US" sz="1500" dirty="0"/>
@@ -37109,7 +39055,7 @@
             </a:r>
             <a:r>
               <a:rPr lang="en-US" sz="1500" dirty="0" err="1"/>
-              <a:t>consectetuer</a:t>
+              <a:t>sed</a:t>
             </a:r>
             <a:r>
               <a:rPr lang="en-US" sz="1500" dirty="0"/>
@@ -37117,7 +39063,7 @@
             </a:r>
             <a:r>
               <a:rPr lang="en-US" sz="1500" dirty="0" err="1"/>
-              <a:t>adipiscing</a:t>
+              <a:t>diam</a:t>
             </a:r>
             <a:r>
               <a:rPr lang="en-US" sz="1500" dirty="0"/>
@@ -37125,15 +39071,7 @@
             </a:r>
             <a:r>
               <a:rPr lang="en-US" sz="1500" dirty="0" err="1"/>
-              <a:t>elit</a:t>
-            </a:r>
-            <a:r>
-              <a:rPr lang="en-US" sz="1500" dirty="0"/>
-              <a:t>, </a:t>
-            </a:r>
-            <a:r>
-              <a:rPr lang="en-US" sz="1500" dirty="0" err="1"/>
-              <a:t>sed</a:t>
+              <a:t>nonummy</a:t>
             </a:r>
             <a:r>
               <a:rPr lang="en-US" sz="1500" dirty="0"/>
@@ -37141,7 +39079,7 @@
             </a:r>
             <a:r>
               <a:rPr lang="en-US" sz="1500" dirty="0" err="1"/>
-              <a:t>diam</a:t>
+              <a:t>nibh</a:t>
             </a:r>
             <a:r>
               <a:rPr lang="en-US" sz="1500" dirty="0"/>
@@ -37149,7 +39087,26 @@
             </a:r>
             <a:r>
               <a:rPr lang="en-US" sz="1500" dirty="0" err="1"/>
-              <a:t>nonummy</a:t>
+              <a:t>euismod</a:t>
+            </a:r>
+            <a:r>
+              <a:rPr lang="en-US" sz="1500" dirty="0"/>
+              <a:t> </a:t>
+            </a:r>
+            <a:br>
+              <a:rPr lang="en-US" sz="1500" dirty="0"/>
+            </a:br>
+            <a:r>
+              <a:rPr lang="en-US" sz="1500" dirty="0" err="1"/>
+              <a:t>tincidunt</a:t>
+            </a:r>
+            <a:r>
+              <a:rPr lang="en-US" sz="1500" dirty="0"/>
+              <a:t> </a:t>
+            </a:r>
+            <a:r>
+              <a:rPr lang="en-US" sz="1500" dirty="0" err="1"/>
+              <a:t>ut</a:t>
             </a:r>
             <a:r>
               <a:rPr lang="en-US" sz="1500" dirty="0"/>
@@ -37164,7 +39121,7 @@
                 <a:ea typeface="Arial" panose="020B0706030804020204" pitchFamily="34" charset="0"/>
                 <a:cs typeface="Arial" panose="020B0706030804020204" pitchFamily="34" charset="0"/>
               </a:rPr>
-              <a:t>nibh</a:t>
+              <a:t>laoreet</a:t>
             </a:r>
             <a:r>
               <a:rPr lang="en-US" sz="1500" b="1" dirty="0">
@@ -37186,303 +39143,6 @@
                 <a:ea typeface="Arial" panose="020B0706030804020204" pitchFamily="34" charset="0"/>
                 <a:cs typeface="Arial" panose="020B0706030804020204" pitchFamily="34" charset="0"/>
               </a:rPr>
-              <a:t>euismod</a:t>
-            </a:r>
-            <a:r>
-              <a:rPr lang="en-US" sz="1500" b="1" dirty="0">
-                <a:solidFill>
-                  <a:schemeClr val="accent1"/>
-                </a:solidFill>
-                <a:latin typeface="Arial" panose="020B0706030804020204" pitchFamily="34" charset="0"/>
-                <a:ea typeface="Arial" panose="020B0706030804020204" pitchFamily="34" charset="0"/>
-                <a:cs typeface="Arial" panose="020B0706030804020204" pitchFamily="34" charset="0"/>
-              </a:rPr>
-              <a:t> </a:t>
-            </a:r>
-            <a:r>
-              <a:rPr lang="en-US" sz="1500" b="1" dirty="0" err="1">
-                <a:solidFill>
-                  <a:schemeClr val="accent1"/>
-                </a:solidFill>
-                <a:latin typeface="Arial" panose="020B0706030804020204" pitchFamily="34" charset="0"/>
-                <a:ea typeface="Arial" panose="020B0706030804020204" pitchFamily="34" charset="0"/>
-                <a:cs typeface="Arial" panose="020B0706030804020204" pitchFamily="34" charset="0"/>
-              </a:rPr>
-              <a:t>tincidunt</a:t>
-            </a:r>
-            <a:r>
-              <a:rPr lang="en-US" sz="1500" b="1" dirty="0">
-                <a:solidFill>
-                  <a:schemeClr val="accent1"/>
-                </a:solidFill>
-                <a:latin typeface="Arial" panose="020B0706030804020204" pitchFamily="34" charset="0"/>
-                <a:ea typeface="Arial" panose="020B0706030804020204" pitchFamily="34" charset="0"/>
-                <a:cs typeface="Arial" panose="020B0706030804020204" pitchFamily="34" charset="0"/>
-              </a:rPr>
-              <a:t> </a:t>
-            </a:r>
-            <a:r>
-              <a:rPr lang="en-US" sz="1500" b="1" dirty="0" err="1">
-                <a:solidFill>
-                  <a:schemeClr val="accent1"/>
-                </a:solidFill>
-                <a:latin typeface="Arial" panose="020B0706030804020204" pitchFamily="34" charset="0"/>
-                <a:ea typeface="Arial" panose="020B0706030804020204" pitchFamily="34" charset="0"/>
-                <a:cs typeface="Arial" panose="020B0706030804020204" pitchFamily="34" charset="0"/>
-              </a:rPr>
-              <a:t>ut</a:t>
-            </a:r>
-            <a:r>
-              <a:rPr lang="en-US" sz="1500" b="1" dirty="0">
-                <a:solidFill>
-                  <a:schemeClr val="accent1"/>
-                </a:solidFill>
-                <a:latin typeface="Arial" panose="020B0706030804020204" pitchFamily="34" charset="0"/>
-                <a:ea typeface="Arial" panose="020B0706030804020204" pitchFamily="34" charset="0"/>
-                <a:cs typeface="Arial" panose="020B0706030804020204" pitchFamily="34" charset="0"/>
-              </a:rPr>
-              <a:t> </a:t>
-            </a:r>
-            <a:r>
-              <a:rPr lang="en-US" sz="1500" b="1" dirty="0" err="1">
-                <a:solidFill>
-                  <a:schemeClr val="accent1"/>
-                </a:solidFill>
-                <a:latin typeface="Arial" panose="020B0706030804020204" pitchFamily="34" charset="0"/>
-                <a:ea typeface="Arial" panose="020B0706030804020204" pitchFamily="34" charset="0"/>
-                <a:cs typeface="Arial" panose="020B0706030804020204" pitchFamily="34" charset="0"/>
-              </a:rPr>
-              <a:t>laoreet</a:t>
-            </a:r>
-            <a:r>
-              <a:rPr lang="en-US" sz="1500" b="1" dirty="0">
-                <a:solidFill>
-                  <a:schemeClr val="accent1"/>
-                </a:solidFill>
-                <a:latin typeface="Arial" panose="020B0706030804020204" pitchFamily="34" charset="0"/>
-                <a:ea typeface="Arial" panose="020B0706030804020204" pitchFamily="34" charset="0"/>
-                <a:cs typeface="Arial" panose="020B0706030804020204" pitchFamily="34" charset="0"/>
-              </a:rPr>
-              <a:t> </a:t>
-            </a:r>
-            <a:r>
-              <a:rPr lang="en-US" sz="1500" dirty="0" err="1"/>
-              <a:t>dolore</a:t>
-            </a:r>
-            <a:r>
-              <a:rPr lang="en-US" sz="1500" dirty="0"/>
-              <a:t> magna </a:t>
-            </a:r>
-            <a:r>
-              <a:rPr lang="en-US" sz="1500" dirty="0" err="1"/>
-              <a:t>aliquam</a:t>
-            </a:r>
-            <a:r>
-              <a:rPr lang="en-US" sz="1500" dirty="0"/>
-              <a:t> </a:t>
-            </a:r>
-            <a:r>
-              <a:rPr lang="en-US" sz="1500" dirty="0" err="1"/>
-              <a:t>erat</a:t>
-            </a:r>
-            <a:r>
-              <a:rPr lang="en-US" sz="1500" dirty="0"/>
-              <a:t> </a:t>
-            </a:r>
-            <a:r>
-              <a:rPr lang="en-US" sz="1500" dirty="0" err="1"/>
-              <a:t>volutpat</a:t>
-            </a:r>
-            <a:r>
-              <a:rPr lang="en-US" sz="1500" dirty="0"/>
-              <a:t>. </a:t>
-            </a:r>
-            <a:r>
-              <a:rPr lang="en-US" sz="1500" dirty="0" err="1"/>
-              <a:t>Ut</a:t>
-            </a:r>
-            <a:r>
-              <a:rPr lang="en-US" sz="1500" dirty="0"/>
-              <a:t> </a:t>
-            </a:r>
-            <a:r>
-              <a:rPr lang="en-US" sz="1500" dirty="0" err="1"/>
-              <a:t>wisi</a:t>
-            </a:r>
-            <a:r>
-              <a:rPr lang="en-US" sz="1500" dirty="0"/>
-              <a:t> </a:t>
-            </a:r>
-            <a:r>
-              <a:rPr lang="en-US" sz="1500" dirty="0" err="1"/>
-              <a:t>enim</a:t>
-            </a:r>
-            <a:r>
-              <a:rPr lang="en-US" sz="1500" dirty="0"/>
-              <a:t> ad minim </a:t>
-            </a:r>
-            <a:r>
-              <a:rPr lang="en-US" sz="1500" dirty="0" err="1"/>
-              <a:t>veniam</a:t>
-            </a:r>
-            <a:r>
-              <a:rPr lang="en-US" sz="1500" dirty="0"/>
-              <a:t>, </a:t>
-            </a:r>
-            <a:r>
-              <a:rPr lang="en-US" sz="1500" dirty="0" err="1"/>
-              <a:t>quis</a:t>
-            </a:r>
-            <a:r>
-              <a:rPr lang="en-US" sz="1500" dirty="0"/>
-              <a:t> </a:t>
-            </a:r>
-            <a:r>
-              <a:rPr lang="en-US" sz="1500" dirty="0" err="1"/>
-              <a:t>nostrud</a:t>
-            </a:r>
-            <a:r>
-              <a:rPr lang="en-US" sz="1500" dirty="0"/>
-              <a:t> </a:t>
-            </a:r>
-            <a:r>
-              <a:rPr lang="en-US" sz="1500" dirty="0" err="1"/>
-              <a:t>exerci</a:t>
-            </a:r>
-            <a:r>
-              <a:rPr lang="en-US" sz="1500" dirty="0"/>
-              <a:t> </a:t>
-            </a:r>
-            <a:r>
-              <a:rPr lang="en-US" sz="1500" dirty="0" err="1"/>
-              <a:t>tation</a:t>
-            </a:r>
-            <a:r>
-              <a:rPr lang="en-US" sz="1500" dirty="0"/>
-              <a:t>.</a:t>
-            </a:r>
-          </a:p>
-          <a:p>
-            <a:pPr marL="285750" indent="-285750">
-              <a:lnSpc>
-                <a:spcPct val="117000"/>
-              </a:lnSpc>
-              <a:spcAft>
-                <a:spcPts val="1200"/>
-              </a:spcAft>
-              <a:buClr>
-                <a:schemeClr val="accent1"/>
-              </a:buClr>
-              <a:buSzPct val="170000"/>
-              <a:buFont typeface="Arial" panose="020B0604020202020204" pitchFamily="34" charset="0"/>
-              <a:buChar char="•"/>
-            </a:pPr>
-            <a:r>
-              <a:rPr lang="en-US" sz="1500" dirty="0" err="1"/>
-              <a:t>Adipiscing</a:t>
-            </a:r>
-            <a:r>
-              <a:rPr lang="en-US" sz="1500" dirty="0"/>
-              <a:t> </a:t>
-            </a:r>
-            <a:r>
-              <a:rPr lang="en-US" sz="1500" dirty="0" err="1"/>
-              <a:t>elit</a:t>
-            </a:r>
-            <a:r>
-              <a:rPr lang="en-US" sz="1500" dirty="0"/>
-              <a:t>, </a:t>
-            </a:r>
-            <a:r>
-              <a:rPr lang="en-US" sz="1500" dirty="0" err="1"/>
-              <a:t>sed</a:t>
-            </a:r>
-            <a:r>
-              <a:rPr lang="en-US" sz="1500" dirty="0"/>
-              <a:t> </a:t>
-            </a:r>
-            <a:r>
-              <a:rPr lang="en-US" sz="1500" dirty="0" err="1"/>
-              <a:t>diam</a:t>
-            </a:r>
-            <a:r>
-              <a:rPr lang="en-US" sz="1500" dirty="0"/>
-              <a:t> </a:t>
-            </a:r>
-            <a:r>
-              <a:rPr lang="en-US" sz="1500" dirty="0" err="1"/>
-              <a:t>nonummy</a:t>
-            </a:r>
-            <a:r>
-              <a:rPr lang="en-US" sz="1500" dirty="0"/>
-              <a:t> </a:t>
-            </a:r>
-            <a:r>
-              <a:rPr lang="en-US" sz="1500" dirty="0" err="1"/>
-              <a:t>nibh</a:t>
-            </a:r>
-            <a:r>
-              <a:rPr lang="en-US" sz="1500" dirty="0"/>
-              <a:t> </a:t>
-            </a:r>
-            <a:r>
-              <a:rPr lang="en-US" sz="1500" dirty="0" err="1"/>
-              <a:t>euismod</a:t>
-            </a:r>
-            <a:r>
-              <a:rPr lang="en-US" sz="1500" dirty="0"/>
-              <a:t> </a:t>
-            </a:r>
-            <a:br>
-              <a:rPr lang="en-US" sz="1500" dirty="0"/>
-            </a:br>
-            <a:r>
-              <a:rPr lang="en-US" sz="1500" dirty="0" err="1"/>
-              <a:t>tincidunt</a:t>
-            </a:r>
-            <a:r>
-              <a:rPr lang="en-US" sz="1500" dirty="0"/>
-              <a:t> </a:t>
-            </a:r>
-            <a:r>
-              <a:rPr lang="en-US" sz="1500" dirty="0" err="1"/>
-              <a:t>ut</a:t>
-            </a:r>
-            <a:r>
-              <a:rPr lang="en-US" sz="1500" dirty="0"/>
-              <a:t> </a:t>
-            </a:r>
-            <a:r>
-              <a:rPr lang="en-US" sz="1500" b="1" dirty="0" err="1">
-                <a:solidFill>
-                  <a:schemeClr val="accent1"/>
-                </a:solidFill>
-                <a:latin typeface="Arial" panose="020B0706030804020204" pitchFamily="34" charset="0"/>
-                <a:ea typeface="Arial" panose="020B0706030804020204" pitchFamily="34" charset="0"/>
-                <a:cs typeface="Arial" panose="020B0706030804020204" pitchFamily="34" charset="0"/>
-              </a:rPr>
-              <a:t>laoreet</a:t>
-            </a:r>
-            <a:r>
-              <a:rPr lang="en-US" sz="1500" b="1" dirty="0">
-                <a:solidFill>
-                  <a:schemeClr val="accent1"/>
-                </a:solidFill>
-                <a:latin typeface="Arial" panose="020B0706030804020204" pitchFamily="34" charset="0"/>
-                <a:ea typeface="Arial" panose="020B0706030804020204" pitchFamily="34" charset="0"/>
-                <a:cs typeface="Arial" panose="020B0706030804020204" pitchFamily="34" charset="0"/>
-              </a:rPr>
-              <a:t> </a:t>
-            </a:r>
-            <a:r>
-              <a:rPr lang="en-US" sz="1500" b="1" dirty="0" err="1">
-                <a:solidFill>
-                  <a:schemeClr val="accent1"/>
-                </a:solidFill>
-                <a:latin typeface="Arial" panose="020B0706030804020204" pitchFamily="34" charset="0"/>
-                <a:ea typeface="Arial" panose="020B0706030804020204" pitchFamily="34" charset="0"/>
-                <a:cs typeface="Arial" panose="020B0706030804020204" pitchFamily="34" charset="0"/>
-              </a:rPr>
               <a:t>dolore</a:t>
             </a:r>
             <a:r>
@@ -37576,7 +39236,7 @@
                 <a:spcPts val="1200"/>
               </a:spcAft>
               <a:buClr>
-                <a:schemeClr val="accent1"/>
+                <a:srgbClr val="04244C"/>
               </a:buClr>
               <a:buSzPct val="120000"/>
               <a:buFont typeface="Arial" panose="020B0604020202020204" pitchFamily="34" charset="0"/>
@@ -37697,46 +39357,6 @@
             <a:r>
               <a:rPr lang="en-US" sz="1200" dirty="0"/>
               <a:t>. </a:t>
-            </a:r>
-          </a:p>
-        </p:txBody>
-      </p:sp>
-      <p:sp>
-        <p:nvSpPr>
-          <p:cNvPr id="10" name="TextBox 9">
-            <a:extLst>
-              <a:ext uri="{FF2B5EF4-FFF2-40B4-BE49-F238E27FC236}">
-                <a16:creationId xmlns:a16="http://schemas.microsoft.com/office/drawing/2014/main" id="{6D54B227-A2C3-701D-BA64-355E54B8F745}"/>
-              </a:ext>
-            </a:extLst>
-          </p:cNvPr>
-          <p:cNvSpPr txBox="1"/>
-          <p:nvPr/>
-        </p:nvSpPr>
-        <p:spPr>
-          <a:xfrm>
-            <a:off x="6261101" y="2524826"/>
-            <a:ext cx="5444241" cy="618631"/>
-          </a:xfrm>
-          <a:prstGeom prst="rect">
-            <a:avLst/>
-          </a:prstGeom>
-          <a:noFill/>
-        </p:spPr>
-        <p:txBody>
-          <a:bodyPr wrap="square" rtlCol="0">
-            <a:spAutoFit/>
-          </a:bodyPr>
-          <a:lstStyle/>
-          <a:p>
-            <a:pPr>
-              <a:lnSpc>
-                <a:spcPct val="114000"/>
-              </a:lnSpc>
-            </a:pPr>
-            <a:r>
-              <a:rPr lang="en-US" sz="1500"/>
-              <a:t>Lorem ipsum dolor sit amet, consectetuer adipiscing elit, sed diam nonummy nibh euismod laoreet dolore magna.</a:t>
             </a:r>
           </a:p>
         </p:txBody>
@@ -37755,7 +39375,7 @@
         </p:nvSpPr>
         <p:spPr>
           <a:xfrm>
-            <a:off x="6245861" y="3428196"/>
+            <a:off x="6356742" y="2540241"/>
             <a:ext cx="5459481" cy="2722797"/>
           </a:xfrm>
           <a:prstGeom prst="rect">
@@ -37777,7 +39397,7 @@
                 <a:spcPts val="1200"/>
               </a:spcAft>
               <a:buClr>
-                <a:schemeClr val="accent2"/>
+                <a:srgbClr val="04244C"/>
               </a:buClr>
               <a:buSzPct val="170000"/>
               <a:buFont typeface="Arial" panose="020B0604020202020204" pitchFamily="34" charset="0"/>
@@ -38059,7 +39679,7 @@
                 <a:spcPts val="1200"/>
               </a:spcAft>
               <a:buClr>
-                <a:schemeClr val="accent2"/>
+                <a:srgbClr val="04244C"/>
               </a:buClr>
               <a:buSzPct val="170000"/>
               <a:buFont typeface="Arial" panose="020B0604020202020204" pitchFamily="34" charset="0"/>
@@ -38257,7 +39877,7 @@
                 <a:spcPts val="1200"/>
               </a:spcAft>
               <a:buClr>
-                <a:schemeClr val="accent2"/>
+                <a:srgbClr val="04244C"/>
               </a:buClr>
               <a:buSzPct val="120000"/>
               <a:buFont typeface="Arial" panose="020B0604020202020204" pitchFamily="34" charset="0"/>
@@ -38402,6 +40022,9 @@
           <a:prstGeom prst="rect">
             <a:avLst/>
           </a:prstGeom>
+          <a:solidFill>
+            <a:srgbClr val="04244C"/>
+          </a:solidFill>
           <a:ln>
             <a:noFill/>
           </a:ln>
@@ -38436,29 +40059,7 @@
                 <a:ea typeface="Arial" panose="020B0706030804020204" pitchFamily="34" charset="0"/>
                 <a:cs typeface="Arial" panose="020B0706030804020204" pitchFamily="34" charset="0"/>
               </a:rPr>
-              <a:t>Lorem ipsum dolor sit </a:t>
-            </a:r>
-            <a:r>
-              <a:rPr lang="en-US" sz="2000" dirty="0" err="1">
-                <a:solidFill>
-                  <a:srgbClr val="FFFFFF"/>
-                </a:solidFill>
-                <a:latin typeface="Arial" panose="020B0706030804020204" pitchFamily="34" charset="0"/>
-                <a:ea typeface="Arial" panose="020B0706030804020204" pitchFamily="34" charset="0"/>
-                <a:cs typeface="Arial" panose="020B0706030804020204" pitchFamily="34" charset="0"/>
-              </a:rPr>
-              <a:t>amet</a:t>
-            </a:r>
-            <a:r>
-              <a:rPr lang="en-US" sz="2000" dirty="0">
-                <a:solidFill>
-                  <a:srgbClr val="FFFFFF"/>
-                </a:solidFill>
-                <a:latin typeface="Arial" panose="020B0706030804020204" pitchFamily="34" charset="0"/>
-                <a:ea typeface="Arial" panose="020B0706030804020204" pitchFamily="34" charset="0"/>
-                <a:cs typeface="Arial" panose="020B0706030804020204" pitchFamily="34" charset="0"/>
-              </a:rPr>
-              <a:t> </a:t>
+              <a:t>Sales</a:t>
             </a:r>
           </a:p>
         </p:txBody>
@@ -38484,7 +40085,7 @@
             <a:avLst/>
           </a:prstGeom>
           <a:solidFill>
-            <a:schemeClr val="accent2"/>
+            <a:srgbClr val="5C748C"/>
           </a:solidFill>
           <a:ln>
             <a:noFill/>
@@ -38512,7 +40113,7 @@
           <a:p>
             <a:pPr algn="ctr"/>
             <a:r>
-              <a:rPr lang="en-US" sz="2000">
+              <a:rPr lang="en-US" sz="2000" dirty="0">
                 <a:solidFill>
                   <a:srgbClr val="FFFFFF"/>
                 </a:solidFill>
@@ -38520,7 +40121,7 @@
                 <a:ea typeface="Arial" panose="020B0706030804020204" pitchFamily="34" charset="0"/>
                 <a:cs typeface="Arial" panose="020B0706030804020204" pitchFamily="34" charset="0"/>
               </a:rPr>
-              <a:t>Lorem ipsum dolor sit amet </a:t>
+              <a:t>Cost Optimization</a:t>
             </a:r>
           </a:p>
         </p:txBody>

--- a/afp_challenge/afp_challenge_deck.pptx
+++ b/afp_challenge/afp_challenge_deck.pptx
@@ -264,7 +264,7 @@
           <a:p>
             <a:fld id="{B26E8D97-9402-F04C-99E3-D412E7C9F19A}" type="datetimeFigureOut">
               <a:rPr lang="en-US" smtClean="0"/>
-              <a:t>7/22/24</a:t>
+              <a:t>7/23/24</a:t>
             </a:fld>
             <a:endParaRPr lang="en-US"/>
           </a:p>
@@ -446,7 +446,7 @@
             <a:fld id="{B6659933-B74B-4AB3-9099-B51777DD3137}" type="datetimeFigureOut">
               <a:rPr lang="en-US"/>
               <a:pPr/>
-              <a:t>7/22/24</a:t>
+              <a:t>7/23/24</a:t>
             </a:fld>
             <a:endParaRPr lang="en-US" dirty="0"/>
           </a:p>
@@ -1203,7 +1203,7 @@
             <a:fld id="{03D76AB6-B36C-4EA7-B467-8C8C409B37E2}" type="datetimeFigureOut">
               <a:rPr lang="en-US"/>
               <a:pPr/>
-              <a:t>7/22/24</a:t>
+              <a:t>7/23/24</a:t>
             </a:fld>
             <a:endParaRPr lang="en-US"/>
           </a:p>
@@ -1377,7 +1377,7 @@
             <a:fld id="{03D76AB6-B36C-4EA7-B467-8C8C409B37E2}" type="datetimeFigureOut">
               <a:rPr lang="en-US"/>
               <a:pPr/>
-              <a:t>7/22/24</a:t>
+              <a:t>7/23/24</a:t>
             </a:fld>
             <a:endParaRPr lang="en-US"/>
           </a:p>
@@ -1539,7 +1539,7 @@
             <a:fld id="{03D76AB6-B36C-4EA7-B467-8C8C409B37E2}" type="datetimeFigureOut">
               <a:rPr lang="en-US"/>
               <a:pPr/>
-              <a:t>7/22/24</a:t>
+              <a:t>7/23/24</a:t>
             </a:fld>
             <a:endParaRPr lang="en-US"/>
           </a:p>
@@ -1838,7 +1838,7 @@
             <a:fld id="{03D76AB6-B36C-4EA7-B467-8C8C409B37E2}" type="datetimeFigureOut">
               <a:rPr lang="en-US"/>
               <a:pPr/>
-              <a:t>7/22/24</a:t>
+              <a:t>7/23/24</a:t>
             </a:fld>
             <a:endParaRPr lang="en-US"/>
           </a:p>
@@ -2088,7 +2088,7 @@
             <a:fld id="{03D76AB6-B36C-4EA7-B467-8C8C409B37E2}" type="datetimeFigureOut">
               <a:rPr lang="en-US"/>
               <a:pPr/>
-              <a:t>7/22/24</a:t>
+              <a:t>7/23/24</a:t>
             </a:fld>
             <a:endParaRPr lang="en-US"/>
           </a:p>
@@ -2262,7 +2262,7 @@
             <a:fld id="{03D76AB6-B36C-4EA7-B467-8C8C409B37E2}" type="datetimeFigureOut">
               <a:rPr lang="en-US"/>
               <a:pPr/>
-              <a:t>7/22/24</a:t>
+              <a:t>7/23/24</a:t>
             </a:fld>
             <a:endParaRPr lang="en-US"/>
           </a:p>
@@ -2466,7 +2466,7 @@
             <a:fld id="{03D76AB6-B36C-4EA7-B467-8C8C409B37E2}" type="datetimeFigureOut">
               <a:rPr lang="en-US"/>
               <a:pPr/>
-              <a:t>7/22/24</a:t>
+              <a:t>7/23/24</a:t>
             </a:fld>
             <a:endParaRPr lang="en-US"/>
           </a:p>
@@ -2695,7 +2695,7 @@
             <a:fld id="{03D76AB6-B36C-4EA7-B467-8C8C409B37E2}" type="datetimeFigureOut">
               <a:rPr lang="en-US"/>
               <a:pPr/>
-              <a:t>7/22/24</a:t>
+              <a:t>7/23/24</a:t>
             </a:fld>
             <a:endParaRPr lang="en-US"/>
           </a:p>
@@ -2869,7 +2869,7 @@
             <a:fld id="{03D76AB6-B36C-4EA7-B467-8C8C409B37E2}" type="datetimeFigureOut">
               <a:rPr lang="en-US"/>
               <a:pPr/>
-              <a:t>7/22/24</a:t>
+              <a:t>7/23/24</a:t>
             </a:fld>
             <a:endParaRPr lang="en-US"/>
           </a:p>
@@ -3043,7 +3043,7 @@
             <a:fld id="{03D76AB6-B36C-4EA7-B467-8C8C409B37E2}" type="datetimeFigureOut">
               <a:rPr lang="en-US"/>
               <a:pPr/>
-              <a:t>7/22/24</a:t>
+              <a:t>7/23/24</a:t>
             </a:fld>
             <a:endParaRPr lang="en-US"/>
           </a:p>
@@ -3258,7 +3258,7 @@
             <a:fld id="{03D76AB6-B36C-4EA7-B467-8C8C409B37E2}" type="datetimeFigureOut">
               <a:rPr lang="en-US"/>
               <a:pPr/>
-              <a:t>7/22/24</a:t>
+              <a:t>7/23/24</a:t>
             </a:fld>
             <a:endParaRPr lang="en-US"/>
           </a:p>
@@ -3558,7 +3558,7 @@
             <a:fld id="{03D76AB6-B36C-4EA7-B467-8C8C409B37E2}" type="datetimeFigureOut">
               <a:rPr lang="en-US"/>
               <a:pPr/>
-              <a:t>7/22/24</a:t>
+              <a:t>7/23/24</a:t>
             </a:fld>
             <a:endParaRPr lang="en-US"/>
           </a:p>
@@ -3840,7 +3840,7 @@
             <a:fld id="{03D76AB6-B36C-4EA7-B467-8C8C409B37E2}" type="datetimeFigureOut">
               <a:rPr lang="en-US"/>
               <a:pPr/>
-              <a:t>7/22/24</a:t>
+              <a:t>7/23/24</a:t>
             </a:fld>
             <a:endParaRPr lang="en-US"/>
           </a:p>
@@ -4119,7 +4119,7 @@
             <a:fld id="{03D76AB6-B36C-4EA7-B467-8C8C409B37E2}" type="datetimeFigureOut">
               <a:rPr lang="en-US"/>
               <a:pPr/>
-              <a:t>7/22/24</a:t>
+              <a:t>7/23/24</a:t>
             </a:fld>
             <a:endParaRPr lang="en-US"/>
           </a:p>
@@ -4419,7 +4419,7 @@
             <a:fld id="{03D76AB6-B36C-4EA7-B467-8C8C409B37E2}" type="datetimeFigureOut">
               <a:rPr lang="en-US"/>
               <a:pPr/>
-              <a:t>7/22/24</a:t>
+              <a:t>7/23/24</a:t>
             </a:fld>
             <a:endParaRPr lang="en-US"/>
           </a:p>
@@ -4756,7 +4756,7 @@
             <a:fld id="{03D76AB6-B36C-4EA7-B467-8C8C409B37E2}" type="datetimeFigureOut">
               <a:rPr lang="en-US"/>
               <a:pPr/>
-              <a:t>7/22/24</a:t>
+              <a:t>7/23/24</a:t>
             </a:fld>
             <a:endParaRPr lang="en-US"/>
           </a:p>
@@ -4930,7 +4930,7 @@
             <a:fld id="{03D76AB6-B36C-4EA7-B467-8C8C409B37E2}" type="datetimeFigureOut">
               <a:rPr lang="en-US"/>
               <a:pPr/>
-              <a:t>7/22/24</a:t>
+              <a:t>7/23/24</a:t>
             </a:fld>
             <a:endParaRPr lang="en-US"/>
           </a:p>
@@ -5104,7 +5104,7 @@
             <a:fld id="{03D76AB6-B36C-4EA7-B467-8C8C409B37E2}" type="datetimeFigureOut">
               <a:rPr lang="en-US"/>
               <a:pPr/>
-              <a:t>7/22/24</a:t>
+              <a:t>7/23/24</a:t>
             </a:fld>
             <a:endParaRPr lang="en-US"/>
           </a:p>
@@ -5677,7 +5677,7 @@
             <a:fld id="{03D76AB6-B36C-4EA7-B467-8C8C409B37E2}" type="datetimeFigureOut">
               <a:rPr lang="en-US"/>
               <a:pPr/>
-              <a:t>7/22/24</a:t>
+              <a:t>7/23/24</a:t>
             </a:fld>
             <a:endParaRPr lang="en-US"/>
           </a:p>
@@ -5851,7 +5851,7 @@
             <a:fld id="{03D76AB6-B36C-4EA7-B467-8C8C409B37E2}" type="datetimeFigureOut">
               <a:rPr lang="en-US"/>
               <a:pPr/>
-              <a:t>7/22/24</a:t>
+              <a:t>7/23/24</a:t>
             </a:fld>
             <a:endParaRPr lang="en-US"/>
           </a:p>
@@ -6033,7 +6033,7 @@
             <a:fld id="{03D76AB6-B36C-4EA7-B467-8C8C409B37E2}" type="datetimeFigureOut">
               <a:rPr lang="en-US"/>
               <a:pPr/>
-              <a:t>7/22/24</a:t>
+              <a:t>7/23/24</a:t>
             </a:fld>
             <a:endParaRPr lang="en-US"/>
           </a:p>
@@ -6142,7 +6142,7 @@
             <a:fld id="{03D76AB6-B36C-4EA7-B467-8C8C409B37E2}" type="datetimeFigureOut">
               <a:rPr lang="en-US"/>
               <a:pPr/>
-              <a:t>7/22/24</a:t>
+              <a:t>7/23/24</a:t>
             </a:fld>
             <a:endParaRPr lang="en-US"/>
           </a:p>
@@ -6312,7 +6312,7 @@
             <a:fld id="{03D76AB6-B36C-4EA7-B467-8C8C409B37E2}" type="datetimeFigureOut">
               <a:rPr lang="en-US"/>
               <a:pPr/>
-              <a:t>7/22/24</a:t>
+              <a:t>7/23/24</a:t>
             </a:fld>
             <a:endParaRPr lang="en-US"/>
           </a:p>
@@ -6657,7 +6657,7 @@
             <a:fld id="{03D76AB6-B36C-4EA7-B467-8C8C409B37E2}" type="datetimeFigureOut">
               <a:rPr lang="en-US"/>
               <a:pPr/>
-              <a:t>7/22/24</a:t>
+              <a:t>7/23/24</a:t>
             </a:fld>
             <a:endParaRPr lang="en-US"/>
           </a:p>
@@ -6766,7 +6766,7 @@
             <a:fld id="{03D76AB6-B36C-4EA7-B467-8C8C409B37E2}" type="datetimeFigureOut">
               <a:rPr lang="en-US"/>
               <a:pPr/>
-              <a:t>7/22/24</a:t>
+              <a:t>7/23/24</a:t>
             </a:fld>
             <a:endParaRPr lang="en-US"/>
           </a:p>
@@ -6940,7 +6940,7 @@
             <a:fld id="{03D76AB6-B36C-4EA7-B467-8C8C409B37E2}" type="datetimeFigureOut">
               <a:rPr lang="en-US"/>
               <a:pPr/>
-              <a:t>7/22/24</a:t>
+              <a:t>7/23/24</a:t>
             </a:fld>
             <a:endParaRPr lang="en-US"/>
           </a:p>
@@ -7114,7 +7114,7 @@
             <a:fld id="{03D76AB6-B36C-4EA7-B467-8C8C409B37E2}" type="datetimeFigureOut">
               <a:rPr lang="en-US"/>
               <a:pPr/>
-              <a:t>7/22/24</a:t>
+              <a:t>7/23/24</a:t>
             </a:fld>
             <a:endParaRPr lang="en-US"/>
           </a:p>
@@ -7288,7 +7288,7 @@
             <a:fld id="{03D76AB6-B36C-4EA7-B467-8C8C409B37E2}" type="datetimeFigureOut">
               <a:rPr lang="en-US"/>
               <a:pPr/>
-              <a:t>7/22/24</a:t>
+              <a:t>7/23/24</a:t>
             </a:fld>
             <a:endParaRPr lang="en-US"/>
           </a:p>
@@ -7503,7 +7503,7 @@
             <a:fld id="{03D76AB6-B36C-4EA7-B467-8C8C409B37E2}" type="datetimeFigureOut">
               <a:rPr lang="en-US"/>
               <a:pPr/>
-              <a:t>7/22/24</a:t>
+              <a:t>7/23/24</a:t>
             </a:fld>
             <a:endParaRPr lang="en-US"/>
           </a:p>
@@ -7780,7 +7780,7 @@
             <a:fld id="{03D76AB6-B36C-4EA7-B467-8C8C409B37E2}" type="datetimeFigureOut">
               <a:rPr lang="en-US"/>
               <a:pPr/>
-              <a:t>7/22/24</a:t>
+              <a:t>7/23/24</a:t>
             </a:fld>
             <a:endParaRPr lang="en-US"/>
           </a:p>
@@ -7956,7 +7956,7 @@
             <a:fld id="{03D76AB6-B36C-4EA7-B467-8C8C409B37E2}" type="datetimeFigureOut">
               <a:rPr lang="en-US"/>
               <a:pPr/>
-              <a:t>7/22/24</a:t>
+              <a:t>7/23/24</a:t>
             </a:fld>
             <a:endParaRPr lang="en-US"/>
           </a:p>
@@ -8226,7 +8226,7 @@
             <a:fld id="{03D76AB6-B36C-4EA7-B467-8C8C409B37E2}" type="datetimeFigureOut">
               <a:rPr lang="en-US"/>
               <a:pPr/>
-              <a:t>7/22/24</a:t>
+              <a:t>7/23/24</a:t>
             </a:fld>
             <a:endParaRPr lang="en-US"/>
           </a:p>
@@ -8563,7 +8563,7 @@
             <a:fld id="{03D76AB6-B36C-4EA7-B467-8C8C409B37E2}" type="datetimeFigureOut">
               <a:rPr lang="en-US"/>
               <a:pPr/>
-              <a:t>7/22/24</a:t>
+              <a:t>7/23/24</a:t>
             </a:fld>
             <a:endParaRPr lang="en-US"/>
           </a:p>
@@ -8737,7 +8737,7 @@
             <a:fld id="{03D76AB6-B36C-4EA7-B467-8C8C409B37E2}" type="datetimeFigureOut">
               <a:rPr lang="en-US"/>
               <a:pPr/>
-              <a:t>7/22/24</a:t>
+              <a:t>7/23/24</a:t>
             </a:fld>
             <a:endParaRPr lang="en-US"/>
           </a:p>
@@ -8919,7 +8919,7 @@
             <a:fld id="{03D76AB6-B36C-4EA7-B467-8C8C409B37E2}" type="datetimeFigureOut">
               <a:rPr lang="en-US"/>
               <a:pPr/>
-              <a:t>7/22/24</a:t>
+              <a:t>7/23/24</a:t>
             </a:fld>
             <a:endParaRPr lang="en-US"/>
           </a:p>
@@ -9093,7 +9093,7 @@
             <a:fld id="{03D76AB6-B36C-4EA7-B467-8C8C409B37E2}" type="datetimeFigureOut">
               <a:rPr lang="en-US"/>
               <a:pPr/>
-              <a:t>7/22/24</a:t>
+              <a:t>7/23/24</a:t>
             </a:fld>
             <a:endParaRPr lang="en-US"/>
           </a:p>
@@ -9267,7 +9267,7 @@
             <a:fld id="{03D76AB6-B36C-4EA7-B467-8C8C409B37E2}" type="datetimeFigureOut">
               <a:rPr lang="en-US"/>
               <a:pPr/>
-              <a:t>7/22/24</a:t>
+              <a:t>7/23/24</a:t>
             </a:fld>
             <a:endParaRPr lang="en-US"/>
           </a:p>
@@ -9441,7 +9441,7 @@
             <a:fld id="{03D76AB6-B36C-4EA7-B467-8C8C409B37E2}" type="datetimeFigureOut">
               <a:rPr lang="en-US"/>
               <a:pPr/>
-              <a:t>7/22/24</a:t>
+              <a:t>7/23/24</a:t>
             </a:fld>
             <a:endParaRPr lang="en-US"/>
           </a:p>
@@ -9708,7 +9708,7 @@
             <a:fld id="{03D76AB6-B36C-4EA7-B467-8C8C409B37E2}" type="datetimeFigureOut">
               <a:rPr lang="en-US"/>
               <a:pPr/>
-              <a:t>7/22/24</a:t>
+              <a:t>7/23/24</a:t>
             </a:fld>
             <a:endParaRPr lang="en-US"/>
           </a:p>
@@ -10366,7 +10366,7 @@
             <a:fld id="{03D76AB6-B36C-4EA7-B467-8C8C409B37E2}" type="datetimeFigureOut">
               <a:rPr lang="en-US"/>
               <a:pPr/>
-              <a:t>7/22/24</a:t>
+              <a:t>7/23/24</a:t>
             </a:fld>
             <a:endParaRPr lang="en-US"/>
           </a:p>
@@ -11022,7 +11022,7 @@
             <a:fld id="{03D76AB6-B36C-4EA7-B467-8C8C409B37E2}" type="datetimeFigureOut">
               <a:rPr lang="en-US"/>
               <a:pPr/>
-              <a:t>7/22/24</a:t>
+              <a:t>7/23/24</a:t>
             </a:fld>
             <a:endParaRPr lang="en-US"/>
           </a:p>
@@ -11678,7 +11678,7 @@
             <a:fld id="{03D76AB6-B36C-4EA7-B467-8C8C409B37E2}" type="datetimeFigureOut">
               <a:rPr lang="en-US"/>
               <a:pPr/>
-              <a:t>7/22/24</a:t>
+              <a:t>7/23/24</a:t>
             </a:fld>
             <a:endParaRPr lang="en-US"/>
           </a:p>
@@ -12334,7 +12334,7 @@
             <a:fld id="{03D76AB6-B36C-4EA7-B467-8C8C409B37E2}" type="datetimeFigureOut">
               <a:rPr lang="en-US"/>
               <a:pPr/>
-              <a:t>7/22/24</a:t>
+              <a:t>7/23/24</a:t>
             </a:fld>
             <a:endParaRPr lang="en-US"/>
           </a:p>
@@ -12990,7 +12990,7 @@
             <a:fld id="{03D76AB6-B36C-4EA7-B467-8C8C409B37E2}" type="datetimeFigureOut">
               <a:rPr lang="en-US"/>
               <a:pPr/>
-              <a:t>7/22/24</a:t>
+              <a:t>7/23/24</a:t>
             </a:fld>
             <a:endParaRPr lang="en-US"/>
           </a:p>
@@ -13646,7 +13646,7 @@
             <a:fld id="{03D76AB6-B36C-4EA7-B467-8C8C409B37E2}" type="datetimeFigureOut">
               <a:rPr lang="en-US"/>
               <a:pPr/>
-              <a:t>7/22/24</a:t>
+              <a:t>7/23/24</a:t>
             </a:fld>
             <a:endParaRPr lang="en-US"/>
           </a:p>
@@ -14302,7 +14302,7 @@
             <a:fld id="{03D76AB6-B36C-4EA7-B467-8C8C409B37E2}" type="datetimeFigureOut">
               <a:rPr lang="en-US"/>
               <a:pPr/>
-              <a:t>7/22/24</a:t>
+              <a:t>7/23/24</a:t>
             </a:fld>
             <a:endParaRPr lang="en-US"/>
           </a:p>
@@ -14958,7 +14958,7 @@
             <a:fld id="{03D76AB6-B36C-4EA7-B467-8C8C409B37E2}" type="datetimeFigureOut">
               <a:rPr lang="en-US"/>
               <a:pPr/>
-              <a:t>7/22/24</a:t>
+              <a:t>7/23/24</a:t>
             </a:fld>
             <a:endParaRPr lang="en-US"/>
           </a:p>
@@ -15614,7 +15614,7 @@
             <a:fld id="{03D76AB6-B36C-4EA7-B467-8C8C409B37E2}" type="datetimeFigureOut">
               <a:rPr lang="en-US"/>
               <a:pPr/>
-              <a:t>7/22/24</a:t>
+              <a:t>7/23/24</a:t>
             </a:fld>
             <a:endParaRPr lang="en-US"/>
           </a:p>
@@ -16270,7 +16270,7 @@
             <a:fld id="{03D76AB6-B36C-4EA7-B467-8C8C409B37E2}" type="datetimeFigureOut">
               <a:rPr lang="en-US"/>
               <a:pPr/>
-              <a:t>7/22/24</a:t>
+              <a:t>7/23/24</a:t>
             </a:fld>
             <a:endParaRPr lang="en-US"/>
           </a:p>
@@ -16926,7 +16926,7 @@
             <a:fld id="{03D76AB6-B36C-4EA7-B467-8C8C409B37E2}" type="datetimeFigureOut">
               <a:rPr lang="en-US"/>
               <a:pPr/>
-              <a:t>7/22/24</a:t>
+              <a:t>7/23/24</a:t>
             </a:fld>
             <a:endParaRPr lang="en-US"/>
           </a:p>
@@ -17582,7 +17582,7 @@
             <a:fld id="{03D76AB6-B36C-4EA7-B467-8C8C409B37E2}" type="datetimeFigureOut">
               <a:rPr lang="en-US"/>
               <a:pPr/>
-              <a:t>7/22/24</a:t>
+              <a:t>7/23/24</a:t>
             </a:fld>
             <a:endParaRPr lang="en-US"/>
           </a:p>
@@ -18238,7 +18238,7 @@
             <a:fld id="{03D76AB6-B36C-4EA7-B467-8C8C409B37E2}" type="datetimeFigureOut">
               <a:rPr lang="en-US"/>
               <a:pPr/>
-              <a:t>7/22/24</a:t>
+              <a:t>7/23/24</a:t>
             </a:fld>
             <a:endParaRPr lang="en-US"/>
           </a:p>
@@ -18894,7 +18894,7 @@
             <a:fld id="{03D76AB6-B36C-4EA7-B467-8C8C409B37E2}" type="datetimeFigureOut">
               <a:rPr lang="en-US"/>
               <a:pPr/>
-              <a:t>7/22/24</a:t>
+              <a:t>7/23/24</a:t>
             </a:fld>
             <a:endParaRPr lang="en-US"/>
           </a:p>
@@ -19550,7 +19550,7 @@
             <a:fld id="{03D76AB6-B36C-4EA7-B467-8C8C409B37E2}" type="datetimeFigureOut">
               <a:rPr lang="en-US"/>
               <a:pPr/>
-              <a:t>7/22/24</a:t>
+              <a:t>7/23/24</a:t>
             </a:fld>
             <a:endParaRPr lang="en-US"/>
           </a:p>
@@ -20206,7 +20206,7 @@
             <a:fld id="{03D76AB6-B36C-4EA7-B467-8C8C409B37E2}" type="datetimeFigureOut">
               <a:rPr lang="en-US"/>
               <a:pPr/>
-              <a:t>7/22/24</a:t>
+              <a:t>7/23/24</a:t>
             </a:fld>
             <a:endParaRPr lang="en-US"/>
           </a:p>
@@ -20862,7 +20862,7 @@
             <a:fld id="{03D76AB6-B36C-4EA7-B467-8C8C409B37E2}" type="datetimeFigureOut">
               <a:rPr lang="en-US"/>
               <a:pPr/>
-              <a:t>7/22/24</a:t>
+              <a:t>7/23/24</a:t>
             </a:fld>
             <a:endParaRPr lang="en-US"/>
           </a:p>
@@ -21518,7 +21518,7 @@
             <a:fld id="{03D76AB6-B36C-4EA7-B467-8C8C409B37E2}" type="datetimeFigureOut">
               <a:rPr lang="en-US"/>
               <a:pPr/>
-              <a:t>7/22/24</a:t>
+              <a:t>7/23/24</a:t>
             </a:fld>
             <a:endParaRPr lang="en-US"/>
           </a:p>
@@ -22174,7 +22174,7 @@
             <a:fld id="{03D76AB6-B36C-4EA7-B467-8C8C409B37E2}" type="datetimeFigureOut">
               <a:rPr lang="en-US"/>
               <a:pPr/>
-              <a:t>7/22/24</a:t>
+              <a:t>7/23/24</a:t>
             </a:fld>
             <a:endParaRPr lang="en-US"/>
           </a:p>
@@ -22830,7 +22830,7 @@
             <a:fld id="{03D76AB6-B36C-4EA7-B467-8C8C409B37E2}" type="datetimeFigureOut">
               <a:rPr lang="en-US"/>
               <a:pPr/>
-              <a:t>7/22/24</a:t>
+              <a:t>7/23/24</a:t>
             </a:fld>
             <a:endParaRPr lang="en-US"/>
           </a:p>
@@ -23486,7 +23486,7 @@
             <a:fld id="{03D76AB6-B36C-4EA7-B467-8C8C409B37E2}" type="datetimeFigureOut">
               <a:rPr lang="en-US"/>
               <a:pPr/>
-              <a:t>7/22/24</a:t>
+              <a:t>7/23/24</a:t>
             </a:fld>
             <a:endParaRPr lang="en-US"/>
           </a:p>
@@ -24142,7 +24142,7 @@
             <a:fld id="{03D76AB6-B36C-4EA7-B467-8C8C409B37E2}" type="datetimeFigureOut">
               <a:rPr lang="en-US"/>
               <a:pPr/>
-              <a:t>7/22/24</a:t>
+              <a:t>7/23/24</a:t>
             </a:fld>
             <a:endParaRPr lang="en-US"/>
           </a:p>
@@ -24798,7 +24798,7 @@
             <a:fld id="{03D76AB6-B36C-4EA7-B467-8C8C409B37E2}" type="datetimeFigureOut">
               <a:rPr lang="en-US"/>
               <a:pPr/>
-              <a:t>7/22/24</a:t>
+              <a:t>7/23/24</a:t>
             </a:fld>
             <a:endParaRPr lang="en-US"/>
           </a:p>
@@ -25454,7 +25454,7 @@
             <a:fld id="{03D76AB6-B36C-4EA7-B467-8C8C409B37E2}" type="datetimeFigureOut">
               <a:rPr lang="en-US"/>
               <a:pPr/>
-              <a:t>7/22/24</a:t>
+              <a:t>7/23/24</a:t>
             </a:fld>
             <a:endParaRPr lang="en-US"/>
           </a:p>
@@ -26110,7 +26110,7 @@
             <a:fld id="{03D76AB6-B36C-4EA7-B467-8C8C409B37E2}" type="datetimeFigureOut">
               <a:rPr lang="en-US"/>
               <a:pPr/>
-              <a:t>7/22/24</a:t>
+              <a:t>7/23/24</a:t>
             </a:fld>
             <a:endParaRPr lang="en-US"/>
           </a:p>
@@ -26766,7 +26766,7 @@
             <a:fld id="{03D76AB6-B36C-4EA7-B467-8C8C409B37E2}" type="datetimeFigureOut">
               <a:rPr lang="en-US"/>
               <a:pPr/>
-              <a:t>7/22/24</a:t>
+              <a:t>7/23/24</a:t>
             </a:fld>
             <a:endParaRPr lang="en-US"/>
           </a:p>
@@ -27422,7 +27422,7 @@
             <a:fld id="{03D76AB6-B36C-4EA7-B467-8C8C409B37E2}" type="datetimeFigureOut">
               <a:rPr lang="en-US"/>
               <a:pPr/>
-              <a:t>7/22/24</a:t>
+              <a:t>7/23/24</a:t>
             </a:fld>
             <a:endParaRPr lang="en-US"/>
           </a:p>
@@ -28078,7 +28078,7 @@
             <a:fld id="{03D76AB6-B36C-4EA7-B467-8C8C409B37E2}" type="datetimeFigureOut">
               <a:rPr lang="en-US"/>
               <a:pPr/>
-              <a:t>7/22/24</a:t>
+              <a:t>7/23/24</a:t>
             </a:fld>
             <a:endParaRPr lang="en-US"/>
           </a:p>
@@ -28734,7 +28734,7 @@
             <a:fld id="{03D76AB6-B36C-4EA7-B467-8C8C409B37E2}" type="datetimeFigureOut">
               <a:rPr lang="en-US"/>
               <a:pPr/>
-              <a:t>7/22/24</a:t>
+              <a:t>7/23/24</a:t>
             </a:fld>
             <a:endParaRPr lang="en-US"/>
           </a:p>
@@ -29390,7 +29390,7 @@
             <a:fld id="{03D76AB6-B36C-4EA7-B467-8C8C409B37E2}" type="datetimeFigureOut">
               <a:rPr lang="en-US"/>
               <a:pPr/>
-              <a:t>7/22/24</a:t>
+              <a:t>7/23/24</a:t>
             </a:fld>
             <a:endParaRPr lang="en-US"/>
           </a:p>
@@ -30046,7 +30046,7 @@
             <a:fld id="{03D76AB6-B36C-4EA7-B467-8C8C409B37E2}" type="datetimeFigureOut">
               <a:rPr lang="en-US"/>
               <a:pPr/>
-              <a:t>7/22/24</a:t>
+              <a:t>7/23/24</a:t>
             </a:fld>
             <a:endParaRPr lang="en-US"/>
           </a:p>
@@ -30702,7 +30702,7 @@
             <a:fld id="{03D76AB6-B36C-4EA7-B467-8C8C409B37E2}" type="datetimeFigureOut">
               <a:rPr lang="en-US"/>
               <a:pPr/>
-              <a:t>7/22/24</a:t>
+              <a:t>7/23/24</a:t>
             </a:fld>
             <a:endParaRPr lang="en-US"/>
           </a:p>
@@ -31388,7 +31388,7 @@
             <a:fld id="{03D76AB6-B36C-4EA7-B467-8C8C409B37E2}" type="datetimeFigureOut">
               <a:rPr lang="en-US"/>
               <a:pPr/>
-              <a:t>7/22/24</a:t>
+              <a:t>7/23/24</a:t>
             </a:fld>
             <a:endParaRPr lang="en-US"/>
           </a:p>
@@ -32074,7 +32074,7 @@
             <a:fld id="{03D76AB6-B36C-4EA7-B467-8C8C409B37E2}" type="datetimeFigureOut">
               <a:rPr lang="en-US"/>
               <a:pPr/>
-              <a:t>7/22/24</a:t>
+              <a:t>7/23/24</a:t>
             </a:fld>
             <a:endParaRPr lang="en-US"/>
           </a:p>
@@ -32730,7 +32730,7 @@
             <a:fld id="{03D76AB6-B36C-4EA7-B467-8C8C409B37E2}" type="datetimeFigureOut">
               <a:rPr lang="en-US"/>
               <a:pPr/>
-              <a:t>7/22/24</a:t>
+              <a:t>7/23/24</a:t>
             </a:fld>
             <a:endParaRPr lang="en-US"/>
           </a:p>
@@ -33201,10 +33201,8 @@
               </a:ext>
             </a:extLst>
           </a:blip>
-          <a:srcRect l="14" r="14"/>
-          <a:stretch>
-            <a:fillRect/>
-          </a:stretch>
+          <a:srcRect l="21065" r="21065"/>
+          <a:stretch/>
         </p:blipFill>
         <p:spPr/>
       </p:pic>
@@ -33234,33 +33232,6 @@
       </p:sp>
       <p:sp>
         <p:nvSpPr>
-          <p:cNvPr id="12" name="Text Placeholder 11">
-            <a:extLst>
-              <a:ext uri="{FF2B5EF4-FFF2-40B4-BE49-F238E27FC236}">
-                <a16:creationId xmlns:a16="http://schemas.microsoft.com/office/drawing/2014/main" id="{18995F64-E0D2-4FF1-89D4-8AA576DEFB3D}"/>
-              </a:ext>
-            </a:extLst>
-          </p:cNvPr>
-          <p:cNvSpPr>
-            <a:spLocks noGrp="1"/>
-          </p:cNvSpPr>
-          <p:nvPr>
-            <p:ph type="body" sz="quarter" idx="18"/>
-          </p:nvPr>
-        </p:nvSpPr>
-        <p:spPr/>
-        <p:txBody>
-          <a:bodyPr>
-            <a:normAutofit fontScale="25000" lnSpcReduction="20000"/>
-          </a:bodyPr>
-          <a:lstStyle/>
-          <a:p>
-            <a:endParaRPr lang="en-US"/>
-          </a:p>
-        </p:txBody>
-      </p:sp>
-      <p:sp>
-        <p:nvSpPr>
           <p:cNvPr id="34" name="Rectangle 33">
             <a:extLst>
               <a:ext uri="{FF2B5EF4-FFF2-40B4-BE49-F238E27FC236}">
@@ -33273,7 +33244,7 @@
         </p:nvSpPr>
         <p:spPr>
           <a:xfrm>
-            <a:off x="6352800" y="-1"/>
+            <a:off x="6364853" y="15988"/>
             <a:ext cx="5839200" cy="6857281"/>
           </a:xfrm>
           <a:prstGeom prst="rect">
@@ -33286,7 +33257,7 @@
           </a:solidFill>
           <a:ln>
             <a:solidFill>
-              <a:schemeClr val="accent1"/>
+              <a:srgbClr val="F1F2F2"/>
             </a:solidFill>
           </a:ln>
         </p:spPr>
@@ -33311,7 +33282,7 @@
           <a:lstStyle/>
           <a:p>
             <a:pPr algn="ctr"/>
-            <a:endParaRPr lang="en-US"/>
+            <a:endParaRPr lang="en-US" dirty="0"/>
           </a:p>
         </p:txBody>
       </p:sp>
@@ -33323,8 +33294,8 @@
         </p:nvSpPr>
         <p:spPr>
           <a:xfrm>
-            <a:off x="7106764" y="2206338"/>
-            <a:ext cx="1890261" cy="677108"/>
+            <a:off x="6598722" y="2184450"/>
+            <a:ext cx="2595010" cy="523220"/>
           </a:xfrm>
           <a:prstGeom prst="rect">
             <a:avLst/>
@@ -33332,14 +33303,14 @@
           <a:noFill/>
         </p:spPr>
         <p:txBody>
-          <a:bodyPr wrap="none" rtlCol="0">
+          <a:bodyPr wrap="square" rtlCol="0">
             <a:spAutoFit/>
           </a:bodyPr>
           <a:lstStyle/>
           <a:p>
             <a:pPr algn="ctr"/>
             <a:r>
-              <a:rPr lang="en-US" sz="3800" b="1" dirty="0">
+              <a:rPr lang="en-US" sz="2800" b="1" dirty="0">
                 <a:solidFill>
                   <a:srgbClr val="FFFFFF"/>
                 </a:solidFill>
@@ -33347,7 +33318,7 @@
                 <a:ea typeface="Arial" panose="020B0706030804020204" pitchFamily="34" charset="0"/>
                 <a:cs typeface="Arial" panose="020B0706030804020204" pitchFamily="34" charset="0"/>
               </a:rPr>
-              <a:t>$250K+</a:t>
+              <a:t>$1,117,338K</a:t>
             </a:r>
           </a:p>
         </p:txBody>
@@ -33394,8 +33365,8 @@
         </p:nvSpPr>
         <p:spPr>
           <a:xfrm>
-            <a:off x="10264532" y="2206338"/>
-            <a:ext cx="463588" cy="677108"/>
+            <a:off x="9092671" y="2237361"/>
+            <a:ext cx="2752546" cy="523220"/>
           </a:xfrm>
           <a:prstGeom prst="rect">
             <a:avLst/>
@@ -33403,14 +33374,14 @@
           <a:noFill/>
         </p:spPr>
         <p:txBody>
-          <a:bodyPr wrap="none" rtlCol="0">
+          <a:bodyPr wrap="square" rtlCol="0">
             <a:spAutoFit/>
           </a:bodyPr>
           <a:lstStyle/>
           <a:p>
             <a:pPr algn="ctr"/>
             <a:r>
-              <a:rPr lang="en-US" sz="3800" b="1" dirty="0">
+              <a:rPr lang="en-US" sz="2800" b="1" dirty="0">
                 <a:solidFill>
                   <a:srgbClr val="FFFFFF"/>
                 </a:solidFill>
@@ -33418,7 +33389,7 @@
                 <a:ea typeface="Arial" panose="020B0706030804020204" pitchFamily="34" charset="0"/>
                 <a:cs typeface="Arial" panose="020B0706030804020204" pitchFamily="34" charset="0"/>
               </a:rPr>
-              <a:t>7</a:t>
+              <a:t> $1,171,953K</a:t>
             </a:r>
           </a:p>
         </p:txBody>
@@ -33465,8 +33436,8 @@
         </p:nvSpPr>
         <p:spPr>
           <a:xfrm>
-            <a:off x="7513795" y="3762415"/>
-            <a:ext cx="1021434" cy="677108"/>
+            <a:off x="7322235" y="3762415"/>
+            <a:ext cx="1404552" cy="523220"/>
           </a:xfrm>
           <a:prstGeom prst="rect">
             <a:avLst/>
@@ -33481,7 +33452,7 @@
           <a:p>
             <a:pPr algn="ctr"/>
             <a:r>
-              <a:rPr lang="en-US" sz="3800" b="1" dirty="0">
+              <a:rPr lang="en-US" sz="2800" b="1" dirty="0">
                 <a:solidFill>
                   <a:srgbClr val="FFFFFF"/>
                 </a:solidFill>
@@ -33489,7 +33460,7 @@
                 <a:ea typeface="Arial" panose="020B0706030804020204" pitchFamily="34" charset="0"/>
                 <a:cs typeface="Arial" panose="020B0706030804020204" pitchFamily="34" charset="0"/>
               </a:rPr>
-              <a:t>60+</a:t>
+              <a:t>41.64%</a:t>
             </a:r>
           </a:p>
         </p:txBody>
@@ -33536,8 +33507,8 @@
         </p:nvSpPr>
         <p:spPr>
           <a:xfrm>
-            <a:off x="9748234" y="3762415"/>
-            <a:ext cx="1441420" cy="677108"/>
+            <a:off x="9446067" y="3762415"/>
+            <a:ext cx="2045753" cy="523220"/>
           </a:xfrm>
           <a:prstGeom prst="rect">
             <a:avLst/>
@@ -33552,7 +33523,7 @@
           <a:p>
             <a:pPr algn="ctr"/>
             <a:r>
-              <a:rPr lang="en-US" sz="3800" b="1" dirty="0">
+              <a:rPr lang="en-US" sz="2800" b="1" dirty="0">
                 <a:solidFill>
                   <a:srgbClr val="FFFFFF"/>
                 </a:solidFill>
@@ -33560,7 +33531,7 @@
                 <a:ea typeface="Arial" panose="020B0706030804020204" pitchFamily="34" charset="0"/>
                 <a:cs typeface="Arial" panose="020B0706030804020204" pitchFamily="34" charset="0"/>
               </a:rPr>
-              <a:t>100%</a:t>
+              <a:t> $465,275K</a:t>
             </a:r>
           </a:p>
         </p:txBody>
@@ -33680,7 +33651,7 @@
         <p:spPr>
           <a:xfrm>
             <a:off x="545080" y="1592328"/>
-            <a:ext cx="1000595" cy="307777"/>
+            <a:ext cx="1059906" cy="307777"/>
           </a:xfrm>
           <a:prstGeom prst="rect">
             <a:avLst/>
@@ -33707,7 +33678,7 @@
                 <a:ea typeface="Arial" panose="020B0706030804020204" pitchFamily="34" charset="0"/>
                 <a:cs typeface="Arial" panose="020B0706030804020204" pitchFamily="34" charset="0"/>
               </a:rPr>
-              <a:t>Company</a:t>
+              <a:t>Company:</a:t>
             </a:r>
           </a:p>
         </p:txBody>
@@ -33720,8 +33691,93 @@
         </p:nvSpPr>
         <p:spPr>
           <a:xfrm>
-            <a:off x="545080" y="1956051"/>
-            <a:ext cx="1649811" cy="524246"/>
+            <a:off x="1433274" y="1590756"/>
+            <a:ext cx="1678665" cy="310919"/>
+          </a:xfrm>
+          <a:prstGeom prst="rect">
+            <a:avLst/>
+          </a:prstGeom>
+          <a:noFill/>
+        </p:spPr>
+        <p:txBody>
+          <a:bodyPr wrap="none" rtlCol="0">
+            <a:spAutoFit/>
+          </a:bodyPr>
+          <a:lstStyle/>
+          <a:p>
+            <a:pPr>
+              <a:lnSpc>
+                <a:spcPct val="110000"/>
+              </a:lnSpc>
+              <a:spcAft>
+                <a:spcPts val="200"/>
+              </a:spcAft>
+              <a:buClr>
+                <a:srgbClr val="04244C"/>
+              </a:buClr>
+              <a:buSzPct val="120000"/>
+            </a:pPr>
+            <a:r>
+              <a:rPr lang="en-US" sz="1400" dirty="0">
+                <a:ea typeface="Arial" panose="020B0706030804020204" pitchFamily="34" charset="0"/>
+                <a:cs typeface="Arial" panose="020B0706030804020204" pitchFamily="34" charset="0"/>
+              </a:rPr>
+              <a:t>Gibson &amp; Solomon</a:t>
+            </a:r>
+          </a:p>
+        </p:txBody>
+      </p:sp>
+      <p:sp>
+        <p:nvSpPr>
+          <p:cNvPr id="27" name="TextBox 26"/>
+          <p:cNvSpPr txBox="1"/>
+          <p:nvPr/>
+        </p:nvSpPr>
+        <p:spPr>
+          <a:xfrm>
+            <a:off x="595066" y="2095384"/>
+            <a:ext cx="1960280" cy="307777"/>
+          </a:xfrm>
+          <a:prstGeom prst="rect">
+            <a:avLst/>
+          </a:prstGeom>
+          <a:noFill/>
+        </p:spPr>
+        <p:txBody>
+          <a:bodyPr wrap="none" rtlCol="0">
+            <a:spAutoFit/>
+          </a:bodyPr>
+          <a:lstStyle/>
+          <a:p>
+            <a:pPr>
+              <a:spcAft>
+                <a:spcPts val="1200"/>
+              </a:spcAft>
+            </a:pPr>
+            <a:r>
+              <a:rPr lang="en-US" sz="1400" b="1" dirty="0">
+                <a:solidFill>
+                  <a:srgbClr val="04244C"/>
+                </a:solidFill>
+                <a:latin typeface="Arial" panose="020B0706030804020204" pitchFamily="34" charset="0"/>
+                <a:ea typeface="Arial" panose="020B0706030804020204" pitchFamily="34" charset="0"/>
+                <a:cs typeface="Arial" panose="020B0706030804020204" pitchFamily="34" charset="0"/>
+              </a:rPr>
+              <a:t>Top 3 Product Lines*</a:t>
+            </a:r>
+          </a:p>
+        </p:txBody>
+      </p:sp>
+      <p:sp>
+        <p:nvSpPr>
+          <p:cNvPr id="28" name="TextBox 27"/>
+          <p:cNvSpPr txBox="1"/>
+          <p:nvPr/>
+        </p:nvSpPr>
+        <p:spPr>
+          <a:xfrm>
+            <a:off x="595066" y="2459107"/>
+            <a:ext cx="1833707" cy="737318"/>
           </a:xfrm>
           <a:prstGeom prst="rect">
             <a:avLst/>
@@ -33749,30 +33805,13 @@
               <a:buChar char="•"/>
             </a:pPr>
             <a:r>
-              <a:rPr lang="en-US" sz="1200" dirty="0" err="1">
+              <a:rPr lang="en-US" sz="1200" dirty="0">
+                <a:latin typeface="Arial" panose="020B0706030804020204" pitchFamily="34" charset="0"/>
                 <a:ea typeface="Arial" panose="020B0706030804020204" pitchFamily="34" charset="0"/>
                 <a:cs typeface="Arial" panose="020B0706030804020204" pitchFamily="34" charset="0"/>
               </a:rPr>
-              <a:t>Euismod</a:t>
-            </a:r>
-            <a:r>
-              <a:rPr lang="en-US" sz="1200" dirty="0">
-                <a:ea typeface="Arial" panose="020B0706030804020204" pitchFamily="34" charset="0"/>
-                <a:cs typeface="Arial" panose="020B0706030804020204" pitchFamily="34" charset="0"/>
-              </a:rPr>
-              <a:t> </a:t>
-            </a:r>
-            <a:r>
-              <a:rPr lang="en-US" sz="1200" dirty="0" err="1">
-                <a:ea typeface="Arial" panose="020B0706030804020204" pitchFamily="34" charset="0"/>
-                <a:cs typeface="Arial" panose="020B0706030804020204" pitchFamily="34" charset="0"/>
-              </a:rPr>
-              <a:t>Tincidunt</a:t>
-            </a:r>
-            <a:endParaRPr lang="en-US" sz="1200" dirty="0">
-              <a:ea typeface="Arial" panose="020B0706030804020204" pitchFamily="34" charset="0"/>
-              <a:cs typeface="Arial" panose="020B0706030804020204" pitchFamily="34" charset="0"/>
-            </a:endParaRPr>
+              <a:t>Personal Accessories</a:t>
+            </a:r>
           </a:p>
           <a:p>
             <a:pPr marL="180975" indent="-180975">
@@ -33790,95 +33829,13 @@
               <a:buChar char="•"/>
             </a:pPr>
             <a:r>
-              <a:rPr lang="en-US" sz="1200" dirty="0" err="1">
-                <a:ea typeface="Arial" panose="020B0706030804020204" pitchFamily="34" charset="0"/>
-                <a:cs typeface="Arial" panose="020B0706030804020204" pitchFamily="34" charset="0"/>
-              </a:rPr>
-              <a:t>Adipiscing</a:t>
-            </a:r>
-            <a:r>
               <a:rPr lang="en-US" sz="1200" dirty="0">
                 <a:ea typeface="Arial" panose="020B0706030804020204" pitchFamily="34" charset="0"/>
                 <a:cs typeface="Arial" panose="020B0706030804020204" pitchFamily="34" charset="0"/>
               </a:rPr>
-              <a:t> </a:t>
-            </a:r>
-            <a:r>
-              <a:rPr lang="en-US" sz="1200" dirty="0" err="1">
-                <a:ea typeface="Arial" panose="020B0706030804020204" pitchFamily="34" charset="0"/>
-                <a:cs typeface="Arial" panose="020B0706030804020204" pitchFamily="34" charset="0"/>
-              </a:rPr>
-              <a:t>Elit</a:t>
-            </a:r>
-            <a:endParaRPr lang="en-US" sz="1200" dirty="0">
-              <a:ea typeface="Arial" panose="020B0706030804020204" pitchFamily="34" charset="0"/>
-              <a:cs typeface="Arial" panose="020B0706030804020204" pitchFamily="34" charset="0"/>
-            </a:endParaRPr>
-          </a:p>
-        </p:txBody>
-      </p:sp>
-      <p:sp>
-        <p:nvSpPr>
-          <p:cNvPr id="27" name="TextBox 26"/>
-          <p:cNvSpPr txBox="1"/>
-          <p:nvPr/>
-        </p:nvSpPr>
-        <p:spPr>
-          <a:xfrm>
-            <a:off x="545080" y="2686658"/>
-            <a:ext cx="1740669" cy="307777"/>
-          </a:xfrm>
-          <a:prstGeom prst="rect">
-            <a:avLst/>
-          </a:prstGeom>
-          <a:noFill/>
-        </p:spPr>
-        <p:txBody>
-          <a:bodyPr wrap="none" rtlCol="0">
-            <a:spAutoFit/>
-          </a:bodyPr>
-          <a:lstStyle/>
-          <a:p>
-            <a:pPr>
-              <a:spcAft>
-                <a:spcPts val="1200"/>
-              </a:spcAft>
-            </a:pPr>
-            <a:r>
-              <a:rPr lang="en-US" sz="1400" b="1" dirty="0">
-                <a:solidFill>
-                  <a:srgbClr val="04244C"/>
-                </a:solidFill>
-                <a:latin typeface="Arial" panose="020B0706030804020204" pitchFamily="34" charset="0"/>
-                <a:ea typeface="Arial" panose="020B0706030804020204" pitchFamily="34" charset="0"/>
-                <a:cs typeface="Arial" panose="020B0706030804020204" pitchFamily="34" charset="0"/>
-              </a:rPr>
-              <a:t>Top Product Lines</a:t>
-            </a:r>
-          </a:p>
-        </p:txBody>
-      </p:sp>
-      <p:sp>
-        <p:nvSpPr>
-          <p:cNvPr id="28" name="TextBox 27"/>
-          <p:cNvSpPr txBox="1"/>
-          <p:nvPr/>
-        </p:nvSpPr>
-        <p:spPr>
-          <a:xfrm>
-            <a:off x="545080" y="3050381"/>
-            <a:ext cx="1462260" cy="753027"/>
-          </a:xfrm>
-          <a:prstGeom prst="rect">
-            <a:avLst/>
-          </a:prstGeom>
-          <a:noFill/>
-        </p:spPr>
-        <p:txBody>
-          <a:bodyPr wrap="none" rtlCol="0">
-            <a:spAutoFit/>
-          </a:bodyPr>
-          <a:lstStyle/>
+              <a:t>Camping Equipment</a:t>
+            </a:r>
+          </a:p>
           <a:p>
             <a:pPr marL="180975" indent="-180975">
               <a:lnSpc>
@@ -33895,35 +33852,77 @@
               <a:buChar char="•"/>
             </a:pPr>
             <a:r>
-              <a:rPr lang="en-US" sz="1200" b="1" dirty="0" err="1">
+              <a:rPr lang="en-US" sz="1200" dirty="0">
+                <a:ea typeface="Arial" panose="020B0706030804020204" pitchFamily="34" charset="0"/>
+                <a:cs typeface="Arial" panose="020B0706030804020204" pitchFamily="34" charset="0"/>
+              </a:rPr>
+              <a:t>Golf Equipment</a:t>
+            </a:r>
+          </a:p>
+        </p:txBody>
+      </p:sp>
+      <p:sp>
+        <p:nvSpPr>
+          <p:cNvPr id="29" name="TextBox 28"/>
+          <p:cNvSpPr txBox="1"/>
+          <p:nvPr/>
+        </p:nvSpPr>
+        <p:spPr>
+          <a:xfrm>
+            <a:off x="3443572" y="2138283"/>
+            <a:ext cx="1593193" cy="307777"/>
+          </a:xfrm>
+          <a:prstGeom prst="rect">
+            <a:avLst/>
+          </a:prstGeom>
+          <a:noFill/>
+        </p:spPr>
+        <p:txBody>
+          <a:bodyPr wrap="none" rtlCol="0">
+            <a:spAutoFit/>
+          </a:bodyPr>
+          <a:lstStyle/>
+          <a:p>
+            <a:pPr>
+              <a:spcAft>
+                <a:spcPts val="1200"/>
+              </a:spcAft>
+            </a:pPr>
+            <a:r>
+              <a:rPr lang="en-US" sz="1400" b="1" dirty="0">
+                <a:solidFill>
+                  <a:srgbClr val="04244C"/>
+                </a:solidFill>
                 <a:latin typeface="Arial" panose="020B0706030804020204" pitchFamily="34" charset="0"/>
                 <a:ea typeface="Arial" panose="020B0706030804020204" pitchFamily="34" charset="0"/>
                 <a:cs typeface="Arial" panose="020B0706030804020204" pitchFamily="34" charset="0"/>
               </a:rPr>
-              <a:t>Adipiscing</a:t>
-            </a:r>
-            <a:r>
-              <a:rPr lang="en-US" sz="1200" b="1" dirty="0">
-                <a:latin typeface="Arial" panose="020B0706030804020204" pitchFamily="34" charset="0"/>
-                <a:ea typeface="Arial" panose="020B0706030804020204" pitchFamily="34" charset="0"/>
-                <a:cs typeface="Arial" panose="020B0706030804020204" pitchFamily="34" charset="0"/>
-              </a:rPr>
-              <a:t> </a:t>
-            </a:r>
-            <a:r>
-              <a:rPr lang="en-US" sz="1200" b="1" dirty="0" err="1">
-                <a:latin typeface="Arial" panose="020B0706030804020204" pitchFamily="34" charset="0"/>
-                <a:ea typeface="Arial" panose="020B0706030804020204" pitchFamily="34" charset="0"/>
-                <a:cs typeface="Arial" panose="020B0706030804020204" pitchFamily="34" charset="0"/>
-              </a:rPr>
-              <a:t>Elit</a:t>
-            </a:r>
-            <a:endParaRPr lang="en-US" sz="1200" b="1" dirty="0">
-              <a:latin typeface="Arial" panose="020B0706030804020204" pitchFamily="34" charset="0"/>
-              <a:ea typeface="Arial" panose="020B0706030804020204" pitchFamily="34" charset="0"/>
-              <a:cs typeface="Arial" panose="020B0706030804020204" pitchFamily="34" charset="0"/>
-            </a:endParaRPr>
-          </a:p>
+              <a:t>Top 3 Products* </a:t>
+            </a:r>
+          </a:p>
+        </p:txBody>
+      </p:sp>
+      <p:sp>
+        <p:nvSpPr>
+          <p:cNvPr id="30" name="TextBox 29"/>
+          <p:cNvSpPr txBox="1"/>
+          <p:nvPr/>
+        </p:nvSpPr>
+        <p:spPr>
+          <a:xfrm>
+            <a:off x="3443572" y="2502006"/>
+            <a:ext cx="2430474" cy="737318"/>
+          </a:xfrm>
+          <a:prstGeom prst="rect">
+            <a:avLst/>
+          </a:prstGeom>
+          <a:noFill/>
+        </p:spPr>
+        <p:txBody>
+          <a:bodyPr wrap="none" rtlCol="0">
+            <a:spAutoFit/>
+          </a:bodyPr>
+          <a:lstStyle/>
           <a:p>
             <a:pPr marL="180975" indent="-180975">
               <a:lnSpc>
@@ -33944,7 +33943,7 @@
                 <a:ea typeface="Arial" panose="020B0706030804020204" pitchFamily="34" charset="0"/>
                 <a:cs typeface="Arial" panose="020B0706030804020204" pitchFamily="34" charset="0"/>
               </a:rPr>
-              <a:t>Dolor</a:t>
+              <a:t>Hailstorm Titanium Woods Set</a:t>
             </a:r>
           </a:p>
           <a:p>
@@ -33963,95 +33962,13 @@
               <a:buChar char="•"/>
             </a:pPr>
             <a:r>
-              <a:rPr lang="en-US" sz="1200" dirty="0" err="1">
-                <a:ea typeface="Arial" panose="020B0706030804020204" pitchFamily="34" charset="0"/>
-                <a:cs typeface="Arial" panose="020B0706030804020204" pitchFamily="34" charset="0"/>
-              </a:rPr>
-              <a:t>Nonummy</a:t>
-            </a:r>
-            <a:r>
               <a:rPr lang="en-US" sz="1200" dirty="0">
                 <a:ea typeface="Arial" panose="020B0706030804020204" pitchFamily="34" charset="0"/>
                 <a:cs typeface="Arial" panose="020B0706030804020204" pitchFamily="34" charset="0"/>
               </a:rPr>
-              <a:t> </a:t>
-            </a:r>
-            <a:r>
-              <a:rPr lang="en-US" sz="1200" dirty="0" err="1">
-                <a:ea typeface="Arial" panose="020B0706030804020204" pitchFamily="34" charset="0"/>
-                <a:cs typeface="Arial" panose="020B0706030804020204" pitchFamily="34" charset="0"/>
-              </a:rPr>
-              <a:t>Nibh</a:t>
-            </a:r>
-            <a:endParaRPr lang="en-US" sz="1200" dirty="0">
-              <a:ea typeface="Arial" panose="020B0706030804020204" pitchFamily="34" charset="0"/>
-              <a:cs typeface="Arial" panose="020B0706030804020204" pitchFamily="34" charset="0"/>
-            </a:endParaRPr>
-          </a:p>
-        </p:txBody>
-      </p:sp>
-      <p:sp>
-        <p:nvSpPr>
-          <p:cNvPr id="29" name="TextBox 28"/>
-          <p:cNvSpPr txBox="1"/>
-          <p:nvPr/>
-        </p:nvSpPr>
-        <p:spPr>
-          <a:xfrm>
-            <a:off x="3393586" y="2729557"/>
-            <a:ext cx="1323889" cy="307777"/>
-          </a:xfrm>
-          <a:prstGeom prst="rect">
-            <a:avLst/>
-          </a:prstGeom>
-          <a:noFill/>
-        </p:spPr>
-        <p:txBody>
-          <a:bodyPr wrap="none" rtlCol="0">
-            <a:spAutoFit/>
-          </a:bodyPr>
-          <a:lstStyle/>
-          <a:p>
-            <a:pPr>
-              <a:spcAft>
-                <a:spcPts val="1200"/>
-              </a:spcAft>
-            </a:pPr>
-            <a:r>
-              <a:rPr lang="en-US" sz="1400" b="1" dirty="0">
-                <a:solidFill>
-                  <a:srgbClr val="04244C"/>
-                </a:solidFill>
-                <a:latin typeface="Arial" panose="020B0706030804020204" pitchFamily="34" charset="0"/>
-                <a:ea typeface="Arial" panose="020B0706030804020204" pitchFamily="34" charset="0"/>
-                <a:cs typeface="Arial" panose="020B0706030804020204" pitchFamily="34" charset="0"/>
-              </a:rPr>
-              <a:t>Top Products</a:t>
-            </a:r>
-          </a:p>
-        </p:txBody>
-      </p:sp>
-      <p:sp>
-        <p:nvSpPr>
-          <p:cNvPr id="30" name="TextBox 29"/>
-          <p:cNvSpPr txBox="1"/>
-          <p:nvPr/>
-        </p:nvSpPr>
-        <p:spPr>
-          <a:xfrm>
-            <a:off x="3393586" y="3093280"/>
-            <a:ext cx="1649811" cy="753027"/>
-          </a:xfrm>
-          <a:prstGeom prst="rect">
-            <a:avLst/>
-          </a:prstGeom>
-          <a:noFill/>
-        </p:spPr>
-        <p:txBody>
-          <a:bodyPr wrap="none" rtlCol="0">
-            <a:spAutoFit/>
-          </a:bodyPr>
-          <a:lstStyle/>
+              <a:t>Zone</a:t>
+            </a:r>
+          </a:p>
           <a:p>
             <a:pPr marL="180975" indent="-180975">
               <a:lnSpc>
@@ -34068,31 +33985,78 @@
               <a:buChar char="•"/>
             </a:pPr>
             <a:r>
-              <a:rPr lang="en-US" sz="1200" dirty="0" err="1">
+              <a:rPr lang="en-US" sz="1200" dirty="0">
+                <a:latin typeface="Arial" panose="020B0706030804020204" pitchFamily="34" charset="0"/>
                 <a:ea typeface="Arial" panose="020B0706030804020204" pitchFamily="34" charset="0"/>
                 <a:cs typeface="Arial" panose="020B0706030804020204" pitchFamily="34" charset="0"/>
               </a:rPr>
-              <a:t>Euismod</a:t>
-            </a:r>
-            <a:r>
-              <a:rPr lang="en-US" sz="1200" dirty="0">
+              <a:t>TX</a:t>
+            </a:r>
+          </a:p>
+        </p:txBody>
+      </p:sp>
+      <p:sp>
+        <p:nvSpPr>
+          <p:cNvPr id="31" name="TextBox 30"/>
+          <p:cNvSpPr txBox="1"/>
+          <p:nvPr/>
+        </p:nvSpPr>
+        <p:spPr>
+          <a:xfrm>
+            <a:off x="545080" y="3916309"/>
+            <a:ext cx="1996637" cy="307777"/>
+          </a:xfrm>
+          <a:prstGeom prst="rect">
+            <a:avLst/>
+          </a:prstGeom>
+          <a:noFill/>
+        </p:spPr>
+        <p:txBody>
+          <a:bodyPr wrap="none" rtlCol="0">
+            <a:spAutoFit/>
+          </a:bodyPr>
+          <a:lstStyle/>
+          <a:p>
+            <a:pPr>
+              <a:spcAft>
+                <a:spcPts val="1200"/>
+              </a:spcAft>
+            </a:pPr>
+            <a:r>
+              <a:rPr lang="en-US" sz="1400" b="1" dirty="0">
+                <a:solidFill>
+                  <a:srgbClr val="04244C"/>
+                </a:solidFill>
+                <a:latin typeface="Arial" panose="020B0706030804020204" pitchFamily="34" charset="0"/>
                 <a:ea typeface="Arial" panose="020B0706030804020204" pitchFamily="34" charset="0"/>
                 <a:cs typeface="Arial" panose="020B0706030804020204" pitchFamily="34" charset="0"/>
               </a:rPr>
-              <a:t> </a:t>
-            </a:r>
-            <a:r>
-              <a:rPr lang="en-US" sz="1200" dirty="0" err="1">
-                <a:ea typeface="Arial" panose="020B0706030804020204" pitchFamily="34" charset="0"/>
-                <a:cs typeface="Arial" panose="020B0706030804020204" pitchFamily="34" charset="0"/>
-              </a:rPr>
-              <a:t>Tincidunt</a:t>
-            </a:r>
-            <a:endParaRPr lang="en-US" sz="1200" dirty="0">
-              <a:ea typeface="Arial" panose="020B0706030804020204" pitchFamily="34" charset="0"/>
-              <a:cs typeface="Arial" panose="020B0706030804020204" pitchFamily="34" charset="0"/>
-            </a:endParaRPr>
-          </a:p>
+              <a:t>Top 3 Product Types*</a:t>
+            </a:r>
+          </a:p>
+        </p:txBody>
+      </p:sp>
+      <p:sp>
+        <p:nvSpPr>
+          <p:cNvPr id="32" name="TextBox 31"/>
+          <p:cNvSpPr txBox="1"/>
+          <p:nvPr/>
+        </p:nvSpPr>
+        <p:spPr>
+          <a:xfrm>
+            <a:off x="545080" y="4280032"/>
+            <a:ext cx="963725" cy="737318"/>
+          </a:xfrm>
+          <a:prstGeom prst="rect">
+            <a:avLst/>
+          </a:prstGeom>
+          <a:noFill/>
+        </p:spPr>
+        <p:txBody>
+          <a:bodyPr wrap="none" rtlCol="0">
+            <a:spAutoFit/>
+          </a:bodyPr>
+          <a:lstStyle/>
           <a:p>
             <a:pPr marL="180975" indent="-180975">
               <a:lnSpc>
@@ -34109,18 +34073,11 @@
               <a:buChar char="•"/>
             </a:pPr>
             <a:r>
-              <a:rPr lang="en-US" sz="1200" dirty="0" err="1">
-                <a:ea typeface="Arial" panose="020B0706030804020204" pitchFamily="34" charset="0"/>
-                <a:cs typeface="Arial" panose="020B0706030804020204" pitchFamily="34" charset="0"/>
-              </a:rPr>
-              <a:t>Consectetuer</a:t>
-            </a:r>
-            <a:r>
               <a:rPr lang="en-US" sz="1200" dirty="0">
                 <a:ea typeface="Arial" panose="020B0706030804020204" pitchFamily="34" charset="0"/>
                 <a:cs typeface="Arial" panose="020B0706030804020204" pitchFamily="34" charset="0"/>
               </a:rPr>
-              <a:t> </a:t>
+              <a:t>Eyewear</a:t>
             </a:r>
           </a:p>
           <a:p>
@@ -34139,99 +34096,13 @@
               <a:buChar char="•"/>
             </a:pPr>
             <a:r>
-              <a:rPr lang="en-US" sz="1200" b="1" dirty="0" err="1">
-                <a:latin typeface="Arial" panose="020B0706030804020204" pitchFamily="34" charset="0"/>
+              <a:rPr lang="en-US" sz="1200" dirty="0">
                 <a:ea typeface="Arial" panose="020B0706030804020204" pitchFamily="34" charset="0"/>
                 <a:cs typeface="Arial" panose="020B0706030804020204" pitchFamily="34" charset="0"/>
               </a:rPr>
-              <a:t>Nonummy</a:t>
-            </a:r>
-            <a:r>
-              <a:rPr lang="en-US" sz="1200" b="1" dirty="0">
-                <a:latin typeface="Arial" panose="020B0706030804020204" pitchFamily="34" charset="0"/>
-                <a:ea typeface="Arial" panose="020B0706030804020204" pitchFamily="34" charset="0"/>
-                <a:cs typeface="Arial" panose="020B0706030804020204" pitchFamily="34" charset="0"/>
-              </a:rPr>
-              <a:t> </a:t>
-            </a:r>
-            <a:r>
-              <a:rPr lang="en-US" sz="1200" b="1" dirty="0" err="1">
-                <a:latin typeface="Arial" panose="020B0706030804020204" pitchFamily="34" charset="0"/>
-                <a:ea typeface="Arial" panose="020B0706030804020204" pitchFamily="34" charset="0"/>
-                <a:cs typeface="Arial" panose="020B0706030804020204" pitchFamily="34" charset="0"/>
-              </a:rPr>
-              <a:t>Nibh</a:t>
-            </a:r>
-            <a:endParaRPr lang="en-US" sz="1200" b="1" dirty="0">
-              <a:latin typeface="Arial" panose="020B0706030804020204" pitchFamily="34" charset="0"/>
-              <a:ea typeface="Arial" panose="020B0706030804020204" pitchFamily="34" charset="0"/>
-              <a:cs typeface="Arial" panose="020B0706030804020204" pitchFamily="34" charset="0"/>
-            </a:endParaRPr>
-          </a:p>
-        </p:txBody>
-      </p:sp>
-      <p:sp>
-        <p:nvSpPr>
-          <p:cNvPr id="31" name="TextBox 30"/>
-          <p:cNvSpPr txBox="1"/>
-          <p:nvPr/>
-        </p:nvSpPr>
-        <p:spPr>
-          <a:xfrm>
-            <a:off x="495094" y="4507583"/>
-            <a:ext cx="1777025" cy="307777"/>
-          </a:xfrm>
-          <a:prstGeom prst="rect">
-            <a:avLst/>
-          </a:prstGeom>
-          <a:noFill/>
-        </p:spPr>
-        <p:txBody>
-          <a:bodyPr wrap="none" rtlCol="0">
-            <a:spAutoFit/>
-          </a:bodyPr>
-          <a:lstStyle/>
-          <a:p>
-            <a:pPr>
-              <a:spcAft>
-                <a:spcPts val="1200"/>
-              </a:spcAft>
-            </a:pPr>
-            <a:r>
-              <a:rPr lang="en-US" sz="1400" b="1" dirty="0">
-                <a:solidFill>
-                  <a:srgbClr val="04244C"/>
-                </a:solidFill>
-                <a:latin typeface="Arial" panose="020B0706030804020204" pitchFamily="34" charset="0"/>
-                <a:ea typeface="Arial" panose="020B0706030804020204" pitchFamily="34" charset="0"/>
-                <a:cs typeface="Arial" panose="020B0706030804020204" pitchFamily="34" charset="0"/>
-              </a:rPr>
-              <a:t>Top Product Types</a:t>
-            </a:r>
-          </a:p>
-        </p:txBody>
-      </p:sp>
-      <p:sp>
-        <p:nvSpPr>
-          <p:cNvPr id="32" name="TextBox 31"/>
-          <p:cNvSpPr txBox="1"/>
-          <p:nvPr/>
-        </p:nvSpPr>
-        <p:spPr>
-          <a:xfrm>
-            <a:off x="495094" y="4871306"/>
-            <a:ext cx="1908151" cy="1210588"/>
-          </a:xfrm>
-          <a:prstGeom prst="rect">
-            <a:avLst/>
-          </a:prstGeom>
-          <a:noFill/>
-        </p:spPr>
-        <p:txBody>
-          <a:bodyPr wrap="none" rtlCol="0">
-            <a:spAutoFit/>
-          </a:bodyPr>
-          <a:lstStyle/>
+              <a:t>Watches</a:t>
+            </a:r>
+          </a:p>
           <a:p>
             <a:pPr marL="180975" indent="-180975">
               <a:lnSpc>
@@ -34248,193 +34119,12 @@
               <a:buChar char="•"/>
             </a:pPr>
             <a:r>
-              <a:rPr lang="en-US" sz="1200" dirty="0" err="1">
-                <a:ea typeface="Arial" panose="020B0706030804020204" pitchFamily="34" charset="0"/>
-                <a:cs typeface="Arial" panose="020B0706030804020204" pitchFamily="34" charset="0"/>
-              </a:rPr>
-              <a:t>Laoreet</a:t>
-            </a:r>
-            <a:r>
               <a:rPr lang="en-US" sz="1200" dirty="0">
                 <a:ea typeface="Arial" panose="020B0706030804020204" pitchFamily="34" charset="0"/>
                 <a:cs typeface="Arial" panose="020B0706030804020204" pitchFamily="34" charset="0"/>
               </a:rPr>
-              <a:t> </a:t>
-            </a:r>
-            <a:r>
-              <a:rPr lang="en-US" sz="1200" dirty="0" err="1">
-                <a:ea typeface="Arial" panose="020B0706030804020204" pitchFamily="34" charset="0"/>
-                <a:cs typeface="Arial" panose="020B0706030804020204" pitchFamily="34" charset="0"/>
-              </a:rPr>
-              <a:t>Dolore</a:t>
-            </a:r>
-            <a:r>
-              <a:rPr lang="en-US" sz="1200" dirty="0">
-                <a:ea typeface="Arial" panose="020B0706030804020204" pitchFamily="34" charset="0"/>
-                <a:cs typeface="Arial" panose="020B0706030804020204" pitchFamily="34" charset="0"/>
-              </a:rPr>
-              <a:t> Magna</a:t>
-            </a:r>
-          </a:p>
-          <a:p>
-            <a:pPr marL="180975" indent="-180975">
-              <a:lnSpc>
-                <a:spcPct val="110000"/>
-              </a:lnSpc>
-              <a:spcAft>
-                <a:spcPts val="200"/>
-              </a:spcAft>
-              <a:buClr>
-                <a:srgbClr val="04244C"/>
-              </a:buClr>
-              <a:buSzPct val="120000"/>
-              <a:buFont typeface="Arial" panose="020B0604020202020204" pitchFamily="34" charset="0"/>
-              <a:buChar char="•"/>
-            </a:pPr>
-            <a:r>
-              <a:rPr lang="en-US" sz="1200" dirty="0" err="1">
-                <a:ea typeface="Arial" panose="020B0706030804020204" pitchFamily="34" charset="0"/>
-                <a:cs typeface="Arial" panose="020B0706030804020204" pitchFamily="34" charset="0"/>
-              </a:rPr>
-              <a:t>Nonummy</a:t>
-            </a:r>
-            <a:r>
-              <a:rPr lang="en-US" sz="1200" dirty="0">
-                <a:ea typeface="Arial" panose="020B0706030804020204" pitchFamily="34" charset="0"/>
-                <a:cs typeface="Arial" panose="020B0706030804020204" pitchFamily="34" charset="0"/>
-              </a:rPr>
-              <a:t> </a:t>
-            </a:r>
-            <a:r>
-              <a:rPr lang="en-US" sz="1200" dirty="0" err="1">
-                <a:ea typeface="Arial" panose="020B0706030804020204" pitchFamily="34" charset="0"/>
-                <a:cs typeface="Arial" panose="020B0706030804020204" pitchFamily="34" charset="0"/>
-              </a:rPr>
-              <a:t>Nibh</a:t>
-            </a:r>
-            <a:endParaRPr lang="en-US" sz="1200" dirty="0">
-              <a:ea typeface="Arial" panose="020B0706030804020204" pitchFamily="34" charset="0"/>
-              <a:cs typeface="Arial" panose="020B0706030804020204" pitchFamily="34" charset="0"/>
-            </a:endParaRPr>
-          </a:p>
-          <a:p>
-            <a:pPr marL="180975" indent="-180975">
-              <a:lnSpc>
-                <a:spcPct val="110000"/>
-              </a:lnSpc>
-              <a:spcAft>
-                <a:spcPts val="200"/>
-              </a:spcAft>
-              <a:buClr>
-                <a:srgbClr val="04244C"/>
-              </a:buClr>
-              <a:buSzPct val="120000"/>
-              <a:buFont typeface="Arial" panose="020B0604020202020204" pitchFamily="34" charset="0"/>
-              <a:buChar char="•"/>
-            </a:pPr>
-            <a:r>
-              <a:rPr lang="en-US" sz="1200" b="1" dirty="0" err="1">
-                <a:latin typeface="Arial" panose="020B0706030804020204" pitchFamily="34" charset="0"/>
-                <a:ea typeface="Arial" panose="020B0706030804020204" pitchFamily="34" charset="0"/>
-                <a:cs typeface="Arial" panose="020B0706030804020204" pitchFamily="34" charset="0"/>
-              </a:rPr>
-              <a:t>Euismod</a:t>
-            </a:r>
-            <a:r>
-              <a:rPr lang="en-US" sz="1200" b="1" dirty="0">
-                <a:latin typeface="Arial" panose="020B0706030804020204" pitchFamily="34" charset="0"/>
-                <a:ea typeface="Arial" panose="020B0706030804020204" pitchFamily="34" charset="0"/>
-                <a:cs typeface="Arial" panose="020B0706030804020204" pitchFamily="34" charset="0"/>
-              </a:rPr>
-              <a:t> </a:t>
-            </a:r>
-            <a:r>
-              <a:rPr lang="en-US" sz="1200" b="1" dirty="0" err="1">
-                <a:latin typeface="Arial" panose="020B0706030804020204" pitchFamily="34" charset="0"/>
-                <a:ea typeface="Arial" panose="020B0706030804020204" pitchFamily="34" charset="0"/>
-                <a:cs typeface="Arial" panose="020B0706030804020204" pitchFamily="34" charset="0"/>
-              </a:rPr>
-              <a:t>Tincidunt</a:t>
-            </a:r>
-            <a:endParaRPr lang="en-US" sz="1200" b="1" dirty="0">
-              <a:latin typeface="Arial" panose="020B0706030804020204" pitchFamily="34" charset="0"/>
-              <a:ea typeface="Arial" panose="020B0706030804020204" pitchFamily="34" charset="0"/>
-              <a:cs typeface="Arial" panose="020B0706030804020204" pitchFamily="34" charset="0"/>
-            </a:endParaRPr>
-          </a:p>
-          <a:p>
-            <a:pPr marL="180975" indent="-180975">
-              <a:lnSpc>
-                <a:spcPct val="110000"/>
-              </a:lnSpc>
-              <a:spcAft>
-                <a:spcPts val="200"/>
-              </a:spcAft>
-              <a:buClr>
-                <a:srgbClr val="04244C"/>
-              </a:buClr>
-              <a:buSzPct val="120000"/>
-              <a:buFont typeface="Arial" panose="020B0604020202020204" pitchFamily="34" charset="0"/>
-              <a:buChar char="•"/>
-            </a:pPr>
-            <a:r>
-              <a:rPr lang="en-US" sz="1200" b="1" dirty="0" err="1">
-                <a:latin typeface="Arial" panose="020B0706030804020204" pitchFamily="34" charset="0"/>
-                <a:ea typeface="Arial" panose="020B0706030804020204" pitchFamily="34" charset="0"/>
-                <a:cs typeface="Arial" panose="020B0706030804020204" pitchFamily="34" charset="0"/>
-              </a:rPr>
-              <a:t>Adipiscing</a:t>
-            </a:r>
-            <a:r>
-              <a:rPr lang="en-US" sz="1200" b="1" dirty="0">
-                <a:latin typeface="Arial" panose="020B0706030804020204" pitchFamily="34" charset="0"/>
-                <a:ea typeface="Arial" panose="020B0706030804020204" pitchFamily="34" charset="0"/>
-                <a:cs typeface="Arial" panose="020B0706030804020204" pitchFamily="34" charset="0"/>
-              </a:rPr>
-              <a:t> </a:t>
-            </a:r>
-            <a:r>
-              <a:rPr lang="en-US" sz="1200" b="1" dirty="0" err="1">
-                <a:latin typeface="Arial" panose="020B0706030804020204" pitchFamily="34" charset="0"/>
-                <a:ea typeface="Arial" panose="020B0706030804020204" pitchFamily="34" charset="0"/>
-                <a:cs typeface="Arial" panose="020B0706030804020204" pitchFamily="34" charset="0"/>
-              </a:rPr>
-              <a:t>Elit</a:t>
-            </a:r>
-            <a:endParaRPr lang="en-US" sz="1200" b="1" dirty="0">
-              <a:latin typeface="Arial" panose="020B0706030804020204" pitchFamily="34" charset="0"/>
-              <a:ea typeface="Arial" panose="020B0706030804020204" pitchFamily="34" charset="0"/>
-              <a:cs typeface="Arial" panose="020B0706030804020204" pitchFamily="34" charset="0"/>
-            </a:endParaRPr>
-          </a:p>
-          <a:p>
-            <a:pPr marL="180975" indent="-180975">
-              <a:lnSpc>
-                <a:spcPct val="110000"/>
-              </a:lnSpc>
-              <a:spcAft>
-                <a:spcPts val="200"/>
-              </a:spcAft>
-              <a:buClr>
-                <a:srgbClr val="04244C"/>
-              </a:buClr>
-              <a:buSzPct val="120000"/>
-              <a:buFont typeface="Arial" panose="020B0604020202020204" pitchFamily="34" charset="0"/>
-              <a:buChar char="•"/>
-            </a:pPr>
-            <a:r>
-              <a:rPr lang="en-US" sz="1200" dirty="0" err="1">
-                <a:latin typeface="Arial" panose="020B0706030804020204" pitchFamily="34" charset="0"/>
-                <a:ea typeface="Arial" panose="020B0706030804020204" pitchFamily="34" charset="0"/>
-                <a:cs typeface="Arial" panose="020B0706030804020204" pitchFamily="34" charset="0"/>
-              </a:rPr>
-              <a:t>Ipsumdolo</a:t>
-            </a:r>
-            <a:endParaRPr lang="en-US" sz="1200" dirty="0">
-              <a:latin typeface="Arial" panose="020B0706030804020204" pitchFamily="34" charset="0"/>
-              <a:ea typeface="Arial" panose="020B0706030804020204" pitchFamily="34" charset="0"/>
-              <a:cs typeface="Arial" panose="020B0706030804020204" pitchFamily="34" charset="0"/>
-            </a:endParaRPr>
+              <a:t>Tent</a:t>
+            </a:r>
           </a:p>
         </p:txBody>
       </p:sp>
@@ -34452,8 +34142,8 @@
         </p:nvSpPr>
         <p:spPr>
           <a:xfrm>
-            <a:off x="3393586" y="4675631"/>
-            <a:ext cx="1814920" cy="307777"/>
+            <a:off x="3371487" y="3916309"/>
+            <a:ext cx="2040430" cy="307777"/>
           </a:xfrm>
           <a:prstGeom prst="rect">
             <a:avLst/>
@@ -34480,7 +34170,7 @@
                 <a:ea typeface="Arial" panose="020B0706030804020204" pitchFamily="34" charset="0"/>
                 <a:cs typeface="Arial" panose="020B0706030804020204" pitchFamily="34" charset="0"/>
               </a:rPr>
-              <a:t>Main Order Method</a:t>
+              <a:t>Top 3 Order Methods*</a:t>
             </a:r>
           </a:p>
         </p:txBody>
@@ -34499,8 +34189,8 @@
         </p:nvSpPr>
         <p:spPr>
           <a:xfrm>
-            <a:off x="3393586" y="5039354"/>
-            <a:ext cx="1649811" cy="753027"/>
+            <a:off x="3371487" y="4280032"/>
+            <a:ext cx="1073307" cy="737318"/>
           </a:xfrm>
           <a:prstGeom prst="rect">
             <a:avLst/>
@@ -34528,30 +34218,12 @@
               <a:buChar char="•"/>
             </a:pPr>
             <a:r>
-              <a:rPr lang="en-US" sz="1200" dirty="0" err="1">
-                <a:ea typeface="Arial" panose="020B0706030804020204" pitchFamily="34" charset="0"/>
-                <a:cs typeface="Arial" panose="020B0706030804020204" pitchFamily="34" charset="0"/>
-              </a:rPr>
-              <a:t>Euismod</a:t>
-            </a:r>
-            <a:r>
               <a:rPr lang="en-US" sz="1200" dirty="0">
                 <a:ea typeface="Arial" panose="020B0706030804020204" pitchFamily="34" charset="0"/>
                 <a:cs typeface="Arial" panose="020B0706030804020204" pitchFamily="34" charset="0"/>
               </a:rPr>
-              <a:t> </a:t>
-            </a:r>
-            <a:r>
-              <a:rPr lang="en-US" sz="1200" dirty="0" err="1">
-                <a:ea typeface="Arial" panose="020B0706030804020204" pitchFamily="34" charset="0"/>
-                <a:cs typeface="Arial" panose="020B0706030804020204" pitchFamily="34" charset="0"/>
-              </a:rPr>
-              <a:t>Tincidunt</a:t>
-            </a:r>
-            <a:endParaRPr lang="en-US" sz="1200" dirty="0">
-              <a:ea typeface="Arial" panose="020B0706030804020204" pitchFamily="34" charset="0"/>
-              <a:cs typeface="Arial" panose="020B0706030804020204" pitchFamily="34" charset="0"/>
-            </a:endParaRPr>
+              <a:t>Web</a:t>
+            </a:r>
           </a:p>
           <a:p>
             <a:pPr marL="180975" indent="-180975">
@@ -34569,18 +34241,11 @@
               <a:buChar char="•"/>
             </a:pPr>
             <a:r>
-              <a:rPr lang="en-US" sz="1200" dirty="0" err="1">
-                <a:ea typeface="Arial" panose="020B0706030804020204" pitchFamily="34" charset="0"/>
-                <a:cs typeface="Arial" panose="020B0706030804020204" pitchFamily="34" charset="0"/>
-              </a:rPr>
-              <a:t>Consectetuer</a:t>
-            </a:r>
-            <a:r>
               <a:rPr lang="en-US" sz="1200" dirty="0">
                 <a:ea typeface="Arial" panose="020B0706030804020204" pitchFamily="34" charset="0"/>
                 <a:cs typeface="Arial" panose="020B0706030804020204" pitchFamily="34" charset="0"/>
               </a:rPr>
-              <a:t> </a:t>
+              <a:t>Telephone</a:t>
             </a:r>
           </a:p>
           <a:p>
@@ -34599,34 +34264,70 @@
               <a:buChar char="•"/>
             </a:pPr>
             <a:r>
-              <a:rPr lang="en-US" sz="1200" b="1" dirty="0" err="1">
+              <a:rPr lang="en-US" sz="1200" dirty="0">
+                <a:ea typeface="Arial" panose="020B0706030804020204" pitchFamily="34" charset="0"/>
+                <a:cs typeface="Arial" panose="020B0706030804020204" pitchFamily="34" charset="0"/>
+              </a:rPr>
+              <a:t>Sales Visit</a:t>
+            </a:r>
+          </a:p>
+        </p:txBody>
+      </p:sp>
+      <p:sp>
+        <p:nvSpPr>
+          <p:cNvPr id="4" name="TextBox 3">
+            <a:extLst>
+              <a:ext uri="{FF2B5EF4-FFF2-40B4-BE49-F238E27FC236}">
+                <a16:creationId xmlns:a16="http://schemas.microsoft.com/office/drawing/2014/main" id="{96E3B298-5D6D-CAF0-A514-3B16CB67E96D}"/>
+              </a:ext>
+            </a:extLst>
+          </p:cNvPr>
+          <p:cNvSpPr txBox="1"/>
+          <p:nvPr/>
+        </p:nvSpPr>
+        <p:spPr>
+          <a:xfrm>
+            <a:off x="2864631" y="6300297"/>
+            <a:ext cx="2855269" cy="246221"/>
+          </a:xfrm>
+          <a:prstGeom prst="rect">
+            <a:avLst/>
+          </a:prstGeom>
+          <a:noFill/>
+        </p:spPr>
+        <p:txBody>
+          <a:bodyPr wrap="none" rtlCol="0">
+            <a:spAutoFit/>
+          </a:bodyPr>
+          <a:lstStyle/>
+          <a:p>
+            <a:pPr>
+              <a:spcAft>
+                <a:spcPts val="1200"/>
+              </a:spcAft>
+            </a:pPr>
+            <a:r>
+              <a:rPr lang="en-US" sz="1000" b="1" dirty="0">
+                <a:solidFill>
+                  <a:srgbClr val="04244C"/>
+                </a:solidFill>
                 <a:latin typeface="Arial" panose="020B0706030804020204" pitchFamily="34" charset="0"/>
                 <a:ea typeface="Arial" panose="020B0706030804020204" pitchFamily="34" charset="0"/>
                 <a:cs typeface="Arial" panose="020B0706030804020204" pitchFamily="34" charset="0"/>
               </a:rPr>
-              <a:t>Nonummy</a:t>
-            </a:r>
-            <a:r>
-              <a:rPr lang="en-US" sz="1200" b="1" dirty="0">
+              <a:t>* - </a:t>
+            </a:r>
+            <a:r>
+              <a:rPr lang="en-US" sz="1000" dirty="0">
+                <a:solidFill>
+                  <a:srgbClr val="04244C"/>
+                </a:solidFill>
                 <a:latin typeface="Arial" panose="020B0706030804020204" pitchFamily="34" charset="0"/>
                 <a:ea typeface="Arial" panose="020B0706030804020204" pitchFamily="34" charset="0"/>
                 <a:cs typeface="Arial" panose="020B0706030804020204" pitchFamily="34" charset="0"/>
               </a:rPr>
-              <a:t> </a:t>
-            </a:r>
-            <a:r>
-              <a:rPr lang="en-US" sz="1200" b="1" dirty="0" err="1">
-                <a:latin typeface="Arial" panose="020B0706030804020204" pitchFamily="34" charset="0"/>
-                <a:ea typeface="Arial" panose="020B0706030804020204" pitchFamily="34" charset="0"/>
-                <a:cs typeface="Arial" panose="020B0706030804020204" pitchFamily="34" charset="0"/>
-              </a:rPr>
-              <a:t>Nibh</a:t>
-            </a:r>
-            <a:endParaRPr lang="en-US" sz="1200" b="1" dirty="0">
-              <a:latin typeface="Arial" panose="020B0706030804020204" pitchFamily="34" charset="0"/>
-              <a:ea typeface="Arial" panose="020B0706030804020204" pitchFamily="34" charset="0"/>
-              <a:cs typeface="Arial" panose="020B0706030804020204" pitchFamily="34" charset="0"/>
-            </a:endParaRPr>
+              <a:t>Grouped by Gross Profits from 2021 to 2024</a:t>
+            </a:r>
           </a:p>
         </p:txBody>
       </p:sp>
@@ -34746,8 +34447,8 @@
         </p:nvSpPr>
         <p:spPr>
           <a:xfrm>
-            <a:off x="4961973" y="1152420"/>
-            <a:ext cx="2024454" cy="2751074"/>
+            <a:off x="436999" y="4860820"/>
+            <a:ext cx="5318439" cy="616644"/>
           </a:xfrm>
           <a:prstGeom prst="rect">
             <a:avLst/>
@@ -34971,11 +34672,11 @@
             </a:r>
             <a:r>
               <a:rPr lang="en-US" sz="1000" dirty="0"/>
-              <a:t>. </a:t>
+              <a:t>. Ut </a:t>
             </a:r>
             <a:r>
               <a:rPr lang="en-US" sz="1000" dirty="0" err="1"/>
-              <a:t>Ut</a:t>
+              <a:t>wisi</a:t>
             </a:r>
             <a:r>
               <a:rPr lang="en-US" sz="1000" dirty="0"/>
@@ -34983,7 +34684,23 @@
             </a:r>
             <a:r>
               <a:rPr lang="en-US" sz="1000" dirty="0" err="1"/>
-              <a:t>wisi</a:t>
+              <a:t>enim</a:t>
+            </a:r>
+            <a:r>
+              <a:rPr lang="en-US" sz="1000" dirty="0"/>
+              <a:t> ad minim </a:t>
+            </a:r>
+            <a:r>
+              <a:rPr lang="en-US" sz="1000" dirty="0" err="1"/>
+              <a:t>veniam</a:t>
+            </a:r>
+            <a:r>
+              <a:rPr lang="en-US" sz="1000" dirty="0"/>
+              <a:t>, </a:t>
+            </a:r>
+            <a:r>
+              <a:rPr lang="en-US" sz="1000" dirty="0" err="1"/>
+              <a:t>quis</a:t>
             </a:r>
             <a:r>
               <a:rPr lang="en-US" sz="1000" dirty="0"/>
@@ -34991,23 +34708,7 @@
             </a:r>
             <a:r>
               <a:rPr lang="en-US" sz="1000" dirty="0" err="1"/>
-              <a:t>enim</a:t>
-            </a:r>
-            <a:r>
-              <a:rPr lang="en-US" sz="1000" dirty="0"/>
-              <a:t> ad minim </a:t>
-            </a:r>
-            <a:r>
-              <a:rPr lang="en-US" sz="1000" dirty="0" err="1"/>
-              <a:t>veniam</a:t>
-            </a:r>
-            <a:r>
-              <a:rPr lang="en-US" sz="1000" dirty="0"/>
-              <a:t>, </a:t>
-            </a:r>
-            <a:r>
-              <a:rPr lang="en-US" sz="1000" dirty="0" err="1"/>
-              <a:t>quis</a:t>
+              <a:t>nostrud</a:t>
             </a:r>
             <a:r>
               <a:rPr lang="en-US" sz="1000" dirty="0"/>
@@ -35015,7 +34716,7 @@
             </a:r>
             <a:r>
               <a:rPr lang="en-US" sz="1000" dirty="0" err="1"/>
-              <a:t>nostrud</a:t>
+              <a:t>exerci</a:t>
             </a:r>
             <a:r>
               <a:rPr lang="en-US" sz="1000" dirty="0"/>
@@ -35023,14 +34724,6 @@
             </a:r>
             <a:r>
               <a:rPr lang="en-US" sz="1000" dirty="0" err="1"/>
-              <a:t>exerci</a:t>
-            </a:r>
-            <a:r>
-              <a:rPr lang="en-US" sz="1000" dirty="0"/>
-              <a:t> </a:t>
-            </a:r>
-            <a:r>
-              <a:rPr lang="en-US" sz="1000" dirty="0" err="1"/>
               <a:t>tation</a:t>
             </a:r>
             <a:r>
@@ -35038,1205 +34731,82 @@
               <a:t>.</a:t>
             </a:r>
           </a:p>
-          <a:p>
-            <a:pPr marL="285750" indent="-285750">
-              <a:lnSpc>
-                <a:spcPct val="117000"/>
-              </a:lnSpc>
-              <a:spcAft>
-                <a:spcPts val="1200"/>
-              </a:spcAft>
-              <a:buClr>
-                <a:srgbClr val="04244C"/>
-              </a:buClr>
-              <a:buSzPct val="170000"/>
-              <a:buFont typeface="Arial" panose="020B0604020202020204" pitchFamily="34" charset="0"/>
-              <a:buChar char="•"/>
-            </a:pPr>
-            <a:r>
-              <a:rPr lang="en-US" sz="1000" dirty="0"/>
-              <a:t>There is a multiple reasons for this, </a:t>
-            </a:r>
-            <a:r>
-              <a:rPr lang="en-US" sz="1000" dirty="0" err="1"/>
-              <a:t>euismod</a:t>
-            </a:r>
-            <a:r>
-              <a:rPr lang="en-US" sz="1000" dirty="0"/>
-              <a:t> </a:t>
-            </a:r>
-            <a:r>
-              <a:rPr lang="en-US" sz="1000" dirty="0" err="1"/>
-              <a:t>tincidunt</a:t>
-            </a:r>
-            <a:r>
-              <a:rPr lang="en-US" sz="1000" dirty="0"/>
-              <a:t> </a:t>
-            </a:r>
-            <a:r>
-              <a:rPr lang="en-US" sz="1000" dirty="0" err="1"/>
-              <a:t>ut</a:t>
-            </a:r>
-            <a:r>
-              <a:rPr lang="en-US" sz="1000" dirty="0"/>
-              <a:t> </a:t>
-            </a:r>
-            <a:r>
-              <a:rPr lang="en-US" sz="1000" b="1" dirty="0" err="1">
-                <a:solidFill>
-                  <a:schemeClr val="accent1"/>
-                </a:solidFill>
-                <a:latin typeface="Arial" panose="020B0706030804020204" pitchFamily="34" charset="0"/>
-                <a:ea typeface="Arial" panose="020B0706030804020204" pitchFamily="34" charset="0"/>
-                <a:cs typeface="Arial" panose="020B0706030804020204" pitchFamily="34" charset="0"/>
-              </a:rPr>
-              <a:t>laoreet</a:t>
-            </a:r>
-            <a:r>
-              <a:rPr lang="en-US" sz="1000" b="1" dirty="0">
-                <a:solidFill>
-                  <a:schemeClr val="accent1"/>
-                </a:solidFill>
-                <a:latin typeface="Arial" panose="020B0706030804020204" pitchFamily="34" charset="0"/>
-                <a:ea typeface="Arial" panose="020B0706030804020204" pitchFamily="34" charset="0"/>
-                <a:cs typeface="Arial" panose="020B0706030804020204" pitchFamily="34" charset="0"/>
-              </a:rPr>
-              <a:t> </a:t>
-            </a:r>
-            <a:r>
-              <a:rPr lang="en-US" sz="1000" b="1" dirty="0" err="1">
-                <a:solidFill>
-                  <a:schemeClr val="accent1"/>
-                </a:solidFill>
-                <a:latin typeface="Arial" panose="020B0706030804020204" pitchFamily="34" charset="0"/>
-                <a:ea typeface="Arial" panose="020B0706030804020204" pitchFamily="34" charset="0"/>
-                <a:cs typeface="Arial" panose="020B0706030804020204" pitchFamily="34" charset="0"/>
-              </a:rPr>
-              <a:t>dolore</a:t>
-            </a:r>
-            <a:r>
-              <a:rPr lang="en-US" sz="1000" b="1" dirty="0">
-                <a:solidFill>
-                  <a:schemeClr val="accent1"/>
-                </a:solidFill>
-                <a:latin typeface="Arial" panose="020B0706030804020204" pitchFamily="34" charset="0"/>
-                <a:ea typeface="Arial" panose="020B0706030804020204" pitchFamily="34" charset="0"/>
-                <a:cs typeface="Arial" panose="020B0706030804020204" pitchFamily="34" charset="0"/>
-              </a:rPr>
-              <a:t> magna </a:t>
-            </a:r>
-            <a:r>
-              <a:rPr lang="en-US" sz="1000" dirty="0" err="1"/>
-              <a:t>aliquam</a:t>
-            </a:r>
-            <a:r>
-              <a:rPr lang="en-US" sz="1000" dirty="0"/>
-              <a:t> </a:t>
-            </a:r>
-            <a:r>
-              <a:rPr lang="en-US" sz="1000" dirty="0" err="1"/>
-              <a:t>erat</a:t>
-            </a:r>
-            <a:r>
-              <a:rPr lang="en-US" sz="1000" dirty="0"/>
-              <a:t> </a:t>
-            </a:r>
-            <a:r>
-              <a:rPr lang="en-US" sz="1000" dirty="0" err="1"/>
-              <a:t>volutpat</a:t>
-            </a:r>
-            <a:r>
-              <a:rPr lang="en-US" sz="1000" dirty="0"/>
-              <a:t>. </a:t>
-            </a:r>
-            <a:r>
-              <a:rPr lang="en-US" sz="1000" dirty="0" err="1"/>
-              <a:t>Ut</a:t>
-            </a:r>
-            <a:r>
-              <a:rPr lang="en-US" sz="1000" dirty="0"/>
-              <a:t> </a:t>
-            </a:r>
-            <a:r>
-              <a:rPr lang="en-US" sz="1000" dirty="0" err="1"/>
-              <a:t>wisi</a:t>
-            </a:r>
-            <a:r>
-              <a:rPr lang="en-US" sz="1000" dirty="0"/>
-              <a:t> </a:t>
-            </a:r>
-            <a:br>
-              <a:rPr lang="en-US" sz="1000" dirty="0"/>
-            </a:br>
-            <a:r>
-              <a:rPr lang="en-US" sz="1000" dirty="0" err="1"/>
-              <a:t>enim</a:t>
-            </a:r>
-            <a:r>
-              <a:rPr lang="en-US" sz="1000" dirty="0"/>
-              <a:t> ad minim </a:t>
-            </a:r>
-            <a:r>
-              <a:rPr lang="en-US" sz="1000" dirty="0" err="1"/>
-              <a:t>veniam</a:t>
-            </a:r>
-            <a:r>
-              <a:rPr lang="en-US" sz="1000" dirty="0"/>
-              <a:t>.</a:t>
-            </a:r>
-          </a:p>
         </p:txBody>
       </p:sp>
-      <p:sp>
-        <p:nvSpPr>
-          <p:cNvPr id="51" name="Freeform 5"/>
-          <p:cNvSpPr>
-            <a:spLocks noChangeAspect="1" noEditPoints="1"/>
-          </p:cNvSpPr>
+      <p:pic>
+        <p:nvPicPr>
+          <p:cNvPr id="6" name="Picture 5">
+            <a:extLst>
+              <a:ext uri="{FF2B5EF4-FFF2-40B4-BE49-F238E27FC236}">
+                <a16:creationId xmlns:a16="http://schemas.microsoft.com/office/drawing/2014/main" id="{A58CD7D9-D57A-5E75-6C9E-49B2F689CA54}"/>
+              </a:ext>
+            </a:extLst>
+          </p:cNvPr>
+          <p:cNvPicPr>
+            <a:picLocks noChangeAspect="1"/>
+          </p:cNvPicPr>
           <p:nvPr/>
-        </p:nvSpPr>
-        <p:spPr bwMode="auto">
+        </p:nvPicPr>
+        <p:blipFill>
+          <a:blip r:embed="rId3"/>
+          <a:stretch>
+            <a:fillRect/>
+          </a:stretch>
+        </p:blipFill>
+        <p:spPr>
           <a:xfrm>
-            <a:off x="7131965" y="1036947"/>
-            <a:ext cx="4270246" cy="4811404"/>
+            <a:off x="437000" y="1115626"/>
+            <a:ext cx="5318440" cy="3561891"/>
           </a:xfrm>
-          <a:custGeom>
+          <a:prstGeom prst="rect">
             <a:avLst/>
-            <a:gdLst>
-              <a:gd name="T0" fmla="*/ 765 w 2705"/>
-              <a:gd name="T1" fmla="*/ 1714 h 3049"/>
-              <a:gd name="T2" fmla="*/ 816 w 2705"/>
-              <a:gd name="T3" fmla="*/ 1776 h 3049"/>
-              <a:gd name="T4" fmla="*/ 1042 w 2705"/>
-              <a:gd name="T5" fmla="*/ 2346 h 3049"/>
-              <a:gd name="T6" fmla="*/ 1174 w 2705"/>
-              <a:gd name="T7" fmla="*/ 2855 h 3049"/>
-              <a:gd name="T8" fmla="*/ 1562 w 2705"/>
-              <a:gd name="T9" fmla="*/ 2837 h 3049"/>
-              <a:gd name="T10" fmla="*/ 1668 w 2705"/>
-              <a:gd name="T11" fmla="*/ 2647 h 3049"/>
-              <a:gd name="T12" fmla="*/ 1664 w 2705"/>
-              <a:gd name="T13" fmla="*/ 2339 h 3049"/>
-              <a:gd name="T14" fmla="*/ 1933 w 2705"/>
-              <a:gd name="T15" fmla="*/ 1725 h 3049"/>
-              <a:gd name="T16" fmla="*/ 1353 w 2705"/>
-              <a:gd name="T17" fmla="*/ 568 h 3049"/>
-              <a:gd name="T18" fmla="*/ 1265 w 2705"/>
-              <a:gd name="T19" fmla="*/ 2855 h 3049"/>
-              <a:gd name="T20" fmla="*/ 1471 w 2705"/>
-              <a:gd name="T21" fmla="*/ 2855 h 3049"/>
-              <a:gd name="T22" fmla="*/ 1322 w 2705"/>
-              <a:gd name="T23" fmla="*/ 2647 h 3049"/>
-              <a:gd name="T24" fmla="*/ 1486 w 2705"/>
-              <a:gd name="T25" fmla="*/ 2763 h 3049"/>
-              <a:gd name="T26" fmla="*/ 1133 w 2705"/>
-              <a:gd name="T27" fmla="*/ 2543 h 3049"/>
-              <a:gd name="T28" fmla="*/ 1342 w 2705"/>
-              <a:gd name="T29" fmla="*/ 2452 h 3049"/>
-              <a:gd name="T30" fmla="*/ 1573 w 2705"/>
-              <a:gd name="T31" fmla="*/ 2391 h 3049"/>
-              <a:gd name="T32" fmla="*/ 1859 w 2705"/>
-              <a:gd name="T33" fmla="*/ 1670 h 3049"/>
-              <a:gd name="T34" fmla="*/ 1821 w 2705"/>
-              <a:gd name="T35" fmla="*/ 1716 h 3049"/>
-              <a:gd name="T36" fmla="*/ 1132 w 2705"/>
-              <a:gd name="T37" fmla="*/ 2300 h 3049"/>
-              <a:gd name="T38" fmla="*/ 848 w 2705"/>
-              <a:gd name="T39" fmla="*/ 1673 h 3049"/>
-              <a:gd name="T40" fmla="*/ 844 w 2705"/>
-              <a:gd name="T41" fmla="*/ 1667 h 3049"/>
-              <a:gd name="T42" fmla="*/ 1985 w 2705"/>
-              <a:gd name="T43" fmla="*/ 1292 h 3049"/>
-              <a:gd name="T44" fmla="*/ 1398 w 2705"/>
-              <a:gd name="T45" fmla="*/ 414 h 3049"/>
-              <a:gd name="T46" fmla="*/ 1307 w 2705"/>
-              <a:gd name="T47" fmla="*/ 46 h 3049"/>
-              <a:gd name="T48" fmla="*/ 459 w 2705"/>
-              <a:gd name="T49" fmla="*/ 1353 h 3049"/>
-              <a:gd name="T50" fmla="*/ 0 w 2705"/>
-              <a:gd name="T51" fmla="*/ 1353 h 3049"/>
-              <a:gd name="T52" fmla="*/ 459 w 2705"/>
-              <a:gd name="T53" fmla="*/ 1353 h 3049"/>
-              <a:gd name="T54" fmla="*/ 2247 w 2705"/>
-              <a:gd name="T55" fmla="*/ 1353 h 3049"/>
-              <a:gd name="T56" fmla="*/ 2705 w 2705"/>
-              <a:gd name="T57" fmla="*/ 1353 h 3049"/>
-              <a:gd name="T58" fmla="*/ 2049 w 2705"/>
-              <a:gd name="T59" fmla="*/ 721 h 3049"/>
-              <a:gd name="T60" fmla="*/ 2245 w 2705"/>
-              <a:gd name="T61" fmla="*/ 397 h 3049"/>
-              <a:gd name="T62" fmla="*/ 2017 w 2705"/>
-              <a:gd name="T63" fmla="*/ 734 h 3049"/>
-              <a:gd name="T64" fmla="*/ 721 w 2705"/>
-              <a:gd name="T65" fmla="*/ 721 h 3049"/>
-              <a:gd name="T66" fmla="*/ 396 w 2705"/>
-              <a:gd name="T67" fmla="*/ 397 h 3049"/>
-              <a:gd name="T68" fmla="*/ 1716 w 2705"/>
-              <a:gd name="T69" fmla="*/ 536 h 3049"/>
-              <a:gd name="T70" fmla="*/ 1926 w 2705"/>
-              <a:gd name="T71" fmla="*/ 178 h 3049"/>
-              <a:gd name="T72" fmla="*/ 1693 w 2705"/>
-              <a:gd name="T73" fmla="*/ 476 h 3049"/>
-              <a:gd name="T74" fmla="*/ 177 w 2705"/>
-              <a:gd name="T75" fmla="*/ 780 h 3049"/>
-              <a:gd name="T76" fmla="*/ 476 w 2705"/>
-              <a:gd name="T77" fmla="*/ 1012 h 3049"/>
-              <a:gd name="T78" fmla="*/ 513 w 2705"/>
-              <a:gd name="T79" fmla="*/ 929 h 3049"/>
-              <a:gd name="T80" fmla="*/ 2169 w 2705"/>
-              <a:gd name="T81" fmla="*/ 1717 h 3049"/>
-              <a:gd name="T82" fmla="*/ 2547 w 2705"/>
-              <a:gd name="T83" fmla="*/ 1930 h 3049"/>
-              <a:gd name="T84" fmla="*/ 447 w 2705"/>
-              <a:gd name="T85" fmla="*/ 1652 h 3049"/>
-              <a:gd name="T86" fmla="*/ 132 w 2705"/>
-              <a:gd name="T87" fmla="*/ 1867 h 3049"/>
-              <a:gd name="T88" fmla="*/ 506 w 2705"/>
-              <a:gd name="T89" fmla="*/ 1678 h 3049"/>
-              <a:gd name="T90" fmla="*/ 2230 w 2705"/>
-              <a:gd name="T91" fmla="*/ 1062 h 3049"/>
-              <a:gd name="T92" fmla="*/ 2615 w 2705"/>
-              <a:gd name="T93" fmla="*/ 869 h 3049"/>
-              <a:gd name="T94" fmla="*/ 2187 w 2705"/>
-              <a:gd name="T95" fmla="*/ 1033 h 3049"/>
-              <a:gd name="T96" fmla="*/ 1032 w 2705"/>
-              <a:gd name="T97" fmla="*/ 518 h 3049"/>
-              <a:gd name="T98" fmla="*/ 868 w 2705"/>
-              <a:gd name="T99" fmla="*/ 90 h 3049"/>
-            </a:gdLst>
-            <a:ahLst/>
-            <a:cxnLst>
-              <a:cxn ang="0">
-                <a:pos x="T0" y="T1"/>
-              </a:cxn>
-              <a:cxn ang="0">
-                <a:pos x="T2" y="T3"/>
-              </a:cxn>
-              <a:cxn ang="0">
-                <a:pos x="T4" y="T5"/>
-              </a:cxn>
-              <a:cxn ang="0">
-                <a:pos x="T6" y="T7"/>
-              </a:cxn>
-              <a:cxn ang="0">
-                <a:pos x="T8" y="T9"/>
-              </a:cxn>
-              <a:cxn ang="0">
-                <a:pos x="T10" y="T11"/>
-              </a:cxn>
-              <a:cxn ang="0">
-                <a:pos x="T12" y="T13"/>
-              </a:cxn>
-              <a:cxn ang="0">
-                <a:pos x="T14" y="T15"/>
-              </a:cxn>
-              <a:cxn ang="0">
-                <a:pos x="T16" y="T17"/>
-              </a:cxn>
-              <a:cxn ang="0">
-                <a:pos x="T18" y="T19"/>
-              </a:cxn>
-              <a:cxn ang="0">
-                <a:pos x="T20" y="T21"/>
-              </a:cxn>
-              <a:cxn ang="0">
-                <a:pos x="T22" y="T23"/>
-              </a:cxn>
-              <a:cxn ang="0">
-                <a:pos x="T24" y="T25"/>
-              </a:cxn>
-              <a:cxn ang="0">
-                <a:pos x="T26" y="T27"/>
-              </a:cxn>
-              <a:cxn ang="0">
-                <a:pos x="T28" y="T29"/>
-              </a:cxn>
-              <a:cxn ang="0">
-                <a:pos x="T30" y="T31"/>
-              </a:cxn>
-              <a:cxn ang="0">
-                <a:pos x="T32" y="T33"/>
-              </a:cxn>
-              <a:cxn ang="0">
-                <a:pos x="T34" y="T35"/>
-              </a:cxn>
-              <a:cxn ang="0">
-                <a:pos x="T36" y="T37"/>
-              </a:cxn>
-              <a:cxn ang="0">
-                <a:pos x="T38" y="T39"/>
-              </a:cxn>
-              <a:cxn ang="0">
-                <a:pos x="T40" y="T41"/>
-              </a:cxn>
-              <a:cxn ang="0">
-                <a:pos x="T42" y="T43"/>
-              </a:cxn>
-              <a:cxn ang="0">
-                <a:pos x="T44" y="T45"/>
-              </a:cxn>
-              <a:cxn ang="0">
-                <a:pos x="T46" y="T47"/>
-              </a:cxn>
-              <a:cxn ang="0">
-                <a:pos x="T48" y="T49"/>
-              </a:cxn>
-              <a:cxn ang="0">
-                <a:pos x="T50" y="T51"/>
-              </a:cxn>
-              <a:cxn ang="0">
-                <a:pos x="T52" y="T53"/>
-              </a:cxn>
-              <a:cxn ang="0">
-                <a:pos x="T54" y="T55"/>
-              </a:cxn>
-              <a:cxn ang="0">
-                <a:pos x="T56" y="T57"/>
-              </a:cxn>
-              <a:cxn ang="0">
-                <a:pos x="T58" y="T59"/>
-              </a:cxn>
-              <a:cxn ang="0">
-                <a:pos x="T60" y="T61"/>
-              </a:cxn>
-              <a:cxn ang="0">
-                <a:pos x="T62" y="T63"/>
-              </a:cxn>
-              <a:cxn ang="0">
-                <a:pos x="T64" y="T65"/>
-              </a:cxn>
-              <a:cxn ang="0">
-                <a:pos x="T66" y="T67"/>
-              </a:cxn>
-              <a:cxn ang="0">
-                <a:pos x="T68" y="T69"/>
-              </a:cxn>
-              <a:cxn ang="0">
-                <a:pos x="T70" y="T71"/>
-              </a:cxn>
-              <a:cxn ang="0">
-                <a:pos x="T72" y="T73"/>
-              </a:cxn>
-              <a:cxn ang="0">
-                <a:pos x="T74" y="T75"/>
-              </a:cxn>
-              <a:cxn ang="0">
-                <a:pos x="T76" y="T77"/>
-              </a:cxn>
-              <a:cxn ang="0">
-                <a:pos x="T78" y="T79"/>
-              </a:cxn>
-              <a:cxn ang="0">
-                <a:pos x="T80" y="T81"/>
-              </a:cxn>
-              <a:cxn ang="0">
-                <a:pos x="T82" y="T83"/>
-              </a:cxn>
-              <a:cxn ang="0">
-                <a:pos x="T84" y="T85"/>
-              </a:cxn>
-              <a:cxn ang="0">
-                <a:pos x="T86" y="T87"/>
-              </a:cxn>
-              <a:cxn ang="0">
-                <a:pos x="T88" y="T89"/>
-              </a:cxn>
-              <a:cxn ang="0">
-                <a:pos x="T90" y="T91"/>
-              </a:cxn>
-              <a:cxn ang="0">
-                <a:pos x="T92" y="T93"/>
-              </a:cxn>
-              <a:cxn ang="0">
-                <a:pos x="T94" y="T95"/>
-              </a:cxn>
-              <a:cxn ang="0">
-                <a:pos x="T96" y="T97"/>
-              </a:cxn>
-              <a:cxn ang="0">
-                <a:pos x="T98" y="T99"/>
-              </a:cxn>
-            </a:cxnLst>
-            <a:rect l="0" t="0" r="r" b="b"/>
-            <a:pathLst>
-              <a:path w="2705" h="3049">
-                <a:moveTo>
-                  <a:pt x="1353" y="568"/>
-                </a:moveTo>
-                <a:cubicBezTo>
-                  <a:pt x="953" y="568"/>
-                  <a:pt x="629" y="893"/>
-                  <a:pt x="629" y="1292"/>
-                </a:cubicBezTo>
-                <a:cubicBezTo>
-                  <a:pt x="629" y="1444"/>
-                  <a:pt x="676" y="1590"/>
-                  <a:pt x="765" y="1714"/>
-                </a:cubicBezTo>
-                <a:cubicBezTo>
-                  <a:pt x="767" y="1718"/>
-                  <a:pt x="770" y="1722"/>
-                  <a:pt x="773" y="1725"/>
-                </a:cubicBezTo>
-                <a:cubicBezTo>
-                  <a:pt x="777" y="1729"/>
-                  <a:pt x="777" y="1729"/>
-                  <a:pt x="777" y="1729"/>
-                </a:cubicBezTo>
-                <a:cubicBezTo>
-                  <a:pt x="789" y="1745"/>
-                  <a:pt x="802" y="1761"/>
-                  <a:pt x="816" y="1776"/>
-                </a:cubicBezTo>
-                <a:cubicBezTo>
-                  <a:pt x="886" y="1866"/>
-                  <a:pt x="1045" y="2098"/>
-                  <a:pt x="1042" y="2345"/>
-                </a:cubicBezTo>
-                <a:cubicBezTo>
-                  <a:pt x="1042" y="2345"/>
-                  <a:pt x="1042" y="2345"/>
-                  <a:pt x="1042" y="2345"/>
-                </a:cubicBezTo>
-                <a:cubicBezTo>
-                  <a:pt x="1042" y="2346"/>
-                  <a:pt x="1042" y="2346"/>
-                  <a:pt x="1042" y="2346"/>
-                </a:cubicBezTo>
-                <a:cubicBezTo>
-                  <a:pt x="1042" y="2675"/>
-                  <a:pt x="1042" y="2675"/>
-                  <a:pt x="1042" y="2675"/>
-                </a:cubicBezTo>
-                <a:cubicBezTo>
-                  <a:pt x="1042" y="2758"/>
-                  <a:pt x="1098" y="2827"/>
-                  <a:pt x="1174" y="2848"/>
-                </a:cubicBezTo>
-                <a:cubicBezTo>
-                  <a:pt x="1174" y="2855"/>
-                  <a:pt x="1174" y="2855"/>
-                  <a:pt x="1174" y="2855"/>
-                </a:cubicBezTo>
-                <a:cubicBezTo>
-                  <a:pt x="1174" y="2962"/>
-                  <a:pt x="1261" y="3049"/>
-                  <a:pt x="1368" y="3049"/>
-                </a:cubicBezTo>
-                <a:cubicBezTo>
-                  <a:pt x="1475" y="3049"/>
-                  <a:pt x="1562" y="2962"/>
-                  <a:pt x="1562" y="2855"/>
-                </a:cubicBezTo>
-                <a:cubicBezTo>
-                  <a:pt x="1562" y="2837"/>
-                  <a:pt x="1562" y="2837"/>
-                  <a:pt x="1562" y="2837"/>
-                </a:cubicBezTo>
-                <a:cubicBezTo>
-                  <a:pt x="1622" y="2808"/>
-                  <a:pt x="1665" y="2747"/>
-                  <a:pt x="1665" y="2675"/>
-                </a:cubicBezTo>
-                <a:cubicBezTo>
-                  <a:pt x="1665" y="2664"/>
-                  <a:pt x="1665" y="2664"/>
-                  <a:pt x="1665" y="2664"/>
-                </a:cubicBezTo>
-                <a:cubicBezTo>
-                  <a:pt x="1667" y="2659"/>
-                  <a:pt x="1668" y="2653"/>
-                  <a:pt x="1668" y="2647"/>
-                </a:cubicBezTo>
-                <a:cubicBezTo>
-                  <a:pt x="1668" y="2641"/>
-                  <a:pt x="1667" y="2635"/>
-                  <a:pt x="1665" y="2630"/>
-                </a:cubicBezTo>
-                <a:cubicBezTo>
-                  <a:pt x="1665" y="2346"/>
-                  <a:pt x="1665" y="2346"/>
-                  <a:pt x="1665" y="2346"/>
-                </a:cubicBezTo>
-                <a:cubicBezTo>
-                  <a:pt x="1665" y="2343"/>
-                  <a:pt x="1664" y="2341"/>
-                  <a:pt x="1664" y="2339"/>
-                </a:cubicBezTo>
-                <a:cubicBezTo>
-                  <a:pt x="1663" y="2094"/>
-                  <a:pt x="1820" y="1865"/>
-                  <a:pt x="1890" y="1776"/>
-                </a:cubicBezTo>
-                <a:cubicBezTo>
-                  <a:pt x="1903" y="1761"/>
-                  <a:pt x="1916" y="1746"/>
-                  <a:pt x="1929" y="1729"/>
-                </a:cubicBezTo>
-                <a:cubicBezTo>
-                  <a:pt x="1933" y="1725"/>
-                  <a:pt x="1933" y="1725"/>
-                  <a:pt x="1933" y="1725"/>
-                </a:cubicBezTo>
-                <a:cubicBezTo>
-                  <a:pt x="1935" y="1722"/>
-                  <a:pt x="1938" y="1718"/>
-                  <a:pt x="1940" y="1714"/>
-                </a:cubicBezTo>
-                <a:cubicBezTo>
-                  <a:pt x="2029" y="1590"/>
-                  <a:pt x="2077" y="1444"/>
-                  <a:pt x="2077" y="1292"/>
-                </a:cubicBezTo>
-                <a:cubicBezTo>
-                  <a:pt x="2077" y="893"/>
-                  <a:pt x="1752" y="568"/>
-                  <a:pt x="1353" y="568"/>
-                </a:cubicBezTo>
-                <a:close/>
-                <a:moveTo>
-                  <a:pt x="1471" y="2855"/>
-                </a:moveTo>
-                <a:cubicBezTo>
-                  <a:pt x="1471" y="2912"/>
-                  <a:pt x="1425" y="2958"/>
-                  <a:pt x="1368" y="2958"/>
-                </a:cubicBezTo>
-                <a:cubicBezTo>
-                  <a:pt x="1311" y="2958"/>
-                  <a:pt x="1265" y="2912"/>
-                  <a:pt x="1265" y="2855"/>
-                </a:cubicBezTo>
-                <a:cubicBezTo>
-                  <a:pt x="1265" y="2854"/>
-                  <a:pt x="1265" y="2854"/>
-                  <a:pt x="1265" y="2854"/>
-                </a:cubicBezTo>
-                <a:cubicBezTo>
-                  <a:pt x="1471" y="2854"/>
-                  <a:pt x="1471" y="2854"/>
-                  <a:pt x="1471" y="2854"/>
-                </a:cubicBezTo>
-                <a:lnTo>
-                  <a:pt x="1471" y="2855"/>
-                </a:lnTo>
-                <a:close/>
-                <a:moveTo>
-                  <a:pt x="1573" y="2602"/>
-                </a:moveTo>
-                <a:cubicBezTo>
-                  <a:pt x="1368" y="2602"/>
-                  <a:pt x="1368" y="2602"/>
-                  <a:pt x="1368" y="2602"/>
-                </a:cubicBezTo>
-                <a:cubicBezTo>
-                  <a:pt x="1343" y="2602"/>
-                  <a:pt x="1322" y="2622"/>
-                  <a:pt x="1322" y="2647"/>
-                </a:cubicBezTo>
-                <a:cubicBezTo>
-                  <a:pt x="1322" y="2672"/>
-                  <a:pt x="1343" y="2693"/>
-                  <a:pt x="1368" y="2693"/>
-                </a:cubicBezTo>
-                <a:cubicBezTo>
-                  <a:pt x="1572" y="2693"/>
-                  <a:pt x="1572" y="2693"/>
-                  <a:pt x="1572" y="2693"/>
-                </a:cubicBezTo>
-                <a:cubicBezTo>
-                  <a:pt x="1564" y="2732"/>
-                  <a:pt x="1529" y="2763"/>
-                  <a:pt x="1486" y="2763"/>
-                </a:cubicBezTo>
-                <a:cubicBezTo>
-                  <a:pt x="1220" y="2763"/>
-                  <a:pt x="1220" y="2763"/>
-                  <a:pt x="1220" y="2763"/>
-                </a:cubicBezTo>
-                <a:cubicBezTo>
-                  <a:pt x="1172" y="2763"/>
-                  <a:pt x="1133" y="2723"/>
-                  <a:pt x="1133" y="2675"/>
-                </a:cubicBezTo>
-                <a:cubicBezTo>
-                  <a:pt x="1133" y="2543"/>
-                  <a:pt x="1133" y="2543"/>
-                  <a:pt x="1133" y="2543"/>
-                </a:cubicBezTo>
-                <a:cubicBezTo>
-                  <a:pt x="1342" y="2543"/>
-                  <a:pt x="1342" y="2543"/>
-                  <a:pt x="1342" y="2543"/>
-                </a:cubicBezTo>
-                <a:cubicBezTo>
-                  <a:pt x="1367" y="2543"/>
-                  <a:pt x="1387" y="2522"/>
-                  <a:pt x="1387" y="2497"/>
-                </a:cubicBezTo>
-                <a:cubicBezTo>
-                  <a:pt x="1387" y="2472"/>
-                  <a:pt x="1367" y="2452"/>
-                  <a:pt x="1342" y="2452"/>
-                </a:cubicBezTo>
-                <a:cubicBezTo>
-                  <a:pt x="1133" y="2452"/>
-                  <a:pt x="1133" y="2452"/>
-                  <a:pt x="1133" y="2452"/>
-                </a:cubicBezTo>
-                <a:cubicBezTo>
-                  <a:pt x="1133" y="2391"/>
-                  <a:pt x="1133" y="2391"/>
-                  <a:pt x="1133" y="2391"/>
-                </a:cubicBezTo>
-                <a:cubicBezTo>
-                  <a:pt x="1573" y="2391"/>
-                  <a:pt x="1573" y="2391"/>
-                  <a:pt x="1573" y="2391"/>
-                </a:cubicBezTo>
-                <a:lnTo>
-                  <a:pt x="1573" y="2602"/>
-                </a:lnTo>
-                <a:close/>
-                <a:moveTo>
-                  <a:pt x="1861" y="1667"/>
-                </a:moveTo>
-                <a:cubicBezTo>
-                  <a:pt x="1861" y="1668"/>
-                  <a:pt x="1860" y="1669"/>
-                  <a:pt x="1859" y="1670"/>
-                </a:cubicBezTo>
-                <a:cubicBezTo>
-                  <a:pt x="1859" y="1670"/>
-                  <a:pt x="1859" y="1670"/>
-                  <a:pt x="1859" y="1670"/>
-                </a:cubicBezTo>
-                <a:cubicBezTo>
-                  <a:pt x="1859" y="1671"/>
-                  <a:pt x="1858" y="1672"/>
-                  <a:pt x="1857" y="1673"/>
-                </a:cubicBezTo>
-                <a:cubicBezTo>
-                  <a:pt x="1846" y="1688"/>
-                  <a:pt x="1834" y="1702"/>
-                  <a:pt x="1821" y="1716"/>
-                </a:cubicBezTo>
-                <a:cubicBezTo>
-                  <a:pt x="1820" y="1717"/>
-                  <a:pt x="1820" y="1718"/>
-                  <a:pt x="1819" y="1719"/>
-                </a:cubicBezTo>
-                <a:cubicBezTo>
-                  <a:pt x="1731" y="1832"/>
-                  <a:pt x="1587" y="2052"/>
-                  <a:pt x="1574" y="2300"/>
-                </a:cubicBezTo>
-                <a:cubicBezTo>
-                  <a:pt x="1132" y="2300"/>
-                  <a:pt x="1132" y="2300"/>
-                  <a:pt x="1132" y="2300"/>
-                </a:cubicBezTo>
-                <a:cubicBezTo>
-                  <a:pt x="1119" y="2052"/>
-                  <a:pt x="975" y="1832"/>
-                  <a:pt x="886" y="1719"/>
-                </a:cubicBezTo>
-                <a:cubicBezTo>
-                  <a:pt x="886" y="1718"/>
-                  <a:pt x="885" y="1717"/>
-                  <a:pt x="884" y="1716"/>
-                </a:cubicBezTo>
-                <a:cubicBezTo>
-                  <a:pt x="871" y="1702"/>
-                  <a:pt x="859" y="1688"/>
-                  <a:pt x="848" y="1673"/>
-                </a:cubicBezTo>
-                <a:cubicBezTo>
-                  <a:pt x="848" y="1672"/>
-                  <a:pt x="847" y="1671"/>
-                  <a:pt x="846" y="1670"/>
-                </a:cubicBezTo>
-                <a:cubicBezTo>
-                  <a:pt x="846" y="1670"/>
-                  <a:pt x="846" y="1670"/>
-                  <a:pt x="846" y="1670"/>
-                </a:cubicBezTo>
-                <a:cubicBezTo>
-                  <a:pt x="845" y="1669"/>
-                  <a:pt x="845" y="1668"/>
-                  <a:pt x="844" y="1667"/>
-                </a:cubicBezTo>
-                <a:cubicBezTo>
-                  <a:pt x="763" y="1557"/>
-                  <a:pt x="720" y="1428"/>
-                  <a:pt x="720" y="1292"/>
-                </a:cubicBezTo>
-                <a:cubicBezTo>
-                  <a:pt x="720" y="943"/>
-                  <a:pt x="1004" y="659"/>
-                  <a:pt x="1353" y="659"/>
-                </a:cubicBezTo>
-                <a:cubicBezTo>
-                  <a:pt x="1702" y="659"/>
-                  <a:pt x="1985" y="943"/>
-                  <a:pt x="1985" y="1292"/>
-                </a:cubicBezTo>
-                <a:cubicBezTo>
-                  <a:pt x="1985" y="1428"/>
-                  <a:pt x="1943" y="1557"/>
-                  <a:pt x="1861" y="1667"/>
-                </a:cubicBezTo>
-                <a:close/>
-                <a:moveTo>
-                  <a:pt x="1353" y="459"/>
-                </a:moveTo>
-                <a:cubicBezTo>
-                  <a:pt x="1378" y="459"/>
-                  <a:pt x="1398" y="439"/>
-                  <a:pt x="1398" y="414"/>
-                </a:cubicBezTo>
-                <a:cubicBezTo>
-                  <a:pt x="1398" y="46"/>
-                  <a:pt x="1398" y="46"/>
-                  <a:pt x="1398" y="46"/>
-                </a:cubicBezTo>
-                <a:cubicBezTo>
-                  <a:pt x="1398" y="21"/>
-                  <a:pt x="1378" y="0"/>
-                  <a:pt x="1353" y="0"/>
-                </a:cubicBezTo>
-                <a:cubicBezTo>
-                  <a:pt x="1328" y="0"/>
-                  <a:pt x="1307" y="21"/>
-                  <a:pt x="1307" y="46"/>
-                </a:cubicBezTo>
-                <a:cubicBezTo>
-                  <a:pt x="1307" y="414"/>
-                  <a:pt x="1307" y="414"/>
-                  <a:pt x="1307" y="414"/>
-                </a:cubicBezTo>
-                <a:cubicBezTo>
-                  <a:pt x="1307" y="439"/>
-                  <a:pt x="1328" y="459"/>
-                  <a:pt x="1353" y="459"/>
-                </a:cubicBezTo>
-                <a:close/>
-                <a:moveTo>
-                  <a:pt x="459" y="1353"/>
-                </a:moveTo>
-                <a:cubicBezTo>
-                  <a:pt x="459" y="1328"/>
-                  <a:pt x="438" y="1307"/>
-                  <a:pt x="413" y="1307"/>
-                </a:cubicBezTo>
-                <a:cubicBezTo>
-                  <a:pt x="46" y="1307"/>
-                  <a:pt x="46" y="1307"/>
-                  <a:pt x="46" y="1307"/>
-                </a:cubicBezTo>
-                <a:cubicBezTo>
-                  <a:pt x="21" y="1307"/>
-                  <a:pt x="0" y="1328"/>
-                  <a:pt x="0" y="1353"/>
-                </a:cubicBezTo>
-                <a:cubicBezTo>
-                  <a:pt x="0" y="1378"/>
-                  <a:pt x="21" y="1399"/>
-                  <a:pt x="46" y="1399"/>
-                </a:cubicBezTo>
-                <a:cubicBezTo>
-                  <a:pt x="413" y="1399"/>
-                  <a:pt x="413" y="1399"/>
-                  <a:pt x="413" y="1399"/>
-                </a:cubicBezTo>
-                <a:cubicBezTo>
-                  <a:pt x="438" y="1399"/>
-                  <a:pt x="459" y="1378"/>
-                  <a:pt x="459" y="1353"/>
-                </a:cubicBezTo>
-                <a:close/>
-                <a:moveTo>
-                  <a:pt x="2660" y="1307"/>
-                </a:moveTo>
-                <a:cubicBezTo>
-                  <a:pt x="2292" y="1307"/>
-                  <a:pt x="2292" y="1307"/>
-                  <a:pt x="2292" y="1307"/>
-                </a:cubicBezTo>
-                <a:cubicBezTo>
-                  <a:pt x="2267" y="1307"/>
-                  <a:pt x="2247" y="1328"/>
-                  <a:pt x="2247" y="1353"/>
-                </a:cubicBezTo>
-                <a:cubicBezTo>
-                  <a:pt x="2247" y="1378"/>
-                  <a:pt x="2267" y="1399"/>
-                  <a:pt x="2292" y="1399"/>
-                </a:cubicBezTo>
-                <a:cubicBezTo>
-                  <a:pt x="2660" y="1399"/>
-                  <a:pt x="2660" y="1399"/>
-                  <a:pt x="2660" y="1399"/>
-                </a:cubicBezTo>
-                <a:cubicBezTo>
-                  <a:pt x="2685" y="1399"/>
-                  <a:pt x="2705" y="1378"/>
-                  <a:pt x="2705" y="1353"/>
-                </a:cubicBezTo>
-                <a:cubicBezTo>
-                  <a:pt x="2705" y="1328"/>
-                  <a:pt x="2685" y="1307"/>
-                  <a:pt x="2660" y="1307"/>
-                </a:cubicBezTo>
-                <a:close/>
-                <a:moveTo>
-                  <a:pt x="2017" y="734"/>
-                </a:moveTo>
-                <a:cubicBezTo>
-                  <a:pt x="2029" y="734"/>
-                  <a:pt x="2040" y="730"/>
-                  <a:pt x="2049" y="721"/>
-                </a:cubicBezTo>
-                <a:cubicBezTo>
-                  <a:pt x="2309" y="461"/>
-                  <a:pt x="2309" y="461"/>
-                  <a:pt x="2309" y="461"/>
-                </a:cubicBezTo>
-                <a:cubicBezTo>
-                  <a:pt x="2327" y="443"/>
-                  <a:pt x="2327" y="414"/>
-                  <a:pt x="2309" y="397"/>
-                </a:cubicBezTo>
-                <a:cubicBezTo>
-                  <a:pt x="2291" y="379"/>
-                  <a:pt x="2262" y="379"/>
-                  <a:pt x="2245" y="397"/>
-                </a:cubicBezTo>
-                <a:cubicBezTo>
-                  <a:pt x="1985" y="656"/>
-                  <a:pt x="1985" y="656"/>
-                  <a:pt x="1985" y="656"/>
-                </a:cubicBezTo>
-                <a:cubicBezTo>
-                  <a:pt x="1967" y="674"/>
-                  <a:pt x="1967" y="703"/>
-                  <a:pt x="1985" y="721"/>
-                </a:cubicBezTo>
-                <a:cubicBezTo>
-                  <a:pt x="1994" y="730"/>
-                  <a:pt x="2005" y="734"/>
-                  <a:pt x="2017" y="734"/>
-                </a:cubicBezTo>
-                <a:close/>
-                <a:moveTo>
-                  <a:pt x="656" y="721"/>
-                </a:moveTo>
-                <a:cubicBezTo>
-                  <a:pt x="665" y="730"/>
-                  <a:pt x="677" y="734"/>
-                  <a:pt x="688" y="734"/>
-                </a:cubicBezTo>
-                <a:cubicBezTo>
-                  <a:pt x="700" y="734"/>
-                  <a:pt x="712" y="730"/>
-                  <a:pt x="721" y="721"/>
-                </a:cubicBezTo>
-                <a:cubicBezTo>
-                  <a:pt x="738" y="703"/>
-                  <a:pt x="738" y="674"/>
-                  <a:pt x="721" y="656"/>
-                </a:cubicBezTo>
-                <a:cubicBezTo>
-                  <a:pt x="461" y="397"/>
-                  <a:pt x="461" y="397"/>
-                  <a:pt x="461" y="397"/>
-                </a:cubicBezTo>
-                <a:cubicBezTo>
-                  <a:pt x="443" y="379"/>
-                  <a:pt x="414" y="379"/>
-                  <a:pt x="396" y="397"/>
-                </a:cubicBezTo>
-                <a:cubicBezTo>
-                  <a:pt x="379" y="414"/>
-                  <a:pt x="379" y="443"/>
-                  <a:pt x="396" y="461"/>
-                </a:cubicBezTo>
-                <a:lnTo>
-                  <a:pt x="656" y="721"/>
-                </a:lnTo>
-                <a:close/>
-                <a:moveTo>
-                  <a:pt x="1716" y="536"/>
-                </a:moveTo>
-                <a:cubicBezTo>
-                  <a:pt x="1722" y="539"/>
-                  <a:pt x="1729" y="540"/>
-                  <a:pt x="1735" y="540"/>
-                </a:cubicBezTo>
-                <a:cubicBezTo>
-                  <a:pt x="1752" y="540"/>
-                  <a:pt x="1769" y="530"/>
-                  <a:pt x="1777" y="513"/>
-                </a:cubicBezTo>
-                <a:cubicBezTo>
-                  <a:pt x="1926" y="178"/>
-                  <a:pt x="1926" y="178"/>
-                  <a:pt x="1926" y="178"/>
-                </a:cubicBezTo>
-                <a:cubicBezTo>
-                  <a:pt x="1936" y="155"/>
-                  <a:pt x="1926" y="128"/>
-                  <a:pt x="1903" y="118"/>
-                </a:cubicBezTo>
-                <a:cubicBezTo>
-                  <a:pt x="1880" y="107"/>
-                  <a:pt x="1853" y="118"/>
-                  <a:pt x="1843" y="141"/>
-                </a:cubicBezTo>
-                <a:cubicBezTo>
-                  <a:pt x="1693" y="476"/>
-                  <a:pt x="1693" y="476"/>
-                  <a:pt x="1693" y="476"/>
-                </a:cubicBezTo>
-                <a:cubicBezTo>
-                  <a:pt x="1683" y="499"/>
-                  <a:pt x="1693" y="526"/>
-                  <a:pt x="1716" y="536"/>
-                </a:cubicBezTo>
-                <a:close/>
-                <a:moveTo>
-                  <a:pt x="513" y="929"/>
-                </a:moveTo>
-                <a:cubicBezTo>
-                  <a:pt x="177" y="780"/>
-                  <a:pt x="177" y="780"/>
-                  <a:pt x="177" y="780"/>
-                </a:cubicBezTo>
-                <a:cubicBezTo>
-                  <a:pt x="154" y="769"/>
-                  <a:pt x="127" y="780"/>
-                  <a:pt x="117" y="803"/>
-                </a:cubicBezTo>
-                <a:cubicBezTo>
-                  <a:pt x="107" y="826"/>
-                  <a:pt x="117" y="853"/>
-                  <a:pt x="140" y="863"/>
-                </a:cubicBezTo>
-                <a:cubicBezTo>
-                  <a:pt x="476" y="1012"/>
-                  <a:pt x="476" y="1012"/>
-                  <a:pt x="476" y="1012"/>
-                </a:cubicBezTo>
-                <a:cubicBezTo>
-                  <a:pt x="482" y="1015"/>
-                  <a:pt x="488" y="1016"/>
-                  <a:pt x="494" y="1016"/>
-                </a:cubicBezTo>
-                <a:cubicBezTo>
-                  <a:pt x="512" y="1016"/>
-                  <a:pt x="528" y="1006"/>
-                  <a:pt x="536" y="989"/>
-                </a:cubicBezTo>
-                <a:cubicBezTo>
-                  <a:pt x="546" y="966"/>
-                  <a:pt x="536" y="939"/>
-                  <a:pt x="513" y="929"/>
-                </a:cubicBezTo>
-                <a:close/>
-                <a:moveTo>
-                  <a:pt x="2565" y="1843"/>
-                </a:moveTo>
-                <a:cubicBezTo>
-                  <a:pt x="2229" y="1694"/>
-                  <a:pt x="2229" y="1694"/>
-                  <a:pt x="2229" y="1694"/>
-                </a:cubicBezTo>
-                <a:cubicBezTo>
-                  <a:pt x="2206" y="1683"/>
-                  <a:pt x="2179" y="1694"/>
-                  <a:pt x="2169" y="1717"/>
-                </a:cubicBezTo>
-                <a:cubicBezTo>
-                  <a:pt x="2159" y="1740"/>
-                  <a:pt x="2169" y="1767"/>
-                  <a:pt x="2192" y="1777"/>
-                </a:cubicBezTo>
-                <a:cubicBezTo>
-                  <a:pt x="2528" y="1926"/>
-                  <a:pt x="2528" y="1926"/>
-                  <a:pt x="2528" y="1926"/>
-                </a:cubicBezTo>
-                <a:cubicBezTo>
-                  <a:pt x="2534" y="1929"/>
-                  <a:pt x="2540" y="1930"/>
-                  <a:pt x="2547" y="1930"/>
-                </a:cubicBezTo>
-                <a:cubicBezTo>
-                  <a:pt x="2564" y="1930"/>
-                  <a:pt x="2581" y="1920"/>
-                  <a:pt x="2588" y="1903"/>
-                </a:cubicBezTo>
-                <a:cubicBezTo>
-                  <a:pt x="2598" y="1880"/>
-                  <a:pt x="2588" y="1853"/>
-                  <a:pt x="2565" y="1843"/>
-                </a:cubicBezTo>
-                <a:close/>
-                <a:moveTo>
-                  <a:pt x="447" y="1652"/>
-                </a:moveTo>
-                <a:cubicBezTo>
-                  <a:pt x="116" y="1779"/>
-                  <a:pt x="116" y="1779"/>
-                  <a:pt x="116" y="1779"/>
-                </a:cubicBezTo>
-                <a:cubicBezTo>
-                  <a:pt x="93" y="1788"/>
-                  <a:pt x="81" y="1814"/>
-                  <a:pt x="90" y="1837"/>
-                </a:cubicBezTo>
-                <a:cubicBezTo>
-                  <a:pt x="97" y="1856"/>
-                  <a:pt x="114" y="1867"/>
-                  <a:pt x="132" y="1867"/>
-                </a:cubicBezTo>
-                <a:cubicBezTo>
-                  <a:pt x="138" y="1867"/>
-                  <a:pt x="143" y="1866"/>
-                  <a:pt x="149" y="1864"/>
-                </a:cubicBezTo>
-                <a:cubicBezTo>
-                  <a:pt x="480" y="1737"/>
-                  <a:pt x="480" y="1737"/>
-                  <a:pt x="480" y="1737"/>
-                </a:cubicBezTo>
-                <a:cubicBezTo>
-                  <a:pt x="503" y="1728"/>
-                  <a:pt x="515" y="1701"/>
-                  <a:pt x="506" y="1678"/>
-                </a:cubicBezTo>
-                <a:cubicBezTo>
-                  <a:pt x="497" y="1654"/>
-                  <a:pt x="470" y="1643"/>
-                  <a:pt x="447" y="1652"/>
-                </a:cubicBezTo>
-                <a:close/>
-                <a:moveTo>
-                  <a:pt x="2187" y="1033"/>
-                </a:moveTo>
-                <a:cubicBezTo>
-                  <a:pt x="2194" y="1051"/>
-                  <a:pt x="2212" y="1062"/>
-                  <a:pt x="2230" y="1062"/>
-                </a:cubicBezTo>
-                <a:cubicBezTo>
-                  <a:pt x="2235" y="1062"/>
-                  <a:pt x="2241" y="1061"/>
-                  <a:pt x="2246" y="1059"/>
-                </a:cubicBezTo>
-                <a:cubicBezTo>
-                  <a:pt x="2589" y="927"/>
-                  <a:pt x="2589" y="927"/>
-                  <a:pt x="2589" y="927"/>
-                </a:cubicBezTo>
-                <a:cubicBezTo>
-                  <a:pt x="2613" y="918"/>
-                  <a:pt x="2624" y="892"/>
-                  <a:pt x="2615" y="869"/>
-                </a:cubicBezTo>
-                <a:cubicBezTo>
-                  <a:pt x="2606" y="845"/>
-                  <a:pt x="2580" y="833"/>
-                  <a:pt x="2557" y="842"/>
-                </a:cubicBezTo>
-                <a:cubicBezTo>
-                  <a:pt x="2214" y="974"/>
-                  <a:pt x="2214" y="974"/>
-                  <a:pt x="2214" y="974"/>
-                </a:cubicBezTo>
-                <a:cubicBezTo>
-                  <a:pt x="2190" y="983"/>
-                  <a:pt x="2178" y="1009"/>
-                  <a:pt x="2187" y="1033"/>
-                </a:cubicBezTo>
-                <a:close/>
-                <a:moveTo>
-                  <a:pt x="974" y="492"/>
-                </a:moveTo>
-                <a:cubicBezTo>
-                  <a:pt x="980" y="510"/>
-                  <a:pt x="998" y="521"/>
-                  <a:pt x="1016" y="521"/>
-                </a:cubicBezTo>
-                <a:cubicBezTo>
-                  <a:pt x="1022" y="521"/>
-                  <a:pt x="1027" y="520"/>
-                  <a:pt x="1032" y="518"/>
-                </a:cubicBezTo>
-                <a:cubicBezTo>
-                  <a:pt x="1056" y="509"/>
-                  <a:pt x="1068" y="483"/>
-                  <a:pt x="1059" y="459"/>
-                </a:cubicBezTo>
-                <a:cubicBezTo>
-                  <a:pt x="927" y="116"/>
-                  <a:pt x="927" y="116"/>
-                  <a:pt x="927" y="116"/>
-                </a:cubicBezTo>
-                <a:cubicBezTo>
-                  <a:pt x="918" y="93"/>
-                  <a:pt x="892" y="81"/>
-                  <a:pt x="868" y="90"/>
-                </a:cubicBezTo>
-                <a:cubicBezTo>
-                  <a:pt x="845" y="99"/>
-                  <a:pt x="833" y="126"/>
-                  <a:pt x="842" y="149"/>
-                </a:cubicBezTo>
-                <a:lnTo>
-                  <a:pt x="974" y="492"/>
-                </a:lnTo>
-                <a:close/>
-              </a:path>
-            </a:pathLst>
-          </a:custGeom>
-          <a:solidFill>
-            <a:srgbClr val="FFFFFF"/>
-          </a:solidFill>
+          </a:prstGeom>
           <a:ln>
             <a:noFill/>
           </a:ln>
-          <a:extLst>
-            <a:ext uri="{91240B29-F687-4F45-9708-019B960494DF}">
-              <a14:hiddenLine xmlns:a14="http://schemas.microsoft.com/office/drawing/2010/main" w="9525">
-                <a:solidFill>
-                  <a:srgbClr val="000000"/>
-                </a:solidFill>
-                <a:round/>
-                <a:headEnd/>
-                <a:tailEnd/>
-              </a14:hiddenLine>
-            </a:ext>
-          </a:extLst>
         </p:spPr>
-        <p:txBody>
-          <a:bodyPr vert="horz" wrap="square" lIns="91440" tIns="45720" rIns="91440" bIns="45720" numCol="1" anchor="t" anchorCtr="0" compatLnSpc="1">
-            <a:prstTxWarp prst="textNoShape">
-              <a:avLst/>
-            </a:prstTxWarp>
-          </a:bodyPr>
-          <a:lstStyle/>
-          <a:p>
-            <a:endParaRPr lang="en-US"/>
-          </a:p>
-        </p:txBody>
-      </p:sp>
+      </p:pic>
+      <p:pic>
+        <p:nvPicPr>
+          <p:cNvPr id="7" name="Picture 6">
+            <a:extLst>
+              <a:ext uri="{FF2B5EF4-FFF2-40B4-BE49-F238E27FC236}">
+                <a16:creationId xmlns:a16="http://schemas.microsoft.com/office/drawing/2014/main" id="{59D3AFA9-813D-4904-AF3B-7400EAA9CB38}"/>
+              </a:ext>
+            </a:extLst>
+          </p:cNvPr>
+          <p:cNvPicPr>
+            <a:picLocks noChangeAspect="1"/>
+          </p:cNvPicPr>
+          <p:nvPr/>
+        </p:nvPicPr>
+        <p:blipFill>
+          <a:blip r:embed="rId4"/>
+          <a:stretch>
+            <a:fillRect/>
+          </a:stretch>
+        </p:blipFill>
+        <p:spPr>
+          <a:xfrm>
+            <a:off x="6096000" y="1115626"/>
+            <a:ext cx="6096000" cy="3508867"/>
+          </a:xfrm>
+          <a:prstGeom prst="rect">
+            <a:avLst/>
+          </a:prstGeom>
+          <a:ln>
+            <a:solidFill>
+              <a:schemeClr val="bg1"/>
+            </a:solidFill>
+          </a:ln>
+        </p:spPr>
+      </p:pic>
       <p:sp>
         <p:nvSpPr>
-          <p:cNvPr id="3" name="TextBox 2">
+          <p:cNvPr id="8" name="TextBox 7">
             <a:extLst>
               <a:ext uri="{FF2B5EF4-FFF2-40B4-BE49-F238E27FC236}">
-                <a16:creationId xmlns:a16="http://schemas.microsoft.com/office/drawing/2014/main" id="{1A797DA3-7E4F-A2FB-0020-0C67DB024138}"/>
+                <a16:creationId xmlns:a16="http://schemas.microsoft.com/office/drawing/2014/main" id="{00831A23-6777-0535-1B20-7FDEC796BB19}"/>
               </a:ext>
             </a:extLst>
           </p:cNvPr>
@@ -36245,8 +34815,8 @@
         </p:nvSpPr>
         <p:spPr>
           <a:xfrm>
-            <a:off x="4961973" y="3940288"/>
-            <a:ext cx="2024454" cy="2751074"/>
+            <a:off x="6096000" y="4860820"/>
+            <a:ext cx="6181514" cy="436594"/>
           </a:xfrm>
           <a:prstGeom prst="rect">
             <a:avLst/>
@@ -36470,11 +35040,11 @@
             </a:r>
             <a:r>
               <a:rPr lang="en-US" sz="1000" dirty="0"/>
-              <a:t>. </a:t>
+              <a:t>. Ut </a:t>
             </a:r>
             <a:r>
               <a:rPr lang="en-US" sz="1000" dirty="0" err="1"/>
-              <a:t>Ut</a:t>
+              <a:t>wisi</a:t>
             </a:r>
             <a:r>
               <a:rPr lang="en-US" sz="1000" dirty="0"/>
@@ -36482,7 +35052,23 @@
             </a:r>
             <a:r>
               <a:rPr lang="en-US" sz="1000" dirty="0" err="1"/>
-              <a:t>wisi</a:t>
+              <a:t>enim</a:t>
+            </a:r>
+            <a:r>
+              <a:rPr lang="en-US" sz="1000" dirty="0"/>
+              <a:t> ad minim </a:t>
+            </a:r>
+            <a:r>
+              <a:rPr lang="en-US" sz="1000" dirty="0" err="1"/>
+              <a:t>veniam</a:t>
+            </a:r>
+            <a:r>
+              <a:rPr lang="en-US" sz="1000" dirty="0"/>
+              <a:t>, </a:t>
+            </a:r>
+            <a:r>
+              <a:rPr lang="en-US" sz="1000" dirty="0" err="1"/>
+              <a:t>quis</a:t>
             </a:r>
             <a:r>
               <a:rPr lang="en-US" sz="1000" dirty="0"/>
@@ -36490,23 +35076,7 @@
             </a:r>
             <a:r>
               <a:rPr lang="en-US" sz="1000" dirty="0" err="1"/>
-              <a:t>enim</a:t>
-            </a:r>
-            <a:r>
-              <a:rPr lang="en-US" sz="1000" dirty="0"/>
-              <a:t> ad minim </a:t>
-            </a:r>
-            <a:r>
-              <a:rPr lang="en-US" sz="1000" dirty="0" err="1"/>
-              <a:t>veniam</a:t>
-            </a:r>
-            <a:r>
-              <a:rPr lang="en-US" sz="1000" dirty="0"/>
-              <a:t>, </a:t>
-            </a:r>
-            <a:r>
-              <a:rPr lang="en-US" sz="1000" dirty="0" err="1"/>
-              <a:t>quis</a:t>
+              <a:t>nostrud</a:t>
             </a:r>
             <a:r>
               <a:rPr lang="en-US" sz="1000" dirty="0"/>
@@ -36514,7 +35084,7 @@
             </a:r>
             <a:r>
               <a:rPr lang="en-US" sz="1000" dirty="0" err="1"/>
-              <a:t>nostrud</a:t>
+              <a:t>exerci</a:t>
             </a:r>
             <a:r>
               <a:rPr lang="en-US" sz="1000" dirty="0"/>
@@ -36522,162 +35092,7 @@
             </a:r>
             <a:r>
               <a:rPr lang="en-US" sz="1000" dirty="0" err="1"/>
-              <a:t>exerci</a:t>
-            </a:r>
-            <a:r>
-              <a:rPr lang="en-US" sz="1000" dirty="0"/>
-              <a:t> </a:t>
-            </a:r>
-            <a:r>
-              <a:rPr lang="en-US" sz="1000" dirty="0" err="1"/>
               <a:t>tation</a:t>
-            </a:r>
-            <a:r>
-              <a:rPr lang="en-US" sz="1000" dirty="0"/>
-              <a:t>.</a:t>
-            </a:r>
-          </a:p>
-          <a:p>
-            <a:pPr marL="285750" indent="-285750">
-              <a:lnSpc>
-                <a:spcPct val="117000"/>
-              </a:lnSpc>
-              <a:spcAft>
-                <a:spcPts val="1200"/>
-              </a:spcAft>
-              <a:buClr>
-                <a:srgbClr val="04244C"/>
-              </a:buClr>
-              <a:buSzPct val="170000"/>
-              <a:buFont typeface="Arial" panose="020B0604020202020204" pitchFamily="34" charset="0"/>
-              <a:buChar char="•"/>
-            </a:pPr>
-            <a:r>
-              <a:rPr lang="en-US" sz="1000" dirty="0"/>
-              <a:t>There is a multiple reasons for this, </a:t>
-            </a:r>
-            <a:r>
-              <a:rPr lang="en-US" sz="1000" dirty="0" err="1"/>
-              <a:t>euismod</a:t>
-            </a:r>
-            <a:r>
-              <a:rPr lang="en-US" sz="1000" dirty="0"/>
-              <a:t> </a:t>
-            </a:r>
-            <a:r>
-              <a:rPr lang="en-US" sz="1000" dirty="0" err="1"/>
-              <a:t>tincidunt</a:t>
-            </a:r>
-            <a:r>
-              <a:rPr lang="en-US" sz="1000" dirty="0"/>
-              <a:t> </a:t>
-            </a:r>
-            <a:r>
-              <a:rPr lang="en-US" sz="1000" dirty="0" err="1"/>
-              <a:t>ut</a:t>
-            </a:r>
-            <a:r>
-              <a:rPr lang="en-US" sz="1000" dirty="0"/>
-              <a:t> </a:t>
-            </a:r>
-            <a:r>
-              <a:rPr lang="en-US" sz="1000" b="1" dirty="0" err="1">
-                <a:solidFill>
-                  <a:schemeClr val="accent1"/>
-                </a:solidFill>
-                <a:latin typeface="Arial" panose="020B0706030804020204" pitchFamily="34" charset="0"/>
-                <a:ea typeface="Arial" panose="020B0706030804020204" pitchFamily="34" charset="0"/>
-                <a:cs typeface="Arial" panose="020B0706030804020204" pitchFamily="34" charset="0"/>
-              </a:rPr>
-              <a:t>laoreet</a:t>
-            </a:r>
-            <a:r>
-              <a:rPr lang="en-US" sz="1000" b="1" dirty="0">
-                <a:solidFill>
-                  <a:schemeClr val="accent1"/>
-                </a:solidFill>
-                <a:latin typeface="Arial" panose="020B0706030804020204" pitchFamily="34" charset="0"/>
-                <a:ea typeface="Arial" panose="020B0706030804020204" pitchFamily="34" charset="0"/>
-                <a:cs typeface="Arial" panose="020B0706030804020204" pitchFamily="34" charset="0"/>
-              </a:rPr>
-              <a:t> </a:t>
-            </a:r>
-            <a:r>
-              <a:rPr lang="en-US" sz="1000" b="1" dirty="0" err="1">
-                <a:solidFill>
-                  <a:schemeClr val="accent1"/>
-                </a:solidFill>
-                <a:latin typeface="Arial" panose="020B0706030804020204" pitchFamily="34" charset="0"/>
-                <a:ea typeface="Arial" panose="020B0706030804020204" pitchFamily="34" charset="0"/>
-                <a:cs typeface="Arial" panose="020B0706030804020204" pitchFamily="34" charset="0"/>
-              </a:rPr>
-              <a:t>dolore</a:t>
-            </a:r>
-            <a:r>
-              <a:rPr lang="en-US" sz="1000" b="1" dirty="0">
-                <a:solidFill>
-                  <a:schemeClr val="accent1"/>
-                </a:solidFill>
-                <a:latin typeface="Arial" panose="020B0706030804020204" pitchFamily="34" charset="0"/>
-                <a:ea typeface="Arial" panose="020B0706030804020204" pitchFamily="34" charset="0"/>
-                <a:cs typeface="Arial" panose="020B0706030804020204" pitchFamily="34" charset="0"/>
-              </a:rPr>
-              <a:t> magna </a:t>
-            </a:r>
-            <a:r>
-              <a:rPr lang="en-US" sz="1000" dirty="0" err="1"/>
-              <a:t>aliquam</a:t>
-            </a:r>
-            <a:r>
-              <a:rPr lang="en-US" sz="1000" dirty="0"/>
-              <a:t> </a:t>
-            </a:r>
-            <a:r>
-              <a:rPr lang="en-US" sz="1000" dirty="0" err="1"/>
-              <a:t>erat</a:t>
-            </a:r>
-            <a:r>
-              <a:rPr lang="en-US" sz="1000" dirty="0"/>
-              <a:t> </a:t>
-            </a:r>
-            <a:r>
-              <a:rPr lang="en-US" sz="1000" dirty="0" err="1"/>
-              <a:t>volutpat</a:t>
-            </a:r>
-            <a:r>
-              <a:rPr lang="en-US" sz="1000" dirty="0"/>
-              <a:t>. </a:t>
-            </a:r>
-            <a:r>
-              <a:rPr lang="en-US" sz="1000" dirty="0" err="1"/>
-              <a:t>Ut</a:t>
-            </a:r>
-            <a:r>
-              <a:rPr lang="en-US" sz="1000" dirty="0"/>
-              <a:t> </a:t>
-            </a:r>
-            <a:r>
-              <a:rPr lang="en-US" sz="1000" dirty="0" err="1"/>
-              <a:t>wisi</a:t>
-            </a:r>
-            <a:r>
-              <a:rPr lang="en-US" sz="1000" dirty="0"/>
-              <a:t> </a:t>
-            </a:r>
-            <a:br>
-              <a:rPr lang="en-US" sz="1000" dirty="0"/>
-            </a:br>
-            <a:r>
-              <a:rPr lang="en-US" sz="1000" dirty="0" err="1"/>
-              <a:t>enim</a:t>
-            </a:r>
-            <a:r>
-              <a:rPr lang="en-US" sz="1000" dirty="0"/>
-              <a:t> ad minim </a:t>
-            </a:r>
-            <a:r>
-              <a:rPr lang="en-US" sz="1000" dirty="0" err="1"/>
-              <a:t>veniam</a:t>
             </a:r>
             <a:r>
               <a:rPr lang="en-US" sz="1000" dirty="0"/>
@@ -36802,8 +35217,8 @@
         </p:nvSpPr>
         <p:spPr>
           <a:xfrm>
-            <a:off x="522219" y="3427200"/>
-            <a:ext cx="5459481" cy="2118850"/>
+            <a:off x="537458" y="4914966"/>
+            <a:ext cx="5226855" cy="1148904"/>
           </a:xfrm>
           <a:prstGeom prst="rect">
             <a:avLst/>
@@ -37027,11 +35442,11 @@
             </a:r>
             <a:r>
               <a:rPr lang="en-US" sz="1500" dirty="0"/>
-              <a:t>. </a:t>
+              <a:t>. Ut </a:t>
             </a:r>
             <a:r>
               <a:rPr lang="en-US" sz="1500" dirty="0" err="1"/>
-              <a:t>Ut</a:t>
+              <a:t>wisi</a:t>
             </a:r>
             <a:r>
               <a:rPr lang="en-US" sz="1500" dirty="0"/>
@@ -37039,7 +35454,23 @@
             </a:r>
             <a:r>
               <a:rPr lang="en-US" sz="1500" dirty="0" err="1"/>
-              <a:t>wisi</a:t>
+              <a:t>enim</a:t>
+            </a:r>
+            <a:r>
+              <a:rPr lang="en-US" sz="1500" dirty="0"/>
+              <a:t> ad minim </a:t>
+            </a:r>
+            <a:r>
+              <a:rPr lang="en-US" sz="1500" dirty="0" err="1"/>
+              <a:t>veniam</a:t>
+            </a:r>
+            <a:r>
+              <a:rPr lang="en-US" sz="1500" dirty="0"/>
+              <a:t>, </a:t>
+            </a:r>
+            <a:r>
+              <a:rPr lang="en-US" sz="1500" dirty="0" err="1"/>
+              <a:t>quis</a:t>
             </a:r>
             <a:r>
               <a:rPr lang="en-US" sz="1500" dirty="0"/>
@@ -37047,23 +35478,7 @@
             </a:r>
             <a:r>
               <a:rPr lang="en-US" sz="1500" dirty="0" err="1"/>
-              <a:t>enim</a:t>
-            </a:r>
-            <a:r>
-              <a:rPr lang="en-US" sz="1500" dirty="0"/>
-              <a:t> ad minim </a:t>
-            </a:r>
-            <a:r>
-              <a:rPr lang="en-US" sz="1500" dirty="0" err="1"/>
-              <a:t>veniam</a:t>
-            </a:r>
-            <a:r>
-              <a:rPr lang="en-US" sz="1500" dirty="0"/>
-              <a:t>, </a:t>
-            </a:r>
-            <a:r>
-              <a:rPr lang="en-US" sz="1500" dirty="0" err="1"/>
-              <a:t>quis</a:t>
+              <a:t>nostrud</a:t>
             </a:r>
             <a:r>
               <a:rPr lang="en-US" sz="1500" dirty="0"/>
@@ -37071,7 +35486,7 @@
             </a:r>
             <a:r>
               <a:rPr lang="en-US" sz="1500" dirty="0" err="1"/>
-              <a:t>nostrud</a:t>
+              <a:t>exerci</a:t>
             </a:r>
             <a:r>
               <a:rPr lang="en-US" sz="1500" dirty="0"/>
@@ -37079,14 +35494,6 @@
             </a:r>
             <a:r>
               <a:rPr lang="en-US" sz="1500" dirty="0" err="1"/>
-              <a:t>exerci</a:t>
-            </a:r>
-            <a:r>
-              <a:rPr lang="en-US" sz="1500" dirty="0"/>
-              <a:t> </a:t>
-            </a:r>
-            <a:r>
-              <a:rPr lang="en-US" sz="1500" dirty="0" err="1"/>
               <a:t>tation</a:t>
             </a:r>
             <a:r>
@@ -37094,6 +35501,100 @@
               <a:t>.</a:t>
             </a:r>
           </a:p>
+        </p:txBody>
+      </p:sp>
+      <p:pic>
+        <p:nvPicPr>
+          <p:cNvPr id="4" name="Picture 3">
+            <a:extLst>
+              <a:ext uri="{FF2B5EF4-FFF2-40B4-BE49-F238E27FC236}">
+                <a16:creationId xmlns:a16="http://schemas.microsoft.com/office/drawing/2014/main" id="{171EA0CF-735B-1C3E-9F76-6AB424B1C3F0}"/>
+              </a:ext>
+            </a:extLst>
+          </p:cNvPr>
+          <p:cNvPicPr>
+            <a:picLocks noChangeAspect="1"/>
+          </p:cNvPicPr>
+          <p:nvPr/>
+        </p:nvPicPr>
+        <p:blipFill>
+          <a:blip r:embed="rId3"/>
+          <a:stretch>
+            <a:fillRect/>
+          </a:stretch>
+        </p:blipFill>
+        <p:spPr>
+          <a:xfrm>
+            <a:off x="515513" y="1264180"/>
+            <a:ext cx="5248800" cy="3499200"/>
+          </a:xfrm>
+          <a:prstGeom prst="rect">
+            <a:avLst/>
+          </a:prstGeom>
+        </p:spPr>
+      </p:pic>
+      <p:pic>
+        <p:nvPicPr>
+          <p:cNvPr id="6" name="Picture 5">
+            <a:extLst>
+              <a:ext uri="{FF2B5EF4-FFF2-40B4-BE49-F238E27FC236}">
+                <a16:creationId xmlns:a16="http://schemas.microsoft.com/office/drawing/2014/main" id="{5E82E0A3-A78A-4586-66CC-B38307857B2D}"/>
+              </a:ext>
+            </a:extLst>
+          </p:cNvPr>
+          <p:cNvPicPr>
+            <a:picLocks noChangeAspect="1"/>
+          </p:cNvPicPr>
+          <p:nvPr/>
+        </p:nvPicPr>
+        <p:blipFill>
+          <a:blip r:embed="rId4"/>
+          <a:stretch>
+            <a:fillRect/>
+          </a:stretch>
+        </p:blipFill>
+        <p:spPr>
+          <a:xfrm>
+            <a:off x="6058188" y="1264179"/>
+            <a:ext cx="6133812" cy="3409949"/>
+          </a:xfrm>
+          <a:prstGeom prst="rect">
+            <a:avLst/>
+          </a:prstGeom>
+        </p:spPr>
+      </p:pic>
+      <p:sp>
+        <p:nvSpPr>
+          <p:cNvPr id="7" name="TextBox 6">
+            <a:extLst>
+              <a:ext uri="{FF2B5EF4-FFF2-40B4-BE49-F238E27FC236}">
+                <a16:creationId xmlns:a16="http://schemas.microsoft.com/office/drawing/2014/main" id="{ED264567-F2AD-2677-47C9-AC9270E136B8}"/>
+              </a:ext>
+            </a:extLst>
+          </p:cNvPr>
+          <p:cNvSpPr txBox="1"/>
+          <p:nvPr/>
+        </p:nvSpPr>
+        <p:spPr>
+          <a:xfrm>
+            <a:off x="6058188" y="4914966"/>
+            <a:ext cx="6133812" cy="1148904"/>
+          </a:xfrm>
+          <a:prstGeom prst="rect">
+            <a:avLst/>
+          </a:prstGeom>
+          <a:noFill/>
+          <a:ln>
+            <a:solidFill>
+              <a:srgbClr val="04244C"/>
+            </a:solidFill>
+          </a:ln>
+        </p:spPr>
+        <p:txBody>
+          <a:bodyPr wrap="square" rtlCol="0">
+            <a:spAutoFit/>
+          </a:bodyPr>
+          <a:lstStyle/>
           <a:p>
             <a:pPr marL="285750" indent="-285750">
               <a:lnSpc>
@@ -37111,11 +35612,11 @@
             </a:pPr>
             <a:r>
               <a:rPr lang="en-US" sz="1500" dirty="0"/>
-              <a:t>There is a multiple reasons for this, </a:t>
+              <a:t>Our idea is to create, </a:t>
             </a:r>
             <a:r>
               <a:rPr lang="en-US" sz="1500" dirty="0" err="1"/>
-              <a:t>euismod</a:t>
+              <a:t>consectetuer</a:t>
             </a:r>
             <a:r>
               <a:rPr lang="en-US" sz="1500" dirty="0"/>
@@ -37123,7 +35624,7 @@
             </a:r>
             <a:r>
               <a:rPr lang="en-US" sz="1500" dirty="0" err="1"/>
-              <a:t>tincidunt</a:t>
+              <a:t>adipiscing</a:t>
             </a:r>
             <a:r>
               <a:rPr lang="en-US" sz="1500" dirty="0"/>
@@ -37131,10 +35632,122 @@
             </a:r>
             <a:r>
               <a:rPr lang="en-US" sz="1500" dirty="0" err="1"/>
+              <a:t>elit</a:t>
+            </a:r>
+            <a:r>
+              <a:rPr lang="en-US" sz="1500" dirty="0"/>
+              <a:t>, </a:t>
+            </a:r>
+            <a:r>
+              <a:rPr lang="en-US" sz="1500" dirty="0" err="1"/>
+              <a:t>sed</a:t>
+            </a:r>
+            <a:r>
+              <a:rPr lang="en-US" sz="1500" dirty="0"/>
+              <a:t> </a:t>
+            </a:r>
+            <a:r>
+              <a:rPr lang="en-US" sz="1500" dirty="0" err="1"/>
+              <a:t>diam</a:t>
+            </a:r>
+            <a:r>
+              <a:rPr lang="en-US" sz="1500" dirty="0"/>
+              <a:t> </a:t>
+            </a:r>
+            <a:r>
+              <a:rPr lang="en-US" sz="1500" dirty="0" err="1"/>
+              <a:t>nonummy</a:t>
+            </a:r>
+            <a:r>
+              <a:rPr lang="en-US" sz="1500" dirty="0"/>
+              <a:t> </a:t>
+            </a:r>
+            <a:r>
+              <a:rPr lang="en-US" sz="1500" b="1" dirty="0" err="1">
+                <a:solidFill>
+                  <a:schemeClr val="accent1"/>
+                </a:solidFill>
+                <a:latin typeface="Arial" panose="020B0706030804020204" pitchFamily="34" charset="0"/>
+                <a:ea typeface="Arial" panose="020B0706030804020204" pitchFamily="34" charset="0"/>
+                <a:cs typeface="Arial" panose="020B0706030804020204" pitchFamily="34" charset="0"/>
+              </a:rPr>
+              <a:t>nibh</a:t>
+            </a:r>
+            <a:r>
+              <a:rPr lang="en-US" sz="1500" b="1" dirty="0">
+                <a:solidFill>
+                  <a:schemeClr val="accent1"/>
+                </a:solidFill>
+                <a:latin typeface="Arial" panose="020B0706030804020204" pitchFamily="34" charset="0"/>
+                <a:ea typeface="Arial" panose="020B0706030804020204" pitchFamily="34" charset="0"/>
+                <a:cs typeface="Arial" panose="020B0706030804020204" pitchFamily="34" charset="0"/>
+              </a:rPr>
+              <a:t> </a:t>
+            </a:r>
+            <a:r>
+              <a:rPr lang="en-US" sz="1500" b="1" dirty="0" err="1">
+                <a:solidFill>
+                  <a:schemeClr val="accent1"/>
+                </a:solidFill>
+                <a:latin typeface="Arial" panose="020B0706030804020204" pitchFamily="34" charset="0"/>
+                <a:ea typeface="Arial" panose="020B0706030804020204" pitchFamily="34" charset="0"/>
+                <a:cs typeface="Arial" panose="020B0706030804020204" pitchFamily="34" charset="0"/>
+              </a:rPr>
+              <a:t>euismod</a:t>
+            </a:r>
+            <a:r>
+              <a:rPr lang="en-US" sz="1500" b="1" dirty="0">
+                <a:solidFill>
+                  <a:schemeClr val="accent1"/>
+                </a:solidFill>
+                <a:latin typeface="Arial" panose="020B0706030804020204" pitchFamily="34" charset="0"/>
+                <a:ea typeface="Arial" panose="020B0706030804020204" pitchFamily="34" charset="0"/>
+                <a:cs typeface="Arial" panose="020B0706030804020204" pitchFamily="34" charset="0"/>
+              </a:rPr>
+              <a:t> </a:t>
+            </a:r>
+            <a:r>
+              <a:rPr lang="en-US" sz="1500" b="1" dirty="0" err="1">
+                <a:solidFill>
+                  <a:schemeClr val="accent1"/>
+                </a:solidFill>
+                <a:latin typeface="Arial" panose="020B0706030804020204" pitchFamily="34" charset="0"/>
+                <a:ea typeface="Arial" panose="020B0706030804020204" pitchFamily="34" charset="0"/>
+                <a:cs typeface="Arial" panose="020B0706030804020204" pitchFamily="34" charset="0"/>
+              </a:rPr>
+              <a:t>tincidunt</a:t>
+            </a:r>
+            <a:r>
+              <a:rPr lang="en-US" sz="1500" b="1" dirty="0">
+                <a:solidFill>
+                  <a:schemeClr val="accent1"/>
+                </a:solidFill>
+                <a:latin typeface="Arial" panose="020B0706030804020204" pitchFamily="34" charset="0"/>
+                <a:ea typeface="Arial" panose="020B0706030804020204" pitchFamily="34" charset="0"/>
+                <a:cs typeface="Arial" panose="020B0706030804020204" pitchFamily="34" charset="0"/>
+              </a:rPr>
+              <a:t> </a:t>
+            </a:r>
+            <a:r>
+              <a:rPr lang="en-US" sz="1500" b="1" dirty="0" err="1">
+                <a:solidFill>
+                  <a:schemeClr val="accent1"/>
+                </a:solidFill>
+                <a:latin typeface="Arial" panose="020B0706030804020204" pitchFamily="34" charset="0"/>
+                <a:ea typeface="Arial" panose="020B0706030804020204" pitchFamily="34" charset="0"/>
+                <a:cs typeface="Arial" panose="020B0706030804020204" pitchFamily="34" charset="0"/>
+              </a:rPr>
               <a:t>ut</a:t>
             </a:r>
             <a:r>
-              <a:rPr lang="en-US" sz="1500" dirty="0"/>
+              <a:rPr lang="en-US" sz="1500" b="1" dirty="0">
+                <a:solidFill>
+                  <a:schemeClr val="accent1"/>
+                </a:solidFill>
+                <a:latin typeface="Arial" panose="020B0706030804020204" pitchFamily="34" charset="0"/>
+                <a:ea typeface="Arial" panose="020B0706030804020204" pitchFamily="34" charset="0"/>
+                <a:cs typeface="Arial" panose="020B0706030804020204" pitchFamily="34" charset="0"/>
+              </a:rPr>
               <a:t> </a:t>
             </a:r>
             <a:r>
@@ -37160,25 +35773,11 @@
               <a:t> </a:t>
             </a:r>
             <a:r>
-              <a:rPr lang="en-US" sz="1500" b="1" dirty="0" err="1">
-                <a:solidFill>
-                  <a:schemeClr val="accent1"/>
-                </a:solidFill>
-                <a:latin typeface="Arial" panose="020B0706030804020204" pitchFamily="34" charset="0"/>
-                <a:ea typeface="Arial" panose="020B0706030804020204" pitchFamily="34" charset="0"/>
-                <a:cs typeface="Arial" panose="020B0706030804020204" pitchFamily="34" charset="0"/>
-              </a:rPr>
+              <a:rPr lang="en-US" sz="1500" dirty="0" err="1"/>
               <a:t>dolore</a:t>
             </a:r>
             <a:r>
-              <a:rPr lang="en-US" sz="1500" b="1" dirty="0">
-                <a:solidFill>
-                  <a:schemeClr val="accent1"/>
-                </a:solidFill>
-                <a:latin typeface="Arial" panose="020B0706030804020204" pitchFamily="34" charset="0"/>
-                <a:ea typeface="Arial" panose="020B0706030804020204" pitchFamily="34" charset="0"/>
-                <a:cs typeface="Arial" panose="020B0706030804020204" pitchFamily="34" charset="0"/>
-              </a:rPr>
+              <a:rPr lang="en-US" sz="1500" dirty="0"/>
               <a:t> magna </a:t>
             </a:r>
             <a:r>
@@ -37203,11 +35802,11 @@
             </a:r>
             <a:r>
               <a:rPr lang="en-US" sz="1500" dirty="0"/>
-              <a:t>. </a:t>
+              <a:t>. Ut </a:t>
             </a:r>
             <a:r>
               <a:rPr lang="en-US" sz="1500" dirty="0" err="1"/>
-              <a:t>Ut</a:t>
+              <a:t>wisi</a:t>
             </a:r>
             <a:r>
               <a:rPr lang="en-US" sz="1500" dirty="0"/>
@@ -37215,1197 +35814,52 @@
             </a:r>
             <a:r>
               <a:rPr lang="en-US" sz="1500" dirty="0" err="1"/>
-              <a:t>wisi</a:t>
+              <a:t>enim</a:t>
+            </a:r>
+            <a:r>
+              <a:rPr lang="en-US" sz="1500" dirty="0"/>
+              <a:t> ad minim </a:t>
+            </a:r>
+            <a:r>
+              <a:rPr lang="en-US" sz="1500" dirty="0" err="1"/>
+              <a:t>veniam</a:t>
+            </a:r>
+            <a:r>
+              <a:rPr lang="en-US" sz="1500" dirty="0"/>
+              <a:t>, </a:t>
+            </a:r>
+            <a:r>
+              <a:rPr lang="en-US" sz="1500" dirty="0" err="1"/>
+              <a:t>quis</a:t>
             </a:r>
             <a:r>
               <a:rPr lang="en-US" sz="1500" dirty="0"/>
               <a:t> </a:t>
             </a:r>
-            <a:br>
+            <a:r>
+              <a:rPr lang="en-US" sz="1500" dirty="0" err="1"/>
+              <a:t>nostrud</a:t>
+            </a:r>
+            <a:r>
               <a:rPr lang="en-US" sz="1500" dirty="0"/>
-            </a:br>
+              <a:t> </a:t>
+            </a:r>
             <a:r>
               <a:rPr lang="en-US" sz="1500" dirty="0" err="1"/>
-              <a:t>enim</a:t>
+              <a:t>exerci</a:t>
             </a:r>
             <a:r>
               <a:rPr lang="en-US" sz="1500" dirty="0"/>
-              <a:t> ad minim </a:t>
+              <a:t> </a:t>
             </a:r>
             <a:r>
               <a:rPr lang="en-US" sz="1500" dirty="0" err="1"/>
-              <a:t>veniam</a:t>
+              <a:t>tation</a:t>
             </a:r>
             <a:r>
               <a:rPr lang="en-US" sz="1500" dirty="0"/>
               <a:t>.</a:t>
             </a:r>
-          </a:p>
-        </p:txBody>
-      </p:sp>
-      <p:sp>
-        <p:nvSpPr>
-          <p:cNvPr id="38" name="TextBox 37"/>
-          <p:cNvSpPr txBox="1"/>
-          <p:nvPr/>
-        </p:nvSpPr>
-        <p:spPr>
-          <a:xfrm>
-            <a:off x="537459" y="2523600"/>
-            <a:ext cx="5444241" cy="602473"/>
-          </a:xfrm>
-          <a:prstGeom prst="rect">
-            <a:avLst/>
-          </a:prstGeom>
-          <a:noFill/>
-        </p:spPr>
-        <p:txBody>
-          <a:bodyPr wrap="square" rtlCol="0">
-            <a:spAutoFit/>
-          </a:bodyPr>
-          <a:lstStyle/>
-          <a:p>
-            <a:pPr>
-              <a:lnSpc>
-                <a:spcPct val="114000"/>
-              </a:lnSpc>
-            </a:pPr>
-            <a:r>
-              <a:rPr lang="en-US" sz="1500" dirty="0"/>
-              <a:t>Lorem ipsum dolor sit </a:t>
-            </a:r>
-            <a:r>
-              <a:rPr lang="en-US" sz="1500" dirty="0" err="1"/>
-              <a:t>amet</a:t>
-            </a:r>
-            <a:r>
-              <a:rPr lang="en-US" sz="1500" dirty="0"/>
-              <a:t>, </a:t>
-            </a:r>
-            <a:r>
-              <a:rPr lang="en-US" sz="1500" dirty="0" err="1"/>
-              <a:t>consectetuer</a:t>
-            </a:r>
-            <a:r>
-              <a:rPr lang="en-US" sz="1500" dirty="0"/>
-              <a:t> </a:t>
-            </a:r>
-            <a:r>
-              <a:rPr lang="en-US" sz="1500" dirty="0" err="1"/>
-              <a:t>adipiscing</a:t>
-            </a:r>
-            <a:r>
-              <a:rPr lang="en-US" sz="1500" dirty="0"/>
-              <a:t> </a:t>
-            </a:r>
-            <a:r>
-              <a:rPr lang="en-US" sz="1500" dirty="0" err="1"/>
-              <a:t>elit</a:t>
-            </a:r>
-            <a:r>
-              <a:rPr lang="en-US" sz="1500" dirty="0"/>
-              <a:t>, </a:t>
-            </a:r>
-            <a:r>
-              <a:rPr lang="en-US" sz="1500" dirty="0" err="1"/>
-              <a:t>sed</a:t>
-            </a:r>
-            <a:r>
-              <a:rPr lang="en-US" sz="1500" dirty="0"/>
-              <a:t> </a:t>
-            </a:r>
-            <a:r>
-              <a:rPr lang="en-US" sz="1500" dirty="0" err="1"/>
-              <a:t>diam</a:t>
-            </a:r>
-            <a:r>
-              <a:rPr lang="en-US" sz="1500" dirty="0"/>
-              <a:t> </a:t>
-            </a:r>
-            <a:r>
-              <a:rPr lang="en-US" sz="1500" dirty="0" err="1"/>
-              <a:t>nonummy</a:t>
-            </a:r>
-            <a:r>
-              <a:rPr lang="en-US" sz="1500" dirty="0"/>
-              <a:t> </a:t>
-            </a:r>
-            <a:r>
-              <a:rPr lang="en-US" sz="1500" dirty="0" err="1"/>
-              <a:t>nibh</a:t>
-            </a:r>
-            <a:r>
-              <a:rPr lang="en-US" sz="1500" dirty="0"/>
-              <a:t> </a:t>
-            </a:r>
-            <a:r>
-              <a:rPr lang="en-US" sz="1500" dirty="0" err="1"/>
-              <a:t>euismod</a:t>
-            </a:r>
-            <a:r>
-              <a:rPr lang="en-US" sz="1500" dirty="0"/>
-              <a:t> </a:t>
-            </a:r>
-            <a:r>
-              <a:rPr lang="en-US" sz="1500" dirty="0" err="1"/>
-              <a:t>laoreet</a:t>
-            </a:r>
-            <a:r>
-              <a:rPr lang="en-US" sz="1500" dirty="0"/>
-              <a:t> </a:t>
-            </a:r>
-            <a:r>
-              <a:rPr lang="en-US" sz="1500" dirty="0" err="1"/>
-              <a:t>dolore</a:t>
-            </a:r>
-            <a:r>
-              <a:rPr lang="en-US" sz="1500" dirty="0"/>
-              <a:t> magna.</a:t>
-            </a:r>
-          </a:p>
-        </p:txBody>
-      </p:sp>
-      <p:sp>
-        <p:nvSpPr>
-          <p:cNvPr id="51" name="Freeform 5"/>
-          <p:cNvSpPr>
-            <a:spLocks noChangeAspect="1" noEditPoints="1"/>
-          </p:cNvSpPr>
-          <p:nvPr/>
-        </p:nvSpPr>
-        <p:spPr bwMode="auto">
-          <a:xfrm>
-            <a:off x="7131965" y="1036947"/>
-            <a:ext cx="4270246" cy="4811404"/>
-          </a:xfrm>
-          <a:custGeom>
-            <a:avLst/>
-            <a:gdLst>
-              <a:gd name="T0" fmla="*/ 765 w 2705"/>
-              <a:gd name="T1" fmla="*/ 1714 h 3049"/>
-              <a:gd name="T2" fmla="*/ 816 w 2705"/>
-              <a:gd name="T3" fmla="*/ 1776 h 3049"/>
-              <a:gd name="T4" fmla="*/ 1042 w 2705"/>
-              <a:gd name="T5" fmla="*/ 2346 h 3049"/>
-              <a:gd name="T6" fmla="*/ 1174 w 2705"/>
-              <a:gd name="T7" fmla="*/ 2855 h 3049"/>
-              <a:gd name="T8" fmla="*/ 1562 w 2705"/>
-              <a:gd name="T9" fmla="*/ 2837 h 3049"/>
-              <a:gd name="T10" fmla="*/ 1668 w 2705"/>
-              <a:gd name="T11" fmla="*/ 2647 h 3049"/>
-              <a:gd name="T12" fmla="*/ 1664 w 2705"/>
-              <a:gd name="T13" fmla="*/ 2339 h 3049"/>
-              <a:gd name="T14" fmla="*/ 1933 w 2705"/>
-              <a:gd name="T15" fmla="*/ 1725 h 3049"/>
-              <a:gd name="T16" fmla="*/ 1353 w 2705"/>
-              <a:gd name="T17" fmla="*/ 568 h 3049"/>
-              <a:gd name="T18" fmla="*/ 1265 w 2705"/>
-              <a:gd name="T19" fmla="*/ 2855 h 3049"/>
-              <a:gd name="T20" fmla="*/ 1471 w 2705"/>
-              <a:gd name="T21" fmla="*/ 2855 h 3049"/>
-              <a:gd name="T22" fmla="*/ 1322 w 2705"/>
-              <a:gd name="T23" fmla="*/ 2647 h 3049"/>
-              <a:gd name="T24" fmla="*/ 1486 w 2705"/>
-              <a:gd name="T25" fmla="*/ 2763 h 3049"/>
-              <a:gd name="T26" fmla="*/ 1133 w 2705"/>
-              <a:gd name="T27" fmla="*/ 2543 h 3049"/>
-              <a:gd name="T28" fmla="*/ 1342 w 2705"/>
-              <a:gd name="T29" fmla="*/ 2452 h 3049"/>
-              <a:gd name="T30" fmla="*/ 1573 w 2705"/>
-              <a:gd name="T31" fmla="*/ 2391 h 3049"/>
-              <a:gd name="T32" fmla="*/ 1859 w 2705"/>
-              <a:gd name="T33" fmla="*/ 1670 h 3049"/>
-              <a:gd name="T34" fmla="*/ 1821 w 2705"/>
-              <a:gd name="T35" fmla="*/ 1716 h 3049"/>
-              <a:gd name="T36" fmla="*/ 1132 w 2705"/>
-              <a:gd name="T37" fmla="*/ 2300 h 3049"/>
-              <a:gd name="T38" fmla="*/ 848 w 2705"/>
-              <a:gd name="T39" fmla="*/ 1673 h 3049"/>
-              <a:gd name="T40" fmla="*/ 844 w 2705"/>
-              <a:gd name="T41" fmla="*/ 1667 h 3049"/>
-              <a:gd name="T42" fmla="*/ 1985 w 2705"/>
-              <a:gd name="T43" fmla="*/ 1292 h 3049"/>
-              <a:gd name="T44" fmla="*/ 1398 w 2705"/>
-              <a:gd name="T45" fmla="*/ 414 h 3049"/>
-              <a:gd name="T46" fmla="*/ 1307 w 2705"/>
-              <a:gd name="T47" fmla="*/ 46 h 3049"/>
-              <a:gd name="T48" fmla="*/ 459 w 2705"/>
-              <a:gd name="T49" fmla="*/ 1353 h 3049"/>
-              <a:gd name="T50" fmla="*/ 0 w 2705"/>
-              <a:gd name="T51" fmla="*/ 1353 h 3049"/>
-              <a:gd name="T52" fmla="*/ 459 w 2705"/>
-              <a:gd name="T53" fmla="*/ 1353 h 3049"/>
-              <a:gd name="T54" fmla="*/ 2247 w 2705"/>
-              <a:gd name="T55" fmla="*/ 1353 h 3049"/>
-              <a:gd name="T56" fmla="*/ 2705 w 2705"/>
-              <a:gd name="T57" fmla="*/ 1353 h 3049"/>
-              <a:gd name="T58" fmla="*/ 2049 w 2705"/>
-              <a:gd name="T59" fmla="*/ 721 h 3049"/>
-              <a:gd name="T60" fmla="*/ 2245 w 2705"/>
-              <a:gd name="T61" fmla="*/ 397 h 3049"/>
-              <a:gd name="T62" fmla="*/ 2017 w 2705"/>
-              <a:gd name="T63" fmla="*/ 734 h 3049"/>
-              <a:gd name="T64" fmla="*/ 721 w 2705"/>
-              <a:gd name="T65" fmla="*/ 721 h 3049"/>
-              <a:gd name="T66" fmla="*/ 396 w 2705"/>
-              <a:gd name="T67" fmla="*/ 397 h 3049"/>
-              <a:gd name="T68" fmla="*/ 1716 w 2705"/>
-              <a:gd name="T69" fmla="*/ 536 h 3049"/>
-              <a:gd name="T70" fmla="*/ 1926 w 2705"/>
-              <a:gd name="T71" fmla="*/ 178 h 3049"/>
-              <a:gd name="T72" fmla="*/ 1693 w 2705"/>
-              <a:gd name="T73" fmla="*/ 476 h 3049"/>
-              <a:gd name="T74" fmla="*/ 177 w 2705"/>
-              <a:gd name="T75" fmla="*/ 780 h 3049"/>
-              <a:gd name="T76" fmla="*/ 476 w 2705"/>
-              <a:gd name="T77" fmla="*/ 1012 h 3049"/>
-              <a:gd name="T78" fmla="*/ 513 w 2705"/>
-              <a:gd name="T79" fmla="*/ 929 h 3049"/>
-              <a:gd name="T80" fmla="*/ 2169 w 2705"/>
-              <a:gd name="T81" fmla="*/ 1717 h 3049"/>
-              <a:gd name="T82" fmla="*/ 2547 w 2705"/>
-              <a:gd name="T83" fmla="*/ 1930 h 3049"/>
-              <a:gd name="T84" fmla="*/ 447 w 2705"/>
-              <a:gd name="T85" fmla="*/ 1652 h 3049"/>
-              <a:gd name="T86" fmla="*/ 132 w 2705"/>
-              <a:gd name="T87" fmla="*/ 1867 h 3049"/>
-              <a:gd name="T88" fmla="*/ 506 w 2705"/>
-              <a:gd name="T89" fmla="*/ 1678 h 3049"/>
-              <a:gd name="T90" fmla="*/ 2230 w 2705"/>
-              <a:gd name="T91" fmla="*/ 1062 h 3049"/>
-              <a:gd name="T92" fmla="*/ 2615 w 2705"/>
-              <a:gd name="T93" fmla="*/ 869 h 3049"/>
-              <a:gd name="T94" fmla="*/ 2187 w 2705"/>
-              <a:gd name="T95" fmla="*/ 1033 h 3049"/>
-              <a:gd name="T96" fmla="*/ 1032 w 2705"/>
-              <a:gd name="T97" fmla="*/ 518 h 3049"/>
-              <a:gd name="T98" fmla="*/ 868 w 2705"/>
-              <a:gd name="T99" fmla="*/ 90 h 3049"/>
-            </a:gdLst>
-            <a:ahLst/>
-            <a:cxnLst>
-              <a:cxn ang="0">
-                <a:pos x="T0" y="T1"/>
-              </a:cxn>
-              <a:cxn ang="0">
-                <a:pos x="T2" y="T3"/>
-              </a:cxn>
-              <a:cxn ang="0">
-                <a:pos x="T4" y="T5"/>
-              </a:cxn>
-              <a:cxn ang="0">
-                <a:pos x="T6" y="T7"/>
-              </a:cxn>
-              <a:cxn ang="0">
-                <a:pos x="T8" y="T9"/>
-              </a:cxn>
-              <a:cxn ang="0">
-                <a:pos x="T10" y="T11"/>
-              </a:cxn>
-              <a:cxn ang="0">
-                <a:pos x="T12" y="T13"/>
-              </a:cxn>
-              <a:cxn ang="0">
-                <a:pos x="T14" y="T15"/>
-              </a:cxn>
-              <a:cxn ang="0">
-                <a:pos x="T16" y="T17"/>
-              </a:cxn>
-              <a:cxn ang="0">
-                <a:pos x="T18" y="T19"/>
-              </a:cxn>
-              <a:cxn ang="0">
-                <a:pos x="T20" y="T21"/>
-              </a:cxn>
-              <a:cxn ang="0">
-                <a:pos x="T22" y="T23"/>
-              </a:cxn>
-              <a:cxn ang="0">
-                <a:pos x="T24" y="T25"/>
-              </a:cxn>
-              <a:cxn ang="0">
-                <a:pos x="T26" y="T27"/>
-              </a:cxn>
-              <a:cxn ang="0">
-                <a:pos x="T28" y="T29"/>
-              </a:cxn>
-              <a:cxn ang="0">
-                <a:pos x="T30" y="T31"/>
-              </a:cxn>
-              <a:cxn ang="0">
-                <a:pos x="T32" y="T33"/>
-              </a:cxn>
-              <a:cxn ang="0">
-                <a:pos x="T34" y="T35"/>
-              </a:cxn>
-              <a:cxn ang="0">
-                <a:pos x="T36" y="T37"/>
-              </a:cxn>
-              <a:cxn ang="0">
-                <a:pos x="T38" y="T39"/>
-              </a:cxn>
-              <a:cxn ang="0">
-                <a:pos x="T40" y="T41"/>
-              </a:cxn>
-              <a:cxn ang="0">
-                <a:pos x="T42" y="T43"/>
-              </a:cxn>
-              <a:cxn ang="0">
-                <a:pos x="T44" y="T45"/>
-              </a:cxn>
-              <a:cxn ang="0">
-                <a:pos x="T46" y="T47"/>
-              </a:cxn>
-              <a:cxn ang="0">
-                <a:pos x="T48" y="T49"/>
-              </a:cxn>
-              <a:cxn ang="0">
-                <a:pos x="T50" y="T51"/>
-              </a:cxn>
-              <a:cxn ang="0">
-                <a:pos x="T52" y="T53"/>
-              </a:cxn>
-              <a:cxn ang="0">
-                <a:pos x="T54" y="T55"/>
-              </a:cxn>
-              <a:cxn ang="0">
-                <a:pos x="T56" y="T57"/>
-              </a:cxn>
-              <a:cxn ang="0">
-                <a:pos x="T58" y="T59"/>
-              </a:cxn>
-              <a:cxn ang="0">
-                <a:pos x="T60" y="T61"/>
-              </a:cxn>
-              <a:cxn ang="0">
-                <a:pos x="T62" y="T63"/>
-              </a:cxn>
-              <a:cxn ang="0">
-                <a:pos x="T64" y="T65"/>
-              </a:cxn>
-              <a:cxn ang="0">
-                <a:pos x="T66" y="T67"/>
-              </a:cxn>
-              <a:cxn ang="0">
-                <a:pos x="T68" y="T69"/>
-              </a:cxn>
-              <a:cxn ang="0">
-                <a:pos x="T70" y="T71"/>
-              </a:cxn>
-              <a:cxn ang="0">
-                <a:pos x="T72" y="T73"/>
-              </a:cxn>
-              <a:cxn ang="0">
-                <a:pos x="T74" y="T75"/>
-              </a:cxn>
-              <a:cxn ang="0">
-                <a:pos x="T76" y="T77"/>
-              </a:cxn>
-              <a:cxn ang="0">
-                <a:pos x="T78" y="T79"/>
-              </a:cxn>
-              <a:cxn ang="0">
-                <a:pos x="T80" y="T81"/>
-              </a:cxn>
-              <a:cxn ang="0">
-                <a:pos x="T82" y="T83"/>
-              </a:cxn>
-              <a:cxn ang="0">
-                <a:pos x="T84" y="T85"/>
-              </a:cxn>
-              <a:cxn ang="0">
-                <a:pos x="T86" y="T87"/>
-              </a:cxn>
-              <a:cxn ang="0">
-                <a:pos x="T88" y="T89"/>
-              </a:cxn>
-              <a:cxn ang="0">
-                <a:pos x="T90" y="T91"/>
-              </a:cxn>
-              <a:cxn ang="0">
-                <a:pos x="T92" y="T93"/>
-              </a:cxn>
-              <a:cxn ang="0">
-                <a:pos x="T94" y="T95"/>
-              </a:cxn>
-              <a:cxn ang="0">
-                <a:pos x="T96" y="T97"/>
-              </a:cxn>
-              <a:cxn ang="0">
-                <a:pos x="T98" y="T99"/>
-              </a:cxn>
-            </a:cxnLst>
-            <a:rect l="0" t="0" r="r" b="b"/>
-            <a:pathLst>
-              <a:path w="2705" h="3049">
-                <a:moveTo>
-                  <a:pt x="1353" y="568"/>
-                </a:moveTo>
-                <a:cubicBezTo>
-                  <a:pt x="953" y="568"/>
-                  <a:pt x="629" y="893"/>
-                  <a:pt x="629" y="1292"/>
-                </a:cubicBezTo>
-                <a:cubicBezTo>
-                  <a:pt x="629" y="1444"/>
-                  <a:pt x="676" y="1590"/>
-                  <a:pt x="765" y="1714"/>
-                </a:cubicBezTo>
-                <a:cubicBezTo>
-                  <a:pt x="767" y="1718"/>
-                  <a:pt x="770" y="1722"/>
-                  <a:pt x="773" y="1725"/>
-                </a:cubicBezTo>
-                <a:cubicBezTo>
-                  <a:pt x="777" y="1729"/>
-                  <a:pt x="777" y="1729"/>
-                  <a:pt x="777" y="1729"/>
-                </a:cubicBezTo>
-                <a:cubicBezTo>
-                  <a:pt x="789" y="1745"/>
-                  <a:pt x="802" y="1761"/>
-                  <a:pt x="816" y="1776"/>
-                </a:cubicBezTo>
-                <a:cubicBezTo>
-                  <a:pt x="886" y="1866"/>
-                  <a:pt x="1045" y="2098"/>
-                  <a:pt x="1042" y="2345"/>
-                </a:cubicBezTo>
-                <a:cubicBezTo>
-                  <a:pt x="1042" y="2345"/>
-                  <a:pt x="1042" y="2345"/>
-                  <a:pt x="1042" y="2345"/>
-                </a:cubicBezTo>
-                <a:cubicBezTo>
-                  <a:pt x="1042" y="2346"/>
-                  <a:pt x="1042" y="2346"/>
-                  <a:pt x="1042" y="2346"/>
-                </a:cubicBezTo>
-                <a:cubicBezTo>
-                  <a:pt x="1042" y="2675"/>
-                  <a:pt x="1042" y="2675"/>
-                  <a:pt x="1042" y="2675"/>
-                </a:cubicBezTo>
-                <a:cubicBezTo>
-                  <a:pt x="1042" y="2758"/>
-                  <a:pt x="1098" y="2827"/>
-                  <a:pt x="1174" y="2848"/>
-                </a:cubicBezTo>
-                <a:cubicBezTo>
-                  <a:pt x="1174" y="2855"/>
-                  <a:pt x="1174" y="2855"/>
-                  <a:pt x="1174" y="2855"/>
-                </a:cubicBezTo>
-                <a:cubicBezTo>
-                  <a:pt x="1174" y="2962"/>
-                  <a:pt x="1261" y="3049"/>
-                  <a:pt x="1368" y="3049"/>
-                </a:cubicBezTo>
-                <a:cubicBezTo>
-                  <a:pt x="1475" y="3049"/>
-                  <a:pt x="1562" y="2962"/>
-                  <a:pt x="1562" y="2855"/>
-                </a:cubicBezTo>
-                <a:cubicBezTo>
-                  <a:pt x="1562" y="2837"/>
-                  <a:pt x="1562" y="2837"/>
-                  <a:pt x="1562" y="2837"/>
-                </a:cubicBezTo>
-                <a:cubicBezTo>
-                  <a:pt x="1622" y="2808"/>
-                  <a:pt x="1665" y="2747"/>
-                  <a:pt x="1665" y="2675"/>
-                </a:cubicBezTo>
-                <a:cubicBezTo>
-                  <a:pt x="1665" y="2664"/>
-                  <a:pt x="1665" y="2664"/>
-                  <a:pt x="1665" y="2664"/>
-                </a:cubicBezTo>
-                <a:cubicBezTo>
-                  <a:pt x="1667" y="2659"/>
-                  <a:pt x="1668" y="2653"/>
-                  <a:pt x="1668" y="2647"/>
-                </a:cubicBezTo>
-                <a:cubicBezTo>
-                  <a:pt x="1668" y="2641"/>
-                  <a:pt x="1667" y="2635"/>
-                  <a:pt x="1665" y="2630"/>
-                </a:cubicBezTo>
-                <a:cubicBezTo>
-                  <a:pt x="1665" y="2346"/>
-                  <a:pt x="1665" y="2346"/>
-                  <a:pt x="1665" y="2346"/>
-                </a:cubicBezTo>
-                <a:cubicBezTo>
-                  <a:pt x="1665" y="2343"/>
-                  <a:pt x="1664" y="2341"/>
-                  <a:pt x="1664" y="2339"/>
-                </a:cubicBezTo>
-                <a:cubicBezTo>
-                  <a:pt x="1663" y="2094"/>
-                  <a:pt x="1820" y="1865"/>
-                  <a:pt x="1890" y="1776"/>
-                </a:cubicBezTo>
-                <a:cubicBezTo>
-                  <a:pt x="1903" y="1761"/>
-                  <a:pt x="1916" y="1746"/>
-                  <a:pt x="1929" y="1729"/>
-                </a:cubicBezTo>
-                <a:cubicBezTo>
-                  <a:pt x="1933" y="1725"/>
-                  <a:pt x="1933" y="1725"/>
-                  <a:pt x="1933" y="1725"/>
-                </a:cubicBezTo>
-                <a:cubicBezTo>
-                  <a:pt x="1935" y="1722"/>
-                  <a:pt x="1938" y="1718"/>
-                  <a:pt x="1940" y="1714"/>
-                </a:cubicBezTo>
-                <a:cubicBezTo>
-                  <a:pt x="2029" y="1590"/>
-                  <a:pt x="2077" y="1444"/>
-                  <a:pt x="2077" y="1292"/>
-                </a:cubicBezTo>
-                <a:cubicBezTo>
-                  <a:pt x="2077" y="893"/>
-                  <a:pt x="1752" y="568"/>
-                  <a:pt x="1353" y="568"/>
-                </a:cubicBezTo>
-                <a:close/>
-                <a:moveTo>
-                  <a:pt x="1471" y="2855"/>
-                </a:moveTo>
-                <a:cubicBezTo>
-                  <a:pt x="1471" y="2912"/>
-                  <a:pt x="1425" y="2958"/>
-                  <a:pt x="1368" y="2958"/>
-                </a:cubicBezTo>
-                <a:cubicBezTo>
-                  <a:pt x="1311" y="2958"/>
-                  <a:pt x="1265" y="2912"/>
-                  <a:pt x="1265" y="2855"/>
-                </a:cubicBezTo>
-                <a:cubicBezTo>
-                  <a:pt x="1265" y="2854"/>
-                  <a:pt x="1265" y="2854"/>
-                  <a:pt x="1265" y="2854"/>
-                </a:cubicBezTo>
-                <a:cubicBezTo>
-                  <a:pt x="1471" y="2854"/>
-                  <a:pt x="1471" y="2854"/>
-                  <a:pt x="1471" y="2854"/>
-                </a:cubicBezTo>
-                <a:lnTo>
-                  <a:pt x="1471" y="2855"/>
-                </a:lnTo>
-                <a:close/>
-                <a:moveTo>
-                  <a:pt x="1573" y="2602"/>
-                </a:moveTo>
-                <a:cubicBezTo>
-                  <a:pt x="1368" y="2602"/>
-                  <a:pt x="1368" y="2602"/>
-                  <a:pt x="1368" y="2602"/>
-                </a:cubicBezTo>
-                <a:cubicBezTo>
-                  <a:pt x="1343" y="2602"/>
-                  <a:pt x="1322" y="2622"/>
-                  <a:pt x="1322" y="2647"/>
-                </a:cubicBezTo>
-                <a:cubicBezTo>
-                  <a:pt x="1322" y="2672"/>
-                  <a:pt x="1343" y="2693"/>
-                  <a:pt x="1368" y="2693"/>
-                </a:cubicBezTo>
-                <a:cubicBezTo>
-                  <a:pt x="1572" y="2693"/>
-                  <a:pt x="1572" y="2693"/>
-                  <a:pt x="1572" y="2693"/>
-                </a:cubicBezTo>
-                <a:cubicBezTo>
-                  <a:pt x="1564" y="2732"/>
-                  <a:pt x="1529" y="2763"/>
-                  <a:pt x="1486" y="2763"/>
-                </a:cubicBezTo>
-                <a:cubicBezTo>
-                  <a:pt x="1220" y="2763"/>
-                  <a:pt x="1220" y="2763"/>
-                  <a:pt x="1220" y="2763"/>
-                </a:cubicBezTo>
-                <a:cubicBezTo>
-                  <a:pt x="1172" y="2763"/>
-                  <a:pt x="1133" y="2723"/>
-                  <a:pt x="1133" y="2675"/>
-                </a:cubicBezTo>
-                <a:cubicBezTo>
-                  <a:pt x="1133" y="2543"/>
-                  <a:pt x="1133" y="2543"/>
-                  <a:pt x="1133" y="2543"/>
-                </a:cubicBezTo>
-                <a:cubicBezTo>
-                  <a:pt x="1342" y="2543"/>
-                  <a:pt x="1342" y="2543"/>
-                  <a:pt x="1342" y="2543"/>
-                </a:cubicBezTo>
-                <a:cubicBezTo>
-                  <a:pt x="1367" y="2543"/>
-                  <a:pt x="1387" y="2522"/>
-                  <a:pt x="1387" y="2497"/>
-                </a:cubicBezTo>
-                <a:cubicBezTo>
-                  <a:pt x="1387" y="2472"/>
-                  <a:pt x="1367" y="2452"/>
-                  <a:pt x="1342" y="2452"/>
-                </a:cubicBezTo>
-                <a:cubicBezTo>
-                  <a:pt x="1133" y="2452"/>
-                  <a:pt x="1133" y="2452"/>
-                  <a:pt x="1133" y="2452"/>
-                </a:cubicBezTo>
-                <a:cubicBezTo>
-                  <a:pt x="1133" y="2391"/>
-                  <a:pt x="1133" y="2391"/>
-                  <a:pt x="1133" y="2391"/>
-                </a:cubicBezTo>
-                <a:cubicBezTo>
-                  <a:pt x="1573" y="2391"/>
-                  <a:pt x="1573" y="2391"/>
-                  <a:pt x="1573" y="2391"/>
-                </a:cubicBezTo>
-                <a:lnTo>
-                  <a:pt x="1573" y="2602"/>
-                </a:lnTo>
-                <a:close/>
-                <a:moveTo>
-                  <a:pt x="1861" y="1667"/>
-                </a:moveTo>
-                <a:cubicBezTo>
-                  <a:pt x="1861" y="1668"/>
-                  <a:pt x="1860" y="1669"/>
-                  <a:pt x="1859" y="1670"/>
-                </a:cubicBezTo>
-                <a:cubicBezTo>
-                  <a:pt x="1859" y="1670"/>
-                  <a:pt x="1859" y="1670"/>
-                  <a:pt x="1859" y="1670"/>
-                </a:cubicBezTo>
-                <a:cubicBezTo>
-                  <a:pt x="1859" y="1671"/>
-                  <a:pt x="1858" y="1672"/>
-                  <a:pt x="1857" y="1673"/>
-                </a:cubicBezTo>
-                <a:cubicBezTo>
-                  <a:pt x="1846" y="1688"/>
-                  <a:pt x="1834" y="1702"/>
-                  <a:pt x="1821" y="1716"/>
-                </a:cubicBezTo>
-                <a:cubicBezTo>
-                  <a:pt x="1820" y="1717"/>
-                  <a:pt x="1820" y="1718"/>
-                  <a:pt x="1819" y="1719"/>
-                </a:cubicBezTo>
-                <a:cubicBezTo>
-                  <a:pt x="1731" y="1832"/>
-                  <a:pt x="1587" y="2052"/>
-                  <a:pt x="1574" y="2300"/>
-                </a:cubicBezTo>
-                <a:cubicBezTo>
-                  <a:pt x="1132" y="2300"/>
-                  <a:pt x="1132" y="2300"/>
-                  <a:pt x="1132" y="2300"/>
-                </a:cubicBezTo>
-                <a:cubicBezTo>
-                  <a:pt x="1119" y="2052"/>
-                  <a:pt x="975" y="1832"/>
-                  <a:pt x="886" y="1719"/>
-                </a:cubicBezTo>
-                <a:cubicBezTo>
-                  <a:pt x="886" y="1718"/>
-                  <a:pt x="885" y="1717"/>
-                  <a:pt x="884" y="1716"/>
-                </a:cubicBezTo>
-                <a:cubicBezTo>
-                  <a:pt x="871" y="1702"/>
-                  <a:pt x="859" y="1688"/>
-                  <a:pt x="848" y="1673"/>
-                </a:cubicBezTo>
-                <a:cubicBezTo>
-                  <a:pt x="848" y="1672"/>
-                  <a:pt x="847" y="1671"/>
-                  <a:pt x="846" y="1670"/>
-                </a:cubicBezTo>
-                <a:cubicBezTo>
-                  <a:pt x="846" y="1670"/>
-                  <a:pt x="846" y="1670"/>
-                  <a:pt x="846" y="1670"/>
-                </a:cubicBezTo>
-                <a:cubicBezTo>
-                  <a:pt x="845" y="1669"/>
-                  <a:pt x="845" y="1668"/>
-                  <a:pt x="844" y="1667"/>
-                </a:cubicBezTo>
-                <a:cubicBezTo>
-                  <a:pt x="763" y="1557"/>
-                  <a:pt x="720" y="1428"/>
-                  <a:pt x="720" y="1292"/>
-                </a:cubicBezTo>
-                <a:cubicBezTo>
-                  <a:pt x="720" y="943"/>
-                  <a:pt x="1004" y="659"/>
-                  <a:pt x="1353" y="659"/>
-                </a:cubicBezTo>
-                <a:cubicBezTo>
-                  <a:pt x="1702" y="659"/>
-                  <a:pt x="1985" y="943"/>
-                  <a:pt x="1985" y="1292"/>
-                </a:cubicBezTo>
-                <a:cubicBezTo>
-                  <a:pt x="1985" y="1428"/>
-                  <a:pt x="1943" y="1557"/>
-                  <a:pt x="1861" y="1667"/>
-                </a:cubicBezTo>
-                <a:close/>
-                <a:moveTo>
-                  <a:pt x="1353" y="459"/>
-                </a:moveTo>
-                <a:cubicBezTo>
-                  <a:pt x="1378" y="459"/>
-                  <a:pt x="1398" y="439"/>
-                  <a:pt x="1398" y="414"/>
-                </a:cubicBezTo>
-                <a:cubicBezTo>
-                  <a:pt x="1398" y="46"/>
-                  <a:pt x="1398" y="46"/>
-                  <a:pt x="1398" y="46"/>
-                </a:cubicBezTo>
-                <a:cubicBezTo>
-                  <a:pt x="1398" y="21"/>
-                  <a:pt x="1378" y="0"/>
-                  <a:pt x="1353" y="0"/>
-                </a:cubicBezTo>
-                <a:cubicBezTo>
-                  <a:pt x="1328" y="0"/>
-                  <a:pt x="1307" y="21"/>
-                  <a:pt x="1307" y="46"/>
-                </a:cubicBezTo>
-                <a:cubicBezTo>
-                  <a:pt x="1307" y="414"/>
-                  <a:pt x="1307" y="414"/>
-                  <a:pt x="1307" y="414"/>
-                </a:cubicBezTo>
-                <a:cubicBezTo>
-                  <a:pt x="1307" y="439"/>
-                  <a:pt x="1328" y="459"/>
-                  <a:pt x="1353" y="459"/>
-                </a:cubicBezTo>
-                <a:close/>
-                <a:moveTo>
-                  <a:pt x="459" y="1353"/>
-                </a:moveTo>
-                <a:cubicBezTo>
-                  <a:pt x="459" y="1328"/>
-                  <a:pt x="438" y="1307"/>
-                  <a:pt x="413" y="1307"/>
-                </a:cubicBezTo>
-                <a:cubicBezTo>
-                  <a:pt x="46" y="1307"/>
-                  <a:pt x="46" y="1307"/>
-                  <a:pt x="46" y="1307"/>
-                </a:cubicBezTo>
-                <a:cubicBezTo>
-                  <a:pt x="21" y="1307"/>
-                  <a:pt x="0" y="1328"/>
-                  <a:pt x="0" y="1353"/>
-                </a:cubicBezTo>
-                <a:cubicBezTo>
-                  <a:pt x="0" y="1378"/>
-                  <a:pt x="21" y="1399"/>
-                  <a:pt x="46" y="1399"/>
-                </a:cubicBezTo>
-                <a:cubicBezTo>
-                  <a:pt x="413" y="1399"/>
-                  <a:pt x="413" y="1399"/>
-                  <a:pt x="413" y="1399"/>
-                </a:cubicBezTo>
-                <a:cubicBezTo>
-                  <a:pt x="438" y="1399"/>
-                  <a:pt x="459" y="1378"/>
-                  <a:pt x="459" y="1353"/>
-                </a:cubicBezTo>
-                <a:close/>
-                <a:moveTo>
-                  <a:pt x="2660" y="1307"/>
-                </a:moveTo>
-                <a:cubicBezTo>
-                  <a:pt x="2292" y="1307"/>
-                  <a:pt x="2292" y="1307"/>
-                  <a:pt x="2292" y="1307"/>
-                </a:cubicBezTo>
-                <a:cubicBezTo>
-                  <a:pt x="2267" y="1307"/>
-                  <a:pt x="2247" y="1328"/>
-                  <a:pt x="2247" y="1353"/>
-                </a:cubicBezTo>
-                <a:cubicBezTo>
-                  <a:pt x="2247" y="1378"/>
-                  <a:pt x="2267" y="1399"/>
-                  <a:pt x="2292" y="1399"/>
-                </a:cubicBezTo>
-                <a:cubicBezTo>
-                  <a:pt x="2660" y="1399"/>
-                  <a:pt x="2660" y="1399"/>
-                  <a:pt x="2660" y="1399"/>
-                </a:cubicBezTo>
-                <a:cubicBezTo>
-                  <a:pt x="2685" y="1399"/>
-                  <a:pt x="2705" y="1378"/>
-                  <a:pt x="2705" y="1353"/>
-                </a:cubicBezTo>
-                <a:cubicBezTo>
-                  <a:pt x="2705" y="1328"/>
-                  <a:pt x="2685" y="1307"/>
-                  <a:pt x="2660" y="1307"/>
-                </a:cubicBezTo>
-                <a:close/>
-                <a:moveTo>
-                  <a:pt x="2017" y="734"/>
-                </a:moveTo>
-                <a:cubicBezTo>
-                  <a:pt x="2029" y="734"/>
-                  <a:pt x="2040" y="730"/>
-                  <a:pt x="2049" y="721"/>
-                </a:cubicBezTo>
-                <a:cubicBezTo>
-                  <a:pt x="2309" y="461"/>
-                  <a:pt x="2309" y="461"/>
-                  <a:pt x="2309" y="461"/>
-                </a:cubicBezTo>
-                <a:cubicBezTo>
-                  <a:pt x="2327" y="443"/>
-                  <a:pt x="2327" y="414"/>
-                  <a:pt x="2309" y="397"/>
-                </a:cubicBezTo>
-                <a:cubicBezTo>
-                  <a:pt x="2291" y="379"/>
-                  <a:pt x="2262" y="379"/>
-                  <a:pt x="2245" y="397"/>
-                </a:cubicBezTo>
-                <a:cubicBezTo>
-                  <a:pt x="1985" y="656"/>
-                  <a:pt x="1985" y="656"/>
-                  <a:pt x="1985" y="656"/>
-                </a:cubicBezTo>
-                <a:cubicBezTo>
-                  <a:pt x="1967" y="674"/>
-                  <a:pt x="1967" y="703"/>
-                  <a:pt x="1985" y="721"/>
-                </a:cubicBezTo>
-                <a:cubicBezTo>
-                  <a:pt x="1994" y="730"/>
-                  <a:pt x="2005" y="734"/>
-                  <a:pt x="2017" y="734"/>
-                </a:cubicBezTo>
-                <a:close/>
-                <a:moveTo>
-                  <a:pt x="656" y="721"/>
-                </a:moveTo>
-                <a:cubicBezTo>
-                  <a:pt x="665" y="730"/>
-                  <a:pt x="677" y="734"/>
-                  <a:pt x="688" y="734"/>
-                </a:cubicBezTo>
-                <a:cubicBezTo>
-                  <a:pt x="700" y="734"/>
-                  <a:pt x="712" y="730"/>
-                  <a:pt x="721" y="721"/>
-                </a:cubicBezTo>
-                <a:cubicBezTo>
-                  <a:pt x="738" y="703"/>
-                  <a:pt x="738" y="674"/>
-                  <a:pt x="721" y="656"/>
-                </a:cubicBezTo>
-                <a:cubicBezTo>
-                  <a:pt x="461" y="397"/>
-                  <a:pt x="461" y="397"/>
-                  <a:pt x="461" y="397"/>
-                </a:cubicBezTo>
-                <a:cubicBezTo>
-                  <a:pt x="443" y="379"/>
-                  <a:pt x="414" y="379"/>
-                  <a:pt x="396" y="397"/>
-                </a:cubicBezTo>
-                <a:cubicBezTo>
-                  <a:pt x="379" y="414"/>
-                  <a:pt x="379" y="443"/>
-                  <a:pt x="396" y="461"/>
-                </a:cubicBezTo>
-                <a:lnTo>
-                  <a:pt x="656" y="721"/>
-                </a:lnTo>
-                <a:close/>
-                <a:moveTo>
-                  <a:pt x="1716" y="536"/>
-                </a:moveTo>
-                <a:cubicBezTo>
-                  <a:pt x="1722" y="539"/>
-                  <a:pt x="1729" y="540"/>
-                  <a:pt x="1735" y="540"/>
-                </a:cubicBezTo>
-                <a:cubicBezTo>
-                  <a:pt x="1752" y="540"/>
-                  <a:pt x="1769" y="530"/>
-                  <a:pt x="1777" y="513"/>
-                </a:cubicBezTo>
-                <a:cubicBezTo>
-                  <a:pt x="1926" y="178"/>
-                  <a:pt x="1926" y="178"/>
-                  <a:pt x="1926" y="178"/>
-                </a:cubicBezTo>
-                <a:cubicBezTo>
-                  <a:pt x="1936" y="155"/>
-                  <a:pt x="1926" y="128"/>
-                  <a:pt x="1903" y="118"/>
-                </a:cubicBezTo>
-                <a:cubicBezTo>
-                  <a:pt x="1880" y="107"/>
-                  <a:pt x="1853" y="118"/>
-                  <a:pt x="1843" y="141"/>
-                </a:cubicBezTo>
-                <a:cubicBezTo>
-                  <a:pt x="1693" y="476"/>
-                  <a:pt x="1693" y="476"/>
-                  <a:pt x="1693" y="476"/>
-                </a:cubicBezTo>
-                <a:cubicBezTo>
-                  <a:pt x="1683" y="499"/>
-                  <a:pt x="1693" y="526"/>
-                  <a:pt x="1716" y="536"/>
-                </a:cubicBezTo>
-                <a:close/>
-                <a:moveTo>
-                  <a:pt x="513" y="929"/>
-                </a:moveTo>
-                <a:cubicBezTo>
-                  <a:pt x="177" y="780"/>
-                  <a:pt x="177" y="780"/>
-                  <a:pt x="177" y="780"/>
-                </a:cubicBezTo>
-                <a:cubicBezTo>
-                  <a:pt x="154" y="769"/>
-                  <a:pt x="127" y="780"/>
-                  <a:pt x="117" y="803"/>
-                </a:cubicBezTo>
-                <a:cubicBezTo>
-                  <a:pt x="107" y="826"/>
-                  <a:pt x="117" y="853"/>
-                  <a:pt x="140" y="863"/>
-                </a:cubicBezTo>
-                <a:cubicBezTo>
-                  <a:pt x="476" y="1012"/>
-                  <a:pt x="476" y="1012"/>
-                  <a:pt x="476" y="1012"/>
-                </a:cubicBezTo>
-                <a:cubicBezTo>
-                  <a:pt x="482" y="1015"/>
-                  <a:pt x="488" y="1016"/>
-                  <a:pt x="494" y="1016"/>
-                </a:cubicBezTo>
-                <a:cubicBezTo>
-                  <a:pt x="512" y="1016"/>
-                  <a:pt x="528" y="1006"/>
-                  <a:pt x="536" y="989"/>
-                </a:cubicBezTo>
-                <a:cubicBezTo>
-                  <a:pt x="546" y="966"/>
-                  <a:pt x="536" y="939"/>
-                  <a:pt x="513" y="929"/>
-                </a:cubicBezTo>
-                <a:close/>
-                <a:moveTo>
-                  <a:pt x="2565" y="1843"/>
-                </a:moveTo>
-                <a:cubicBezTo>
-                  <a:pt x="2229" y="1694"/>
-                  <a:pt x="2229" y="1694"/>
-                  <a:pt x="2229" y="1694"/>
-                </a:cubicBezTo>
-                <a:cubicBezTo>
-                  <a:pt x="2206" y="1683"/>
-                  <a:pt x="2179" y="1694"/>
-                  <a:pt x="2169" y="1717"/>
-                </a:cubicBezTo>
-                <a:cubicBezTo>
-                  <a:pt x="2159" y="1740"/>
-                  <a:pt x="2169" y="1767"/>
-                  <a:pt x="2192" y="1777"/>
-                </a:cubicBezTo>
-                <a:cubicBezTo>
-                  <a:pt x="2528" y="1926"/>
-                  <a:pt x="2528" y="1926"/>
-                  <a:pt x="2528" y="1926"/>
-                </a:cubicBezTo>
-                <a:cubicBezTo>
-                  <a:pt x="2534" y="1929"/>
-                  <a:pt x="2540" y="1930"/>
-                  <a:pt x="2547" y="1930"/>
-                </a:cubicBezTo>
-                <a:cubicBezTo>
-                  <a:pt x="2564" y="1930"/>
-                  <a:pt x="2581" y="1920"/>
-                  <a:pt x="2588" y="1903"/>
-                </a:cubicBezTo>
-                <a:cubicBezTo>
-                  <a:pt x="2598" y="1880"/>
-                  <a:pt x="2588" y="1853"/>
-                  <a:pt x="2565" y="1843"/>
-                </a:cubicBezTo>
-                <a:close/>
-                <a:moveTo>
-                  <a:pt x="447" y="1652"/>
-                </a:moveTo>
-                <a:cubicBezTo>
-                  <a:pt x="116" y="1779"/>
-                  <a:pt x="116" y="1779"/>
-                  <a:pt x="116" y="1779"/>
-                </a:cubicBezTo>
-                <a:cubicBezTo>
-                  <a:pt x="93" y="1788"/>
-                  <a:pt x="81" y="1814"/>
-                  <a:pt x="90" y="1837"/>
-                </a:cubicBezTo>
-                <a:cubicBezTo>
-                  <a:pt x="97" y="1856"/>
-                  <a:pt x="114" y="1867"/>
-                  <a:pt x="132" y="1867"/>
-                </a:cubicBezTo>
-                <a:cubicBezTo>
-                  <a:pt x="138" y="1867"/>
-                  <a:pt x="143" y="1866"/>
-                  <a:pt x="149" y="1864"/>
-                </a:cubicBezTo>
-                <a:cubicBezTo>
-                  <a:pt x="480" y="1737"/>
-                  <a:pt x="480" y="1737"/>
-                  <a:pt x="480" y="1737"/>
-                </a:cubicBezTo>
-                <a:cubicBezTo>
-                  <a:pt x="503" y="1728"/>
-                  <a:pt x="515" y="1701"/>
-                  <a:pt x="506" y="1678"/>
-                </a:cubicBezTo>
-                <a:cubicBezTo>
-                  <a:pt x="497" y="1654"/>
-                  <a:pt x="470" y="1643"/>
-                  <a:pt x="447" y="1652"/>
-                </a:cubicBezTo>
-                <a:close/>
-                <a:moveTo>
-                  <a:pt x="2187" y="1033"/>
-                </a:moveTo>
-                <a:cubicBezTo>
-                  <a:pt x="2194" y="1051"/>
-                  <a:pt x="2212" y="1062"/>
-                  <a:pt x="2230" y="1062"/>
-                </a:cubicBezTo>
-                <a:cubicBezTo>
-                  <a:pt x="2235" y="1062"/>
-                  <a:pt x="2241" y="1061"/>
-                  <a:pt x="2246" y="1059"/>
-                </a:cubicBezTo>
-                <a:cubicBezTo>
-                  <a:pt x="2589" y="927"/>
-                  <a:pt x="2589" y="927"/>
-                  <a:pt x="2589" y="927"/>
-                </a:cubicBezTo>
-                <a:cubicBezTo>
-                  <a:pt x="2613" y="918"/>
-                  <a:pt x="2624" y="892"/>
-                  <a:pt x="2615" y="869"/>
-                </a:cubicBezTo>
-                <a:cubicBezTo>
-                  <a:pt x="2606" y="845"/>
-                  <a:pt x="2580" y="833"/>
-                  <a:pt x="2557" y="842"/>
-                </a:cubicBezTo>
-                <a:cubicBezTo>
-                  <a:pt x="2214" y="974"/>
-                  <a:pt x="2214" y="974"/>
-                  <a:pt x="2214" y="974"/>
-                </a:cubicBezTo>
-                <a:cubicBezTo>
-                  <a:pt x="2190" y="983"/>
-                  <a:pt x="2178" y="1009"/>
-                  <a:pt x="2187" y="1033"/>
-                </a:cubicBezTo>
-                <a:close/>
-                <a:moveTo>
-                  <a:pt x="974" y="492"/>
-                </a:moveTo>
-                <a:cubicBezTo>
-                  <a:pt x="980" y="510"/>
-                  <a:pt x="998" y="521"/>
-                  <a:pt x="1016" y="521"/>
-                </a:cubicBezTo>
-                <a:cubicBezTo>
-                  <a:pt x="1022" y="521"/>
-                  <a:pt x="1027" y="520"/>
-                  <a:pt x="1032" y="518"/>
-                </a:cubicBezTo>
-                <a:cubicBezTo>
-                  <a:pt x="1056" y="509"/>
-                  <a:pt x="1068" y="483"/>
-                  <a:pt x="1059" y="459"/>
-                </a:cubicBezTo>
-                <a:cubicBezTo>
-                  <a:pt x="927" y="116"/>
-                  <a:pt x="927" y="116"/>
-                  <a:pt x="927" y="116"/>
-                </a:cubicBezTo>
-                <a:cubicBezTo>
-                  <a:pt x="918" y="93"/>
-                  <a:pt x="892" y="81"/>
-                  <a:pt x="868" y="90"/>
-                </a:cubicBezTo>
-                <a:cubicBezTo>
-                  <a:pt x="845" y="99"/>
-                  <a:pt x="833" y="126"/>
-                  <a:pt x="842" y="149"/>
-                </a:cubicBezTo>
-                <a:lnTo>
-                  <a:pt x="974" y="492"/>
-                </a:lnTo>
-                <a:close/>
-              </a:path>
-            </a:pathLst>
-          </a:custGeom>
-          <a:solidFill>
-            <a:srgbClr val="FFFFFF"/>
-          </a:solidFill>
-          <a:ln>
-            <a:noFill/>
-          </a:ln>
-          <a:extLst>
-            <a:ext uri="{91240B29-F687-4F45-9708-019B960494DF}">
-              <a14:hiddenLine xmlns:a14="http://schemas.microsoft.com/office/drawing/2010/main" w="9525">
-                <a:solidFill>
-                  <a:srgbClr val="000000"/>
-                </a:solidFill>
-                <a:round/>
-                <a:headEnd/>
-                <a:tailEnd/>
-              </a14:hiddenLine>
-            </a:ext>
-          </a:extLst>
-        </p:spPr>
-        <p:txBody>
-          <a:bodyPr vert="horz" wrap="square" lIns="91440" tIns="45720" rIns="91440" bIns="45720" numCol="1" anchor="t" anchorCtr="0" compatLnSpc="1">
-            <a:prstTxWarp prst="textNoShape">
-              <a:avLst/>
-            </a:prstTxWarp>
-          </a:bodyPr>
-          <a:lstStyle/>
-          <a:p>
-            <a:endParaRPr lang="en-US"/>
           </a:p>
         </p:txBody>
       </p:sp>

--- a/afp_challenge/afp_challenge_deck.pptx
+++ b/afp_challenge/afp_challenge_deck.pptx
@@ -34447,7 +34447,7 @@
         </p:nvSpPr>
         <p:spPr>
           <a:xfrm>
-            <a:off x="436999" y="4860820"/>
+            <a:off x="249060" y="5040870"/>
             <a:ext cx="5318439" cy="616644"/>
           </a:xfrm>
           <a:prstGeom prst="rect">
@@ -34735,10 +34735,10 @@
       </p:sp>
       <p:pic>
         <p:nvPicPr>
-          <p:cNvPr id="6" name="Picture 5">
+          <p:cNvPr id="7" name="Picture 6">
             <a:extLst>
               <a:ext uri="{FF2B5EF4-FFF2-40B4-BE49-F238E27FC236}">
-                <a16:creationId xmlns:a16="http://schemas.microsoft.com/office/drawing/2014/main" id="{A58CD7D9-D57A-5E75-6C9E-49B2F689CA54}"/>
+                <a16:creationId xmlns:a16="http://schemas.microsoft.com/office/drawing/2014/main" id="{59D3AFA9-813D-4904-AF3B-7400EAA9CB38}"/>
               </a:ext>
             </a:extLst>
           </p:cNvPr>
@@ -34755,41 +34755,8 @@
         </p:blipFill>
         <p:spPr>
           <a:xfrm>
-            <a:off x="437000" y="1115626"/>
-            <a:ext cx="5318440" cy="3561891"/>
-          </a:xfrm>
-          <a:prstGeom prst="rect">
-            <a:avLst/>
-          </a:prstGeom>
-          <a:ln>
-            <a:noFill/>
-          </a:ln>
-        </p:spPr>
-      </p:pic>
-      <p:pic>
-        <p:nvPicPr>
-          <p:cNvPr id="7" name="Picture 6">
-            <a:extLst>
-              <a:ext uri="{FF2B5EF4-FFF2-40B4-BE49-F238E27FC236}">
-                <a16:creationId xmlns:a16="http://schemas.microsoft.com/office/drawing/2014/main" id="{59D3AFA9-813D-4904-AF3B-7400EAA9CB38}"/>
-              </a:ext>
-            </a:extLst>
-          </p:cNvPr>
-          <p:cNvPicPr>
-            <a:picLocks noChangeAspect="1"/>
-          </p:cNvPicPr>
-          <p:nvPr/>
-        </p:nvPicPr>
-        <p:blipFill>
-          <a:blip r:embed="rId4"/>
-          <a:stretch>
-            <a:fillRect/>
-          </a:stretch>
-        </p:blipFill>
-        <p:spPr>
-          <a:xfrm>
-            <a:off x="6096000" y="1115626"/>
-            <a:ext cx="6096000" cy="3508867"/>
+            <a:off x="5822080" y="1115626"/>
+            <a:ext cx="6369920" cy="3666536"/>
           </a:xfrm>
           <a:prstGeom prst="rect">
             <a:avLst/>
@@ -34815,7 +34782,7 @@
         </p:nvSpPr>
         <p:spPr>
           <a:xfrm>
-            <a:off x="6096000" y="4860820"/>
+            <a:off x="5822080" y="5044960"/>
             <a:ext cx="6181514" cy="436594"/>
           </a:xfrm>
           <a:prstGeom prst="rect">
@@ -35101,6 +35068,36 @@
           </a:p>
         </p:txBody>
       </p:sp>
+      <p:pic>
+        <p:nvPicPr>
+          <p:cNvPr id="9" name="Picture 8">
+            <a:extLst>
+              <a:ext uri="{FF2B5EF4-FFF2-40B4-BE49-F238E27FC236}">
+                <a16:creationId xmlns:a16="http://schemas.microsoft.com/office/drawing/2014/main" id="{4140AB6F-B2D6-A62C-7A38-ED62678CB1E2}"/>
+              </a:ext>
+            </a:extLst>
+          </p:cNvPr>
+          <p:cNvPicPr>
+            <a:picLocks noChangeAspect="1"/>
+          </p:cNvPicPr>
+          <p:nvPr/>
+        </p:nvPicPr>
+        <p:blipFill>
+          <a:blip r:embed="rId4"/>
+          <a:stretch>
+            <a:fillRect/>
+          </a:stretch>
+        </p:blipFill>
+        <p:spPr>
+          <a:xfrm>
+            <a:off x="249060" y="1094409"/>
+            <a:ext cx="5506368" cy="3687751"/>
+          </a:xfrm>
+          <a:prstGeom prst="rect">
+            <a:avLst/>
+          </a:prstGeom>
+        </p:spPr>
+      </p:pic>
     </p:spTree>
     <p:extLst>
       <p:ext uri="{BB962C8B-B14F-4D97-AF65-F5344CB8AC3E}">
@@ -36026,7 +36023,7 @@
         <p:spPr>
           <a:xfrm>
             <a:off x="514719" y="2540241"/>
-            <a:ext cx="5459481" cy="2722797"/>
+            <a:ext cx="5459481" cy="2155655"/>
           </a:xfrm>
           <a:prstGeom prst="rect">
             <a:avLst/>
@@ -36059,421 +36056,31 @@
                   <a:sysClr val="windowText" lastClr="000000"/>
                 </a:solidFill>
               </a:rPr>
-              <a:t>Lorem ipsum dolor sit </a:t>
-            </a:r>
-            <a:r>
-              <a:rPr lang="en-US" sz="1500" dirty="0" err="1">
+              <a:t>Expand high performing Product Lines in Strong Markets</a:t>
+            </a:r>
+          </a:p>
+          <a:p>
+            <a:pPr marL="742950" lvl="1" indent="-285750">
+              <a:lnSpc>
+                <a:spcPct val="117000"/>
+              </a:lnSpc>
+              <a:spcAft>
+                <a:spcPts val="1200"/>
+              </a:spcAft>
+              <a:buClr>
+                <a:srgbClr val="04244C"/>
+              </a:buClr>
+              <a:buSzPct val="170000"/>
+              <a:buFont typeface="Arial" panose="020B0604020202020204" pitchFamily="34" charset="0"/>
+              <a:buChar char="•"/>
+            </a:pPr>
+            <a:r>
+              <a:rPr lang="en-US" sz="1200" dirty="0">
                 <a:solidFill>
                   <a:sysClr val="windowText" lastClr="000000"/>
                 </a:solidFill>
               </a:rPr>
-              <a:t>amet</a:t>
-            </a:r>
-            <a:r>
-              <a:rPr lang="en-US" sz="1500" dirty="0">
-                <a:solidFill>
-                  <a:sysClr val="windowText" lastClr="000000"/>
-                </a:solidFill>
-              </a:rPr>
-              <a:t>, </a:t>
-            </a:r>
-            <a:r>
-              <a:rPr lang="en-US" sz="1500" dirty="0" err="1">
-                <a:solidFill>
-                  <a:sysClr val="windowText" lastClr="000000"/>
-                </a:solidFill>
-              </a:rPr>
-              <a:t>consectetuer</a:t>
-            </a:r>
-            <a:r>
-              <a:rPr lang="en-US" sz="1500" dirty="0">
-                <a:solidFill>
-                  <a:sysClr val="windowText" lastClr="000000"/>
-                </a:solidFill>
-              </a:rPr>
-              <a:t> </a:t>
-            </a:r>
-            <a:r>
-              <a:rPr lang="en-US" sz="1500" dirty="0" err="1">
-                <a:solidFill>
-                  <a:sysClr val="windowText" lastClr="000000"/>
-                </a:solidFill>
-              </a:rPr>
-              <a:t>adipiscing</a:t>
-            </a:r>
-            <a:r>
-              <a:rPr lang="en-US" sz="1500" dirty="0">
-                <a:solidFill>
-                  <a:sysClr val="windowText" lastClr="000000"/>
-                </a:solidFill>
-              </a:rPr>
-              <a:t> </a:t>
-            </a:r>
-            <a:r>
-              <a:rPr lang="en-US" sz="1500" dirty="0" err="1">
-                <a:solidFill>
-                  <a:sysClr val="windowText" lastClr="000000"/>
-                </a:solidFill>
-              </a:rPr>
-              <a:t>elit</a:t>
-            </a:r>
-            <a:r>
-              <a:rPr lang="en-US" sz="1500" dirty="0">
-                <a:solidFill>
-                  <a:sysClr val="windowText" lastClr="000000"/>
-                </a:solidFill>
-              </a:rPr>
-              <a:t>, </a:t>
-            </a:r>
-            <a:r>
-              <a:rPr lang="en-US" sz="1500" dirty="0" err="1">
-                <a:solidFill>
-                  <a:sysClr val="windowText" lastClr="000000"/>
-                </a:solidFill>
-              </a:rPr>
-              <a:t>sed</a:t>
-            </a:r>
-            <a:r>
-              <a:rPr lang="en-US" sz="1500" dirty="0">
-                <a:solidFill>
-                  <a:sysClr val="windowText" lastClr="000000"/>
-                </a:solidFill>
-              </a:rPr>
-              <a:t> </a:t>
-            </a:r>
-            <a:r>
-              <a:rPr lang="en-US" sz="1500" dirty="0" err="1">
-                <a:solidFill>
-                  <a:sysClr val="windowText" lastClr="000000"/>
-                </a:solidFill>
-              </a:rPr>
-              <a:t>diam</a:t>
-            </a:r>
-            <a:r>
-              <a:rPr lang="en-US" sz="1500" dirty="0">
-                <a:solidFill>
-                  <a:sysClr val="windowText" lastClr="000000"/>
-                </a:solidFill>
-              </a:rPr>
-              <a:t> </a:t>
-            </a:r>
-            <a:r>
-              <a:rPr lang="en-US" sz="1500" dirty="0" err="1">
-                <a:solidFill>
-                  <a:sysClr val="windowText" lastClr="000000"/>
-                </a:solidFill>
-              </a:rPr>
-              <a:t>nonummy</a:t>
-            </a:r>
-            <a:r>
-              <a:rPr lang="en-US" sz="1500" dirty="0">
-                <a:solidFill>
-                  <a:sysClr val="windowText" lastClr="000000"/>
-                </a:solidFill>
-              </a:rPr>
-              <a:t> </a:t>
-            </a:r>
-            <a:r>
-              <a:rPr lang="en-US" sz="1500" b="1" dirty="0" err="1">
-                <a:solidFill>
-                  <a:sysClr val="windowText" lastClr="000000"/>
-                </a:solidFill>
-                <a:latin typeface="Arial" panose="020B0706030804020204" pitchFamily="34" charset="0"/>
-                <a:ea typeface="Arial" panose="020B0706030804020204" pitchFamily="34" charset="0"/>
-                <a:cs typeface="Arial" panose="020B0706030804020204" pitchFamily="34" charset="0"/>
-              </a:rPr>
-              <a:t>nibh</a:t>
-            </a:r>
-            <a:r>
-              <a:rPr lang="en-US" sz="1500" b="1" dirty="0">
-                <a:solidFill>
-                  <a:sysClr val="windowText" lastClr="000000"/>
-                </a:solidFill>
-                <a:latin typeface="Arial" panose="020B0706030804020204" pitchFamily="34" charset="0"/>
-                <a:ea typeface="Arial" panose="020B0706030804020204" pitchFamily="34" charset="0"/>
-                <a:cs typeface="Arial" panose="020B0706030804020204" pitchFamily="34" charset="0"/>
-              </a:rPr>
-              <a:t> </a:t>
-            </a:r>
-            <a:r>
-              <a:rPr lang="en-US" sz="1500" b="1" dirty="0" err="1">
-                <a:solidFill>
-                  <a:sysClr val="windowText" lastClr="000000"/>
-                </a:solidFill>
-                <a:latin typeface="Arial" panose="020B0706030804020204" pitchFamily="34" charset="0"/>
-                <a:ea typeface="Arial" panose="020B0706030804020204" pitchFamily="34" charset="0"/>
-                <a:cs typeface="Arial" panose="020B0706030804020204" pitchFamily="34" charset="0"/>
-              </a:rPr>
-              <a:t>euismod</a:t>
-            </a:r>
-            <a:r>
-              <a:rPr lang="en-US" sz="1500" b="1" dirty="0">
-                <a:solidFill>
-                  <a:sysClr val="windowText" lastClr="000000"/>
-                </a:solidFill>
-                <a:latin typeface="Arial" panose="020B0706030804020204" pitchFamily="34" charset="0"/>
-                <a:ea typeface="Arial" panose="020B0706030804020204" pitchFamily="34" charset="0"/>
-                <a:cs typeface="Arial" panose="020B0706030804020204" pitchFamily="34" charset="0"/>
-              </a:rPr>
-              <a:t> </a:t>
-            </a:r>
-            <a:r>
-              <a:rPr lang="en-US" sz="1500" b="1" dirty="0" err="1">
-                <a:solidFill>
-                  <a:sysClr val="windowText" lastClr="000000"/>
-                </a:solidFill>
-                <a:latin typeface="Arial" panose="020B0706030804020204" pitchFamily="34" charset="0"/>
-                <a:ea typeface="Arial" panose="020B0706030804020204" pitchFamily="34" charset="0"/>
-                <a:cs typeface="Arial" panose="020B0706030804020204" pitchFamily="34" charset="0"/>
-              </a:rPr>
-              <a:t>tincidunt</a:t>
-            </a:r>
-            <a:r>
-              <a:rPr lang="en-US" sz="1500" b="1" dirty="0">
-                <a:solidFill>
-                  <a:sysClr val="windowText" lastClr="000000"/>
-                </a:solidFill>
-                <a:latin typeface="Arial" panose="020B0706030804020204" pitchFamily="34" charset="0"/>
-                <a:ea typeface="Arial" panose="020B0706030804020204" pitchFamily="34" charset="0"/>
-                <a:cs typeface="Arial" panose="020B0706030804020204" pitchFamily="34" charset="0"/>
-              </a:rPr>
-              <a:t> </a:t>
-            </a:r>
-            <a:r>
-              <a:rPr lang="en-US" sz="1500" b="1" dirty="0" err="1">
-                <a:solidFill>
-                  <a:sysClr val="windowText" lastClr="000000"/>
-                </a:solidFill>
-                <a:latin typeface="Arial" panose="020B0706030804020204" pitchFamily="34" charset="0"/>
-                <a:ea typeface="Arial" panose="020B0706030804020204" pitchFamily="34" charset="0"/>
-                <a:cs typeface="Arial" panose="020B0706030804020204" pitchFamily="34" charset="0"/>
-              </a:rPr>
-              <a:t>ut</a:t>
-            </a:r>
-            <a:r>
-              <a:rPr lang="en-US" sz="1500" b="1" dirty="0">
-                <a:solidFill>
-                  <a:sysClr val="windowText" lastClr="000000"/>
-                </a:solidFill>
-                <a:latin typeface="Arial" panose="020B0706030804020204" pitchFamily="34" charset="0"/>
-                <a:ea typeface="Arial" panose="020B0706030804020204" pitchFamily="34" charset="0"/>
-                <a:cs typeface="Arial" panose="020B0706030804020204" pitchFamily="34" charset="0"/>
-              </a:rPr>
-              <a:t> </a:t>
-            </a:r>
-            <a:r>
-              <a:rPr lang="en-US" sz="1500" b="1" dirty="0" err="1">
-                <a:solidFill>
-                  <a:sysClr val="windowText" lastClr="000000"/>
-                </a:solidFill>
-                <a:latin typeface="Arial" panose="020B0706030804020204" pitchFamily="34" charset="0"/>
-                <a:ea typeface="Arial" panose="020B0706030804020204" pitchFamily="34" charset="0"/>
-                <a:cs typeface="Arial" panose="020B0706030804020204" pitchFamily="34" charset="0"/>
-              </a:rPr>
-              <a:t>laoreet</a:t>
-            </a:r>
-            <a:r>
-              <a:rPr lang="en-US" sz="1500" b="1" dirty="0">
-                <a:solidFill>
-                  <a:sysClr val="windowText" lastClr="000000"/>
-                </a:solidFill>
-                <a:latin typeface="Arial" panose="020B0706030804020204" pitchFamily="34" charset="0"/>
-                <a:ea typeface="Arial" panose="020B0706030804020204" pitchFamily="34" charset="0"/>
-                <a:cs typeface="Arial" panose="020B0706030804020204" pitchFamily="34" charset="0"/>
-              </a:rPr>
-              <a:t> </a:t>
-            </a:r>
-            <a:r>
-              <a:rPr lang="en-US" sz="1500" dirty="0" err="1">
-                <a:solidFill>
-                  <a:sysClr val="windowText" lastClr="000000"/>
-                </a:solidFill>
-              </a:rPr>
-              <a:t>dolore</a:t>
-            </a:r>
-            <a:r>
-              <a:rPr lang="en-US" sz="1500" dirty="0">
-                <a:solidFill>
-                  <a:sysClr val="windowText" lastClr="000000"/>
-                </a:solidFill>
-              </a:rPr>
-              <a:t> magna </a:t>
-            </a:r>
-            <a:r>
-              <a:rPr lang="en-US" sz="1500" dirty="0" err="1">
-                <a:solidFill>
-                  <a:sysClr val="windowText" lastClr="000000"/>
-                </a:solidFill>
-              </a:rPr>
-              <a:t>aliquam</a:t>
-            </a:r>
-            <a:r>
-              <a:rPr lang="en-US" sz="1500" dirty="0">
-                <a:solidFill>
-                  <a:sysClr val="windowText" lastClr="000000"/>
-                </a:solidFill>
-              </a:rPr>
-              <a:t> </a:t>
-            </a:r>
-            <a:r>
-              <a:rPr lang="en-US" sz="1500" dirty="0" err="1">
-                <a:solidFill>
-                  <a:sysClr val="windowText" lastClr="000000"/>
-                </a:solidFill>
-              </a:rPr>
-              <a:t>erat</a:t>
-            </a:r>
-            <a:r>
-              <a:rPr lang="en-US" sz="1500" dirty="0">
-                <a:solidFill>
-                  <a:sysClr val="windowText" lastClr="000000"/>
-                </a:solidFill>
-              </a:rPr>
-              <a:t> </a:t>
-            </a:r>
-            <a:r>
-              <a:rPr lang="en-US" sz="1500" dirty="0" err="1">
-                <a:solidFill>
-                  <a:sysClr val="windowText" lastClr="000000"/>
-                </a:solidFill>
-              </a:rPr>
-              <a:t>volutpat</a:t>
-            </a:r>
-            <a:r>
-              <a:rPr lang="en-US" sz="1500" dirty="0">
-                <a:solidFill>
-                  <a:sysClr val="windowText" lastClr="000000"/>
-                </a:solidFill>
-              </a:rPr>
-              <a:t>. </a:t>
-            </a:r>
-            <a:r>
-              <a:rPr lang="en-US" sz="1500" dirty="0" err="1">
-                <a:solidFill>
-                  <a:sysClr val="windowText" lastClr="000000"/>
-                </a:solidFill>
-              </a:rPr>
-              <a:t>Ut</a:t>
-            </a:r>
-            <a:r>
-              <a:rPr lang="en-US" sz="1500" dirty="0">
-                <a:solidFill>
-                  <a:sysClr val="windowText" lastClr="000000"/>
-                </a:solidFill>
-              </a:rPr>
-              <a:t> </a:t>
-            </a:r>
-            <a:r>
-              <a:rPr lang="en-US" sz="1500" dirty="0" err="1">
-                <a:solidFill>
-                  <a:sysClr val="windowText" lastClr="000000"/>
-                </a:solidFill>
-              </a:rPr>
-              <a:t>wisi</a:t>
-            </a:r>
-            <a:r>
-              <a:rPr lang="en-US" sz="1500" dirty="0">
-                <a:solidFill>
-                  <a:sysClr val="windowText" lastClr="000000"/>
-                </a:solidFill>
-              </a:rPr>
-              <a:t> </a:t>
-            </a:r>
-            <a:r>
-              <a:rPr lang="en-US" sz="1500" dirty="0" err="1">
-                <a:solidFill>
-                  <a:sysClr val="windowText" lastClr="000000"/>
-                </a:solidFill>
-              </a:rPr>
-              <a:t>enim</a:t>
-            </a:r>
-            <a:r>
-              <a:rPr lang="en-US" sz="1500" dirty="0">
-                <a:solidFill>
-                  <a:sysClr val="windowText" lastClr="000000"/>
-                </a:solidFill>
-              </a:rPr>
-              <a:t> ad minim </a:t>
-            </a:r>
-            <a:r>
-              <a:rPr lang="en-US" sz="1500" dirty="0" err="1">
-                <a:solidFill>
-                  <a:sysClr val="windowText" lastClr="000000"/>
-                </a:solidFill>
-              </a:rPr>
-              <a:t>veniam</a:t>
-            </a:r>
-            <a:r>
-              <a:rPr lang="en-US" sz="1500" dirty="0">
-                <a:solidFill>
-                  <a:sysClr val="windowText" lastClr="000000"/>
-                </a:solidFill>
-              </a:rPr>
-              <a:t>, </a:t>
-            </a:r>
-            <a:r>
-              <a:rPr lang="en-US" sz="1500" dirty="0" err="1">
-                <a:solidFill>
-                  <a:sysClr val="windowText" lastClr="000000"/>
-                </a:solidFill>
-              </a:rPr>
-              <a:t>quis</a:t>
-            </a:r>
-            <a:r>
-              <a:rPr lang="en-US" sz="1500" dirty="0">
-                <a:solidFill>
-                  <a:sysClr val="windowText" lastClr="000000"/>
-                </a:solidFill>
-              </a:rPr>
-              <a:t> </a:t>
-            </a:r>
-            <a:r>
-              <a:rPr lang="en-US" sz="1500" dirty="0" err="1">
-                <a:solidFill>
-                  <a:sysClr val="windowText" lastClr="000000"/>
-                </a:solidFill>
-              </a:rPr>
-              <a:t>nostrud</a:t>
-            </a:r>
-            <a:r>
-              <a:rPr lang="en-US" sz="1500" dirty="0">
-                <a:solidFill>
-                  <a:sysClr val="windowText" lastClr="000000"/>
-                </a:solidFill>
-              </a:rPr>
-              <a:t> </a:t>
-            </a:r>
-            <a:r>
-              <a:rPr lang="en-US" sz="1500" dirty="0" err="1">
-                <a:solidFill>
-                  <a:sysClr val="windowText" lastClr="000000"/>
-                </a:solidFill>
-              </a:rPr>
-              <a:t>exerci</a:t>
-            </a:r>
-            <a:r>
-              <a:rPr lang="en-US" sz="1500" dirty="0">
-                <a:solidFill>
-                  <a:sysClr val="windowText" lastClr="000000"/>
-                </a:solidFill>
-              </a:rPr>
-              <a:t> </a:t>
-            </a:r>
-            <a:r>
-              <a:rPr lang="en-US" sz="1500" dirty="0" err="1">
-                <a:solidFill>
-                  <a:sysClr val="windowText" lastClr="000000"/>
-                </a:solidFill>
-              </a:rPr>
-              <a:t>tation</a:t>
-            </a:r>
-            <a:r>
-              <a:rPr lang="en-US" sz="1500" dirty="0">
-                <a:solidFill>
-                  <a:sysClr val="windowText" lastClr="000000"/>
-                </a:solidFill>
-              </a:rPr>
-              <a:t>.</a:t>
+              <a:t>Focus on increasing the market share of Personal Accessories and Golf Equipment in the United States and Japan, as these regions show high revenue and gross margins</a:t>
             </a:r>
           </a:p>
           <a:p>
@@ -36492,197 +36099,12 @@
               <a:buChar char="•"/>
             </a:pPr>
             <a:r>
-              <a:rPr lang="en-US" sz="1500" dirty="0" err="1"/>
-              <a:t>Adipiscing</a:t>
-            </a:r>
-            <a:r>
               <a:rPr lang="en-US" sz="1500" dirty="0"/>
-              <a:t> </a:t>
-            </a:r>
-            <a:r>
-              <a:rPr lang="en-US" sz="1500" dirty="0" err="1"/>
-              <a:t>elit</a:t>
-            </a:r>
-            <a:r>
-              <a:rPr lang="en-US" sz="1500" dirty="0"/>
-              <a:t>, </a:t>
-            </a:r>
-            <a:r>
-              <a:rPr lang="en-US" sz="1500" dirty="0" err="1"/>
-              <a:t>sed</a:t>
-            </a:r>
-            <a:r>
-              <a:rPr lang="en-US" sz="1500" dirty="0"/>
-              <a:t> </a:t>
-            </a:r>
-            <a:r>
-              <a:rPr lang="en-US" sz="1500" dirty="0" err="1"/>
-              <a:t>diam</a:t>
-            </a:r>
-            <a:r>
-              <a:rPr lang="en-US" sz="1500" dirty="0"/>
-              <a:t> </a:t>
-            </a:r>
-            <a:r>
-              <a:rPr lang="en-US" sz="1500" dirty="0" err="1"/>
-              <a:t>nonummy</a:t>
-            </a:r>
-            <a:r>
-              <a:rPr lang="en-US" sz="1500" dirty="0"/>
-              <a:t> </a:t>
-            </a:r>
-            <a:r>
-              <a:rPr lang="en-US" sz="1500" dirty="0" err="1"/>
-              <a:t>nibh</a:t>
-            </a:r>
-            <a:r>
-              <a:rPr lang="en-US" sz="1500" dirty="0"/>
-              <a:t> </a:t>
-            </a:r>
-            <a:r>
-              <a:rPr lang="en-US" sz="1500" dirty="0" err="1"/>
-              <a:t>euismod</a:t>
-            </a:r>
-            <a:r>
-              <a:rPr lang="en-US" sz="1500" dirty="0"/>
-              <a:t> </a:t>
-            </a:r>
-            <a:br>
-              <a:rPr lang="en-US" sz="1500" dirty="0"/>
-            </a:br>
-            <a:r>
-              <a:rPr lang="en-US" sz="1500" dirty="0" err="1"/>
-              <a:t>tincidunt</a:t>
-            </a:r>
-            <a:r>
-              <a:rPr lang="en-US" sz="1500" dirty="0"/>
-              <a:t> </a:t>
-            </a:r>
-            <a:r>
-              <a:rPr lang="en-US" sz="1500" dirty="0" err="1"/>
-              <a:t>ut</a:t>
-            </a:r>
-            <a:r>
-              <a:rPr lang="en-US" sz="1500" dirty="0"/>
-              <a:t> </a:t>
-            </a:r>
-            <a:r>
-              <a:rPr lang="en-US" sz="1500" b="1" dirty="0" err="1">
-                <a:solidFill>
-                  <a:schemeClr val="accent1"/>
-                </a:solidFill>
-                <a:latin typeface="Arial" panose="020B0706030804020204" pitchFamily="34" charset="0"/>
-                <a:ea typeface="Arial" panose="020B0706030804020204" pitchFamily="34" charset="0"/>
-                <a:cs typeface="Arial" panose="020B0706030804020204" pitchFamily="34" charset="0"/>
-              </a:rPr>
-              <a:t>laoreet</a:t>
-            </a:r>
-            <a:r>
-              <a:rPr lang="en-US" sz="1500" b="1" dirty="0">
-                <a:solidFill>
-                  <a:schemeClr val="accent1"/>
-                </a:solidFill>
-                <a:latin typeface="Arial" panose="020B0706030804020204" pitchFamily="34" charset="0"/>
-                <a:ea typeface="Arial" panose="020B0706030804020204" pitchFamily="34" charset="0"/>
-                <a:cs typeface="Arial" panose="020B0706030804020204" pitchFamily="34" charset="0"/>
-              </a:rPr>
-              <a:t> </a:t>
-            </a:r>
-            <a:r>
-              <a:rPr lang="en-US" sz="1500" b="1" dirty="0" err="1">
-                <a:solidFill>
-                  <a:schemeClr val="accent1"/>
-                </a:solidFill>
-                <a:latin typeface="Arial" panose="020B0706030804020204" pitchFamily="34" charset="0"/>
-                <a:ea typeface="Arial" panose="020B0706030804020204" pitchFamily="34" charset="0"/>
-                <a:cs typeface="Arial" panose="020B0706030804020204" pitchFamily="34" charset="0"/>
-              </a:rPr>
-              <a:t>dolore</a:t>
-            </a:r>
-            <a:r>
-              <a:rPr lang="en-US" sz="1500" b="1" dirty="0">
-                <a:solidFill>
-                  <a:schemeClr val="accent1"/>
-                </a:solidFill>
-                <a:latin typeface="Arial" panose="020B0706030804020204" pitchFamily="34" charset="0"/>
-                <a:ea typeface="Arial" panose="020B0706030804020204" pitchFamily="34" charset="0"/>
-                <a:cs typeface="Arial" panose="020B0706030804020204" pitchFamily="34" charset="0"/>
-              </a:rPr>
-              <a:t> magna</a:t>
-            </a:r>
-            <a:r>
-              <a:rPr lang="en-US" sz="1500" dirty="0">
-                <a:solidFill>
-                  <a:schemeClr val="accent1"/>
-                </a:solidFill>
-                <a:latin typeface="Arial" panose="020B0706030804020204" pitchFamily="34" charset="0"/>
-                <a:ea typeface="Arial" panose="020B0706030804020204" pitchFamily="34" charset="0"/>
-                <a:cs typeface="Arial" panose="020B0706030804020204" pitchFamily="34" charset="0"/>
-              </a:rPr>
-              <a:t> </a:t>
-            </a:r>
-            <a:r>
-              <a:rPr lang="en-US" sz="1500" dirty="0" err="1"/>
-              <a:t>aliquam</a:t>
-            </a:r>
-            <a:r>
-              <a:rPr lang="en-US" sz="1500" dirty="0"/>
-              <a:t> </a:t>
-            </a:r>
-            <a:r>
-              <a:rPr lang="en-US" sz="1500" dirty="0" err="1"/>
-              <a:t>erat</a:t>
-            </a:r>
-            <a:r>
-              <a:rPr lang="en-US" sz="1500" dirty="0"/>
-              <a:t> </a:t>
-            </a:r>
-            <a:r>
-              <a:rPr lang="en-US" sz="1500" dirty="0" err="1"/>
-              <a:t>volutpat</a:t>
-            </a:r>
-            <a:r>
-              <a:rPr lang="en-US" sz="1500" dirty="0"/>
-              <a:t>. </a:t>
-            </a:r>
-            <a:br>
-              <a:rPr lang="en-US" sz="1500" dirty="0"/>
-            </a:br>
-            <a:r>
-              <a:rPr lang="en-US" sz="1500" dirty="0" err="1"/>
-              <a:t>Ut</a:t>
-            </a:r>
-            <a:r>
-              <a:rPr lang="en-US" sz="1500" dirty="0"/>
-              <a:t> </a:t>
-            </a:r>
-            <a:r>
-              <a:rPr lang="en-US" sz="1500" dirty="0" err="1"/>
-              <a:t>wisi</a:t>
-            </a:r>
-            <a:r>
-              <a:rPr lang="en-US" sz="1500" dirty="0"/>
-              <a:t> </a:t>
-            </a:r>
-            <a:r>
-              <a:rPr lang="en-US" sz="1500" dirty="0" err="1"/>
-              <a:t>enim</a:t>
-            </a:r>
-            <a:r>
-              <a:rPr lang="en-US" sz="1500" dirty="0"/>
-              <a:t> ad minim </a:t>
-            </a:r>
-            <a:r>
-              <a:rPr lang="en-US" sz="1500" dirty="0" err="1"/>
-              <a:t>veniam</a:t>
-            </a:r>
-            <a:r>
-              <a:rPr lang="en-US" sz="1500" dirty="0"/>
-              <a:t>.</a:t>
-            </a:r>
-          </a:p>
-          <a:p>
-            <a:pPr marL="449263" lvl="1" indent="-182563">
+              <a:t>Develop Strategies for underperforming regions</a:t>
+            </a:r>
+          </a:p>
+          <a:p>
+            <a:pPr marL="742950" lvl="1" indent="-285750">
               <a:lnSpc>
                 <a:spcPct val="117000"/>
               </a:lnSpc>
@@ -36692,125 +36114,13 @@
               <a:buClr>
                 <a:srgbClr val="04244C"/>
               </a:buClr>
-              <a:buSzPct val="120000"/>
+              <a:buSzPct val="170000"/>
               <a:buFont typeface="Arial" panose="020B0604020202020204" pitchFamily="34" charset="0"/>
               <a:buChar char="•"/>
             </a:pPr>
             <a:r>
               <a:rPr lang="en-US" sz="1200" dirty="0"/>
-              <a:t>Lorem ipsum dolor sit </a:t>
-            </a:r>
-            <a:r>
-              <a:rPr lang="en-US" sz="1200" dirty="0" err="1"/>
-              <a:t>amet</a:t>
-            </a:r>
-            <a:r>
-              <a:rPr lang="en-US" sz="1200" dirty="0"/>
-              <a:t>, </a:t>
-            </a:r>
-            <a:r>
-              <a:rPr lang="en-US" sz="1200" dirty="0" err="1"/>
-              <a:t>consectetuer</a:t>
-            </a:r>
-            <a:r>
-              <a:rPr lang="en-US" sz="1200" dirty="0"/>
-              <a:t> </a:t>
-            </a:r>
-            <a:r>
-              <a:rPr lang="en-US" sz="1200" dirty="0" err="1"/>
-              <a:t>adipiscing</a:t>
-            </a:r>
-            <a:r>
-              <a:rPr lang="en-US" sz="1200" dirty="0"/>
-              <a:t> </a:t>
-            </a:r>
-            <a:r>
-              <a:rPr lang="en-US" sz="1200" dirty="0" err="1"/>
-              <a:t>elit</a:t>
-            </a:r>
-            <a:r>
-              <a:rPr lang="en-US" sz="1200" dirty="0"/>
-              <a:t>, </a:t>
-            </a:r>
-            <a:r>
-              <a:rPr lang="en-US" sz="1200" dirty="0" err="1"/>
-              <a:t>sed</a:t>
-            </a:r>
-            <a:r>
-              <a:rPr lang="en-US" sz="1200" dirty="0"/>
-              <a:t> </a:t>
-            </a:r>
-            <a:r>
-              <a:rPr lang="en-US" sz="1200" dirty="0" err="1"/>
-              <a:t>diam</a:t>
-            </a:r>
-            <a:r>
-              <a:rPr lang="en-US" sz="1200" dirty="0"/>
-              <a:t> </a:t>
-            </a:r>
-            <a:r>
-              <a:rPr lang="en-US" sz="1200" dirty="0" err="1"/>
-              <a:t>nonummy</a:t>
-            </a:r>
-            <a:r>
-              <a:rPr lang="en-US" sz="1200" dirty="0"/>
-              <a:t> </a:t>
-            </a:r>
-            <a:r>
-              <a:rPr lang="en-US" sz="1200" dirty="0" err="1"/>
-              <a:t>nibh</a:t>
-            </a:r>
-            <a:r>
-              <a:rPr lang="en-US" sz="1200" dirty="0"/>
-              <a:t> </a:t>
-            </a:r>
-            <a:r>
-              <a:rPr lang="en-US" sz="1200" dirty="0" err="1"/>
-              <a:t>euismod</a:t>
-            </a:r>
-            <a:r>
-              <a:rPr lang="en-US" sz="1200" dirty="0"/>
-              <a:t> </a:t>
-            </a:r>
-            <a:r>
-              <a:rPr lang="en-US" sz="1200" dirty="0" err="1"/>
-              <a:t>tincidunt</a:t>
-            </a:r>
-            <a:r>
-              <a:rPr lang="en-US" sz="1200" dirty="0"/>
-              <a:t> </a:t>
-            </a:r>
-            <a:r>
-              <a:rPr lang="en-US" sz="1200" dirty="0" err="1"/>
-              <a:t>ut</a:t>
-            </a:r>
-            <a:r>
-              <a:rPr lang="en-US" sz="1200" dirty="0"/>
-              <a:t> </a:t>
-            </a:r>
-            <a:r>
-              <a:rPr lang="en-US" sz="1200" dirty="0" err="1"/>
-              <a:t>laoreet</a:t>
-            </a:r>
-            <a:r>
-              <a:rPr lang="en-US" sz="1200" dirty="0"/>
-              <a:t> </a:t>
-            </a:r>
-            <a:r>
-              <a:rPr lang="en-US" sz="1200" dirty="0" err="1"/>
-              <a:t>dolore</a:t>
-            </a:r>
-            <a:r>
-              <a:rPr lang="en-US" sz="1200" dirty="0"/>
-              <a:t> </a:t>
-            </a:r>
-            <a:r>
-              <a:rPr lang="en-US" sz="1200" dirty="0" err="1"/>
-              <a:t>magn</a:t>
-            </a:r>
-            <a:r>
-              <a:rPr lang="en-US" sz="1200" dirty="0"/>
-              <a:t>. </a:t>
+              <a:t>Focus on  creating localized marketing campaigns, partnerships or locally tailored product offerings</a:t>
             </a:r>
           </a:p>
         </p:txBody>
@@ -36830,7 +36140,7 @@
         <p:spPr>
           <a:xfrm>
             <a:off x="6356742" y="2540241"/>
-            <a:ext cx="5459481" cy="2722797"/>
+            <a:ext cx="5459481" cy="338682"/>
           </a:xfrm>
           <a:prstGeom prst="rect">
             <a:avLst/>
@@ -36859,600 +36169,13 @@
             </a:pPr>
             <a:r>
               <a:rPr lang="en-US" sz="1500" dirty="0"/>
-              <a:t>Lorem ipsum dolor sit </a:t>
+              <a:t>Analyze cost structure of Camping </a:t>
             </a:r>
             <a:r>
               <a:rPr lang="en-US" sz="1500" dirty="0" err="1"/>
-              <a:t>amet</a:t>
-            </a:r>
-            <a:r>
-              <a:rPr lang="en-US" sz="1500" dirty="0"/>
-              <a:t>, </a:t>
-            </a:r>
-            <a:r>
-              <a:rPr lang="en-US" sz="1500" dirty="0" err="1"/>
-              <a:t>consectetuer</a:t>
-            </a:r>
-            <a:r>
-              <a:rPr lang="en-US" sz="1500" dirty="0"/>
-              <a:t> </a:t>
-            </a:r>
-            <a:r>
-              <a:rPr lang="en-US" sz="1500" dirty="0" err="1"/>
-              <a:t>adipiscing</a:t>
-            </a:r>
-            <a:r>
-              <a:rPr lang="en-US" sz="1500" dirty="0"/>
-              <a:t> </a:t>
-            </a:r>
-            <a:r>
-              <a:rPr lang="en-US" sz="1500" dirty="0" err="1"/>
-              <a:t>elit</a:t>
-            </a:r>
-            <a:r>
-              <a:rPr lang="en-US" sz="1500" dirty="0"/>
-              <a:t>, </a:t>
-            </a:r>
-            <a:r>
-              <a:rPr lang="en-US" sz="1500" dirty="0" err="1"/>
-              <a:t>sed</a:t>
-            </a:r>
-            <a:r>
-              <a:rPr lang="en-US" sz="1500" dirty="0"/>
-              <a:t> </a:t>
-            </a:r>
-            <a:r>
-              <a:rPr lang="en-US" sz="1500" dirty="0" err="1"/>
-              <a:t>diam</a:t>
-            </a:r>
-            <a:r>
-              <a:rPr lang="en-US" sz="1500" dirty="0"/>
-              <a:t> </a:t>
-            </a:r>
-            <a:r>
-              <a:rPr lang="en-US" sz="1500" dirty="0" err="1"/>
-              <a:t>nonummy</a:t>
-            </a:r>
-            <a:r>
-              <a:rPr lang="en-US" sz="1500" dirty="0"/>
-              <a:t> </a:t>
-            </a:r>
-            <a:r>
-              <a:rPr lang="en-US" sz="1500" b="1" dirty="0" err="1">
-                <a:solidFill>
-                  <a:schemeClr val="accent2"/>
-                </a:solidFill>
-                <a:latin typeface="Arial" panose="020B0706030804020204" pitchFamily="34" charset="0"/>
-                <a:ea typeface="Arial" panose="020B0706030804020204" pitchFamily="34" charset="0"/>
-                <a:cs typeface="Arial" panose="020B0706030804020204" pitchFamily="34" charset="0"/>
-              </a:rPr>
-              <a:t>nibh</a:t>
-            </a:r>
-            <a:r>
-              <a:rPr lang="en-US" sz="1500" b="1" dirty="0">
-                <a:solidFill>
-                  <a:schemeClr val="accent2"/>
-                </a:solidFill>
-                <a:latin typeface="Arial" panose="020B0706030804020204" pitchFamily="34" charset="0"/>
-                <a:ea typeface="Arial" panose="020B0706030804020204" pitchFamily="34" charset="0"/>
-                <a:cs typeface="Arial" panose="020B0706030804020204" pitchFamily="34" charset="0"/>
-              </a:rPr>
-              <a:t> </a:t>
-            </a:r>
-            <a:r>
-              <a:rPr lang="en-US" sz="1500" b="1" dirty="0" err="1">
-                <a:solidFill>
-                  <a:schemeClr val="accent2"/>
-                </a:solidFill>
-                <a:latin typeface="Arial" panose="020B0706030804020204" pitchFamily="34" charset="0"/>
-                <a:ea typeface="Arial" panose="020B0706030804020204" pitchFamily="34" charset="0"/>
-                <a:cs typeface="Arial" panose="020B0706030804020204" pitchFamily="34" charset="0"/>
-              </a:rPr>
-              <a:t>euismod</a:t>
-            </a:r>
-            <a:r>
-              <a:rPr lang="en-US" sz="1500" b="1" dirty="0">
-                <a:solidFill>
-                  <a:schemeClr val="accent2"/>
-                </a:solidFill>
-                <a:latin typeface="Arial" panose="020B0706030804020204" pitchFamily="34" charset="0"/>
-                <a:ea typeface="Arial" panose="020B0706030804020204" pitchFamily="34" charset="0"/>
-                <a:cs typeface="Arial" panose="020B0706030804020204" pitchFamily="34" charset="0"/>
-              </a:rPr>
-              <a:t> </a:t>
-            </a:r>
-            <a:r>
-              <a:rPr lang="en-US" sz="1500" b="1" dirty="0" err="1">
-                <a:solidFill>
-                  <a:schemeClr val="accent2"/>
-                </a:solidFill>
-                <a:latin typeface="Arial" panose="020B0706030804020204" pitchFamily="34" charset="0"/>
-                <a:ea typeface="Arial" panose="020B0706030804020204" pitchFamily="34" charset="0"/>
-                <a:cs typeface="Arial" panose="020B0706030804020204" pitchFamily="34" charset="0"/>
-              </a:rPr>
-              <a:t>tincidunt</a:t>
-            </a:r>
-            <a:r>
-              <a:rPr lang="en-US" sz="1500" b="1" dirty="0">
-                <a:solidFill>
-                  <a:schemeClr val="accent2"/>
-                </a:solidFill>
-                <a:latin typeface="Arial" panose="020B0706030804020204" pitchFamily="34" charset="0"/>
-                <a:ea typeface="Arial" panose="020B0706030804020204" pitchFamily="34" charset="0"/>
-                <a:cs typeface="Arial" panose="020B0706030804020204" pitchFamily="34" charset="0"/>
-              </a:rPr>
-              <a:t> </a:t>
-            </a:r>
-            <a:r>
-              <a:rPr lang="en-US" sz="1500" b="1" dirty="0" err="1">
-                <a:solidFill>
-                  <a:schemeClr val="accent2"/>
-                </a:solidFill>
-                <a:latin typeface="Arial" panose="020B0706030804020204" pitchFamily="34" charset="0"/>
-                <a:ea typeface="Arial" panose="020B0706030804020204" pitchFamily="34" charset="0"/>
-                <a:cs typeface="Arial" panose="020B0706030804020204" pitchFamily="34" charset="0"/>
-              </a:rPr>
-              <a:t>ut</a:t>
-            </a:r>
-            <a:r>
-              <a:rPr lang="en-US" sz="1500" b="1" dirty="0">
-                <a:solidFill>
-                  <a:schemeClr val="accent2"/>
-                </a:solidFill>
-                <a:latin typeface="Arial" panose="020B0706030804020204" pitchFamily="34" charset="0"/>
-                <a:ea typeface="Arial" panose="020B0706030804020204" pitchFamily="34" charset="0"/>
-                <a:cs typeface="Arial" panose="020B0706030804020204" pitchFamily="34" charset="0"/>
-              </a:rPr>
-              <a:t> </a:t>
-            </a:r>
-            <a:r>
-              <a:rPr lang="en-US" sz="1500" b="1" dirty="0" err="1">
-                <a:solidFill>
-                  <a:schemeClr val="accent2"/>
-                </a:solidFill>
-                <a:latin typeface="Arial" panose="020B0706030804020204" pitchFamily="34" charset="0"/>
-                <a:ea typeface="Arial" panose="020B0706030804020204" pitchFamily="34" charset="0"/>
-                <a:cs typeface="Arial" panose="020B0706030804020204" pitchFamily="34" charset="0"/>
-              </a:rPr>
-              <a:t>laoreet</a:t>
-            </a:r>
-            <a:r>
-              <a:rPr lang="en-US" sz="1500" b="1" dirty="0">
-                <a:solidFill>
-                  <a:schemeClr val="accent2"/>
-                </a:solidFill>
-                <a:latin typeface="Arial" panose="020B0706030804020204" pitchFamily="34" charset="0"/>
-                <a:ea typeface="Arial" panose="020B0706030804020204" pitchFamily="34" charset="0"/>
-                <a:cs typeface="Arial" panose="020B0706030804020204" pitchFamily="34" charset="0"/>
-              </a:rPr>
-              <a:t> </a:t>
-            </a:r>
-            <a:r>
-              <a:rPr lang="en-US" sz="1500" dirty="0" err="1"/>
-              <a:t>dolore</a:t>
-            </a:r>
-            <a:r>
-              <a:rPr lang="en-US" sz="1500" dirty="0"/>
-              <a:t> magna </a:t>
-            </a:r>
-            <a:r>
-              <a:rPr lang="en-US" sz="1500" dirty="0" err="1"/>
-              <a:t>aliquam</a:t>
-            </a:r>
-            <a:r>
-              <a:rPr lang="en-US" sz="1500" dirty="0"/>
-              <a:t> </a:t>
-            </a:r>
-            <a:r>
-              <a:rPr lang="en-US" sz="1500" dirty="0" err="1"/>
-              <a:t>erat</a:t>
-            </a:r>
-            <a:r>
-              <a:rPr lang="en-US" sz="1500" dirty="0"/>
-              <a:t> </a:t>
-            </a:r>
-            <a:r>
-              <a:rPr lang="en-US" sz="1500" dirty="0" err="1"/>
-              <a:t>volutpat</a:t>
-            </a:r>
-            <a:r>
-              <a:rPr lang="en-US" sz="1500" dirty="0"/>
-              <a:t>. </a:t>
-            </a:r>
-            <a:r>
-              <a:rPr lang="en-US" sz="1500" dirty="0" err="1"/>
-              <a:t>Ut</a:t>
-            </a:r>
-            <a:r>
-              <a:rPr lang="en-US" sz="1500" dirty="0"/>
-              <a:t> </a:t>
-            </a:r>
-            <a:r>
-              <a:rPr lang="en-US" sz="1500" dirty="0" err="1"/>
-              <a:t>wisi</a:t>
-            </a:r>
-            <a:r>
-              <a:rPr lang="en-US" sz="1500" dirty="0"/>
-              <a:t> </a:t>
-            </a:r>
-            <a:r>
-              <a:rPr lang="en-US" sz="1500" dirty="0" err="1"/>
-              <a:t>enim</a:t>
-            </a:r>
-            <a:r>
-              <a:rPr lang="en-US" sz="1500" dirty="0"/>
-              <a:t> ad minim </a:t>
-            </a:r>
-            <a:r>
-              <a:rPr lang="en-US" sz="1500" dirty="0" err="1"/>
-              <a:t>veniam</a:t>
-            </a:r>
-            <a:r>
-              <a:rPr lang="en-US" sz="1500" dirty="0"/>
-              <a:t>, </a:t>
-            </a:r>
-            <a:r>
-              <a:rPr lang="en-US" sz="1500" dirty="0" err="1"/>
-              <a:t>quis</a:t>
-            </a:r>
-            <a:r>
-              <a:rPr lang="en-US" sz="1500" dirty="0"/>
-              <a:t> </a:t>
-            </a:r>
-            <a:r>
-              <a:rPr lang="en-US" sz="1500" dirty="0" err="1"/>
-              <a:t>nostrud</a:t>
-            </a:r>
-            <a:r>
-              <a:rPr lang="en-US" sz="1500" dirty="0"/>
-              <a:t> </a:t>
-            </a:r>
-            <a:r>
-              <a:rPr lang="en-US" sz="1500" dirty="0" err="1"/>
-              <a:t>exerci</a:t>
-            </a:r>
-            <a:r>
-              <a:rPr lang="en-US" sz="1500" dirty="0"/>
-              <a:t> </a:t>
-            </a:r>
-            <a:r>
-              <a:rPr lang="en-US" sz="1500" dirty="0" err="1"/>
-              <a:t>tation</a:t>
-            </a:r>
-            <a:r>
-              <a:rPr lang="en-US" sz="1500" dirty="0"/>
-              <a:t>.</a:t>
-            </a:r>
-          </a:p>
-          <a:p>
-            <a:pPr marL="285750" indent="-285750">
-              <a:lnSpc>
-                <a:spcPct val="117000"/>
-              </a:lnSpc>
-              <a:spcAft>
-                <a:spcPts val="1200"/>
-              </a:spcAft>
-              <a:buClr>
-                <a:srgbClr val="04244C"/>
-              </a:buClr>
-              <a:buSzPct val="170000"/>
-              <a:buFont typeface="Arial" panose="020B0604020202020204" pitchFamily="34" charset="0"/>
-              <a:buChar char="•"/>
-            </a:pPr>
-            <a:r>
-              <a:rPr lang="en-US" sz="1500" dirty="0" err="1"/>
-              <a:t>Adipiscing</a:t>
-            </a:r>
-            <a:r>
-              <a:rPr lang="en-US" sz="1500" dirty="0"/>
-              <a:t> </a:t>
-            </a:r>
-            <a:r>
-              <a:rPr lang="en-US" sz="1500" dirty="0" err="1"/>
-              <a:t>elit</a:t>
-            </a:r>
-            <a:r>
-              <a:rPr lang="en-US" sz="1500" dirty="0"/>
-              <a:t>, </a:t>
-            </a:r>
-            <a:r>
-              <a:rPr lang="en-US" sz="1500" dirty="0" err="1"/>
-              <a:t>sed</a:t>
-            </a:r>
-            <a:r>
-              <a:rPr lang="en-US" sz="1500" dirty="0"/>
-              <a:t> </a:t>
-            </a:r>
-            <a:r>
-              <a:rPr lang="en-US" sz="1500" dirty="0" err="1"/>
-              <a:t>diam</a:t>
-            </a:r>
-            <a:r>
-              <a:rPr lang="en-US" sz="1500" dirty="0"/>
-              <a:t> </a:t>
-            </a:r>
-            <a:r>
-              <a:rPr lang="en-US" sz="1500" dirty="0" err="1"/>
-              <a:t>nonummy</a:t>
-            </a:r>
-            <a:r>
-              <a:rPr lang="en-US" sz="1500" dirty="0"/>
-              <a:t> </a:t>
-            </a:r>
-            <a:r>
-              <a:rPr lang="en-US" sz="1500" dirty="0" err="1"/>
-              <a:t>nibh</a:t>
-            </a:r>
-            <a:r>
-              <a:rPr lang="en-US" sz="1500" dirty="0"/>
-              <a:t> </a:t>
-            </a:r>
-            <a:r>
-              <a:rPr lang="en-US" sz="1500" dirty="0" err="1"/>
-              <a:t>euismod</a:t>
-            </a:r>
-            <a:r>
-              <a:rPr lang="en-US" sz="1500" dirty="0"/>
-              <a:t> </a:t>
-            </a:r>
-            <a:br>
-              <a:rPr lang="en-US" sz="1500" dirty="0"/>
-            </a:br>
-            <a:r>
-              <a:rPr lang="en-US" sz="1500" dirty="0" err="1"/>
-              <a:t>tincidunt</a:t>
-            </a:r>
-            <a:r>
-              <a:rPr lang="en-US" sz="1500" dirty="0"/>
-              <a:t> </a:t>
-            </a:r>
-            <a:r>
-              <a:rPr lang="en-US" sz="1500" dirty="0" err="1"/>
-              <a:t>ut</a:t>
-            </a:r>
-            <a:r>
-              <a:rPr lang="en-US" sz="1500" dirty="0"/>
-              <a:t> </a:t>
-            </a:r>
-            <a:r>
-              <a:rPr lang="en-US" sz="1500" b="1" dirty="0" err="1">
-                <a:solidFill>
-                  <a:schemeClr val="accent2"/>
-                </a:solidFill>
-                <a:latin typeface="Arial" panose="020B0706030804020204" pitchFamily="34" charset="0"/>
-                <a:ea typeface="Arial" panose="020B0706030804020204" pitchFamily="34" charset="0"/>
-                <a:cs typeface="Arial" panose="020B0706030804020204" pitchFamily="34" charset="0"/>
-              </a:rPr>
-              <a:t>laoreet</a:t>
-            </a:r>
-            <a:r>
-              <a:rPr lang="en-US" sz="1500" b="1" dirty="0">
-                <a:solidFill>
-                  <a:schemeClr val="accent2"/>
-                </a:solidFill>
-                <a:latin typeface="Arial" panose="020B0706030804020204" pitchFamily="34" charset="0"/>
-                <a:ea typeface="Arial" panose="020B0706030804020204" pitchFamily="34" charset="0"/>
-                <a:cs typeface="Arial" panose="020B0706030804020204" pitchFamily="34" charset="0"/>
-              </a:rPr>
-              <a:t> </a:t>
-            </a:r>
-            <a:r>
-              <a:rPr lang="en-US" sz="1500" b="1" dirty="0" err="1">
-                <a:solidFill>
-                  <a:schemeClr val="accent2"/>
-                </a:solidFill>
-                <a:latin typeface="Arial" panose="020B0706030804020204" pitchFamily="34" charset="0"/>
-                <a:ea typeface="Arial" panose="020B0706030804020204" pitchFamily="34" charset="0"/>
-                <a:cs typeface="Arial" panose="020B0706030804020204" pitchFamily="34" charset="0"/>
-              </a:rPr>
-              <a:t>dolore</a:t>
-            </a:r>
-            <a:r>
-              <a:rPr lang="en-US" sz="1500" b="1" dirty="0">
-                <a:solidFill>
-                  <a:schemeClr val="accent2"/>
-                </a:solidFill>
-                <a:latin typeface="Arial" panose="020B0706030804020204" pitchFamily="34" charset="0"/>
-                <a:ea typeface="Arial" panose="020B0706030804020204" pitchFamily="34" charset="0"/>
-                <a:cs typeface="Arial" panose="020B0706030804020204" pitchFamily="34" charset="0"/>
-              </a:rPr>
-              <a:t> magna</a:t>
-            </a:r>
-            <a:r>
-              <a:rPr lang="en-US" sz="1500" b="1" dirty="0"/>
-              <a:t> </a:t>
-            </a:r>
-            <a:r>
-              <a:rPr lang="en-US" sz="1500" dirty="0" err="1"/>
-              <a:t>aliquam</a:t>
-            </a:r>
-            <a:r>
-              <a:rPr lang="en-US" sz="1500" dirty="0"/>
-              <a:t> </a:t>
-            </a:r>
-            <a:r>
-              <a:rPr lang="en-US" sz="1500" dirty="0" err="1"/>
-              <a:t>erat</a:t>
-            </a:r>
-            <a:r>
-              <a:rPr lang="en-US" sz="1500" dirty="0"/>
-              <a:t> </a:t>
-            </a:r>
-            <a:r>
-              <a:rPr lang="en-US" sz="1500" dirty="0" err="1"/>
-              <a:t>volutpat</a:t>
-            </a:r>
-            <a:r>
-              <a:rPr lang="en-US" sz="1500" dirty="0"/>
-              <a:t>. </a:t>
-            </a:r>
-            <a:br>
-              <a:rPr lang="en-US" sz="1500" dirty="0"/>
-            </a:br>
-            <a:r>
-              <a:rPr lang="en-US" sz="1500" dirty="0" err="1"/>
-              <a:t>Ut</a:t>
-            </a:r>
-            <a:r>
-              <a:rPr lang="en-US" sz="1500" dirty="0"/>
-              <a:t> </a:t>
-            </a:r>
-            <a:r>
-              <a:rPr lang="en-US" sz="1500" dirty="0" err="1"/>
-              <a:t>wisi</a:t>
-            </a:r>
-            <a:r>
-              <a:rPr lang="en-US" sz="1500" dirty="0"/>
-              <a:t> </a:t>
-            </a:r>
-            <a:r>
-              <a:rPr lang="en-US" sz="1500" dirty="0" err="1"/>
-              <a:t>enim</a:t>
-            </a:r>
-            <a:r>
-              <a:rPr lang="en-US" sz="1500" dirty="0"/>
-              <a:t> ad minim </a:t>
-            </a:r>
-            <a:r>
-              <a:rPr lang="en-US" sz="1500" dirty="0" err="1"/>
-              <a:t>veniam</a:t>
-            </a:r>
-            <a:r>
-              <a:rPr lang="en-US" sz="1500" dirty="0"/>
-              <a:t>.</a:t>
-            </a:r>
-          </a:p>
-          <a:p>
-            <a:pPr marL="449263" lvl="1" indent="-182563">
-              <a:lnSpc>
-                <a:spcPct val="117000"/>
-              </a:lnSpc>
-              <a:spcAft>
-                <a:spcPts val="1200"/>
-              </a:spcAft>
-              <a:buClr>
-                <a:srgbClr val="04244C"/>
-              </a:buClr>
-              <a:buSzPct val="120000"/>
-              <a:buFont typeface="Arial" panose="020B0604020202020204" pitchFamily="34" charset="0"/>
-              <a:buChar char="•"/>
-            </a:pPr>
-            <a:r>
-              <a:rPr lang="en-US" sz="1200" dirty="0"/>
-              <a:t>Lorem ipsum dolor sit </a:t>
-            </a:r>
-            <a:r>
-              <a:rPr lang="en-US" sz="1200" dirty="0" err="1"/>
-              <a:t>amet</a:t>
-            </a:r>
-            <a:r>
-              <a:rPr lang="en-US" sz="1200" dirty="0"/>
-              <a:t>, </a:t>
-            </a:r>
-            <a:r>
-              <a:rPr lang="en-US" sz="1200" dirty="0" err="1"/>
-              <a:t>consectetuer</a:t>
-            </a:r>
-            <a:r>
-              <a:rPr lang="en-US" sz="1200" dirty="0"/>
-              <a:t> </a:t>
-            </a:r>
-            <a:r>
-              <a:rPr lang="en-US" sz="1200" dirty="0" err="1"/>
-              <a:t>adipiscing</a:t>
-            </a:r>
-            <a:r>
-              <a:rPr lang="en-US" sz="1200" dirty="0"/>
-              <a:t> </a:t>
-            </a:r>
-            <a:r>
-              <a:rPr lang="en-US" sz="1200" dirty="0" err="1"/>
-              <a:t>elit</a:t>
-            </a:r>
-            <a:r>
-              <a:rPr lang="en-US" sz="1200" dirty="0"/>
-              <a:t>, </a:t>
-            </a:r>
-            <a:r>
-              <a:rPr lang="en-US" sz="1200" dirty="0" err="1"/>
-              <a:t>sed</a:t>
-            </a:r>
-            <a:r>
-              <a:rPr lang="en-US" sz="1200" dirty="0"/>
-              <a:t> </a:t>
-            </a:r>
-            <a:r>
-              <a:rPr lang="en-US" sz="1200" dirty="0" err="1"/>
-              <a:t>diam</a:t>
-            </a:r>
-            <a:r>
-              <a:rPr lang="en-US" sz="1200" dirty="0"/>
-              <a:t> </a:t>
-            </a:r>
-            <a:r>
-              <a:rPr lang="en-US" sz="1200" dirty="0" err="1"/>
-              <a:t>nonummy</a:t>
-            </a:r>
-            <a:r>
-              <a:rPr lang="en-US" sz="1200" dirty="0"/>
-              <a:t> </a:t>
-            </a:r>
-            <a:r>
-              <a:rPr lang="en-US" sz="1200" dirty="0" err="1"/>
-              <a:t>nibh</a:t>
-            </a:r>
-            <a:r>
-              <a:rPr lang="en-US" sz="1200" dirty="0"/>
-              <a:t> </a:t>
-            </a:r>
-            <a:r>
-              <a:rPr lang="en-US" sz="1200" dirty="0" err="1"/>
-              <a:t>euismod</a:t>
-            </a:r>
-            <a:r>
-              <a:rPr lang="en-US" sz="1200" dirty="0"/>
-              <a:t> </a:t>
-            </a:r>
-            <a:r>
-              <a:rPr lang="en-US" sz="1200" dirty="0" err="1"/>
-              <a:t>tincidunt</a:t>
-            </a:r>
-            <a:r>
-              <a:rPr lang="en-US" sz="1200" dirty="0"/>
-              <a:t> </a:t>
-            </a:r>
-            <a:r>
-              <a:rPr lang="en-US" sz="1200" dirty="0" err="1"/>
-              <a:t>ut</a:t>
-            </a:r>
-            <a:r>
-              <a:rPr lang="en-US" sz="1200" dirty="0"/>
-              <a:t> </a:t>
-            </a:r>
-            <a:r>
-              <a:rPr lang="en-US" sz="1200" dirty="0" err="1"/>
-              <a:t>laoreet</a:t>
-            </a:r>
-            <a:r>
-              <a:rPr lang="en-US" sz="1200" dirty="0"/>
-              <a:t> </a:t>
-            </a:r>
-            <a:r>
-              <a:rPr lang="en-US" sz="1200" dirty="0" err="1"/>
-              <a:t>dolore</a:t>
-            </a:r>
-            <a:r>
-              <a:rPr lang="en-US" sz="1200" dirty="0"/>
-              <a:t> </a:t>
-            </a:r>
-            <a:r>
-              <a:rPr lang="en-US" sz="1200" dirty="0" err="1"/>
-              <a:t>magn</a:t>
-            </a:r>
-            <a:r>
-              <a:rPr lang="en-US" sz="1200" dirty="0"/>
-              <a:t>. </a:t>
-            </a:r>
+              <a:t>Equipments</a:t>
+            </a:r>
+            <a:endParaRPr lang="en-US" sz="1500" dirty="0"/>
           </a:p>
         </p:txBody>
       </p:sp>

--- a/afp_challenge/afp_challenge_deck.pptx
+++ b/afp_challenge/afp_challenge_deck.pptx
@@ -34448,16 +34448,14 @@
         <p:spPr>
           <a:xfrm>
             <a:off x="249060" y="5040870"/>
-            <a:ext cx="5318439" cy="616644"/>
+            <a:ext cx="5318439" cy="659476"/>
           </a:xfrm>
           <a:prstGeom prst="rect">
             <a:avLst/>
           </a:prstGeom>
           <a:noFill/>
           <a:ln>
-            <a:solidFill>
-              <a:srgbClr val="04244C"/>
-            </a:solidFill>
+            <a:noFill/>
           </a:ln>
         </p:spPr>
         <p:txBody>
@@ -34481,254 +34479,28 @@
               <a:buChar char="•"/>
             </a:pPr>
             <a:r>
-              <a:rPr lang="en-US" sz="1000" dirty="0"/>
-              <a:t>Our idea is to create, </a:t>
+              <a:rPr lang="en-US" sz="1200" dirty="0"/>
+              <a:t>Personal accessories leads the product line</a:t>
             </a:r>
+          </a:p>
+          <a:p>
+            <a:pPr marL="285750" indent="-285750">
+              <a:lnSpc>
+                <a:spcPct val="117000"/>
+              </a:lnSpc>
+              <a:spcAft>
+                <a:spcPts val="1200"/>
+              </a:spcAft>
+              <a:buClr>
+                <a:srgbClr val="04244C"/>
+              </a:buClr>
+              <a:buSzPct val="170000"/>
+              <a:buFont typeface="Arial" panose="020B0604020202020204" pitchFamily="34" charset="0"/>
+              <a:buChar char="•"/>
+            </a:pPr>
             <a:r>
-              <a:rPr lang="en-US" sz="1000" dirty="0" err="1"/>
-              <a:t>consectetuer</a:t>
-            </a:r>
-            <a:r>
-              <a:rPr lang="en-US" sz="1000" dirty="0"/>
-              <a:t> </a:t>
-            </a:r>
-            <a:r>
-              <a:rPr lang="en-US" sz="1000" dirty="0" err="1"/>
-              <a:t>adipiscing</a:t>
-            </a:r>
-            <a:r>
-              <a:rPr lang="en-US" sz="1000" dirty="0"/>
-              <a:t> </a:t>
-            </a:r>
-            <a:r>
-              <a:rPr lang="en-US" sz="1000" dirty="0" err="1"/>
-              <a:t>elit</a:t>
-            </a:r>
-            <a:r>
-              <a:rPr lang="en-US" sz="1000" dirty="0"/>
-              <a:t>, </a:t>
-            </a:r>
-            <a:r>
-              <a:rPr lang="en-US" sz="1000" dirty="0" err="1"/>
-              <a:t>sed</a:t>
-            </a:r>
-            <a:r>
-              <a:rPr lang="en-US" sz="1000" dirty="0"/>
-              <a:t> </a:t>
-            </a:r>
-            <a:r>
-              <a:rPr lang="en-US" sz="1000" dirty="0" err="1"/>
-              <a:t>diam</a:t>
-            </a:r>
-            <a:r>
-              <a:rPr lang="en-US" sz="1000" dirty="0"/>
-              <a:t> </a:t>
-            </a:r>
-            <a:r>
-              <a:rPr lang="en-US" sz="1000" dirty="0" err="1"/>
-              <a:t>nonummy</a:t>
-            </a:r>
-            <a:r>
-              <a:rPr lang="en-US" sz="1000" dirty="0"/>
-              <a:t> </a:t>
-            </a:r>
-            <a:r>
-              <a:rPr lang="en-US" sz="1000" b="1" dirty="0" err="1">
-                <a:solidFill>
-                  <a:schemeClr val="accent1"/>
-                </a:solidFill>
-                <a:latin typeface="Arial" panose="020B0706030804020204" pitchFamily="34" charset="0"/>
-                <a:ea typeface="Arial" panose="020B0706030804020204" pitchFamily="34" charset="0"/>
-                <a:cs typeface="Arial" panose="020B0706030804020204" pitchFamily="34" charset="0"/>
-              </a:rPr>
-              <a:t>nibh</a:t>
-            </a:r>
-            <a:r>
-              <a:rPr lang="en-US" sz="1000" b="1" dirty="0">
-                <a:solidFill>
-                  <a:schemeClr val="accent1"/>
-                </a:solidFill>
-                <a:latin typeface="Arial" panose="020B0706030804020204" pitchFamily="34" charset="0"/>
-                <a:ea typeface="Arial" panose="020B0706030804020204" pitchFamily="34" charset="0"/>
-                <a:cs typeface="Arial" panose="020B0706030804020204" pitchFamily="34" charset="0"/>
-              </a:rPr>
-              <a:t> </a:t>
-            </a:r>
-            <a:r>
-              <a:rPr lang="en-US" sz="1000" b="1" dirty="0" err="1">
-                <a:solidFill>
-                  <a:schemeClr val="accent1"/>
-                </a:solidFill>
-                <a:latin typeface="Arial" panose="020B0706030804020204" pitchFamily="34" charset="0"/>
-                <a:ea typeface="Arial" panose="020B0706030804020204" pitchFamily="34" charset="0"/>
-                <a:cs typeface="Arial" panose="020B0706030804020204" pitchFamily="34" charset="0"/>
-              </a:rPr>
-              <a:t>euismod</a:t>
-            </a:r>
-            <a:r>
-              <a:rPr lang="en-US" sz="1000" b="1" dirty="0">
-                <a:solidFill>
-                  <a:schemeClr val="accent1"/>
-                </a:solidFill>
-                <a:latin typeface="Arial" panose="020B0706030804020204" pitchFamily="34" charset="0"/>
-                <a:ea typeface="Arial" panose="020B0706030804020204" pitchFamily="34" charset="0"/>
-                <a:cs typeface="Arial" panose="020B0706030804020204" pitchFamily="34" charset="0"/>
-              </a:rPr>
-              <a:t> </a:t>
-            </a:r>
-            <a:r>
-              <a:rPr lang="en-US" sz="1000" b="1" dirty="0" err="1">
-                <a:solidFill>
-                  <a:schemeClr val="accent1"/>
-                </a:solidFill>
-                <a:latin typeface="Arial" panose="020B0706030804020204" pitchFamily="34" charset="0"/>
-                <a:ea typeface="Arial" panose="020B0706030804020204" pitchFamily="34" charset="0"/>
-                <a:cs typeface="Arial" panose="020B0706030804020204" pitchFamily="34" charset="0"/>
-              </a:rPr>
-              <a:t>tincidunt</a:t>
-            </a:r>
-            <a:r>
-              <a:rPr lang="en-US" sz="1000" b="1" dirty="0">
-                <a:solidFill>
-                  <a:schemeClr val="accent1"/>
-                </a:solidFill>
-                <a:latin typeface="Arial" panose="020B0706030804020204" pitchFamily="34" charset="0"/>
-                <a:ea typeface="Arial" panose="020B0706030804020204" pitchFamily="34" charset="0"/>
-                <a:cs typeface="Arial" panose="020B0706030804020204" pitchFamily="34" charset="0"/>
-              </a:rPr>
-              <a:t> </a:t>
-            </a:r>
-            <a:r>
-              <a:rPr lang="en-US" sz="1000" b="1" dirty="0" err="1">
-                <a:solidFill>
-                  <a:schemeClr val="accent1"/>
-                </a:solidFill>
-                <a:latin typeface="Arial" panose="020B0706030804020204" pitchFamily="34" charset="0"/>
-                <a:ea typeface="Arial" panose="020B0706030804020204" pitchFamily="34" charset="0"/>
-                <a:cs typeface="Arial" panose="020B0706030804020204" pitchFamily="34" charset="0"/>
-              </a:rPr>
-              <a:t>ut</a:t>
-            </a:r>
-            <a:r>
-              <a:rPr lang="en-US" sz="1000" b="1" dirty="0">
-                <a:solidFill>
-                  <a:schemeClr val="accent1"/>
-                </a:solidFill>
-                <a:latin typeface="Arial" panose="020B0706030804020204" pitchFamily="34" charset="0"/>
-                <a:ea typeface="Arial" panose="020B0706030804020204" pitchFamily="34" charset="0"/>
-                <a:cs typeface="Arial" panose="020B0706030804020204" pitchFamily="34" charset="0"/>
-              </a:rPr>
-              <a:t> </a:t>
-            </a:r>
-            <a:r>
-              <a:rPr lang="en-US" sz="1000" b="1" dirty="0" err="1">
-                <a:solidFill>
-                  <a:schemeClr val="accent1"/>
-                </a:solidFill>
-                <a:latin typeface="Arial" panose="020B0706030804020204" pitchFamily="34" charset="0"/>
-                <a:ea typeface="Arial" panose="020B0706030804020204" pitchFamily="34" charset="0"/>
-                <a:cs typeface="Arial" panose="020B0706030804020204" pitchFamily="34" charset="0"/>
-              </a:rPr>
-              <a:t>laoreet</a:t>
-            </a:r>
-            <a:r>
-              <a:rPr lang="en-US" sz="1000" b="1" dirty="0">
-                <a:solidFill>
-                  <a:schemeClr val="accent1"/>
-                </a:solidFill>
-                <a:latin typeface="Arial" panose="020B0706030804020204" pitchFamily="34" charset="0"/>
-                <a:ea typeface="Arial" panose="020B0706030804020204" pitchFamily="34" charset="0"/>
-                <a:cs typeface="Arial" panose="020B0706030804020204" pitchFamily="34" charset="0"/>
-              </a:rPr>
-              <a:t> </a:t>
-            </a:r>
-            <a:r>
-              <a:rPr lang="en-US" sz="1000" dirty="0" err="1"/>
-              <a:t>dolore</a:t>
-            </a:r>
-            <a:r>
-              <a:rPr lang="en-US" sz="1000" dirty="0"/>
-              <a:t> magna </a:t>
-            </a:r>
-            <a:r>
-              <a:rPr lang="en-US" sz="1000" dirty="0" err="1"/>
-              <a:t>aliquam</a:t>
-            </a:r>
-            <a:r>
-              <a:rPr lang="en-US" sz="1000" dirty="0"/>
-              <a:t> </a:t>
-            </a:r>
-            <a:r>
-              <a:rPr lang="en-US" sz="1000" dirty="0" err="1"/>
-              <a:t>erat</a:t>
-            </a:r>
-            <a:r>
-              <a:rPr lang="en-US" sz="1000" dirty="0"/>
-              <a:t> </a:t>
-            </a:r>
-            <a:r>
-              <a:rPr lang="en-US" sz="1000" dirty="0" err="1"/>
-              <a:t>volutpat</a:t>
-            </a:r>
-            <a:r>
-              <a:rPr lang="en-US" sz="1000" dirty="0"/>
-              <a:t>. Ut </a:t>
-            </a:r>
-            <a:r>
-              <a:rPr lang="en-US" sz="1000" dirty="0" err="1"/>
-              <a:t>wisi</a:t>
-            </a:r>
-            <a:r>
-              <a:rPr lang="en-US" sz="1000" dirty="0"/>
-              <a:t> </a:t>
-            </a:r>
-            <a:r>
-              <a:rPr lang="en-US" sz="1000" dirty="0" err="1"/>
-              <a:t>enim</a:t>
-            </a:r>
-            <a:r>
-              <a:rPr lang="en-US" sz="1000" dirty="0"/>
-              <a:t> ad minim </a:t>
-            </a:r>
-            <a:r>
-              <a:rPr lang="en-US" sz="1000" dirty="0" err="1"/>
-              <a:t>veniam</a:t>
-            </a:r>
-            <a:r>
-              <a:rPr lang="en-US" sz="1000" dirty="0"/>
-              <a:t>, </a:t>
-            </a:r>
-            <a:r>
-              <a:rPr lang="en-US" sz="1000" dirty="0" err="1"/>
-              <a:t>quis</a:t>
-            </a:r>
-            <a:r>
-              <a:rPr lang="en-US" sz="1000" dirty="0"/>
-              <a:t> </a:t>
-            </a:r>
-            <a:r>
-              <a:rPr lang="en-US" sz="1000" dirty="0" err="1"/>
-              <a:t>nostrud</a:t>
-            </a:r>
-            <a:r>
-              <a:rPr lang="en-US" sz="1000" dirty="0"/>
-              <a:t> </a:t>
-            </a:r>
-            <a:r>
-              <a:rPr lang="en-US" sz="1000" dirty="0" err="1"/>
-              <a:t>exerci</a:t>
-            </a:r>
-            <a:r>
-              <a:rPr lang="en-US" sz="1000" dirty="0"/>
-              <a:t> </a:t>
-            </a:r>
-            <a:r>
-              <a:rPr lang="en-US" sz="1000" dirty="0" err="1"/>
-              <a:t>tation</a:t>
-            </a:r>
-            <a:r>
-              <a:rPr lang="en-US" sz="1000" dirty="0"/>
-              <a:t>.</a:t>
+              <a:rPr lang="en-US" sz="1200" dirty="0"/>
+              <a:t>Camping Equipment needs to improve gross margin </a:t>
             </a:r>
           </a:p>
         </p:txBody>
@@ -34783,16 +34555,14 @@
         <p:spPr>
           <a:xfrm>
             <a:off x="5822080" y="5044960"/>
-            <a:ext cx="6181514" cy="436594"/>
+            <a:ext cx="6181514" cy="659476"/>
           </a:xfrm>
           <a:prstGeom prst="rect">
             <a:avLst/>
           </a:prstGeom>
           <a:noFill/>
           <a:ln>
-            <a:solidFill>
-              <a:srgbClr val="04244C"/>
-            </a:solidFill>
+            <a:noFill/>
           </a:ln>
         </p:spPr>
         <p:txBody>
@@ -34816,254 +34586,28 @@
               <a:buChar char="•"/>
             </a:pPr>
             <a:r>
-              <a:rPr lang="en-US" sz="1000" dirty="0"/>
-              <a:t>Our idea is to create, </a:t>
+              <a:rPr lang="en-US" sz="1200" dirty="0"/>
+              <a:t>United States and Japan are top markets.  </a:t>
             </a:r>
+          </a:p>
+          <a:p>
+            <a:pPr marL="285750" indent="-285750">
+              <a:lnSpc>
+                <a:spcPct val="117000"/>
+              </a:lnSpc>
+              <a:spcAft>
+                <a:spcPts val="1200"/>
+              </a:spcAft>
+              <a:buClr>
+                <a:srgbClr val="04244C"/>
+              </a:buClr>
+              <a:buSzPct val="170000"/>
+              <a:buFont typeface="Arial" panose="020B0604020202020204" pitchFamily="34" charset="0"/>
+              <a:buChar char="•"/>
+            </a:pPr>
             <a:r>
-              <a:rPr lang="en-US" sz="1000" dirty="0" err="1"/>
-              <a:t>consectetuer</a:t>
-            </a:r>
-            <a:r>
-              <a:rPr lang="en-US" sz="1000" dirty="0"/>
-              <a:t> </a:t>
-            </a:r>
-            <a:r>
-              <a:rPr lang="en-US" sz="1000" dirty="0" err="1"/>
-              <a:t>adipiscing</a:t>
-            </a:r>
-            <a:r>
-              <a:rPr lang="en-US" sz="1000" dirty="0"/>
-              <a:t> </a:t>
-            </a:r>
-            <a:r>
-              <a:rPr lang="en-US" sz="1000" dirty="0" err="1"/>
-              <a:t>elit</a:t>
-            </a:r>
-            <a:r>
-              <a:rPr lang="en-US" sz="1000" dirty="0"/>
-              <a:t>, </a:t>
-            </a:r>
-            <a:r>
-              <a:rPr lang="en-US" sz="1000" dirty="0" err="1"/>
-              <a:t>sed</a:t>
-            </a:r>
-            <a:r>
-              <a:rPr lang="en-US" sz="1000" dirty="0"/>
-              <a:t> </a:t>
-            </a:r>
-            <a:r>
-              <a:rPr lang="en-US" sz="1000" dirty="0" err="1"/>
-              <a:t>diam</a:t>
-            </a:r>
-            <a:r>
-              <a:rPr lang="en-US" sz="1000" dirty="0"/>
-              <a:t> </a:t>
-            </a:r>
-            <a:r>
-              <a:rPr lang="en-US" sz="1000" dirty="0" err="1"/>
-              <a:t>nonummy</a:t>
-            </a:r>
-            <a:r>
-              <a:rPr lang="en-US" sz="1000" dirty="0"/>
-              <a:t> </a:t>
-            </a:r>
-            <a:r>
-              <a:rPr lang="en-US" sz="1000" b="1" dirty="0" err="1">
-                <a:solidFill>
-                  <a:schemeClr val="accent1"/>
-                </a:solidFill>
-                <a:latin typeface="Arial" panose="020B0706030804020204" pitchFamily="34" charset="0"/>
-                <a:ea typeface="Arial" panose="020B0706030804020204" pitchFamily="34" charset="0"/>
-                <a:cs typeface="Arial" panose="020B0706030804020204" pitchFamily="34" charset="0"/>
-              </a:rPr>
-              <a:t>nibh</a:t>
-            </a:r>
-            <a:r>
-              <a:rPr lang="en-US" sz="1000" b="1" dirty="0">
-                <a:solidFill>
-                  <a:schemeClr val="accent1"/>
-                </a:solidFill>
-                <a:latin typeface="Arial" panose="020B0706030804020204" pitchFamily="34" charset="0"/>
-                <a:ea typeface="Arial" panose="020B0706030804020204" pitchFamily="34" charset="0"/>
-                <a:cs typeface="Arial" panose="020B0706030804020204" pitchFamily="34" charset="0"/>
-              </a:rPr>
-              <a:t> </a:t>
-            </a:r>
-            <a:r>
-              <a:rPr lang="en-US" sz="1000" b="1" dirty="0" err="1">
-                <a:solidFill>
-                  <a:schemeClr val="accent1"/>
-                </a:solidFill>
-                <a:latin typeface="Arial" panose="020B0706030804020204" pitchFamily="34" charset="0"/>
-                <a:ea typeface="Arial" panose="020B0706030804020204" pitchFamily="34" charset="0"/>
-                <a:cs typeface="Arial" panose="020B0706030804020204" pitchFamily="34" charset="0"/>
-              </a:rPr>
-              <a:t>euismod</a:t>
-            </a:r>
-            <a:r>
-              <a:rPr lang="en-US" sz="1000" b="1" dirty="0">
-                <a:solidFill>
-                  <a:schemeClr val="accent1"/>
-                </a:solidFill>
-                <a:latin typeface="Arial" panose="020B0706030804020204" pitchFamily="34" charset="0"/>
-                <a:ea typeface="Arial" panose="020B0706030804020204" pitchFamily="34" charset="0"/>
-                <a:cs typeface="Arial" panose="020B0706030804020204" pitchFamily="34" charset="0"/>
-              </a:rPr>
-              <a:t> </a:t>
-            </a:r>
-            <a:r>
-              <a:rPr lang="en-US" sz="1000" b="1" dirty="0" err="1">
-                <a:solidFill>
-                  <a:schemeClr val="accent1"/>
-                </a:solidFill>
-                <a:latin typeface="Arial" panose="020B0706030804020204" pitchFamily="34" charset="0"/>
-                <a:ea typeface="Arial" panose="020B0706030804020204" pitchFamily="34" charset="0"/>
-                <a:cs typeface="Arial" panose="020B0706030804020204" pitchFamily="34" charset="0"/>
-              </a:rPr>
-              <a:t>tincidunt</a:t>
-            </a:r>
-            <a:r>
-              <a:rPr lang="en-US" sz="1000" b="1" dirty="0">
-                <a:solidFill>
-                  <a:schemeClr val="accent1"/>
-                </a:solidFill>
-                <a:latin typeface="Arial" panose="020B0706030804020204" pitchFamily="34" charset="0"/>
-                <a:ea typeface="Arial" panose="020B0706030804020204" pitchFamily="34" charset="0"/>
-                <a:cs typeface="Arial" panose="020B0706030804020204" pitchFamily="34" charset="0"/>
-              </a:rPr>
-              <a:t> </a:t>
-            </a:r>
-            <a:r>
-              <a:rPr lang="en-US" sz="1000" b="1" dirty="0" err="1">
-                <a:solidFill>
-                  <a:schemeClr val="accent1"/>
-                </a:solidFill>
-                <a:latin typeface="Arial" panose="020B0706030804020204" pitchFamily="34" charset="0"/>
-                <a:ea typeface="Arial" panose="020B0706030804020204" pitchFamily="34" charset="0"/>
-                <a:cs typeface="Arial" panose="020B0706030804020204" pitchFamily="34" charset="0"/>
-              </a:rPr>
-              <a:t>ut</a:t>
-            </a:r>
-            <a:r>
-              <a:rPr lang="en-US" sz="1000" b="1" dirty="0">
-                <a:solidFill>
-                  <a:schemeClr val="accent1"/>
-                </a:solidFill>
-                <a:latin typeface="Arial" panose="020B0706030804020204" pitchFamily="34" charset="0"/>
-                <a:ea typeface="Arial" panose="020B0706030804020204" pitchFamily="34" charset="0"/>
-                <a:cs typeface="Arial" panose="020B0706030804020204" pitchFamily="34" charset="0"/>
-              </a:rPr>
-              <a:t> </a:t>
-            </a:r>
-            <a:r>
-              <a:rPr lang="en-US" sz="1000" b="1" dirty="0" err="1">
-                <a:solidFill>
-                  <a:schemeClr val="accent1"/>
-                </a:solidFill>
-                <a:latin typeface="Arial" panose="020B0706030804020204" pitchFamily="34" charset="0"/>
-                <a:ea typeface="Arial" panose="020B0706030804020204" pitchFamily="34" charset="0"/>
-                <a:cs typeface="Arial" panose="020B0706030804020204" pitchFamily="34" charset="0"/>
-              </a:rPr>
-              <a:t>laoreet</a:t>
-            </a:r>
-            <a:r>
-              <a:rPr lang="en-US" sz="1000" b="1" dirty="0">
-                <a:solidFill>
-                  <a:schemeClr val="accent1"/>
-                </a:solidFill>
-                <a:latin typeface="Arial" panose="020B0706030804020204" pitchFamily="34" charset="0"/>
-                <a:ea typeface="Arial" panose="020B0706030804020204" pitchFamily="34" charset="0"/>
-                <a:cs typeface="Arial" panose="020B0706030804020204" pitchFamily="34" charset="0"/>
-              </a:rPr>
-              <a:t> </a:t>
-            </a:r>
-            <a:r>
-              <a:rPr lang="en-US" sz="1000" dirty="0" err="1"/>
-              <a:t>dolore</a:t>
-            </a:r>
-            <a:r>
-              <a:rPr lang="en-US" sz="1000" dirty="0"/>
-              <a:t> magna </a:t>
-            </a:r>
-            <a:r>
-              <a:rPr lang="en-US" sz="1000" dirty="0" err="1"/>
-              <a:t>aliquam</a:t>
-            </a:r>
-            <a:r>
-              <a:rPr lang="en-US" sz="1000" dirty="0"/>
-              <a:t> </a:t>
-            </a:r>
-            <a:r>
-              <a:rPr lang="en-US" sz="1000" dirty="0" err="1"/>
-              <a:t>erat</a:t>
-            </a:r>
-            <a:r>
-              <a:rPr lang="en-US" sz="1000" dirty="0"/>
-              <a:t> </a:t>
-            </a:r>
-            <a:r>
-              <a:rPr lang="en-US" sz="1000" dirty="0" err="1"/>
-              <a:t>volutpat</a:t>
-            </a:r>
-            <a:r>
-              <a:rPr lang="en-US" sz="1000" dirty="0"/>
-              <a:t>. Ut </a:t>
-            </a:r>
-            <a:r>
-              <a:rPr lang="en-US" sz="1000" dirty="0" err="1"/>
-              <a:t>wisi</a:t>
-            </a:r>
-            <a:r>
-              <a:rPr lang="en-US" sz="1000" dirty="0"/>
-              <a:t> </a:t>
-            </a:r>
-            <a:r>
-              <a:rPr lang="en-US" sz="1000" dirty="0" err="1"/>
-              <a:t>enim</a:t>
-            </a:r>
-            <a:r>
-              <a:rPr lang="en-US" sz="1000" dirty="0"/>
-              <a:t> ad minim </a:t>
-            </a:r>
-            <a:r>
-              <a:rPr lang="en-US" sz="1000" dirty="0" err="1"/>
-              <a:t>veniam</a:t>
-            </a:r>
-            <a:r>
-              <a:rPr lang="en-US" sz="1000" dirty="0"/>
-              <a:t>, </a:t>
-            </a:r>
-            <a:r>
-              <a:rPr lang="en-US" sz="1000" dirty="0" err="1"/>
-              <a:t>quis</a:t>
-            </a:r>
-            <a:r>
-              <a:rPr lang="en-US" sz="1000" dirty="0"/>
-              <a:t> </a:t>
-            </a:r>
-            <a:r>
-              <a:rPr lang="en-US" sz="1000" dirty="0" err="1"/>
-              <a:t>nostrud</a:t>
-            </a:r>
-            <a:r>
-              <a:rPr lang="en-US" sz="1000" dirty="0"/>
-              <a:t> </a:t>
-            </a:r>
-            <a:r>
-              <a:rPr lang="en-US" sz="1000" dirty="0" err="1"/>
-              <a:t>exerci</a:t>
-            </a:r>
-            <a:r>
-              <a:rPr lang="en-US" sz="1000" dirty="0"/>
-              <a:t> </a:t>
-            </a:r>
-            <a:r>
-              <a:rPr lang="en-US" sz="1000" dirty="0" err="1"/>
-              <a:t>tation</a:t>
-            </a:r>
-            <a:r>
-              <a:rPr lang="en-US" sz="1000" dirty="0"/>
-              <a:t>.</a:t>
+              <a:rPr lang="en-US" sz="1200" dirty="0"/>
+              <a:t>Lagging in Scandinavian markets</a:t>
             </a:r>
           </a:p>
         </p:txBody>
@@ -35215,16 +34759,14 @@
         <p:spPr>
           <a:xfrm>
             <a:off x="537458" y="4914966"/>
-            <a:ext cx="5226855" cy="1148904"/>
+            <a:ext cx="5226855" cy="659476"/>
           </a:xfrm>
           <a:prstGeom prst="rect">
             <a:avLst/>
           </a:prstGeom>
           <a:noFill/>
           <a:ln>
-            <a:solidFill>
-              <a:srgbClr val="04244C"/>
-            </a:solidFill>
+            <a:noFill/>
           </a:ln>
         </p:spPr>
         <p:txBody>
@@ -35248,254 +34790,28 @@
               <a:buChar char="•"/>
             </a:pPr>
             <a:r>
-              <a:rPr lang="en-US" sz="1500" dirty="0"/>
-              <a:t>Our idea is to create, </a:t>
+              <a:rPr lang="en-US" sz="1200" dirty="0"/>
+              <a:t>Web is the primary order method</a:t>
             </a:r>
+          </a:p>
+          <a:p>
+            <a:pPr marL="285750" indent="-285750">
+              <a:lnSpc>
+                <a:spcPct val="117000"/>
+              </a:lnSpc>
+              <a:spcAft>
+                <a:spcPts val="1200"/>
+              </a:spcAft>
+              <a:buClr>
+                <a:srgbClr val="04244C"/>
+              </a:buClr>
+              <a:buSzPct val="170000"/>
+              <a:buFont typeface="Arial" panose="020B0604020202020204" pitchFamily="34" charset="0"/>
+              <a:buChar char="•"/>
+            </a:pPr>
             <a:r>
-              <a:rPr lang="en-US" sz="1500" dirty="0" err="1"/>
-              <a:t>consectetuer</a:t>
-            </a:r>
-            <a:r>
-              <a:rPr lang="en-US" sz="1500" dirty="0"/>
-              <a:t> </a:t>
-            </a:r>
-            <a:r>
-              <a:rPr lang="en-US" sz="1500" dirty="0" err="1"/>
-              <a:t>adipiscing</a:t>
-            </a:r>
-            <a:r>
-              <a:rPr lang="en-US" sz="1500" dirty="0"/>
-              <a:t> </a:t>
-            </a:r>
-            <a:r>
-              <a:rPr lang="en-US" sz="1500" dirty="0" err="1"/>
-              <a:t>elit</a:t>
-            </a:r>
-            <a:r>
-              <a:rPr lang="en-US" sz="1500" dirty="0"/>
-              <a:t>, </a:t>
-            </a:r>
-            <a:r>
-              <a:rPr lang="en-US" sz="1500" dirty="0" err="1"/>
-              <a:t>sed</a:t>
-            </a:r>
-            <a:r>
-              <a:rPr lang="en-US" sz="1500" dirty="0"/>
-              <a:t> </a:t>
-            </a:r>
-            <a:r>
-              <a:rPr lang="en-US" sz="1500" dirty="0" err="1"/>
-              <a:t>diam</a:t>
-            </a:r>
-            <a:r>
-              <a:rPr lang="en-US" sz="1500" dirty="0"/>
-              <a:t> </a:t>
-            </a:r>
-            <a:r>
-              <a:rPr lang="en-US" sz="1500" dirty="0" err="1"/>
-              <a:t>nonummy</a:t>
-            </a:r>
-            <a:r>
-              <a:rPr lang="en-US" sz="1500" dirty="0"/>
-              <a:t> </a:t>
-            </a:r>
-            <a:r>
-              <a:rPr lang="en-US" sz="1500" b="1" dirty="0" err="1">
-                <a:solidFill>
-                  <a:schemeClr val="accent1"/>
-                </a:solidFill>
-                <a:latin typeface="Arial" panose="020B0706030804020204" pitchFamily="34" charset="0"/>
-                <a:ea typeface="Arial" panose="020B0706030804020204" pitchFamily="34" charset="0"/>
-                <a:cs typeface="Arial" panose="020B0706030804020204" pitchFamily="34" charset="0"/>
-              </a:rPr>
-              <a:t>nibh</a:t>
-            </a:r>
-            <a:r>
-              <a:rPr lang="en-US" sz="1500" b="1" dirty="0">
-                <a:solidFill>
-                  <a:schemeClr val="accent1"/>
-                </a:solidFill>
-                <a:latin typeface="Arial" panose="020B0706030804020204" pitchFamily="34" charset="0"/>
-                <a:ea typeface="Arial" panose="020B0706030804020204" pitchFamily="34" charset="0"/>
-                <a:cs typeface="Arial" panose="020B0706030804020204" pitchFamily="34" charset="0"/>
-              </a:rPr>
-              <a:t> </a:t>
-            </a:r>
-            <a:r>
-              <a:rPr lang="en-US" sz="1500" b="1" dirty="0" err="1">
-                <a:solidFill>
-                  <a:schemeClr val="accent1"/>
-                </a:solidFill>
-                <a:latin typeface="Arial" panose="020B0706030804020204" pitchFamily="34" charset="0"/>
-                <a:ea typeface="Arial" panose="020B0706030804020204" pitchFamily="34" charset="0"/>
-                <a:cs typeface="Arial" panose="020B0706030804020204" pitchFamily="34" charset="0"/>
-              </a:rPr>
-              <a:t>euismod</a:t>
-            </a:r>
-            <a:r>
-              <a:rPr lang="en-US" sz="1500" b="1" dirty="0">
-                <a:solidFill>
-                  <a:schemeClr val="accent1"/>
-                </a:solidFill>
-                <a:latin typeface="Arial" panose="020B0706030804020204" pitchFamily="34" charset="0"/>
-                <a:ea typeface="Arial" panose="020B0706030804020204" pitchFamily="34" charset="0"/>
-                <a:cs typeface="Arial" panose="020B0706030804020204" pitchFamily="34" charset="0"/>
-              </a:rPr>
-              <a:t> </a:t>
-            </a:r>
-            <a:r>
-              <a:rPr lang="en-US" sz="1500" b="1" dirty="0" err="1">
-                <a:solidFill>
-                  <a:schemeClr val="accent1"/>
-                </a:solidFill>
-                <a:latin typeface="Arial" panose="020B0706030804020204" pitchFamily="34" charset="0"/>
-                <a:ea typeface="Arial" panose="020B0706030804020204" pitchFamily="34" charset="0"/>
-                <a:cs typeface="Arial" panose="020B0706030804020204" pitchFamily="34" charset="0"/>
-              </a:rPr>
-              <a:t>tincidunt</a:t>
-            </a:r>
-            <a:r>
-              <a:rPr lang="en-US" sz="1500" b="1" dirty="0">
-                <a:solidFill>
-                  <a:schemeClr val="accent1"/>
-                </a:solidFill>
-                <a:latin typeface="Arial" panose="020B0706030804020204" pitchFamily="34" charset="0"/>
-                <a:ea typeface="Arial" panose="020B0706030804020204" pitchFamily="34" charset="0"/>
-                <a:cs typeface="Arial" panose="020B0706030804020204" pitchFamily="34" charset="0"/>
-              </a:rPr>
-              <a:t> </a:t>
-            </a:r>
-            <a:r>
-              <a:rPr lang="en-US" sz="1500" b="1" dirty="0" err="1">
-                <a:solidFill>
-                  <a:schemeClr val="accent1"/>
-                </a:solidFill>
-                <a:latin typeface="Arial" panose="020B0706030804020204" pitchFamily="34" charset="0"/>
-                <a:ea typeface="Arial" panose="020B0706030804020204" pitchFamily="34" charset="0"/>
-                <a:cs typeface="Arial" panose="020B0706030804020204" pitchFamily="34" charset="0"/>
-              </a:rPr>
-              <a:t>ut</a:t>
-            </a:r>
-            <a:r>
-              <a:rPr lang="en-US" sz="1500" b="1" dirty="0">
-                <a:solidFill>
-                  <a:schemeClr val="accent1"/>
-                </a:solidFill>
-                <a:latin typeface="Arial" panose="020B0706030804020204" pitchFamily="34" charset="0"/>
-                <a:ea typeface="Arial" panose="020B0706030804020204" pitchFamily="34" charset="0"/>
-                <a:cs typeface="Arial" panose="020B0706030804020204" pitchFamily="34" charset="0"/>
-              </a:rPr>
-              <a:t> </a:t>
-            </a:r>
-            <a:r>
-              <a:rPr lang="en-US" sz="1500" b="1" dirty="0" err="1">
-                <a:solidFill>
-                  <a:schemeClr val="accent1"/>
-                </a:solidFill>
-                <a:latin typeface="Arial" panose="020B0706030804020204" pitchFamily="34" charset="0"/>
-                <a:ea typeface="Arial" panose="020B0706030804020204" pitchFamily="34" charset="0"/>
-                <a:cs typeface="Arial" panose="020B0706030804020204" pitchFamily="34" charset="0"/>
-              </a:rPr>
-              <a:t>laoreet</a:t>
-            </a:r>
-            <a:r>
-              <a:rPr lang="en-US" sz="1500" b="1" dirty="0">
-                <a:solidFill>
-                  <a:schemeClr val="accent1"/>
-                </a:solidFill>
-                <a:latin typeface="Arial" panose="020B0706030804020204" pitchFamily="34" charset="0"/>
-                <a:ea typeface="Arial" panose="020B0706030804020204" pitchFamily="34" charset="0"/>
-                <a:cs typeface="Arial" panose="020B0706030804020204" pitchFamily="34" charset="0"/>
-              </a:rPr>
-              <a:t> </a:t>
-            </a:r>
-            <a:r>
-              <a:rPr lang="en-US" sz="1500" dirty="0" err="1"/>
-              <a:t>dolore</a:t>
-            </a:r>
-            <a:r>
-              <a:rPr lang="en-US" sz="1500" dirty="0"/>
-              <a:t> magna </a:t>
-            </a:r>
-            <a:r>
-              <a:rPr lang="en-US" sz="1500" dirty="0" err="1"/>
-              <a:t>aliquam</a:t>
-            </a:r>
-            <a:r>
-              <a:rPr lang="en-US" sz="1500" dirty="0"/>
-              <a:t> </a:t>
-            </a:r>
-            <a:r>
-              <a:rPr lang="en-US" sz="1500" dirty="0" err="1"/>
-              <a:t>erat</a:t>
-            </a:r>
-            <a:r>
-              <a:rPr lang="en-US" sz="1500" dirty="0"/>
-              <a:t> </a:t>
-            </a:r>
-            <a:r>
-              <a:rPr lang="en-US" sz="1500" dirty="0" err="1"/>
-              <a:t>volutpat</a:t>
-            </a:r>
-            <a:r>
-              <a:rPr lang="en-US" sz="1500" dirty="0"/>
-              <a:t>. Ut </a:t>
-            </a:r>
-            <a:r>
-              <a:rPr lang="en-US" sz="1500" dirty="0" err="1"/>
-              <a:t>wisi</a:t>
-            </a:r>
-            <a:r>
-              <a:rPr lang="en-US" sz="1500" dirty="0"/>
-              <a:t> </a:t>
-            </a:r>
-            <a:r>
-              <a:rPr lang="en-US" sz="1500" dirty="0" err="1"/>
-              <a:t>enim</a:t>
-            </a:r>
-            <a:r>
-              <a:rPr lang="en-US" sz="1500" dirty="0"/>
-              <a:t> ad minim </a:t>
-            </a:r>
-            <a:r>
-              <a:rPr lang="en-US" sz="1500" dirty="0" err="1"/>
-              <a:t>veniam</a:t>
-            </a:r>
-            <a:r>
-              <a:rPr lang="en-US" sz="1500" dirty="0"/>
-              <a:t>, </a:t>
-            </a:r>
-            <a:r>
-              <a:rPr lang="en-US" sz="1500" dirty="0" err="1"/>
-              <a:t>quis</a:t>
-            </a:r>
-            <a:r>
-              <a:rPr lang="en-US" sz="1500" dirty="0"/>
-              <a:t> </a:t>
-            </a:r>
-            <a:r>
-              <a:rPr lang="en-US" sz="1500" dirty="0" err="1"/>
-              <a:t>nostrud</a:t>
-            </a:r>
-            <a:r>
-              <a:rPr lang="en-US" sz="1500" dirty="0"/>
-              <a:t> </a:t>
-            </a:r>
-            <a:r>
-              <a:rPr lang="en-US" sz="1500" dirty="0" err="1"/>
-              <a:t>exerci</a:t>
-            </a:r>
-            <a:r>
-              <a:rPr lang="en-US" sz="1500" dirty="0"/>
-              <a:t> </a:t>
-            </a:r>
-            <a:r>
-              <a:rPr lang="en-US" sz="1500" dirty="0" err="1"/>
-              <a:t>tation</a:t>
-            </a:r>
-            <a:r>
-              <a:rPr lang="en-US" sz="1500" dirty="0"/>
-              <a:t>.</a:t>
+              <a:rPr lang="en-US" sz="1200" dirty="0"/>
+              <a:t>Amazon might be another area to invest in the business</a:t>
             </a:r>
           </a:p>
         </p:txBody>
@@ -35552,8 +34868,8 @@
         </p:blipFill>
         <p:spPr>
           <a:xfrm>
-            <a:off x="6058188" y="1264179"/>
-            <a:ext cx="6133812" cy="3409949"/>
+            <a:off x="5952034" y="1264179"/>
+            <a:ext cx="6239966" cy="3468963"/>
           </a:xfrm>
           <a:prstGeom prst="rect">
             <a:avLst/>
@@ -35574,17 +34890,15 @@
         </p:nvSpPr>
         <p:spPr>
           <a:xfrm>
-            <a:off x="6058188" y="4914966"/>
-            <a:ext cx="6133812" cy="1148904"/>
+            <a:off x="5952034" y="4914966"/>
+            <a:ext cx="6133812" cy="289503"/>
           </a:xfrm>
           <a:prstGeom prst="rect">
             <a:avLst/>
           </a:prstGeom>
           <a:noFill/>
           <a:ln>
-            <a:solidFill>
-              <a:srgbClr val="04244C"/>
-            </a:solidFill>
+            <a:noFill/>
           </a:ln>
         </p:spPr>
         <p:txBody>
@@ -35608,254 +34922,8 @@
               <a:buChar char="•"/>
             </a:pPr>
             <a:r>
-              <a:rPr lang="en-US" sz="1500" dirty="0"/>
-              <a:t>Our idea is to create, </a:t>
-            </a:r>
-            <a:r>
-              <a:rPr lang="en-US" sz="1500" dirty="0" err="1"/>
-              <a:t>consectetuer</a:t>
-            </a:r>
-            <a:r>
-              <a:rPr lang="en-US" sz="1500" dirty="0"/>
-              <a:t> </a:t>
-            </a:r>
-            <a:r>
-              <a:rPr lang="en-US" sz="1500" dirty="0" err="1"/>
-              <a:t>adipiscing</a:t>
-            </a:r>
-            <a:r>
-              <a:rPr lang="en-US" sz="1500" dirty="0"/>
-              <a:t> </a:t>
-            </a:r>
-            <a:r>
-              <a:rPr lang="en-US" sz="1500" dirty="0" err="1"/>
-              <a:t>elit</a:t>
-            </a:r>
-            <a:r>
-              <a:rPr lang="en-US" sz="1500" dirty="0"/>
-              <a:t>, </a:t>
-            </a:r>
-            <a:r>
-              <a:rPr lang="en-US" sz="1500" dirty="0" err="1"/>
-              <a:t>sed</a:t>
-            </a:r>
-            <a:r>
-              <a:rPr lang="en-US" sz="1500" dirty="0"/>
-              <a:t> </a:t>
-            </a:r>
-            <a:r>
-              <a:rPr lang="en-US" sz="1500" dirty="0" err="1"/>
-              <a:t>diam</a:t>
-            </a:r>
-            <a:r>
-              <a:rPr lang="en-US" sz="1500" dirty="0"/>
-              <a:t> </a:t>
-            </a:r>
-            <a:r>
-              <a:rPr lang="en-US" sz="1500" dirty="0" err="1"/>
-              <a:t>nonummy</a:t>
-            </a:r>
-            <a:r>
-              <a:rPr lang="en-US" sz="1500" dirty="0"/>
-              <a:t> </a:t>
-            </a:r>
-            <a:r>
-              <a:rPr lang="en-US" sz="1500" b="1" dirty="0" err="1">
-                <a:solidFill>
-                  <a:schemeClr val="accent1"/>
-                </a:solidFill>
-                <a:latin typeface="Arial" panose="020B0706030804020204" pitchFamily="34" charset="0"/>
-                <a:ea typeface="Arial" panose="020B0706030804020204" pitchFamily="34" charset="0"/>
-                <a:cs typeface="Arial" panose="020B0706030804020204" pitchFamily="34" charset="0"/>
-              </a:rPr>
-              <a:t>nibh</a:t>
-            </a:r>
-            <a:r>
-              <a:rPr lang="en-US" sz="1500" b="1" dirty="0">
-                <a:solidFill>
-                  <a:schemeClr val="accent1"/>
-                </a:solidFill>
-                <a:latin typeface="Arial" panose="020B0706030804020204" pitchFamily="34" charset="0"/>
-                <a:ea typeface="Arial" panose="020B0706030804020204" pitchFamily="34" charset="0"/>
-                <a:cs typeface="Arial" panose="020B0706030804020204" pitchFamily="34" charset="0"/>
-              </a:rPr>
-              <a:t> </a:t>
-            </a:r>
-            <a:r>
-              <a:rPr lang="en-US" sz="1500" b="1" dirty="0" err="1">
-                <a:solidFill>
-                  <a:schemeClr val="accent1"/>
-                </a:solidFill>
-                <a:latin typeface="Arial" panose="020B0706030804020204" pitchFamily="34" charset="0"/>
-                <a:ea typeface="Arial" panose="020B0706030804020204" pitchFamily="34" charset="0"/>
-                <a:cs typeface="Arial" panose="020B0706030804020204" pitchFamily="34" charset="0"/>
-              </a:rPr>
-              <a:t>euismod</a:t>
-            </a:r>
-            <a:r>
-              <a:rPr lang="en-US" sz="1500" b="1" dirty="0">
-                <a:solidFill>
-                  <a:schemeClr val="accent1"/>
-                </a:solidFill>
-                <a:latin typeface="Arial" panose="020B0706030804020204" pitchFamily="34" charset="0"/>
-                <a:ea typeface="Arial" panose="020B0706030804020204" pitchFamily="34" charset="0"/>
-                <a:cs typeface="Arial" panose="020B0706030804020204" pitchFamily="34" charset="0"/>
-              </a:rPr>
-              <a:t> </a:t>
-            </a:r>
-            <a:r>
-              <a:rPr lang="en-US" sz="1500" b="1" dirty="0" err="1">
-                <a:solidFill>
-                  <a:schemeClr val="accent1"/>
-                </a:solidFill>
-                <a:latin typeface="Arial" panose="020B0706030804020204" pitchFamily="34" charset="0"/>
-                <a:ea typeface="Arial" panose="020B0706030804020204" pitchFamily="34" charset="0"/>
-                <a:cs typeface="Arial" panose="020B0706030804020204" pitchFamily="34" charset="0"/>
-              </a:rPr>
-              <a:t>tincidunt</a:t>
-            </a:r>
-            <a:r>
-              <a:rPr lang="en-US" sz="1500" b="1" dirty="0">
-                <a:solidFill>
-                  <a:schemeClr val="accent1"/>
-                </a:solidFill>
-                <a:latin typeface="Arial" panose="020B0706030804020204" pitchFamily="34" charset="0"/>
-                <a:ea typeface="Arial" panose="020B0706030804020204" pitchFamily="34" charset="0"/>
-                <a:cs typeface="Arial" panose="020B0706030804020204" pitchFamily="34" charset="0"/>
-              </a:rPr>
-              <a:t> </a:t>
-            </a:r>
-            <a:r>
-              <a:rPr lang="en-US" sz="1500" b="1" dirty="0" err="1">
-                <a:solidFill>
-                  <a:schemeClr val="accent1"/>
-                </a:solidFill>
-                <a:latin typeface="Arial" panose="020B0706030804020204" pitchFamily="34" charset="0"/>
-                <a:ea typeface="Arial" panose="020B0706030804020204" pitchFamily="34" charset="0"/>
-                <a:cs typeface="Arial" panose="020B0706030804020204" pitchFamily="34" charset="0"/>
-              </a:rPr>
-              <a:t>ut</a:t>
-            </a:r>
-            <a:r>
-              <a:rPr lang="en-US" sz="1500" b="1" dirty="0">
-                <a:solidFill>
-                  <a:schemeClr val="accent1"/>
-                </a:solidFill>
-                <a:latin typeface="Arial" panose="020B0706030804020204" pitchFamily="34" charset="0"/>
-                <a:ea typeface="Arial" panose="020B0706030804020204" pitchFamily="34" charset="0"/>
-                <a:cs typeface="Arial" panose="020B0706030804020204" pitchFamily="34" charset="0"/>
-              </a:rPr>
-              <a:t> </a:t>
-            </a:r>
-            <a:r>
-              <a:rPr lang="en-US" sz="1500" b="1" dirty="0" err="1">
-                <a:solidFill>
-                  <a:schemeClr val="accent1"/>
-                </a:solidFill>
-                <a:latin typeface="Arial" panose="020B0706030804020204" pitchFamily="34" charset="0"/>
-                <a:ea typeface="Arial" panose="020B0706030804020204" pitchFamily="34" charset="0"/>
-                <a:cs typeface="Arial" panose="020B0706030804020204" pitchFamily="34" charset="0"/>
-              </a:rPr>
-              <a:t>laoreet</a:t>
-            </a:r>
-            <a:r>
-              <a:rPr lang="en-US" sz="1500" b="1" dirty="0">
-                <a:solidFill>
-                  <a:schemeClr val="accent1"/>
-                </a:solidFill>
-                <a:latin typeface="Arial" panose="020B0706030804020204" pitchFamily="34" charset="0"/>
-                <a:ea typeface="Arial" panose="020B0706030804020204" pitchFamily="34" charset="0"/>
-                <a:cs typeface="Arial" panose="020B0706030804020204" pitchFamily="34" charset="0"/>
-              </a:rPr>
-              <a:t> </a:t>
-            </a:r>
-            <a:r>
-              <a:rPr lang="en-US" sz="1500" dirty="0" err="1"/>
-              <a:t>dolore</a:t>
-            </a:r>
-            <a:r>
-              <a:rPr lang="en-US" sz="1500" dirty="0"/>
-              <a:t> magna </a:t>
-            </a:r>
-            <a:r>
-              <a:rPr lang="en-US" sz="1500" dirty="0" err="1"/>
-              <a:t>aliquam</a:t>
-            </a:r>
-            <a:r>
-              <a:rPr lang="en-US" sz="1500" dirty="0"/>
-              <a:t> </a:t>
-            </a:r>
-            <a:r>
-              <a:rPr lang="en-US" sz="1500" dirty="0" err="1"/>
-              <a:t>erat</a:t>
-            </a:r>
-            <a:r>
-              <a:rPr lang="en-US" sz="1500" dirty="0"/>
-              <a:t> </a:t>
-            </a:r>
-            <a:r>
-              <a:rPr lang="en-US" sz="1500" dirty="0" err="1"/>
-              <a:t>volutpat</a:t>
-            </a:r>
-            <a:r>
-              <a:rPr lang="en-US" sz="1500" dirty="0"/>
-              <a:t>. Ut </a:t>
-            </a:r>
-            <a:r>
-              <a:rPr lang="en-US" sz="1500" dirty="0" err="1"/>
-              <a:t>wisi</a:t>
-            </a:r>
-            <a:r>
-              <a:rPr lang="en-US" sz="1500" dirty="0"/>
-              <a:t> </a:t>
-            </a:r>
-            <a:r>
-              <a:rPr lang="en-US" sz="1500" dirty="0" err="1"/>
-              <a:t>enim</a:t>
-            </a:r>
-            <a:r>
-              <a:rPr lang="en-US" sz="1500" dirty="0"/>
-              <a:t> ad minim </a:t>
-            </a:r>
-            <a:r>
-              <a:rPr lang="en-US" sz="1500" dirty="0" err="1"/>
-              <a:t>veniam</a:t>
-            </a:r>
-            <a:r>
-              <a:rPr lang="en-US" sz="1500" dirty="0"/>
-              <a:t>, </a:t>
-            </a:r>
-            <a:r>
-              <a:rPr lang="en-US" sz="1500" dirty="0" err="1"/>
-              <a:t>quis</a:t>
-            </a:r>
-            <a:r>
-              <a:rPr lang="en-US" sz="1500" dirty="0"/>
-              <a:t> </a:t>
-            </a:r>
-            <a:r>
-              <a:rPr lang="en-US" sz="1500" dirty="0" err="1"/>
-              <a:t>nostrud</a:t>
-            </a:r>
-            <a:r>
-              <a:rPr lang="en-US" sz="1500" dirty="0"/>
-              <a:t> </a:t>
-            </a:r>
-            <a:r>
-              <a:rPr lang="en-US" sz="1500" dirty="0" err="1"/>
-              <a:t>exerci</a:t>
-            </a:r>
-            <a:r>
-              <a:rPr lang="en-US" sz="1500" dirty="0"/>
-              <a:t> </a:t>
-            </a:r>
-            <a:r>
-              <a:rPr lang="en-US" sz="1500" dirty="0" err="1"/>
-              <a:t>tation</a:t>
-            </a:r>
-            <a:r>
-              <a:rPr lang="en-US" sz="1500" dirty="0"/>
-              <a:t>.</a:t>
+              <a:rPr lang="en-US" sz="1200" dirty="0"/>
+              <a:t>Increasing YoY growth in gross margin and profit</a:t>
             </a:r>
           </a:p>
         </p:txBody>
@@ -36140,7 +35208,7 @@
         <p:spPr>
           <a:xfrm>
             <a:off x="6356742" y="2540241"/>
-            <a:ext cx="5459481" cy="338682"/>
+            <a:ext cx="5459481" cy="1299523"/>
           </a:xfrm>
           <a:prstGeom prst="rect">
             <a:avLst/>
@@ -36169,13 +35237,48 @@
             </a:pPr>
             <a:r>
               <a:rPr lang="en-US" sz="1500" dirty="0"/>
-              <a:t>Analyze cost structure of Camping </a:t>
+              <a:t>Analyze cost structure of Camping Equipment</a:t>
             </a:r>
+          </a:p>
+          <a:p>
+            <a:pPr marL="742950" lvl="1" indent="-285750">
+              <a:lnSpc>
+                <a:spcPct val="117000"/>
+              </a:lnSpc>
+              <a:spcAft>
+                <a:spcPts val="1200"/>
+              </a:spcAft>
+              <a:buClr>
+                <a:srgbClr val="04244C"/>
+              </a:buClr>
+              <a:buSzPct val="170000"/>
+              <a:buFont typeface="Arial" panose="020B0604020202020204" pitchFamily="34" charset="0"/>
+              <a:buChar char="•"/>
+            </a:pPr>
             <a:r>
-              <a:rPr lang="en-US" sz="1500" dirty="0" err="1"/>
-              <a:t>Equipments</a:t>
+              <a:rPr lang="en-US" sz="1200" dirty="0"/>
+              <a:t>Identify areas where costs can be reduced or prices adjusted</a:t>
             </a:r>
-            <a:endParaRPr lang="en-US" sz="1500" dirty="0"/>
+          </a:p>
+          <a:p>
+            <a:pPr marL="742950" lvl="1" indent="-285750">
+              <a:lnSpc>
+                <a:spcPct val="117000"/>
+              </a:lnSpc>
+              <a:spcAft>
+                <a:spcPts val="1200"/>
+              </a:spcAft>
+              <a:buClr>
+                <a:srgbClr val="04244C"/>
+              </a:buClr>
+              <a:buSzPct val="170000"/>
+              <a:buFont typeface="Arial" panose="020B0604020202020204" pitchFamily="34" charset="0"/>
+              <a:buChar char="•"/>
+            </a:pPr>
+            <a:r>
+              <a:rPr lang="en-US" sz="1200" dirty="0"/>
+              <a:t>Focus on driving more efficient operations or improve negotiations with suppliers</a:t>
+            </a:r>
           </a:p>
         </p:txBody>
       </p:sp>
